--- a/doc/Task07/Task07.pptx
+++ b/doc/Task07/Task07.pptx
@@ -13,10 +13,10 @@
   <p:sldIdLst>
     <p:sldId id="259" r:id="rId5"/>
     <p:sldId id="302" r:id="rId6"/>
-    <p:sldId id="303" r:id="rId7"/>
-    <p:sldId id="304" r:id="rId8"/>
-    <p:sldId id="300" r:id="rId9"/>
-    <p:sldId id="301" r:id="rId10"/>
+    <p:sldId id="304" r:id="rId7"/>
+    <p:sldId id="300" r:id="rId8"/>
+    <p:sldId id="301" r:id="rId9"/>
+    <p:sldId id="303" r:id="rId10"/>
     <p:sldId id="299" r:id="rId11"/>
   </p:sldIdLst>
   <p:sldSz cx="9144000" cy="6858000" type="screen4x3"/>
@@ -6967,15 +6967,7 @@
           <a:p>
             <a:r>
               <a:rPr lang="de-CH" b="1" dirty="0" smtClean="0"/>
-              <a:t>09</a:t>
-            </a:r>
-            <a:r>
-              <a:rPr lang="de-CH" b="1" dirty="0" smtClean="0"/>
-              <a:t>.11.2015</a:t>
-            </a:r>
-            <a:r>
-              <a:rPr lang="de-CH" b="1" dirty="0" smtClean="0"/>
-              <a:t>, Schmocker, Noser, Tschanz, Zysset, Iseli, Schmied</a:t>
+              <a:t>09.11.2015, Schmocker, Noser, Tschanz, Zysset, Iseli, Schmied</a:t>
             </a:r>
             <a:endParaRPr lang="de-DE" b="1" dirty="0"/>
           </a:p>
@@ -7048,7 +7040,7 @@
         </p:nvSpPr>
         <p:spPr>
           <a:xfrm>
-            <a:off x="3203971" y="2058643"/>
+            <a:off x="3021476" y="2058643"/>
             <a:ext cx="1368743" cy="582848"/>
           </a:xfrm>
           <a:prstGeom prst="rect">
@@ -7080,7 +7072,6 @@
               <a:rPr lang="de-CH" sz="1800" dirty="0"/>
               <a:t>Patient</a:t>
             </a:r>
-            <a:endParaRPr lang="de-CH" sz="1800" dirty="0"/>
           </a:p>
         </p:txBody>
       </p:sp>
@@ -7124,7 +7115,6 @@
               <a:rPr lang="de-CH" sz="1800" dirty="0"/>
               <a:t>Kalender</a:t>
             </a:r>
-            <a:endParaRPr lang="de-CH" sz="1800" dirty="0"/>
           </a:p>
         </p:txBody>
       </p:sp>
@@ -7139,8 +7129,8 @@
         </p:nvCxnSpPr>
         <p:spPr>
           <a:xfrm flipV="1">
-            <a:off x="4572714" y="2349327"/>
-            <a:ext cx="1009950" cy="740"/>
+            <a:off x="4390219" y="2349326"/>
+            <a:ext cx="1192445" cy="741"/>
           </a:xfrm>
           <a:prstGeom prst="straightConnector1">
             <a:avLst/>
@@ -7174,9 +7164,9 @@
           <p:nvPr/>
         </p:nvCxnSpPr>
         <p:spPr>
-          <a:xfrm>
-            <a:off x="3888343" y="2641491"/>
-            <a:ext cx="12501" cy="2028703"/>
+          <a:xfrm flipH="1">
+            <a:off x="3660280" y="2641491"/>
+            <a:ext cx="45568" cy="2028703"/>
           </a:xfrm>
           <a:prstGeom prst="straightConnector1">
             <a:avLst/>
@@ -7240,7 +7230,6 @@
               <a:rPr lang="de-CH" sz="1800" dirty="0"/>
               <a:t>Krankheit</a:t>
             </a:r>
-            <a:endParaRPr lang="de-CH" sz="1800" dirty="0"/>
           </a:p>
         </p:txBody>
       </p:sp>
@@ -7255,8 +7244,8 @@
         </p:nvCxnSpPr>
         <p:spPr>
           <a:xfrm flipH="1" flipV="1">
-            <a:off x="1416876" y="2349327"/>
-            <a:ext cx="1787096" cy="740"/>
+            <a:off x="1416876" y="2349326"/>
+            <a:ext cx="1604600" cy="741"/>
           </a:xfrm>
           <a:prstGeom prst="straightConnector1">
             <a:avLst/>
@@ -7384,8 +7373,8 @@
         </p:nvSpPr>
         <p:spPr>
           <a:xfrm>
-            <a:off x="3926209" y="1622623"/>
-            <a:ext cx="1293011" cy="646331"/>
+            <a:off x="3870852" y="1476447"/>
+            <a:ext cx="1361229" cy="646331"/>
           </a:xfrm>
           <a:prstGeom prst="rect">
             <a:avLst/>
@@ -7402,7 +7391,6 @@
               <a:rPr lang="de-CH" sz="1800" dirty="0"/>
               <a:t>Überwiesen zu</a:t>
             </a:r>
-            <a:endParaRPr lang="de-CH" sz="1800" dirty="0"/>
           </a:p>
         </p:txBody>
       </p:sp>
@@ -7414,8 +7402,8 @@
         </p:nvSpPr>
         <p:spPr>
           <a:xfrm>
-            <a:off x="3216472" y="4670194"/>
-            <a:ext cx="1368743" cy="582848"/>
+            <a:off x="2735345" y="4670194"/>
+            <a:ext cx="1849870" cy="582848"/>
           </a:xfrm>
           <a:prstGeom prst="rect">
             <a:avLst/>
@@ -7443,10 +7431,9 @@
           <a:p>
             <a:pPr algn="ctr"/>
             <a:r>
-              <a:rPr lang="de-CH" sz="1800" dirty="0"/>
+              <a:rPr lang="de-CH" sz="1600" dirty="0"/>
               <a:t>Medikationsplan</a:t>
             </a:r>
-            <a:endParaRPr lang="de-CH" sz="1800" dirty="0"/>
           </a:p>
         </p:txBody>
       </p:sp>
@@ -7490,7 +7477,6 @@
               <a:rPr lang="de-CH" sz="1800" dirty="0"/>
               <a:t>Medikamente</a:t>
             </a:r>
-            <a:endParaRPr lang="de-CH" sz="1800" dirty="0"/>
           </a:p>
         </p:txBody>
       </p:sp>
@@ -7534,7 +7520,6 @@
               <a:rPr lang="de-CH" sz="1800" dirty="0"/>
               <a:t>Rezepte</a:t>
             </a:r>
-            <a:endParaRPr lang="de-CH" sz="1800" dirty="0"/>
           </a:p>
         </p:txBody>
       </p:sp>
@@ -7549,8 +7534,8 @@
         </p:nvCxnSpPr>
         <p:spPr>
           <a:xfrm flipV="1">
-            <a:off x="4585216" y="4961617"/>
-            <a:ext cx="1019948" cy="1"/>
+            <a:off x="4585215" y="4961617"/>
+            <a:ext cx="1019949" cy="1"/>
           </a:xfrm>
           <a:prstGeom prst="straightConnector1">
             <a:avLst/>
@@ -7708,7 +7693,6 @@
               <a:rPr lang="de-CH" sz="1800" dirty="0"/>
               <a:t>0-</a:t>
             </a:r>
-            <a:endParaRPr lang="de-CH" sz="1800" dirty="0"/>
           </a:p>
         </p:txBody>
       </p:sp>
@@ -7752,7 +7736,6 @@
               <a:rPr lang="de-CH" sz="1800" dirty="0"/>
               <a:t>Termin</a:t>
             </a:r>
-            <a:endParaRPr lang="de-CH" sz="1800" dirty="0"/>
           </a:p>
         </p:txBody>
       </p:sp>
@@ -7800,7 +7783,7 @@
         </p:nvSpPr>
         <p:spPr>
           <a:xfrm>
-            <a:off x="3228975" y="898161"/>
+            <a:off x="3058949" y="770315"/>
             <a:ext cx="1318736" cy="582848"/>
           </a:xfrm>
           <a:prstGeom prst="rect">
@@ -7832,7 +7815,6 @@
               <a:rPr lang="de-CH" sz="1800" dirty="0"/>
               <a:t>Arzt</a:t>
             </a:r>
-            <a:endParaRPr lang="de-CH" sz="1800" dirty="0"/>
           </a:p>
         </p:txBody>
       </p:sp>
@@ -7847,8 +7829,8 @@
         </p:nvCxnSpPr>
         <p:spPr>
           <a:xfrm flipV="1">
-            <a:off x="3888343" y="1481008"/>
-            <a:ext cx="0" cy="577634"/>
+            <a:off x="3705848" y="1353163"/>
+            <a:ext cx="12469" cy="705480"/>
           </a:xfrm>
           <a:prstGeom prst="straightConnector1">
             <a:avLst/>
@@ -8018,7 +8000,6 @@
               <a:rPr lang="de-CH" sz="1800" dirty="0"/>
               <a:t>hat</a:t>
             </a:r>
-            <a:endParaRPr lang="de-CH" sz="1800" dirty="0"/>
           </a:p>
         </p:txBody>
       </p:sp>
@@ -8030,7 +8011,7 @@
         </p:nvSpPr>
         <p:spPr>
           <a:xfrm>
-            <a:off x="4619860" y="4712219"/>
+            <a:off x="4523026" y="4677405"/>
             <a:ext cx="1293011" cy="369332"/>
           </a:xfrm>
           <a:prstGeom prst="rect">
@@ -8048,7 +8029,6 @@
               <a:rPr lang="de-CH" sz="1800" dirty="0"/>
               <a:t>beinhaltet</a:t>
             </a:r>
-            <a:endParaRPr lang="de-CH" sz="1800" dirty="0"/>
           </a:p>
         </p:txBody>
       </p:sp>
@@ -8078,7 +8058,6 @@
               <a:rPr lang="de-CH" sz="1800" dirty="0"/>
               <a:t>benötigen</a:t>
             </a:r>
-            <a:endParaRPr lang="de-CH" sz="1800" dirty="0"/>
           </a:p>
         </p:txBody>
       </p:sp>
@@ -8108,7 +8087,6 @@
               <a:rPr lang="de-CH" sz="1800" dirty="0"/>
               <a:t>hat</a:t>
             </a:r>
-            <a:endParaRPr lang="de-CH" sz="1800" dirty="0"/>
           </a:p>
         </p:txBody>
       </p:sp>
@@ -8138,7 +8116,6 @@
               <a:rPr lang="de-CH" sz="1800" dirty="0"/>
               <a:t>Diagnostiziert mit</a:t>
             </a:r>
-            <a:endParaRPr lang="de-CH" sz="1800" dirty="0"/>
           </a:p>
         </p:txBody>
       </p:sp>
@@ -8168,7 +8145,6 @@
               <a:rPr lang="de-CH" sz="1800" dirty="0"/>
               <a:t>hat</a:t>
             </a:r>
-            <a:endParaRPr lang="de-CH" sz="1800" dirty="0"/>
           </a:p>
         </p:txBody>
       </p:sp>
@@ -8231,8 +8207,8 @@
         </p:nvCxnSpPr>
         <p:spPr>
           <a:xfrm rot="16200000" flipV="1">
-            <a:off x="6044152" y="-306856"/>
-            <a:ext cx="868317" cy="3861199"/>
+            <a:off x="5895217" y="-455792"/>
+            <a:ext cx="996163" cy="4031225"/>
           </a:xfrm>
           <a:prstGeom prst="curvedConnector2">
             <a:avLst/>
@@ -8265,7 +8241,7 @@
         <p:spPr>
           <a:xfrm>
             <a:off x="6044962" y="1324133"/>
-            <a:ext cx="1415258" cy="646331"/>
+            <a:ext cx="1679576" cy="646331"/>
           </a:xfrm>
           <a:prstGeom prst="rect">
             <a:avLst/>
@@ -8282,7 +8258,6 @@
               <a:rPr lang="de-CH" sz="1800" dirty="0"/>
               <a:t>Durchgeführt von</a:t>
             </a:r>
-            <a:endParaRPr lang="de-CH" sz="1800" dirty="0"/>
           </a:p>
         </p:txBody>
       </p:sp>
@@ -8334,6 +8309,34 @@
           </a:prstGeom>
         </p:spPr>
       </p:pic>
+      <p:sp>
+        <p:nvSpPr>
+          <p:cNvPr id="18" name="Titel 17"/>
+          <p:cNvSpPr>
+            <a:spLocks noGrp="1"/>
+          </p:cNvSpPr>
+          <p:nvPr>
+            <p:ph type="ctrTitle"/>
+          </p:nvPr>
+        </p:nvSpPr>
+        <p:spPr>
+          <a:xfrm>
+            <a:off x="271044" y="195176"/>
+            <a:ext cx="8100000" cy="540000"/>
+          </a:xfrm>
+        </p:spPr>
+        <p:txBody>
+          <a:bodyPr/>
+          <a:lstStyle/>
+          <a:p>
+            <a:r>
+              <a:rPr lang="de-CH" dirty="0" smtClean="0"/>
+              <a:t>Domain Model </a:t>
+            </a:r>
+            <a:endParaRPr lang="de-CH" dirty="0"/>
+          </a:p>
+        </p:txBody>
+      </p:sp>
     </p:spTree>
     <p:extLst>
       <p:ext uri="{BB962C8B-B14F-4D97-AF65-F5344CB8AC3E}">
@@ -8348,1658 +8351,6 @@
 </file>
 
 <file path=ppt/slides/slide3.xml><?xml version="1.0" encoding="utf-8"?>
-<p:sld xmlns:a="http://schemas.openxmlformats.org/drawingml/2006/main" xmlns:r="http://schemas.openxmlformats.org/officeDocument/2006/relationships" xmlns:p="http://schemas.openxmlformats.org/presentationml/2006/main">
-  <p:cSld>
-    <p:spTree>
-      <p:nvGrpSpPr>
-        <p:cNvPr id="1" name=""/>
-        <p:cNvGrpSpPr/>
-        <p:nvPr/>
-      </p:nvGrpSpPr>
-      <p:grpSpPr>
-        <a:xfrm>
-          <a:off x="0" y="0"/>
-          <a:ext cx="0" cy="0"/>
-          <a:chOff x="0" y="0"/>
-          <a:chExt cx="0" cy="0"/>
-        </a:xfrm>
-      </p:grpSpPr>
-      <p:sp>
-        <p:nvSpPr>
-          <p:cNvPr id="5" name="Rechteck 4"/>
-          <p:cNvSpPr/>
-          <p:nvPr/>
-        </p:nvSpPr>
-        <p:spPr>
-          <a:xfrm>
-            <a:off x="3210450" y="2118740"/>
-            <a:ext cx="1368743" cy="476579"/>
-          </a:xfrm>
-          <a:prstGeom prst="rect">
-            <a:avLst/>
-          </a:prstGeom>
-        </p:spPr>
-        <p:style>
-          <a:lnRef idx="2">
-            <a:schemeClr val="accent1">
-              <a:shade val="50000"/>
-            </a:schemeClr>
-          </a:lnRef>
-          <a:fillRef idx="1">
-            <a:schemeClr val="accent1"/>
-          </a:fillRef>
-          <a:effectRef idx="0">
-            <a:schemeClr val="accent1"/>
-          </a:effectRef>
-          <a:fontRef idx="minor">
-            <a:schemeClr val="lt1"/>
-          </a:fontRef>
-        </p:style>
-        <p:txBody>
-          <a:bodyPr rtlCol="0" anchor="ctr"/>
-          <a:lstStyle/>
-          <a:p>
-            <a:pPr algn="ctr"/>
-            <a:r>
-              <a:rPr lang="de-CH" sz="1800" dirty="0"/>
-              <a:t>+Patient</a:t>
-            </a:r>
-            <a:endParaRPr lang="de-CH" sz="1800" dirty="0"/>
-          </a:p>
-        </p:txBody>
-      </p:sp>
-      <p:sp>
-        <p:nvSpPr>
-          <p:cNvPr id="10" name="Rechteck 9"/>
-          <p:cNvSpPr/>
-          <p:nvPr/>
-        </p:nvSpPr>
-        <p:spPr>
-          <a:xfrm>
-            <a:off x="5582663" y="2057902"/>
-            <a:ext cx="1495008" cy="582848"/>
-          </a:xfrm>
-          <a:prstGeom prst="rect">
-            <a:avLst/>
-          </a:prstGeom>
-        </p:spPr>
-        <p:style>
-          <a:lnRef idx="2">
-            <a:schemeClr val="accent1">
-              <a:shade val="50000"/>
-            </a:schemeClr>
-          </a:lnRef>
-          <a:fillRef idx="1">
-            <a:schemeClr val="accent1"/>
-          </a:fillRef>
-          <a:effectRef idx="0">
-            <a:schemeClr val="accent1"/>
-          </a:effectRef>
-          <a:fontRef idx="minor">
-            <a:schemeClr val="lt1"/>
-          </a:fontRef>
-        </p:style>
-        <p:txBody>
-          <a:bodyPr rtlCol="0" anchor="ctr"/>
-          <a:lstStyle/>
-          <a:p>
-            <a:pPr algn="ctr"/>
-            <a:r>
-              <a:rPr lang="de-CH" sz="1800" dirty="0"/>
-              <a:t>Kalender</a:t>
-            </a:r>
-            <a:endParaRPr lang="de-CH" sz="1800" dirty="0"/>
-          </a:p>
-        </p:txBody>
-      </p:sp>
-      <p:cxnSp>
-        <p:nvCxnSpPr>
-          <p:cNvPr id="19" name="Gerade Verbindung mit Pfeil 18"/>
-          <p:cNvCxnSpPr>
-            <a:stCxn id="5" idx="3"/>
-            <a:endCxn id="10" idx="1"/>
-          </p:cNvCxnSpPr>
-          <p:nvPr/>
-        </p:nvCxnSpPr>
-        <p:spPr>
-          <a:xfrm flipV="1">
-            <a:off x="4579193" y="2349327"/>
-            <a:ext cx="1003471" cy="7703"/>
-          </a:xfrm>
-          <a:prstGeom prst="straightConnector1">
-            <a:avLst/>
-          </a:prstGeom>
-          <a:ln>
-            <a:tailEnd type="triangle"/>
-          </a:ln>
-        </p:spPr>
-        <p:style>
-          <a:lnRef idx="1">
-            <a:schemeClr val="accent1"/>
-          </a:lnRef>
-          <a:fillRef idx="0">
-            <a:schemeClr val="accent1"/>
-          </a:fillRef>
-          <a:effectRef idx="0">
-            <a:schemeClr val="accent1"/>
-          </a:effectRef>
-          <a:fontRef idx="minor">
-            <a:schemeClr val="tx1"/>
-          </a:fontRef>
-        </p:style>
-      </p:cxnSp>
-      <p:cxnSp>
-        <p:nvCxnSpPr>
-          <p:cNvPr id="26" name="Gerade Verbindung mit Pfeil 25"/>
-          <p:cNvCxnSpPr>
-            <a:stCxn id="5" idx="2"/>
-            <a:endCxn id="78" idx="0"/>
-          </p:cNvCxnSpPr>
-          <p:nvPr/>
-        </p:nvCxnSpPr>
-        <p:spPr>
-          <a:xfrm>
-            <a:off x="3894821" y="2595319"/>
-            <a:ext cx="6023" cy="2074874"/>
-          </a:xfrm>
-          <a:prstGeom prst="straightConnector1">
-            <a:avLst/>
-          </a:prstGeom>
-          <a:ln>
-            <a:tailEnd type="triangle"/>
-          </a:ln>
-        </p:spPr>
-        <p:style>
-          <a:lnRef idx="1">
-            <a:schemeClr val="accent1"/>
-          </a:lnRef>
-          <a:fillRef idx="0">
-            <a:schemeClr val="accent1"/>
-          </a:fillRef>
-          <a:effectRef idx="0">
-            <a:schemeClr val="accent1"/>
-          </a:effectRef>
-          <a:fontRef idx="minor">
-            <a:schemeClr val="tx1"/>
-          </a:fontRef>
-        </p:style>
-      </p:cxnSp>
-      <p:sp>
-        <p:nvSpPr>
-          <p:cNvPr id="33" name="Rechteck 32"/>
-          <p:cNvSpPr/>
-          <p:nvPr/>
-        </p:nvSpPr>
-        <p:spPr>
-          <a:xfrm>
-            <a:off x="48133" y="2057902"/>
-            <a:ext cx="1368743" cy="582848"/>
-          </a:xfrm>
-          <a:prstGeom prst="rect">
-            <a:avLst/>
-          </a:prstGeom>
-        </p:spPr>
-        <p:style>
-          <a:lnRef idx="2">
-            <a:schemeClr val="accent1">
-              <a:shade val="50000"/>
-            </a:schemeClr>
-          </a:lnRef>
-          <a:fillRef idx="1">
-            <a:schemeClr val="accent1"/>
-          </a:fillRef>
-          <a:effectRef idx="0">
-            <a:schemeClr val="accent1"/>
-          </a:effectRef>
-          <a:fontRef idx="minor">
-            <a:schemeClr val="lt1"/>
-          </a:fontRef>
-        </p:style>
-        <p:txBody>
-          <a:bodyPr rtlCol="0" anchor="ctr"/>
-          <a:lstStyle/>
-          <a:p>
-            <a:pPr algn="ctr"/>
-            <a:r>
-              <a:rPr lang="de-CH" sz="1800" dirty="0"/>
-              <a:t>Krankheit</a:t>
-            </a:r>
-            <a:endParaRPr lang="de-CH" sz="1800" dirty="0"/>
-          </a:p>
-        </p:txBody>
-      </p:sp>
-      <p:cxnSp>
-        <p:nvCxnSpPr>
-          <p:cNvPr id="34" name="Gerade Verbindung mit Pfeil 33"/>
-          <p:cNvCxnSpPr>
-            <a:stCxn id="5" idx="1"/>
-            <a:endCxn id="33" idx="3"/>
-          </p:cNvCxnSpPr>
-          <p:nvPr/>
-        </p:nvCxnSpPr>
-        <p:spPr>
-          <a:xfrm flipH="1" flipV="1">
-            <a:off x="1416876" y="2349327"/>
-            <a:ext cx="1793574" cy="7703"/>
-          </a:xfrm>
-          <a:prstGeom prst="straightConnector1">
-            <a:avLst/>
-          </a:prstGeom>
-          <a:ln>
-            <a:tailEnd type="triangle"/>
-          </a:ln>
-        </p:spPr>
-        <p:style>
-          <a:lnRef idx="1">
-            <a:schemeClr val="accent1"/>
-          </a:lnRef>
-          <a:fillRef idx="0">
-            <a:schemeClr val="accent1"/>
-          </a:fillRef>
-          <a:effectRef idx="0">
-            <a:schemeClr val="accent1"/>
-          </a:effectRef>
-          <a:fontRef idx="minor">
-            <a:schemeClr val="tx1"/>
-          </a:fontRef>
-        </p:style>
-      </p:cxnSp>
-      <p:pic>
-        <p:nvPicPr>
-          <p:cNvPr id="56" name="Grafik 55"/>
-          <p:cNvPicPr>
-            <a:picLocks noChangeAspect="1"/>
-          </p:cNvPicPr>
-          <p:nvPr/>
-        </p:nvPicPr>
-        <p:blipFill>
-          <a:blip r:embed="rId2"/>
-          <a:stretch>
-            <a:fillRect/>
-          </a:stretch>
-        </p:blipFill>
-        <p:spPr>
-          <a:xfrm>
-            <a:off x="3507577" y="3580590"/>
-            <a:ext cx="157163" cy="200025"/>
-          </a:xfrm>
-          <a:prstGeom prst="rect">
-            <a:avLst/>
-          </a:prstGeom>
-        </p:spPr>
-      </p:pic>
-      <p:pic>
-        <p:nvPicPr>
-          <p:cNvPr id="57" name="Grafik 56"/>
-          <p:cNvPicPr>
-            <a:picLocks noChangeAspect="1"/>
-          </p:cNvPicPr>
-          <p:nvPr/>
-        </p:nvPicPr>
-        <p:blipFill>
-          <a:blip r:embed="rId3"/>
-          <a:stretch>
-            <a:fillRect/>
-          </a:stretch>
-        </p:blipFill>
-        <p:spPr>
-          <a:xfrm>
-            <a:off x="1508321" y="2114318"/>
-            <a:ext cx="264319" cy="178594"/>
-          </a:xfrm>
-          <a:prstGeom prst="rect">
-            <a:avLst/>
-          </a:prstGeom>
-        </p:spPr>
-      </p:pic>
-      <p:pic>
-        <p:nvPicPr>
-          <p:cNvPr id="59" name="Grafik 58"/>
-          <p:cNvPicPr>
-            <a:picLocks noChangeAspect="1"/>
-          </p:cNvPicPr>
-          <p:nvPr/>
-        </p:nvPicPr>
-        <p:blipFill>
-          <a:blip r:embed="rId3"/>
-          <a:stretch>
-            <a:fillRect/>
-          </a:stretch>
-        </p:blipFill>
-        <p:spPr>
-          <a:xfrm>
-            <a:off x="2735345" y="2079736"/>
-            <a:ext cx="264319" cy="178594"/>
-          </a:xfrm>
-          <a:prstGeom prst="rect">
-            <a:avLst/>
-          </a:prstGeom>
-        </p:spPr>
-      </p:pic>
-      <p:pic>
-        <p:nvPicPr>
-          <p:cNvPr id="63" name="Grafik 62"/>
-          <p:cNvPicPr>
-            <a:picLocks noChangeAspect="1"/>
-          </p:cNvPicPr>
-          <p:nvPr/>
-        </p:nvPicPr>
-        <p:blipFill>
-          <a:blip r:embed="rId2"/>
-          <a:stretch>
-            <a:fillRect/>
-          </a:stretch>
-        </p:blipFill>
-        <p:spPr>
-          <a:xfrm>
-            <a:off x="5364517" y="2126390"/>
-            <a:ext cx="157163" cy="200025"/>
-          </a:xfrm>
-          <a:prstGeom prst="rect">
-            <a:avLst/>
-          </a:prstGeom>
-        </p:spPr>
-      </p:pic>
-      <p:sp>
-        <p:nvSpPr>
-          <p:cNvPr id="77" name="Textfeld 76"/>
-          <p:cNvSpPr txBox="1"/>
-          <p:nvPr/>
-        </p:nvSpPr>
-        <p:spPr>
-          <a:xfrm>
-            <a:off x="3926209" y="1622623"/>
-            <a:ext cx="1293011" cy="646331"/>
-          </a:xfrm>
-          <a:prstGeom prst="rect">
-            <a:avLst/>
-          </a:prstGeom>
-          <a:noFill/>
-        </p:spPr>
-        <p:txBody>
-          <a:bodyPr wrap="square" rtlCol="0">
-            <a:spAutoFit/>
-          </a:bodyPr>
-          <a:lstStyle/>
-          <a:p>
-            <a:r>
-              <a:rPr lang="de-CH" sz="1800" dirty="0"/>
-              <a:t>Überwiesen zu</a:t>
-            </a:r>
-            <a:endParaRPr lang="de-CH" sz="1800" dirty="0"/>
-          </a:p>
-        </p:txBody>
-      </p:sp>
-      <p:sp>
-        <p:nvSpPr>
-          <p:cNvPr id="78" name="Rechteck 77"/>
-          <p:cNvSpPr/>
-          <p:nvPr/>
-        </p:nvSpPr>
-        <p:spPr>
-          <a:xfrm>
-            <a:off x="3216472" y="4670194"/>
-            <a:ext cx="1368743" cy="582848"/>
-          </a:xfrm>
-          <a:prstGeom prst="rect">
-            <a:avLst/>
-          </a:prstGeom>
-        </p:spPr>
-        <p:style>
-          <a:lnRef idx="2">
-            <a:schemeClr val="accent1">
-              <a:shade val="50000"/>
-            </a:schemeClr>
-          </a:lnRef>
-          <a:fillRef idx="1">
-            <a:schemeClr val="accent1"/>
-          </a:fillRef>
-          <a:effectRef idx="0">
-            <a:schemeClr val="accent1"/>
-          </a:effectRef>
-          <a:fontRef idx="minor">
-            <a:schemeClr val="lt1"/>
-          </a:fontRef>
-        </p:style>
-        <p:txBody>
-          <a:bodyPr rtlCol="0" anchor="ctr"/>
-          <a:lstStyle/>
-          <a:p>
-            <a:pPr algn="ctr"/>
-            <a:r>
-              <a:rPr lang="de-CH" sz="1800" dirty="0"/>
-              <a:t>Medikationsplan</a:t>
-            </a:r>
-            <a:endParaRPr lang="de-CH" sz="1800" dirty="0"/>
-          </a:p>
-        </p:txBody>
-      </p:sp>
-      <p:sp>
-        <p:nvSpPr>
-          <p:cNvPr id="79" name="Rechteck 78"/>
-          <p:cNvSpPr/>
-          <p:nvPr/>
-        </p:nvSpPr>
-        <p:spPr>
-          <a:xfrm>
-            <a:off x="5605164" y="4670193"/>
-            <a:ext cx="1170146" cy="582848"/>
-          </a:xfrm>
-          <a:prstGeom prst="rect">
-            <a:avLst/>
-          </a:prstGeom>
-        </p:spPr>
-        <p:style>
-          <a:lnRef idx="2">
-            <a:schemeClr val="accent1">
-              <a:shade val="50000"/>
-            </a:schemeClr>
-          </a:lnRef>
-          <a:fillRef idx="1">
-            <a:schemeClr val="accent1"/>
-          </a:fillRef>
-          <a:effectRef idx="0">
-            <a:schemeClr val="accent1"/>
-          </a:effectRef>
-          <a:fontRef idx="minor">
-            <a:schemeClr val="lt1"/>
-          </a:fontRef>
-        </p:style>
-        <p:txBody>
-          <a:bodyPr rtlCol="0" anchor="ctr"/>
-          <a:lstStyle/>
-          <a:p>
-            <a:pPr algn="ctr"/>
-            <a:r>
-              <a:rPr lang="de-CH" sz="1800" dirty="0"/>
-              <a:t>Medikamente</a:t>
-            </a:r>
-            <a:endParaRPr lang="de-CH" sz="1800" dirty="0"/>
-          </a:p>
-        </p:txBody>
-      </p:sp>
-      <p:sp>
-        <p:nvSpPr>
-          <p:cNvPr id="80" name="Rechteck 79"/>
-          <p:cNvSpPr/>
-          <p:nvPr/>
-        </p:nvSpPr>
-        <p:spPr>
-          <a:xfrm>
-            <a:off x="8253174" y="4670192"/>
-            <a:ext cx="755807" cy="582848"/>
-          </a:xfrm>
-          <a:prstGeom prst="rect">
-            <a:avLst/>
-          </a:prstGeom>
-        </p:spPr>
-        <p:style>
-          <a:lnRef idx="2">
-            <a:schemeClr val="accent1">
-              <a:shade val="50000"/>
-            </a:schemeClr>
-          </a:lnRef>
-          <a:fillRef idx="1">
-            <a:schemeClr val="accent1"/>
-          </a:fillRef>
-          <a:effectRef idx="0">
-            <a:schemeClr val="accent1"/>
-          </a:effectRef>
-          <a:fontRef idx="minor">
-            <a:schemeClr val="lt1"/>
-          </a:fontRef>
-        </p:style>
-        <p:txBody>
-          <a:bodyPr rtlCol="0" anchor="ctr"/>
-          <a:lstStyle/>
-          <a:p>
-            <a:pPr algn="ctr"/>
-            <a:r>
-              <a:rPr lang="de-CH" sz="1800" dirty="0"/>
-              <a:t>Rezepte</a:t>
-            </a:r>
-            <a:endParaRPr lang="de-CH" sz="1800" dirty="0"/>
-          </a:p>
-        </p:txBody>
-      </p:sp>
-      <p:cxnSp>
-        <p:nvCxnSpPr>
-          <p:cNvPr id="81" name="Gerade Verbindung mit Pfeil 80"/>
-          <p:cNvCxnSpPr>
-            <a:stCxn id="78" idx="3"/>
-            <a:endCxn id="79" idx="1"/>
-          </p:cNvCxnSpPr>
-          <p:nvPr/>
-        </p:nvCxnSpPr>
-        <p:spPr>
-          <a:xfrm flipV="1">
-            <a:off x="4585216" y="4961617"/>
-            <a:ext cx="1019948" cy="1"/>
-          </a:xfrm>
-          <a:prstGeom prst="straightConnector1">
-            <a:avLst/>
-          </a:prstGeom>
-          <a:ln>
-            <a:tailEnd type="triangle"/>
-          </a:ln>
-        </p:spPr>
-        <p:style>
-          <a:lnRef idx="1">
-            <a:schemeClr val="accent1"/>
-          </a:lnRef>
-          <a:fillRef idx="0">
-            <a:schemeClr val="accent1"/>
-          </a:fillRef>
-          <a:effectRef idx="0">
-            <a:schemeClr val="accent1"/>
-          </a:effectRef>
-          <a:fontRef idx="minor">
-            <a:schemeClr val="tx1"/>
-          </a:fontRef>
-        </p:style>
-      </p:cxnSp>
-      <p:cxnSp>
-        <p:nvCxnSpPr>
-          <p:cNvPr id="82" name="Gerade Verbindung mit Pfeil 81"/>
-          <p:cNvCxnSpPr>
-            <a:stCxn id="79" idx="3"/>
-            <a:endCxn id="80" idx="1"/>
-          </p:cNvCxnSpPr>
-          <p:nvPr/>
-        </p:nvCxnSpPr>
-        <p:spPr>
-          <a:xfrm flipV="1">
-            <a:off x="6775310" y="4961616"/>
-            <a:ext cx="1477864" cy="1"/>
-          </a:xfrm>
-          <a:prstGeom prst="straightConnector1">
-            <a:avLst/>
-          </a:prstGeom>
-          <a:ln>
-            <a:tailEnd type="triangle"/>
-          </a:ln>
-        </p:spPr>
-        <p:style>
-          <a:lnRef idx="1">
-            <a:schemeClr val="accent1"/>
-          </a:lnRef>
-          <a:fillRef idx="0">
-            <a:schemeClr val="accent1"/>
-          </a:fillRef>
-          <a:effectRef idx="0">
-            <a:schemeClr val="accent1"/>
-          </a:effectRef>
-          <a:fontRef idx="minor">
-            <a:schemeClr val="tx1"/>
-          </a:fontRef>
-        </p:style>
-      </p:cxnSp>
-      <p:pic>
-        <p:nvPicPr>
-          <p:cNvPr id="83" name="Grafik 82"/>
-          <p:cNvPicPr>
-            <a:picLocks noChangeAspect="1"/>
-          </p:cNvPicPr>
-          <p:nvPr/>
-        </p:nvPicPr>
-        <p:blipFill>
-          <a:blip r:embed="rId3"/>
-          <a:stretch>
-            <a:fillRect/>
-          </a:stretch>
-        </p:blipFill>
-        <p:spPr>
-          <a:xfrm>
-            <a:off x="4619860" y="5028689"/>
-            <a:ext cx="264319" cy="178594"/>
-          </a:xfrm>
-          <a:prstGeom prst="rect">
-            <a:avLst/>
-          </a:prstGeom>
-        </p:spPr>
-      </p:pic>
-      <p:pic>
-        <p:nvPicPr>
-          <p:cNvPr id="84" name="Grafik 83"/>
-          <p:cNvPicPr>
-            <a:picLocks noChangeAspect="1"/>
-          </p:cNvPicPr>
-          <p:nvPr/>
-        </p:nvPicPr>
-        <p:blipFill>
-          <a:blip r:embed="rId3"/>
-          <a:stretch>
-            <a:fillRect/>
-          </a:stretch>
-        </p:blipFill>
-        <p:spPr>
-          <a:xfrm>
-            <a:off x="5301555" y="5040558"/>
-            <a:ext cx="264319" cy="178594"/>
-          </a:xfrm>
-          <a:prstGeom prst="rect">
-            <a:avLst/>
-          </a:prstGeom>
-        </p:spPr>
-      </p:pic>
-      <p:pic>
-        <p:nvPicPr>
-          <p:cNvPr id="85" name="Grafik 84"/>
-          <p:cNvPicPr>
-            <a:picLocks noChangeAspect="1"/>
-          </p:cNvPicPr>
-          <p:nvPr/>
-        </p:nvPicPr>
-        <p:blipFill>
-          <a:blip r:embed="rId2"/>
-          <a:stretch>
-            <a:fillRect/>
-          </a:stretch>
-        </p:blipFill>
-        <p:spPr>
-          <a:xfrm>
-            <a:off x="8047791" y="5065502"/>
-            <a:ext cx="157163" cy="200025"/>
-          </a:xfrm>
-          <a:prstGeom prst="rect">
-            <a:avLst/>
-          </a:prstGeom>
-        </p:spPr>
-      </p:pic>
-      <p:sp>
-        <p:nvSpPr>
-          <p:cNvPr id="86" name="Textfeld 85"/>
-          <p:cNvSpPr txBox="1"/>
-          <p:nvPr/>
-        </p:nvSpPr>
-        <p:spPr>
-          <a:xfrm>
-            <a:off x="7908845" y="5027015"/>
-            <a:ext cx="277892" cy="646331"/>
-          </a:xfrm>
-          <a:prstGeom prst="rect">
-            <a:avLst/>
-          </a:prstGeom>
-          <a:noFill/>
-        </p:spPr>
-        <p:txBody>
-          <a:bodyPr wrap="square" rtlCol="0">
-            <a:spAutoFit/>
-          </a:bodyPr>
-          <a:lstStyle/>
-          <a:p>
-            <a:r>
-              <a:rPr lang="de-CH" sz="1800" dirty="0"/>
-              <a:t>0-</a:t>
-            </a:r>
-            <a:endParaRPr lang="de-CH" sz="1800" dirty="0"/>
-          </a:p>
-        </p:txBody>
-      </p:sp>
-      <p:sp>
-        <p:nvSpPr>
-          <p:cNvPr id="102" name="Rechteck 101"/>
-          <p:cNvSpPr/>
-          <p:nvPr/>
-        </p:nvSpPr>
-        <p:spPr>
-          <a:xfrm>
-            <a:off x="7724538" y="2057902"/>
-            <a:ext cx="1368743" cy="582848"/>
-          </a:xfrm>
-          <a:prstGeom prst="rect">
-            <a:avLst/>
-          </a:prstGeom>
-        </p:spPr>
-        <p:style>
-          <a:lnRef idx="2">
-            <a:schemeClr val="accent1">
-              <a:shade val="50000"/>
-            </a:schemeClr>
-          </a:lnRef>
-          <a:fillRef idx="1">
-            <a:schemeClr val="accent1"/>
-          </a:fillRef>
-          <a:effectRef idx="0">
-            <a:schemeClr val="accent1"/>
-          </a:effectRef>
-          <a:fontRef idx="minor">
-            <a:schemeClr val="lt1"/>
-          </a:fontRef>
-        </p:style>
-        <p:txBody>
-          <a:bodyPr rtlCol="0" anchor="ctr"/>
-          <a:lstStyle/>
-          <a:p>
-            <a:pPr algn="ctr"/>
-            <a:r>
-              <a:rPr lang="de-CH" sz="1800" dirty="0"/>
-              <a:t>Termin</a:t>
-            </a:r>
-            <a:endParaRPr lang="de-CH" sz="1800" dirty="0"/>
-          </a:p>
-        </p:txBody>
-      </p:sp>
-      <p:cxnSp>
-        <p:nvCxnSpPr>
-          <p:cNvPr id="112" name="Gerade Verbindung mit Pfeil 111"/>
-          <p:cNvCxnSpPr>
-            <a:stCxn id="10" idx="3"/>
-            <a:endCxn id="102" idx="1"/>
-          </p:cNvCxnSpPr>
-          <p:nvPr/>
-        </p:nvCxnSpPr>
-        <p:spPr>
-          <a:xfrm>
-            <a:off x="7077672" y="2349326"/>
-            <a:ext cx="646867" cy="0"/>
-          </a:xfrm>
-          <a:prstGeom prst="straightConnector1">
-            <a:avLst/>
-          </a:prstGeom>
-          <a:ln>
-            <a:tailEnd type="triangle"/>
-          </a:ln>
-        </p:spPr>
-        <p:style>
-          <a:lnRef idx="1">
-            <a:schemeClr val="accent1"/>
-          </a:lnRef>
-          <a:fillRef idx="0">
-            <a:schemeClr val="accent1"/>
-          </a:fillRef>
-          <a:effectRef idx="0">
-            <a:schemeClr val="accent1"/>
-          </a:effectRef>
-          <a:fontRef idx="minor">
-            <a:schemeClr val="tx1"/>
-          </a:fontRef>
-        </p:style>
-      </p:cxnSp>
-      <p:sp>
-        <p:nvSpPr>
-          <p:cNvPr id="118" name="Rechteck 117"/>
-          <p:cNvSpPr/>
-          <p:nvPr/>
-        </p:nvSpPr>
-        <p:spPr>
-          <a:xfrm>
-            <a:off x="3228975" y="898161"/>
-            <a:ext cx="1318736" cy="582848"/>
-          </a:xfrm>
-          <a:prstGeom prst="rect">
-            <a:avLst/>
-          </a:prstGeom>
-        </p:spPr>
-        <p:style>
-          <a:lnRef idx="2">
-            <a:schemeClr val="accent1">
-              <a:shade val="50000"/>
-            </a:schemeClr>
-          </a:lnRef>
-          <a:fillRef idx="1">
-            <a:schemeClr val="accent1"/>
-          </a:fillRef>
-          <a:effectRef idx="0">
-            <a:schemeClr val="accent1"/>
-          </a:effectRef>
-          <a:fontRef idx="minor">
-            <a:schemeClr val="lt1"/>
-          </a:fontRef>
-        </p:style>
-        <p:txBody>
-          <a:bodyPr rtlCol="0" anchor="ctr"/>
-          <a:lstStyle/>
-          <a:p>
-            <a:pPr algn="ctr"/>
-            <a:r>
-              <a:rPr lang="de-CH" sz="1800" dirty="0"/>
-              <a:t>Arzt</a:t>
-            </a:r>
-            <a:endParaRPr lang="de-CH" sz="1800" dirty="0"/>
-          </a:p>
-        </p:txBody>
-      </p:sp>
-      <p:cxnSp>
-        <p:nvCxnSpPr>
-          <p:cNvPr id="119" name="Gerade Verbindung mit Pfeil 118"/>
-          <p:cNvCxnSpPr>
-            <a:stCxn id="5" idx="0"/>
-            <a:endCxn id="118" idx="2"/>
-          </p:cNvCxnSpPr>
-          <p:nvPr/>
-        </p:nvCxnSpPr>
-        <p:spPr>
-          <a:xfrm flipH="1" flipV="1">
-            <a:off x="3888343" y="1481009"/>
-            <a:ext cx="6479" cy="637732"/>
-          </a:xfrm>
-          <a:prstGeom prst="straightConnector1">
-            <a:avLst/>
-          </a:prstGeom>
-          <a:ln>
-            <a:tailEnd type="triangle"/>
-          </a:ln>
-        </p:spPr>
-        <p:style>
-          <a:lnRef idx="1">
-            <a:schemeClr val="accent1"/>
-          </a:lnRef>
-          <a:fillRef idx="0">
-            <a:schemeClr val="accent1"/>
-          </a:fillRef>
-          <a:effectRef idx="0">
-            <a:schemeClr val="accent1"/>
-          </a:effectRef>
-          <a:fontRef idx="minor">
-            <a:schemeClr val="tx1"/>
-          </a:fontRef>
-        </p:style>
-      </p:cxnSp>
-      <p:pic>
-        <p:nvPicPr>
-          <p:cNvPr id="137" name="Grafik 136"/>
-          <p:cNvPicPr>
-            <a:picLocks noChangeAspect="1"/>
-          </p:cNvPicPr>
-          <p:nvPr/>
-        </p:nvPicPr>
-        <p:blipFill>
-          <a:blip r:embed="rId3"/>
-          <a:stretch>
-            <a:fillRect/>
-          </a:stretch>
-        </p:blipFill>
-        <p:spPr>
-          <a:xfrm>
-            <a:off x="3586159" y="1859051"/>
-            <a:ext cx="264319" cy="178594"/>
-          </a:xfrm>
-          <a:prstGeom prst="rect">
-            <a:avLst/>
-          </a:prstGeom>
-        </p:spPr>
-      </p:pic>
-      <p:pic>
-        <p:nvPicPr>
-          <p:cNvPr id="139" name="Grafik 138"/>
-          <p:cNvPicPr>
-            <a:picLocks noChangeAspect="1"/>
-          </p:cNvPicPr>
-          <p:nvPr/>
-        </p:nvPicPr>
-        <p:blipFill>
-          <a:blip r:embed="rId3"/>
-          <a:stretch>
-            <a:fillRect/>
-          </a:stretch>
-        </p:blipFill>
-        <p:spPr>
-          <a:xfrm>
-            <a:off x="3586158" y="1531015"/>
-            <a:ext cx="264319" cy="178594"/>
-          </a:xfrm>
-          <a:prstGeom prst="rect">
-            <a:avLst/>
-          </a:prstGeom>
-        </p:spPr>
-      </p:pic>
-      <p:pic>
-        <p:nvPicPr>
-          <p:cNvPr id="140" name="Grafik 139"/>
-          <p:cNvPicPr>
-            <a:picLocks noChangeAspect="1"/>
-          </p:cNvPicPr>
-          <p:nvPr/>
-        </p:nvPicPr>
-        <p:blipFill>
-          <a:blip r:embed="rId3"/>
-          <a:stretch>
-            <a:fillRect/>
-          </a:stretch>
-        </p:blipFill>
-        <p:spPr>
-          <a:xfrm>
-            <a:off x="7084867" y="2145527"/>
-            <a:ext cx="264319" cy="178594"/>
-          </a:xfrm>
-          <a:prstGeom prst="rect">
-            <a:avLst/>
-          </a:prstGeom>
-        </p:spPr>
-      </p:pic>
-      <p:pic>
-        <p:nvPicPr>
-          <p:cNvPr id="141" name="Grafik 140"/>
-          <p:cNvPicPr>
-            <a:picLocks noChangeAspect="1"/>
-          </p:cNvPicPr>
-          <p:nvPr/>
-        </p:nvPicPr>
-        <p:blipFill>
-          <a:blip r:embed="rId3"/>
-          <a:stretch>
-            <a:fillRect/>
-          </a:stretch>
-        </p:blipFill>
-        <p:spPr>
-          <a:xfrm>
-            <a:off x="7460220" y="2140116"/>
-            <a:ext cx="264319" cy="178594"/>
-          </a:xfrm>
-          <a:prstGeom prst="rect">
-            <a:avLst/>
-          </a:prstGeom>
-        </p:spPr>
-      </p:pic>
-      <p:pic>
-        <p:nvPicPr>
-          <p:cNvPr id="142" name="Grafik 141"/>
-          <p:cNvPicPr>
-            <a:picLocks noChangeAspect="1"/>
-          </p:cNvPicPr>
-          <p:nvPr/>
-        </p:nvPicPr>
-        <p:blipFill>
-          <a:blip r:embed="rId2"/>
-          <a:stretch>
-            <a:fillRect/>
-          </a:stretch>
-        </p:blipFill>
-        <p:spPr>
-          <a:xfrm>
-            <a:off x="6814599" y="5040558"/>
-            <a:ext cx="157163" cy="200025"/>
-          </a:xfrm>
-          <a:prstGeom prst="rect">
-            <a:avLst/>
-          </a:prstGeom>
-        </p:spPr>
-      </p:pic>
-      <p:sp>
-        <p:nvSpPr>
-          <p:cNvPr id="146" name="Textfeld 145"/>
-          <p:cNvSpPr txBox="1"/>
-          <p:nvPr/>
-        </p:nvSpPr>
-        <p:spPr>
-          <a:xfrm>
-            <a:off x="3850477" y="3680603"/>
-            <a:ext cx="1293011" cy="369332"/>
-          </a:xfrm>
-          <a:prstGeom prst="rect">
-            <a:avLst/>
-          </a:prstGeom>
-          <a:noFill/>
-        </p:spPr>
-        <p:txBody>
-          <a:bodyPr wrap="square" rtlCol="0">
-            <a:spAutoFit/>
-          </a:bodyPr>
-          <a:lstStyle/>
-          <a:p>
-            <a:r>
-              <a:rPr lang="de-CH" sz="1800" dirty="0"/>
-              <a:t>hat</a:t>
-            </a:r>
-            <a:endParaRPr lang="de-CH" sz="1800" dirty="0"/>
-          </a:p>
-        </p:txBody>
-      </p:sp>
-      <p:sp>
-        <p:nvSpPr>
-          <p:cNvPr id="147" name="Textfeld 146"/>
-          <p:cNvSpPr txBox="1"/>
-          <p:nvPr/>
-        </p:nvSpPr>
-        <p:spPr>
-          <a:xfrm>
-            <a:off x="4619860" y="4712219"/>
-            <a:ext cx="1293011" cy="369332"/>
-          </a:xfrm>
-          <a:prstGeom prst="rect">
-            <a:avLst/>
-          </a:prstGeom>
-          <a:noFill/>
-        </p:spPr>
-        <p:txBody>
-          <a:bodyPr wrap="square" rtlCol="0">
-            <a:spAutoFit/>
-          </a:bodyPr>
-          <a:lstStyle/>
-          <a:p>
-            <a:r>
-              <a:rPr lang="de-CH" sz="1800" dirty="0"/>
-              <a:t>beinhaltet</a:t>
-            </a:r>
-            <a:endParaRPr lang="de-CH" sz="1800" dirty="0"/>
-          </a:p>
-        </p:txBody>
-      </p:sp>
-      <p:sp>
-        <p:nvSpPr>
-          <p:cNvPr id="149" name="Textfeld 148"/>
-          <p:cNvSpPr txBox="1"/>
-          <p:nvPr/>
-        </p:nvSpPr>
-        <p:spPr>
-          <a:xfrm>
-            <a:off x="6971761" y="4677405"/>
-            <a:ext cx="1293011" cy="369332"/>
-          </a:xfrm>
-          <a:prstGeom prst="rect">
-            <a:avLst/>
-          </a:prstGeom>
-          <a:noFill/>
-        </p:spPr>
-        <p:txBody>
-          <a:bodyPr wrap="square" rtlCol="0">
-            <a:spAutoFit/>
-          </a:bodyPr>
-          <a:lstStyle/>
-          <a:p>
-            <a:r>
-              <a:rPr lang="de-CH" sz="1800" dirty="0"/>
-              <a:t>benötigen</a:t>
-            </a:r>
-            <a:endParaRPr lang="de-CH" sz="1800" dirty="0"/>
-          </a:p>
-        </p:txBody>
-      </p:sp>
-      <p:sp>
-        <p:nvSpPr>
-          <p:cNvPr id="150" name="Textfeld 149"/>
-          <p:cNvSpPr txBox="1"/>
-          <p:nvPr/>
-        </p:nvSpPr>
-        <p:spPr>
-          <a:xfrm>
-            <a:off x="4680145" y="2378807"/>
-            <a:ext cx="1293011" cy="369332"/>
-          </a:xfrm>
-          <a:prstGeom prst="rect">
-            <a:avLst/>
-          </a:prstGeom>
-          <a:noFill/>
-        </p:spPr>
-        <p:txBody>
-          <a:bodyPr wrap="square" rtlCol="0">
-            <a:spAutoFit/>
-          </a:bodyPr>
-          <a:lstStyle/>
-          <a:p>
-            <a:r>
-              <a:rPr lang="de-CH" sz="1800" dirty="0"/>
-              <a:t>hat</a:t>
-            </a:r>
-            <a:endParaRPr lang="de-CH" sz="1800" dirty="0"/>
-          </a:p>
-        </p:txBody>
-      </p:sp>
-      <p:sp>
-        <p:nvSpPr>
-          <p:cNvPr id="151" name="Textfeld 150"/>
-          <p:cNvSpPr txBox="1"/>
-          <p:nvPr/>
-        </p:nvSpPr>
-        <p:spPr>
-          <a:xfrm>
-            <a:off x="1508320" y="2397269"/>
-            <a:ext cx="1601177" cy="646331"/>
-          </a:xfrm>
-          <a:prstGeom prst="rect">
-            <a:avLst/>
-          </a:prstGeom>
-          <a:noFill/>
-        </p:spPr>
-        <p:txBody>
-          <a:bodyPr wrap="square" rtlCol="0">
-            <a:spAutoFit/>
-          </a:bodyPr>
-          <a:lstStyle/>
-          <a:p>
-            <a:r>
-              <a:rPr lang="de-CH" sz="1800" dirty="0"/>
-              <a:t>Diagnostiziert mit</a:t>
-            </a:r>
-            <a:endParaRPr lang="de-CH" sz="1800" dirty="0"/>
-          </a:p>
-        </p:txBody>
-      </p:sp>
-      <p:sp>
-        <p:nvSpPr>
-          <p:cNvPr id="157" name="Textfeld 156"/>
-          <p:cNvSpPr txBox="1"/>
-          <p:nvPr/>
-        </p:nvSpPr>
-        <p:spPr>
-          <a:xfrm>
-            <a:off x="7078033" y="2389519"/>
-            <a:ext cx="1293011" cy="369332"/>
-          </a:xfrm>
-          <a:prstGeom prst="rect">
-            <a:avLst/>
-          </a:prstGeom>
-          <a:noFill/>
-        </p:spPr>
-        <p:txBody>
-          <a:bodyPr wrap="square" rtlCol="0">
-            <a:spAutoFit/>
-          </a:bodyPr>
-          <a:lstStyle/>
-          <a:p>
-            <a:r>
-              <a:rPr lang="de-CH" sz="1800" dirty="0"/>
-              <a:t>hat</a:t>
-            </a:r>
-            <a:endParaRPr lang="de-CH" sz="1800" dirty="0"/>
-          </a:p>
-        </p:txBody>
-      </p:sp>
-      <p:pic>
-        <p:nvPicPr>
-          <p:cNvPr id="161" name="Grafik 160"/>
-          <p:cNvPicPr>
-            <a:picLocks noChangeAspect="1"/>
-          </p:cNvPicPr>
-          <p:nvPr/>
-        </p:nvPicPr>
-        <p:blipFill>
-          <a:blip r:embed="rId3"/>
-          <a:stretch>
-            <a:fillRect/>
-          </a:stretch>
-        </p:blipFill>
-        <p:spPr>
-          <a:xfrm>
-            <a:off x="3578302" y="4439078"/>
-            <a:ext cx="264319" cy="178594"/>
-          </a:xfrm>
-          <a:prstGeom prst="rect">
-            <a:avLst/>
-          </a:prstGeom>
-        </p:spPr>
-      </p:pic>
-      <p:pic>
-        <p:nvPicPr>
-          <p:cNvPr id="162" name="Grafik 161"/>
-          <p:cNvPicPr>
-            <a:picLocks noChangeAspect="1"/>
-          </p:cNvPicPr>
-          <p:nvPr/>
-        </p:nvPicPr>
-        <p:blipFill>
-          <a:blip r:embed="rId2"/>
-          <a:stretch>
-            <a:fillRect/>
-          </a:stretch>
-        </p:blipFill>
-        <p:spPr>
-          <a:xfrm>
-            <a:off x="4601564" y="2140115"/>
-            <a:ext cx="157163" cy="200025"/>
-          </a:xfrm>
-          <a:prstGeom prst="rect">
-            <a:avLst/>
-          </a:prstGeom>
-        </p:spPr>
-      </p:pic>
-      <p:cxnSp>
-        <p:nvCxnSpPr>
-          <p:cNvPr id="164" name="Gekrümmte Verbindung 163"/>
-          <p:cNvCxnSpPr>
-            <a:stCxn id="102" idx="0"/>
-            <a:endCxn id="118" idx="3"/>
-          </p:cNvCxnSpPr>
-          <p:nvPr/>
-        </p:nvCxnSpPr>
-        <p:spPr>
-          <a:xfrm rot="16200000" flipV="1">
-            <a:off x="6044152" y="-306856"/>
-            <a:ext cx="868317" cy="3861199"/>
-          </a:xfrm>
-          <a:prstGeom prst="curvedConnector2">
-            <a:avLst/>
-          </a:prstGeom>
-          <a:ln>
-            <a:tailEnd type="triangle"/>
-          </a:ln>
-        </p:spPr>
-        <p:style>
-          <a:lnRef idx="1">
-            <a:schemeClr val="accent1"/>
-          </a:lnRef>
-          <a:fillRef idx="0">
-            <a:schemeClr val="accent1"/>
-          </a:fillRef>
-          <a:effectRef idx="0">
-            <a:schemeClr val="accent1"/>
-          </a:effectRef>
-          <a:fontRef idx="minor">
-            <a:schemeClr val="tx1"/>
-          </a:fontRef>
-        </p:style>
-      </p:cxnSp>
-      <p:sp>
-        <p:nvSpPr>
-          <p:cNvPr id="165" name="Textfeld 164"/>
-          <p:cNvSpPr txBox="1"/>
-          <p:nvPr/>
-        </p:nvSpPr>
-        <p:spPr>
-          <a:xfrm>
-            <a:off x="6044962" y="1324133"/>
-            <a:ext cx="1415258" cy="646331"/>
-          </a:xfrm>
-          <a:prstGeom prst="rect">
-            <a:avLst/>
-          </a:prstGeom>
-          <a:noFill/>
-        </p:spPr>
-        <p:txBody>
-          <a:bodyPr wrap="square" rtlCol="0">
-            <a:spAutoFit/>
-          </a:bodyPr>
-          <a:lstStyle/>
-          <a:p>
-            <a:r>
-              <a:rPr lang="de-CH" sz="1800" dirty="0"/>
-              <a:t>Durchgeführt von</a:t>
-            </a:r>
-            <a:endParaRPr lang="de-CH" sz="1800" dirty="0"/>
-          </a:p>
-        </p:txBody>
-      </p:sp>
-      <p:pic>
-        <p:nvPicPr>
-          <p:cNvPr id="166" name="Grafik 165"/>
-          <p:cNvPicPr>
-            <a:picLocks noChangeAspect="1"/>
-          </p:cNvPicPr>
-          <p:nvPr/>
-        </p:nvPicPr>
-        <p:blipFill>
-          <a:blip r:embed="rId3"/>
-          <a:stretch>
-            <a:fillRect/>
-          </a:stretch>
-        </p:blipFill>
-        <p:spPr>
-          <a:xfrm>
-            <a:off x="8408910" y="1853541"/>
-            <a:ext cx="264319" cy="178594"/>
-          </a:xfrm>
-          <a:prstGeom prst="rect">
-            <a:avLst/>
-          </a:prstGeom>
-        </p:spPr>
-      </p:pic>
-      <p:pic>
-        <p:nvPicPr>
-          <p:cNvPr id="167" name="Grafik 166"/>
-          <p:cNvPicPr>
-            <a:picLocks noChangeAspect="1"/>
-          </p:cNvPicPr>
-          <p:nvPr/>
-        </p:nvPicPr>
-        <p:blipFill>
-          <a:blip r:embed="rId2"/>
-          <a:stretch>
-            <a:fillRect/>
-          </a:stretch>
-        </p:blipFill>
-        <p:spPr>
-          <a:xfrm>
-            <a:off x="4601564" y="961727"/>
-            <a:ext cx="157163" cy="200025"/>
-          </a:xfrm>
-          <a:prstGeom prst="rect">
-            <a:avLst/>
-          </a:prstGeom>
-        </p:spPr>
-      </p:pic>
-      <p:sp>
-        <p:nvSpPr>
-          <p:cNvPr id="12" name="Rechteck 11"/>
-          <p:cNvSpPr/>
-          <p:nvPr/>
-        </p:nvSpPr>
-        <p:spPr>
-          <a:xfrm>
-            <a:off x="3216473" y="2535220"/>
-            <a:ext cx="1362720" cy="918587"/>
-          </a:xfrm>
-          <a:prstGeom prst="rect">
-            <a:avLst/>
-          </a:prstGeom>
-        </p:spPr>
-        <p:style>
-          <a:lnRef idx="2">
-            <a:schemeClr val="accent1"/>
-          </a:lnRef>
-          <a:fillRef idx="1">
-            <a:schemeClr val="lt1"/>
-          </a:fillRef>
-          <a:effectRef idx="0">
-            <a:schemeClr val="accent1"/>
-          </a:effectRef>
-          <a:fontRef idx="minor">
-            <a:schemeClr val="dk1"/>
-          </a:fontRef>
-        </p:style>
-        <p:txBody>
-          <a:bodyPr rtlCol="0" anchor="t"/>
-          <a:lstStyle/>
-          <a:p>
-            <a:r>
-              <a:rPr lang="de-CH" sz="900" dirty="0"/>
-              <a:t>-</a:t>
-            </a:r>
-            <a:r>
-              <a:rPr lang="de-CH" sz="900" dirty="0"/>
-              <a:t>PID: Integer</a:t>
-            </a:r>
-          </a:p>
-          <a:p>
-            <a:r>
-              <a:rPr lang="de-CH" sz="900" dirty="0"/>
-              <a:t>-</a:t>
-            </a:r>
-            <a:r>
-              <a:rPr lang="de-CH" sz="900" dirty="0"/>
-              <a:t>name: String</a:t>
-            </a:r>
-          </a:p>
-          <a:p>
-            <a:r>
-              <a:rPr lang="de-CH" sz="900" dirty="0"/>
-              <a:t>-</a:t>
-            </a:r>
-            <a:r>
-              <a:rPr lang="de-CH" sz="900" dirty="0" err="1"/>
-              <a:t>firstname</a:t>
-            </a:r>
-            <a:r>
-              <a:rPr lang="de-CH" sz="900" dirty="0"/>
-              <a:t>: String</a:t>
-            </a:r>
-          </a:p>
-          <a:p>
-            <a:r>
-              <a:rPr lang="de-CH" sz="900" dirty="0"/>
-              <a:t>_____________________</a:t>
-            </a:r>
-          </a:p>
-          <a:p>
-            <a:r>
-              <a:rPr lang="de-CH" sz="900" dirty="0"/>
-              <a:t>+</a:t>
-            </a:r>
-            <a:r>
-              <a:rPr lang="de-CH" sz="900" dirty="0" err="1"/>
-              <a:t>get</a:t>
-            </a:r>
-            <a:r>
-              <a:rPr lang="de-CH" sz="900" dirty="0"/>
-              <a:t>()</a:t>
-            </a:r>
-          </a:p>
-          <a:p>
-            <a:r>
-              <a:rPr lang="de-CH" sz="900" dirty="0"/>
-              <a:t>+</a:t>
-            </a:r>
-            <a:r>
-              <a:rPr lang="de-CH" sz="900" dirty="0" err="1"/>
-              <a:t>set</a:t>
-            </a:r>
-            <a:r>
-              <a:rPr lang="de-CH" sz="900" dirty="0"/>
-              <a:t>()</a:t>
-            </a:r>
-          </a:p>
-        </p:txBody>
-      </p:sp>
-      <p:sp>
-        <p:nvSpPr>
-          <p:cNvPr id="58" name="Rechteck 57"/>
-          <p:cNvSpPr/>
-          <p:nvPr/>
-        </p:nvSpPr>
-        <p:spPr>
-          <a:xfrm>
-            <a:off x="5582663" y="2485537"/>
-            <a:ext cx="1495370" cy="1295078"/>
-          </a:xfrm>
-          <a:prstGeom prst="rect">
-            <a:avLst/>
-          </a:prstGeom>
-        </p:spPr>
-        <p:style>
-          <a:lnRef idx="2">
-            <a:schemeClr val="accent1"/>
-          </a:lnRef>
-          <a:fillRef idx="1">
-            <a:schemeClr val="lt1"/>
-          </a:fillRef>
-          <a:effectRef idx="0">
-            <a:schemeClr val="accent1"/>
-          </a:effectRef>
-          <a:fontRef idx="minor">
-            <a:schemeClr val="dk1"/>
-          </a:fontRef>
-        </p:style>
-        <p:txBody>
-          <a:bodyPr rtlCol="0" anchor="t"/>
-          <a:lstStyle/>
-          <a:p>
-            <a:r>
-              <a:rPr lang="de-CH" sz="900" dirty="0"/>
-              <a:t>-PID: Integer</a:t>
-            </a:r>
-          </a:p>
-          <a:p>
-            <a:r>
-              <a:rPr lang="de-CH" sz="900" dirty="0"/>
-              <a:t>-KID: Integer</a:t>
-            </a:r>
-          </a:p>
-          <a:p>
-            <a:r>
-              <a:rPr lang="de-CH" sz="900" dirty="0"/>
-              <a:t>-</a:t>
-            </a:r>
-            <a:r>
-              <a:rPr lang="de-CH" sz="900" dirty="0" err="1"/>
-              <a:t>terminList</a:t>
-            </a:r>
-            <a:r>
-              <a:rPr lang="de-CH" sz="900" dirty="0"/>
-              <a:t>: </a:t>
-            </a:r>
-            <a:r>
-              <a:rPr lang="de-CH" sz="900" dirty="0" err="1"/>
-              <a:t>ArrayList</a:t>
-            </a:r>
-            <a:r>
-              <a:rPr lang="de-CH" sz="900" dirty="0"/>
-              <a:t>&lt;String&gt;</a:t>
-            </a:r>
-          </a:p>
-          <a:p>
-            <a:r>
-              <a:rPr lang="de-CH" sz="900" dirty="0"/>
-              <a:t>_______________________</a:t>
-            </a:r>
-          </a:p>
-          <a:p>
-            <a:r>
-              <a:rPr lang="de-CH" sz="900" dirty="0"/>
-              <a:t>+</a:t>
-            </a:r>
-            <a:r>
-              <a:rPr lang="de-CH" sz="900" dirty="0" err="1"/>
-              <a:t>get</a:t>
-            </a:r>
-            <a:r>
-              <a:rPr lang="de-CH" sz="900" dirty="0"/>
-              <a:t>()</a:t>
-            </a:r>
-          </a:p>
-          <a:p>
-            <a:r>
-              <a:rPr lang="de-CH" sz="900" dirty="0"/>
-              <a:t>+</a:t>
-            </a:r>
-            <a:r>
-              <a:rPr lang="de-CH" sz="900" dirty="0" err="1"/>
-              <a:t>set</a:t>
-            </a:r>
-            <a:r>
-              <a:rPr lang="de-CH" sz="900" dirty="0"/>
-              <a:t>()</a:t>
-            </a:r>
-          </a:p>
-          <a:p>
-            <a:r>
-              <a:rPr lang="de-CH" sz="900" dirty="0"/>
-              <a:t>+</a:t>
-            </a:r>
-            <a:r>
-              <a:rPr lang="de-CH" sz="900" dirty="0" err="1"/>
-              <a:t>newMeeting</a:t>
-            </a:r>
-            <a:r>
-              <a:rPr lang="de-CH" sz="900" dirty="0"/>
-              <a:t>()</a:t>
-            </a:r>
-          </a:p>
-          <a:p>
-            <a:r>
-              <a:rPr lang="de-CH" sz="900" dirty="0"/>
-              <a:t>+</a:t>
-            </a:r>
-            <a:r>
-              <a:rPr lang="de-CH" sz="900" dirty="0" err="1"/>
-              <a:t>meetingSoon</a:t>
-            </a:r>
-            <a:r>
-              <a:rPr lang="de-CH" sz="900" dirty="0"/>
-              <a:t>()</a:t>
-            </a:r>
-          </a:p>
-          <a:p>
-            <a:r>
-              <a:rPr lang="de-CH" sz="900" dirty="0"/>
-              <a:t>+alert()</a:t>
-            </a:r>
-            <a:endParaRPr lang="de-CH" sz="900" dirty="0"/>
-          </a:p>
-        </p:txBody>
-      </p:sp>
-      <p:sp>
-        <p:nvSpPr>
-          <p:cNvPr id="60" name="Rechteck 59"/>
-          <p:cNvSpPr/>
-          <p:nvPr/>
-        </p:nvSpPr>
-        <p:spPr>
-          <a:xfrm>
-            <a:off x="7724538" y="2462765"/>
-            <a:ext cx="1368743" cy="1384754"/>
-          </a:xfrm>
-          <a:prstGeom prst="rect">
-            <a:avLst/>
-          </a:prstGeom>
-        </p:spPr>
-        <p:style>
-          <a:lnRef idx="2">
-            <a:schemeClr val="accent1"/>
-          </a:lnRef>
-          <a:fillRef idx="1">
-            <a:schemeClr val="lt1"/>
-          </a:fillRef>
-          <a:effectRef idx="0">
-            <a:schemeClr val="accent1"/>
-          </a:effectRef>
-          <a:fontRef idx="minor">
-            <a:schemeClr val="dk1"/>
-          </a:fontRef>
-        </p:style>
-        <p:txBody>
-          <a:bodyPr rtlCol="0" anchor="t"/>
-          <a:lstStyle/>
-          <a:p>
-            <a:r>
-              <a:rPr lang="de-CH" sz="900" dirty="0"/>
-              <a:t>-KID: Integer</a:t>
-            </a:r>
-          </a:p>
-          <a:p>
-            <a:r>
-              <a:rPr lang="de-CH" sz="900" dirty="0"/>
-              <a:t>-TID: Integer</a:t>
-            </a:r>
-          </a:p>
-          <a:p>
-            <a:r>
-              <a:rPr lang="de-CH" sz="900" dirty="0"/>
-              <a:t>-</a:t>
-            </a:r>
-            <a:r>
-              <a:rPr lang="de-CH" sz="900" dirty="0" err="1"/>
-              <a:t>startDate</a:t>
-            </a:r>
-            <a:r>
-              <a:rPr lang="de-CH" sz="900" dirty="0"/>
-              <a:t>: Date </a:t>
-            </a:r>
-          </a:p>
-          <a:p>
-            <a:r>
-              <a:rPr lang="de-CH" sz="900" dirty="0"/>
-              <a:t>-</a:t>
-            </a:r>
-            <a:r>
-              <a:rPr lang="de-CH" sz="900" dirty="0" err="1"/>
-              <a:t>endDate</a:t>
-            </a:r>
-            <a:r>
-              <a:rPr lang="de-CH" sz="900" dirty="0"/>
-              <a:t>: Date</a:t>
-            </a:r>
-          </a:p>
-          <a:p>
-            <a:r>
-              <a:rPr lang="de-CH" sz="900" dirty="0"/>
-              <a:t>-content: String</a:t>
-            </a:r>
-          </a:p>
-          <a:p>
-            <a:r>
-              <a:rPr lang="de-CH" sz="900" dirty="0"/>
-              <a:t>_____________________</a:t>
-            </a:r>
-          </a:p>
-          <a:p>
-            <a:endParaRPr lang="de-CH" sz="900" dirty="0"/>
-          </a:p>
-        </p:txBody>
-      </p:sp>
-    </p:spTree>
-    <p:extLst>
-      <p:ext uri="{BB962C8B-B14F-4D97-AF65-F5344CB8AC3E}">
-        <p14:creationId xmlns:p14="http://schemas.microsoft.com/office/powerpoint/2010/main" val="2469382298"/>
-      </p:ext>
-    </p:extLst>
-  </p:cSld>
-  <p:clrMapOvr>
-    <a:masterClrMapping/>
-  </p:clrMapOvr>
-</p:sld>
-</file>
-
-<file path=ppt/slides/slide4.xml><?xml version="1.0" encoding="utf-8"?>
 <p:sld xmlns:a="http://schemas.openxmlformats.org/drawingml/2006/main" xmlns:r="http://schemas.openxmlformats.org/officeDocument/2006/relationships" xmlns:p="http://schemas.openxmlformats.org/presentationml/2006/main">
   <p:cSld>
     <p:spTree>
@@ -10386,6 +8737,1327 @@
 </p:sld>
 </file>
 
+<file path=ppt/slides/slide4.xml><?xml version="1.0" encoding="utf-8"?>
+<p:sld xmlns:a="http://schemas.openxmlformats.org/drawingml/2006/main" xmlns:r="http://schemas.openxmlformats.org/officeDocument/2006/relationships" xmlns:p="http://schemas.openxmlformats.org/presentationml/2006/main">
+  <p:cSld>
+    <p:spTree>
+      <p:nvGrpSpPr>
+        <p:cNvPr id="1" name=""/>
+        <p:cNvGrpSpPr/>
+        <p:nvPr/>
+      </p:nvGrpSpPr>
+      <p:grpSpPr>
+        <a:xfrm>
+          <a:off x="0" y="0"/>
+          <a:ext cx="0" cy="0"/>
+          <a:chOff x="0" y="0"/>
+          <a:chExt cx="0" cy="0"/>
+        </a:xfrm>
+      </p:grpSpPr>
+      <p:cxnSp>
+        <p:nvCxnSpPr>
+          <p:cNvPr id="54" name="Gerade Verbindung 50"/>
+          <p:cNvCxnSpPr/>
+          <p:nvPr/>
+        </p:nvCxnSpPr>
+        <p:spPr>
+          <a:xfrm>
+            <a:off x="1493632" y="1518583"/>
+            <a:ext cx="11585" cy="5664375"/>
+          </a:xfrm>
+          <a:prstGeom prst="line">
+            <a:avLst/>
+          </a:prstGeom>
+          <a:ln>
+            <a:prstDash val="dash"/>
+          </a:ln>
+        </p:spPr>
+        <p:style>
+          <a:lnRef idx="1">
+            <a:schemeClr val="accent1"/>
+          </a:lnRef>
+          <a:fillRef idx="0">
+            <a:schemeClr val="accent1"/>
+          </a:fillRef>
+          <a:effectRef idx="0">
+            <a:schemeClr val="accent1"/>
+          </a:effectRef>
+          <a:fontRef idx="minor">
+            <a:schemeClr val="tx1"/>
+          </a:fontRef>
+        </p:style>
+      </p:cxnSp>
+      <p:sp>
+        <p:nvSpPr>
+          <p:cNvPr id="14" name="Rechteck 13"/>
+          <p:cNvSpPr/>
+          <p:nvPr/>
+        </p:nvSpPr>
+        <p:spPr>
+          <a:xfrm>
+            <a:off x="1434581" y="2011969"/>
+            <a:ext cx="158784" cy="4461983"/>
+          </a:xfrm>
+          <a:prstGeom prst="rect">
+            <a:avLst/>
+          </a:prstGeom>
+        </p:spPr>
+        <p:style>
+          <a:lnRef idx="2">
+            <a:schemeClr val="accent1">
+              <a:shade val="50000"/>
+            </a:schemeClr>
+          </a:lnRef>
+          <a:fillRef idx="1">
+            <a:schemeClr val="accent1"/>
+          </a:fillRef>
+          <a:effectRef idx="0">
+            <a:schemeClr val="accent1"/>
+          </a:effectRef>
+          <a:fontRef idx="minor">
+            <a:schemeClr val="lt1"/>
+          </a:fontRef>
+        </p:style>
+        <p:txBody>
+          <a:bodyPr rtlCol="0" anchor="ctr"/>
+          <a:lstStyle/>
+          <a:p>
+            <a:pPr algn="ctr"/>
+            <a:endParaRPr lang="de-CH"/>
+          </a:p>
+        </p:txBody>
+      </p:sp>
+      <p:sp>
+        <p:nvSpPr>
+          <p:cNvPr id="18" name="Rechteck 17"/>
+          <p:cNvSpPr/>
+          <p:nvPr/>
+        </p:nvSpPr>
+        <p:spPr>
+          <a:xfrm>
+            <a:off x="4162500" y="957634"/>
+            <a:ext cx="1982267" cy="488519"/>
+          </a:xfrm>
+          <a:prstGeom prst="rect">
+            <a:avLst/>
+          </a:prstGeom>
+        </p:spPr>
+        <p:style>
+          <a:lnRef idx="2">
+            <a:schemeClr val="accent1">
+              <a:shade val="50000"/>
+            </a:schemeClr>
+          </a:lnRef>
+          <a:fillRef idx="1">
+            <a:schemeClr val="accent1"/>
+          </a:fillRef>
+          <a:effectRef idx="0">
+            <a:schemeClr val="accent1"/>
+          </a:effectRef>
+          <a:fontRef idx="minor">
+            <a:schemeClr val="lt1"/>
+          </a:fontRef>
+        </p:style>
+        <p:txBody>
+          <a:bodyPr rtlCol="0" anchor="ctr"/>
+          <a:lstStyle/>
+          <a:p>
+            <a:pPr algn="ctr"/>
+            <a:r>
+              <a:rPr lang="de-CH" dirty="0"/>
+              <a:t>T</a:t>
+            </a:r>
+            <a:r>
+              <a:rPr lang="de-CH" dirty="0" smtClean="0"/>
+              <a:t>: Termine</a:t>
+            </a:r>
+            <a:endParaRPr lang="de-CH" dirty="0"/>
+          </a:p>
+        </p:txBody>
+      </p:sp>
+      <p:cxnSp>
+        <p:nvCxnSpPr>
+          <p:cNvPr id="19" name="Gerade Verbindung 18"/>
+          <p:cNvCxnSpPr/>
+          <p:nvPr/>
+        </p:nvCxnSpPr>
+        <p:spPr>
+          <a:xfrm flipH="1">
+            <a:off x="4969407" y="1481737"/>
+            <a:ext cx="13804" cy="5626843"/>
+          </a:xfrm>
+          <a:prstGeom prst="line">
+            <a:avLst/>
+          </a:prstGeom>
+          <a:ln>
+            <a:prstDash val="dash"/>
+          </a:ln>
+        </p:spPr>
+        <p:style>
+          <a:lnRef idx="1">
+            <a:schemeClr val="accent1"/>
+          </a:lnRef>
+          <a:fillRef idx="0">
+            <a:schemeClr val="accent1"/>
+          </a:fillRef>
+          <a:effectRef idx="0">
+            <a:schemeClr val="accent1"/>
+          </a:effectRef>
+          <a:fontRef idx="minor">
+            <a:schemeClr val="tx1"/>
+          </a:fontRef>
+        </p:style>
+      </p:cxnSp>
+      <p:sp>
+        <p:nvSpPr>
+          <p:cNvPr id="20" name="Rechteck 19"/>
+          <p:cNvSpPr/>
+          <p:nvPr/>
+        </p:nvSpPr>
+        <p:spPr>
+          <a:xfrm>
+            <a:off x="3029462" y="2132756"/>
+            <a:ext cx="97649" cy="3935992"/>
+          </a:xfrm>
+          <a:prstGeom prst="rect">
+            <a:avLst/>
+          </a:prstGeom>
+        </p:spPr>
+        <p:style>
+          <a:lnRef idx="2">
+            <a:schemeClr val="accent1">
+              <a:shade val="50000"/>
+            </a:schemeClr>
+          </a:lnRef>
+          <a:fillRef idx="1">
+            <a:schemeClr val="accent1"/>
+          </a:fillRef>
+          <a:effectRef idx="0">
+            <a:schemeClr val="accent1"/>
+          </a:effectRef>
+          <a:fontRef idx="minor">
+            <a:schemeClr val="lt1"/>
+          </a:fontRef>
+        </p:style>
+        <p:txBody>
+          <a:bodyPr rtlCol="0" anchor="ctr"/>
+          <a:lstStyle/>
+          <a:p>
+            <a:pPr algn="ctr"/>
+            <a:endParaRPr lang="de-CH"/>
+          </a:p>
+        </p:txBody>
+      </p:sp>
+      <p:cxnSp>
+        <p:nvCxnSpPr>
+          <p:cNvPr id="39" name="Gerade Verbindung mit Pfeil 38"/>
+          <p:cNvCxnSpPr/>
+          <p:nvPr/>
+        </p:nvCxnSpPr>
+        <p:spPr>
+          <a:xfrm>
+            <a:off x="1578597" y="2170805"/>
+            <a:ext cx="1450865" cy="0"/>
+          </a:xfrm>
+          <a:prstGeom prst="straightConnector1">
+            <a:avLst/>
+          </a:prstGeom>
+          <a:ln>
+            <a:tailEnd type="arrow"/>
+          </a:ln>
+        </p:spPr>
+        <p:style>
+          <a:lnRef idx="1">
+            <a:schemeClr val="accent1"/>
+          </a:lnRef>
+          <a:fillRef idx="0">
+            <a:schemeClr val="accent1"/>
+          </a:fillRef>
+          <a:effectRef idx="0">
+            <a:schemeClr val="accent1"/>
+          </a:effectRef>
+          <a:fontRef idx="minor">
+            <a:schemeClr val="tx1"/>
+          </a:fontRef>
+        </p:style>
+      </p:cxnSp>
+      <p:sp>
+        <p:nvSpPr>
+          <p:cNvPr id="42" name="Textfeld 41"/>
+          <p:cNvSpPr txBox="1"/>
+          <p:nvPr/>
+        </p:nvSpPr>
+        <p:spPr>
+          <a:xfrm>
+            <a:off x="1671672" y="1846845"/>
+            <a:ext cx="1314402" cy="276999"/>
+          </a:xfrm>
+          <a:prstGeom prst="rect">
+            <a:avLst/>
+          </a:prstGeom>
+          <a:noFill/>
+        </p:spPr>
+        <p:txBody>
+          <a:bodyPr wrap="square" rtlCol="0">
+            <a:spAutoFit/>
+          </a:bodyPr>
+          <a:lstStyle/>
+          <a:p>
+            <a:r>
+              <a:rPr lang="de-CH" sz="1200" dirty="0"/>
+              <a:t>New Meeting</a:t>
+            </a:r>
+          </a:p>
+        </p:txBody>
+      </p:sp>
+      <p:sp>
+        <p:nvSpPr>
+          <p:cNvPr id="45" name="Textfeld 44"/>
+          <p:cNvSpPr txBox="1"/>
+          <p:nvPr/>
+        </p:nvSpPr>
+        <p:spPr>
+          <a:xfrm>
+            <a:off x="6656011" y="3619638"/>
+            <a:ext cx="1394922" cy="276999"/>
+          </a:xfrm>
+          <a:prstGeom prst="rect">
+            <a:avLst/>
+          </a:prstGeom>
+          <a:noFill/>
+        </p:spPr>
+        <p:txBody>
+          <a:bodyPr wrap="square" rtlCol="0">
+            <a:spAutoFit/>
+          </a:bodyPr>
+          <a:lstStyle/>
+          <a:p>
+            <a:r>
+              <a:rPr lang="de-CH" sz="1200" dirty="0"/>
+              <a:t>[</a:t>
+            </a:r>
+            <a:r>
+              <a:rPr lang="de-CH" sz="1200" dirty="0" err="1" smtClean="0"/>
+              <a:t>verification</a:t>
+            </a:r>
+            <a:r>
+              <a:rPr lang="de-CH" sz="1200" dirty="0" smtClean="0"/>
+              <a:t> OK] </a:t>
+            </a:r>
+            <a:endParaRPr lang="de-CH" sz="1200" dirty="0"/>
+          </a:p>
+        </p:txBody>
+      </p:sp>
+      <p:sp>
+        <p:nvSpPr>
+          <p:cNvPr id="73" name="Textfeld 72"/>
+          <p:cNvSpPr txBox="1"/>
+          <p:nvPr/>
+        </p:nvSpPr>
+        <p:spPr>
+          <a:xfrm>
+            <a:off x="7639574" y="7191024"/>
+            <a:ext cx="1584176" cy="276999"/>
+          </a:xfrm>
+          <a:prstGeom prst="rect">
+            <a:avLst/>
+          </a:prstGeom>
+          <a:noFill/>
+        </p:spPr>
+        <p:txBody>
+          <a:bodyPr wrap="square" rtlCol="0">
+            <a:spAutoFit/>
+          </a:bodyPr>
+          <a:lstStyle/>
+          <a:p>
+            <a:r>
+              <a:rPr lang="de-CH" sz="1200" dirty="0" smtClean="0"/>
+              <a:t>Information update</a:t>
+            </a:r>
+          </a:p>
+        </p:txBody>
+      </p:sp>
+      <p:sp>
+        <p:nvSpPr>
+          <p:cNvPr id="47" name="Rechteck 46"/>
+          <p:cNvSpPr/>
+          <p:nvPr/>
+        </p:nvSpPr>
+        <p:spPr>
+          <a:xfrm>
+            <a:off x="1971463" y="977681"/>
+            <a:ext cx="1930480" cy="447239"/>
+          </a:xfrm>
+          <a:prstGeom prst="rect">
+            <a:avLst/>
+          </a:prstGeom>
+        </p:spPr>
+        <p:style>
+          <a:lnRef idx="2">
+            <a:schemeClr val="accent1">
+              <a:shade val="50000"/>
+            </a:schemeClr>
+          </a:lnRef>
+          <a:fillRef idx="1">
+            <a:schemeClr val="accent1"/>
+          </a:fillRef>
+          <a:effectRef idx="0">
+            <a:schemeClr val="accent1"/>
+          </a:effectRef>
+          <a:fontRef idx="minor">
+            <a:schemeClr val="lt1"/>
+          </a:fontRef>
+        </p:style>
+        <p:txBody>
+          <a:bodyPr rtlCol="0" anchor="ctr"/>
+          <a:lstStyle/>
+          <a:p>
+            <a:pPr algn="ctr"/>
+            <a:r>
+              <a:rPr lang="de-CH" dirty="0"/>
+              <a:t>K</a:t>
+            </a:r>
+            <a:r>
+              <a:rPr lang="de-CH" dirty="0" smtClean="0"/>
+              <a:t>: Kalender</a:t>
+            </a:r>
+            <a:endParaRPr lang="de-CH" dirty="0"/>
+          </a:p>
+        </p:txBody>
+      </p:sp>
+      <p:cxnSp>
+        <p:nvCxnSpPr>
+          <p:cNvPr id="48" name="Gerade Verbindung mit Pfeil 47"/>
+          <p:cNvCxnSpPr/>
+          <p:nvPr/>
+        </p:nvCxnSpPr>
+        <p:spPr>
+          <a:xfrm>
+            <a:off x="3109854" y="2372010"/>
+            <a:ext cx="1769548" cy="0"/>
+          </a:xfrm>
+          <a:prstGeom prst="straightConnector1">
+            <a:avLst/>
+          </a:prstGeom>
+          <a:ln>
+            <a:tailEnd type="arrow"/>
+          </a:ln>
+        </p:spPr>
+        <p:style>
+          <a:lnRef idx="1">
+            <a:schemeClr val="accent1"/>
+          </a:lnRef>
+          <a:fillRef idx="0">
+            <a:schemeClr val="accent1"/>
+          </a:fillRef>
+          <a:effectRef idx="0">
+            <a:schemeClr val="accent1"/>
+          </a:effectRef>
+          <a:fontRef idx="minor">
+            <a:schemeClr val="tx1"/>
+          </a:fontRef>
+        </p:style>
+      </p:cxnSp>
+      <p:cxnSp>
+        <p:nvCxnSpPr>
+          <p:cNvPr id="51" name="Gerade Verbindung 50"/>
+          <p:cNvCxnSpPr/>
+          <p:nvPr/>
+        </p:nvCxnSpPr>
+        <p:spPr>
+          <a:xfrm>
+            <a:off x="3080631" y="1496388"/>
+            <a:ext cx="11585" cy="5664375"/>
+          </a:xfrm>
+          <a:prstGeom prst="line">
+            <a:avLst/>
+          </a:prstGeom>
+          <a:ln>
+            <a:prstDash val="dash"/>
+          </a:ln>
+        </p:spPr>
+        <p:style>
+          <a:lnRef idx="1">
+            <a:schemeClr val="accent1"/>
+          </a:lnRef>
+          <a:fillRef idx="0">
+            <a:schemeClr val="accent1"/>
+          </a:fillRef>
+          <a:effectRef idx="0">
+            <a:schemeClr val="accent1"/>
+          </a:effectRef>
+          <a:fontRef idx="minor">
+            <a:schemeClr val="tx1"/>
+          </a:fontRef>
+        </p:style>
+      </p:cxnSp>
+      <p:sp>
+        <p:nvSpPr>
+          <p:cNvPr id="64" name="Rechteck 63"/>
+          <p:cNvSpPr/>
+          <p:nvPr/>
+        </p:nvSpPr>
+        <p:spPr>
+          <a:xfrm>
+            <a:off x="4879401" y="2364129"/>
+            <a:ext cx="182117" cy="3540563"/>
+          </a:xfrm>
+          <a:prstGeom prst="rect">
+            <a:avLst/>
+          </a:prstGeom>
+        </p:spPr>
+        <p:style>
+          <a:lnRef idx="2">
+            <a:schemeClr val="accent1">
+              <a:shade val="50000"/>
+            </a:schemeClr>
+          </a:lnRef>
+          <a:fillRef idx="1">
+            <a:schemeClr val="accent1"/>
+          </a:fillRef>
+          <a:effectRef idx="0">
+            <a:schemeClr val="accent1"/>
+          </a:effectRef>
+          <a:fontRef idx="minor">
+            <a:schemeClr val="lt1"/>
+          </a:fontRef>
+        </p:style>
+        <p:txBody>
+          <a:bodyPr rtlCol="0" anchor="ctr"/>
+          <a:lstStyle/>
+          <a:p>
+            <a:pPr algn="ctr"/>
+            <a:endParaRPr lang="de-CH"/>
+          </a:p>
+        </p:txBody>
+      </p:sp>
+      <p:cxnSp>
+        <p:nvCxnSpPr>
+          <p:cNvPr id="69" name="Gerade Verbindung mit Pfeil 68"/>
+          <p:cNvCxnSpPr/>
+          <p:nvPr/>
+        </p:nvCxnSpPr>
+        <p:spPr>
+          <a:xfrm flipH="1">
+            <a:off x="3127111" y="3791697"/>
+            <a:ext cx="1802034" cy="1"/>
+          </a:xfrm>
+          <a:prstGeom prst="straightConnector1">
+            <a:avLst/>
+          </a:prstGeom>
+          <a:ln>
+            <a:prstDash val="dash"/>
+            <a:tailEnd type="arrow"/>
+          </a:ln>
+        </p:spPr>
+        <p:style>
+          <a:lnRef idx="1">
+            <a:schemeClr val="accent1"/>
+          </a:lnRef>
+          <a:fillRef idx="0">
+            <a:schemeClr val="accent1"/>
+          </a:fillRef>
+          <a:effectRef idx="0">
+            <a:schemeClr val="accent1"/>
+          </a:effectRef>
+          <a:fontRef idx="minor">
+            <a:schemeClr val="tx1"/>
+          </a:fontRef>
+        </p:style>
+      </p:cxnSp>
+      <p:cxnSp>
+        <p:nvCxnSpPr>
+          <p:cNvPr id="72" name="Gerade Verbindung mit Pfeil 71"/>
+          <p:cNvCxnSpPr/>
+          <p:nvPr/>
+        </p:nvCxnSpPr>
+        <p:spPr>
+          <a:xfrm>
+            <a:off x="3154971" y="4251733"/>
+            <a:ext cx="1724430" cy="0"/>
+          </a:xfrm>
+          <a:prstGeom prst="straightConnector1">
+            <a:avLst/>
+          </a:prstGeom>
+          <a:ln>
+            <a:tailEnd type="arrow"/>
+          </a:ln>
+        </p:spPr>
+        <p:style>
+          <a:lnRef idx="1">
+            <a:schemeClr val="accent1"/>
+          </a:lnRef>
+          <a:fillRef idx="0">
+            <a:schemeClr val="accent1"/>
+          </a:fillRef>
+          <a:effectRef idx="0">
+            <a:schemeClr val="accent1"/>
+          </a:effectRef>
+          <a:fontRef idx="minor">
+            <a:schemeClr val="tx1"/>
+          </a:fontRef>
+        </p:style>
+      </p:cxnSp>
+      <p:pic>
+        <p:nvPicPr>
+          <p:cNvPr id="5" name="Grafik 4"/>
+          <p:cNvPicPr>
+            <a:picLocks noChangeAspect="1"/>
+          </p:cNvPicPr>
+          <p:nvPr/>
+        </p:nvPicPr>
+        <p:blipFill rotWithShape="1">
+          <a:blip r:embed="rId2" cstate="print">
+            <a:extLst>
+              <a:ext uri="{28A0092B-C50C-407E-A947-70E740481C1C}">
+                <a14:useLocalDpi xmlns:a14="http://schemas.microsoft.com/office/drawing/2010/main" val="0"/>
+              </a:ext>
+            </a:extLst>
+          </a:blip>
+          <a:srcRect l="20269" r="30512" b="16217"/>
+          <a:stretch/>
+        </p:blipFill>
+        <p:spPr>
+          <a:xfrm>
+            <a:off x="1323701" y="961293"/>
+            <a:ext cx="336864" cy="557291"/>
+          </a:xfrm>
+          <a:prstGeom prst="rect">
+            <a:avLst/>
+          </a:prstGeom>
+        </p:spPr>
+      </p:pic>
+      <p:sp>
+        <p:nvSpPr>
+          <p:cNvPr id="6" name="Textfeld 5"/>
+          <p:cNvSpPr txBox="1"/>
+          <p:nvPr/>
+        </p:nvSpPr>
+        <p:spPr>
+          <a:xfrm>
+            <a:off x="965808" y="632378"/>
+            <a:ext cx="1255113" cy="461665"/>
+          </a:xfrm>
+          <a:prstGeom prst="rect">
+            <a:avLst/>
+          </a:prstGeom>
+          <a:noFill/>
+        </p:spPr>
+        <p:txBody>
+          <a:bodyPr wrap="square" rtlCol="0">
+            <a:spAutoFit/>
+          </a:bodyPr>
+          <a:lstStyle/>
+          <a:p>
+            <a:r>
+              <a:rPr lang="de-CH" dirty="0" smtClean="0"/>
+              <a:t>Patient</a:t>
+            </a:r>
+            <a:endParaRPr lang="de-CH" dirty="0"/>
+          </a:p>
+        </p:txBody>
+      </p:sp>
+      <p:cxnSp>
+        <p:nvCxnSpPr>
+          <p:cNvPr id="46" name="Gerade Verbindung mit Pfeil 45"/>
+          <p:cNvCxnSpPr/>
+          <p:nvPr/>
+        </p:nvCxnSpPr>
+        <p:spPr>
+          <a:xfrm flipH="1">
+            <a:off x="3127111" y="5904691"/>
+            <a:ext cx="1727153" cy="1"/>
+          </a:xfrm>
+          <a:prstGeom prst="straightConnector1">
+            <a:avLst/>
+          </a:prstGeom>
+          <a:ln>
+            <a:prstDash val="dash"/>
+            <a:tailEnd type="arrow"/>
+          </a:ln>
+        </p:spPr>
+        <p:style>
+          <a:lnRef idx="1">
+            <a:schemeClr val="accent1"/>
+          </a:lnRef>
+          <a:fillRef idx="0">
+            <a:schemeClr val="accent1"/>
+          </a:fillRef>
+          <a:effectRef idx="0">
+            <a:schemeClr val="accent1"/>
+          </a:effectRef>
+          <a:fontRef idx="minor">
+            <a:schemeClr val="tx1"/>
+          </a:fontRef>
+        </p:style>
+      </p:cxnSp>
+      <p:sp>
+        <p:nvSpPr>
+          <p:cNvPr id="49" name="Textfeld 48"/>
+          <p:cNvSpPr txBox="1"/>
+          <p:nvPr/>
+        </p:nvSpPr>
+        <p:spPr>
+          <a:xfrm>
+            <a:off x="6656011" y="5196856"/>
+            <a:ext cx="1394922" cy="276999"/>
+          </a:xfrm>
+          <a:prstGeom prst="rect">
+            <a:avLst/>
+          </a:prstGeom>
+          <a:noFill/>
+        </p:spPr>
+        <p:txBody>
+          <a:bodyPr wrap="square" rtlCol="0">
+            <a:spAutoFit/>
+          </a:bodyPr>
+          <a:lstStyle/>
+          <a:p>
+            <a:r>
+              <a:rPr lang="de-CH" sz="1200" dirty="0"/>
+              <a:t>[</a:t>
+            </a:r>
+            <a:r>
+              <a:rPr lang="de-CH" sz="1200" dirty="0" err="1" smtClean="0"/>
+              <a:t>verification</a:t>
+            </a:r>
+            <a:r>
+              <a:rPr lang="de-CH" sz="1200" dirty="0" smtClean="0"/>
+              <a:t> </a:t>
+            </a:r>
+            <a:r>
+              <a:rPr lang="de-CH" sz="1200" dirty="0" err="1" smtClean="0"/>
+              <a:t>fail</a:t>
+            </a:r>
+            <a:r>
+              <a:rPr lang="de-CH" sz="1200" dirty="0" smtClean="0"/>
+              <a:t>] </a:t>
+            </a:r>
+            <a:endParaRPr lang="de-CH" sz="1200" dirty="0"/>
+          </a:p>
+        </p:txBody>
+      </p:sp>
+      <p:sp>
+        <p:nvSpPr>
+          <p:cNvPr id="22" name="Rechteck 21"/>
+          <p:cNvSpPr/>
+          <p:nvPr/>
+        </p:nvSpPr>
+        <p:spPr>
+          <a:xfrm>
+            <a:off x="1280429" y="3580187"/>
+            <a:ext cx="6770504" cy="2692861"/>
+          </a:xfrm>
+          <a:prstGeom prst="rect">
+            <a:avLst/>
+          </a:prstGeom>
+          <a:noFill/>
+          <a:ln>
+            <a:solidFill>
+              <a:schemeClr val="tx1"/>
+            </a:solidFill>
+          </a:ln>
+        </p:spPr>
+        <p:style>
+          <a:lnRef idx="2">
+            <a:schemeClr val="accent1">
+              <a:shade val="50000"/>
+            </a:schemeClr>
+          </a:lnRef>
+          <a:fillRef idx="1">
+            <a:schemeClr val="accent1"/>
+          </a:fillRef>
+          <a:effectRef idx="0">
+            <a:schemeClr val="accent1"/>
+          </a:effectRef>
+          <a:fontRef idx="minor">
+            <a:schemeClr val="lt1"/>
+          </a:fontRef>
+        </p:style>
+        <p:txBody>
+          <a:bodyPr rtlCol="0" anchor="ctr"/>
+          <a:lstStyle/>
+          <a:p>
+            <a:pPr algn="ctr"/>
+            <a:endParaRPr lang="de-CH"/>
+          </a:p>
+        </p:txBody>
+      </p:sp>
+      <p:sp>
+        <p:nvSpPr>
+          <p:cNvPr id="25" name="Rechteck 24"/>
+          <p:cNvSpPr/>
+          <p:nvPr/>
+        </p:nvSpPr>
+        <p:spPr>
+          <a:xfrm>
+            <a:off x="1287199" y="3580188"/>
+            <a:ext cx="360039" cy="288032"/>
+          </a:xfrm>
+          <a:prstGeom prst="rect">
+            <a:avLst/>
+          </a:prstGeom>
+        </p:spPr>
+        <p:style>
+          <a:lnRef idx="2">
+            <a:schemeClr val="dk1">
+              <a:shade val="50000"/>
+            </a:schemeClr>
+          </a:lnRef>
+          <a:fillRef idx="1">
+            <a:schemeClr val="dk1"/>
+          </a:fillRef>
+          <a:effectRef idx="0">
+            <a:schemeClr val="dk1"/>
+          </a:effectRef>
+          <a:fontRef idx="minor">
+            <a:schemeClr val="lt1"/>
+          </a:fontRef>
+        </p:style>
+        <p:txBody>
+          <a:bodyPr rtlCol="0" anchor="ctr"/>
+          <a:lstStyle/>
+          <a:p>
+            <a:pPr algn="ctr"/>
+            <a:r>
+              <a:rPr lang="de-CH" sz="800" dirty="0" smtClean="0"/>
+              <a:t>alt</a:t>
+            </a:r>
+            <a:endParaRPr lang="de-CH" sz="800" dirty="0"/>
+          </a:p>
+        </p:txBody>
+      </p:sp>
+      <p:sp>
+        <p:nvSpPr>
+          <p:cNvPr id="56" name="Textfeld 55"/>
+          <p:cNvSpPr txBox="1"/>
+          <p:nvPr/>
+        </p:nvSpPr>
+        <p:spPr>
+          <a:xfrm>
+            <a:off x="3167112" y="2132757"/>
+            <a:ext cx="1654657" cy="646331"/>
+          </a:xfrm>
+          <a:prstGeom prst="rect">
+            <a:avLst/>
+          </a:prstGeom>
+          <a:noFill/>
+        </p:spPr>
+        <p:txBody>
+          <a:bodyPr wrap="square" rtlCol="0">
+            <a:spAutoFit/>
+          </a:bodyPr>
+          <a:lstStyle/>
+          <a:p>
+            <a:r>
+              <a:rPr lang="de-CH" sz="1200" dirty="0" smtClean="0"/>
+              <a:t>New Meeting (Date, Starttime, </a:t>
+            </a:r>
+            <a:r>
+              <a:rPr lang="de-CH" sz="1200" dirty="0" err="1" smtClean="0"/>
+              <a:t>Endtime</a:t>
+            </a:r>
+            <a:r>
+              <a:rPr lang="de-CH" sz="1200" dirty="0" smtClean="0"/>
+              <a:t>, </a:t>
+            </a:r>
+            <a:r>
+              <a:rPr lang="de-CH" sz="1200" dirty="0" err="1" smtClean="0"/>
+              <a:t>content</a:t>
+            </a:r>
+            <a:r>
+              <a:rPr lang="de-CH" sz="1200" dirty="0" smtClean="0"/>
+              <a:t>)</a:t>
+            </a:r>
+            <a:endParaRPr lang="de-CH" sz="1200" dirty="0"/>
+          </a:p>
+        </p:txBody>
+      </p:sp>
+      <p:sp>
+        <p:nvSpPr>
+          <p:cNvPr id="57" name="Textfeld 56"/>
+          <p:cNvSpPr txBox="1"/>
+          <p:nvPr/>
+        </p:nvSpPr>
+        <p:spPr>
+          <a:xfrm>
+            <a:off x="5530653" y="2832568"/>
+            <a:ext cx="1505272" cy="461665"/>
+          </a:xfrm>
+          <a:prstGeom prst="rect">
+            <a:avLst/>
+          </a:prstGeom>
+          <a:noFill/>
+        </p:spPr>
+        <p:txBody>
+          <a:bodyPr wrap="square" rtlCol="0">
+            <a:spAutoFit/>
+          </a:bodyPr>
+          <a:lstStyle/>
+          <a:p>
+            <a:r>
+              <a:rPr lang="de-CH" sz="1200" dirty="0" err="1" smtClean="0"/>
+              <a:t>Verificate</a:t>
+            </a:r>
+            <a:r>
+              <a:rPr lang="de-CH" sz="1200" dirty="0" smtClean="0"/>
+              <a:t> (</a:t>
+            </a:r>
+            <a:r>
+              <a:rPr lang="de-CH" sz="1200" dirty="0"/>
+              <a:t>Date, Starttime, </a:t>
+            </a:r>
+            <a:r>
+              <a:rPr lang="de-CH" sz="1200" dirty="0" err="1"/>
+              <a:t>Endtime</a:t>
+            </a:r>
+            <a:r>
+              <a:rPr lang="de-CH" sz="1200" dirty="0" smtClean="0"/>
+              <a:t>)</a:t>
+            </a:r>
+            <a:endParaRPr lang="de-CH" sz="1200" dirty="0"/>
+          </a:p>
+        </p:txBody>
+      </p:sp>
+      <p:sp>
+        <p:nvSpPr>
+          <p:cNvPr id="59" name="Textfeld 58"/>
+          <p:cNvSpPr txBox="1"/>
+          <p:nvPr/>
+        </p:nvSpPr>
+        <p:spPr>
+          <a:xfrm>
+            <a:off x="3241992" y="3580188"/>
+            <a:ext cx="1505272" cy="276999"/>
+          </a:xfrm>
+          <a:prstGeom prst="rect">
+            <a:avLst/>
+          </a:prstGeom>
+          <a:noFill/>
+        </p:spPr>
+        <p:txBody>
+          <a:bodyPr wrap="square" rtlCol="0">
+            <a:spAutoFit/>
+          </a:bodyPr>
+          <a:lstStyle/>
+          <a:p>
+            <a:r>
+              <a:rPr lang="de-CH" sz="1200" dirty="0" smtClean="0"/>
+              <a:t>Meeting OK</a:t>
+            </a:r>
+            <a:endParaRPr lang="de-CH" sz="1200" dirty="0"/>
+          </a:p>
+        </p:txBody>
+      </p:sp>
+      <p:sp>
+        <p:nvSpPr>
+          <p:cNvPr id="60" name="Textfeld 59"/>
+          <p:cNvSpPr txBox="1"/>
+          <p:nvPr/>
+        </p:nvSpPr>
+        <p:spPr>
+          <a:xfrm>
+            <a:off x="3338899" y="5627692"/>
+            <a:ext cx="1505272" cy="276999"/>
+          </a:xfrm>
+          <a:prstGeom prst="rect">
+            <a:avLst/>
+          </a:prstGeom>
+          <a:noFill/>
+        </p:spPr>
+        <p:txBody>
+          <a:bodyPr wrap="square" rtlCol="0">
+            <a:spAutoFit/>
+          </a:bodyPr>
+          <a:lstStyle/>
+          <a:p>
+            <a:r>
+              <a:rPr lang="de-CH" sz="1200" dirty="0" smtClean="0"/>
+              <a:t>Error (Time Error) </a:t>
+            </a:r>
+            <a:endParaRPr lang="de-CH" sz="1200" dirty="0"/>
+          </a:p>
+        </p:txBody>
+      </p:sp>
+      <p:cxnSp>
+        <p:nvCxnSpPr>
+          <p:cNvPr id="32" name="Gerade Verbindung 31"/>
+          <p:cNvCxnSpPr/>
+          <p:nvPr/>
+        </p:nvCxnSpPr>
+        <p:spPr>
+          <a:xfrm>
+            <a:off x="1280429" y="5184331"/>
+            <a:ext cx="6770504" cy="12525"/>
+          </a:xfrm>
+          <a:prstGeom prst="line">
+            <a:avLst/>
+          </a:prstGeom>
+          <a:ln/>
+        </p:spPr>
+        <p:style>
+          <a:lnRef idx="2">
+            <a:schemeClr val="dk1"/>
+          </a:lnRef>
+          <a:fillRef idx="0">
+            <a:schemeClr val="dk1"/>
+          </a:fillRef>
+          <a:effectRef idx="1">
+            <a:schemeClr val="dk1"/>
+          </a:effectRef>
+          <a:fontRef idx="minor">
+            <a:schemeClr val="tx1"/>
+          </a:fontRef>
+        </p:style>
+      </p:cxnSp>
+      <p:sp>
+        <p:nvSpPr>
+          <p:cNvPr id="71" name="Textfeld 70"/>
+          <p:cNvSpPr txBox="1"/>
+          <p:nvPr/>
+        </p:nvSpPr>
+        <p:spPr>
+          <a:xfrm>
+            <a:off x="3363062" y="4766527"/>
+            <a:ext cx="1314402" cy="276999"/>
+          </a:xfrm>
+          <a:prstGeom prst="rect">
+            <a:avLst/>
+          </a:prstGeom>
+          <a:noFill/>
+        </p:spPr>
+        <p:txBody>
+          <a:bodyPr wrap="square" rtlCol="0">
+            <a:spAutoFit/>
+          </a:bodyPr>
+          <a:lstStyle/>
+          <a:p>
+            <a:r>
+              <a:rPr lang="de-CH" sz="1200" dirty="0" err="1" smtClean="0"/>
+              <a:t>confirmation</a:t>
+            </a:r>
+            <a:endParaRPr lang="de-CH" sz="1200" dirty="0"/>
+          </a:p>
+        </p:txBody>
+      </p:sp>
+      <p:sp>
+        <p:nvSpPr>
+          <p:cNvPr id="50" name="Textfeld 49"/>
+          <p:cNvSpPr txBox="1"/>
+          <p:nvPr/>
+        </p:nvSpPr>
+        <p:spPr>
+          <a:xfrm>
+            <a:off x="3353667" y="4241799"/>
+            <a:ext cx="1314402" cy="276999"/>
+          </a:xfrm>
+          <a:prstGeom prst="rect">
+            <a:avLst/>
+          </a:prstGeom>
+          <a:noFill/>
+        </p:spPr>
+        <p:txBody>
+          <a:bodyPr wrap="square" rtlCol="0">
+            <a:spAutoFit/>
+          </a:bodyPr>
+          <a:lstStyle/>
+          <a:p>
+            <a:r>
+              <a:rPr lang="de-CH" sz="1200" dirty="0" smtClean="0"/>
+              <a:t>Create Meeting</a:t>
+            </a:r>
+            <a:endParaRPr lang="de-CH" sz="1200" dirty="0"/>
+          </a:p>
+        </p:txBody>
+      </p:sp>
+      <p:cxnSp>
+        <p:nvCxnSpPr>
+          <p:cNvPr id="52" name="Gerade Verbindung mit Pfeil 51"/>
+          <p:cNvCxnSpPr/>
+          <p:nvPr/>
+        </p:nvCxnSpPr>
+        <p:spPr>
+          <a:xfrm flipH="1">
+            <a:off x="3099111" y="4785136"/>
+            <a:ext cx="1751473" cy="1"/>
+          </a:xfrm>
+          <a:prstGeom prst="straightConnector1">
+            <a:avLst/>
+          </a:prstGeom>
+          <a:ln>
+            <a:prstDash val="dash"/>
+            <a:tailEnd type="arrow"/>
+          </a:ln>
+        </p:spPr>
+        <p:style>
+          <a:lnRef idx="1">
+            <a:schemeClr val="accent1"/>
+          </a:lnRef>
+          <a:fillRef idx="0">
+            <a:schemeClr val="accent1"/>
+          </a:fillRef>
+          <a:effectRef idx="0">
+            <a:schemeClr val="accent1"/>
+          </a:effectRef>
+          <a:fontRef idx="minor">
+            <a:schemeClr val="tx1"/>
+          </a:fontRef>
+        </p:style>
+      </p:cxnSp>
+      <p:sp>
+        <p:nvSpPr>
+          <p:cNvPr id="35" name="Rechteck 34"/>
+          <p:cNvSpPr/>
+          <p:nvPr/>
+        </p:nvSpPr>
+        <p:spPr>
+          <a:xfrm>
+            <a:off x="4988319" y="2860108"/>
+            <a:ext cx="182122" cy="417454"/>
+          </a:xfrm>
+          <a:prstGeom prst="rect">
+            <a:avLst/>
+          </a:prstGeom>
+        </p:spPr>
+        <p:style>
+          <a:lnRef idx="2">
+            <a:schemeClr val="accent1">
+              <a:shade val="50000"/>
+            </a:schemeClr>
+          </a:lnRef>
+          <a:fillRef idx="1">
+            <a:schemeClr val="accent1"/>
+          </a:fillRef>
+          <a:effectRef idx="0">
+            <a:schemeClr val="accent1"/>
+          </a:effectRef>
+          <a:fontRef idx="minor">
+            <a:schemeClr val="lt1"/>
+          </a:fontRef>
+        </p:style>
+        <p:txBody>
+          <a:bodyPr rtlCol="0" anchor="ctr"/>
+          <a:lstStyle/>
+          <a:p>
+            <a:pPr algn="ctr"/>
+            <a:endParaRPr lang="de-CH"/>
+          </a:p>
+        </p:txBody>
+      </p:sp>
+      <p:cxnSp>
+        <p:nvCxnSpPr>
+          <p:cNvPr id="26" name="Gewinkelte Verbindung 25"/>
+          <p:cNvCxnSpPr>
+            <a:endCxn id="35" idx="3"/>
+          </p:cNvCxnSpPr>
+          <p:nvPr/>
+        </p:nvCxnSpPr>
+        <p:spPr>
+          <a:xfrm rot="16200000" flipH="1">
+            <a:off x="4840527" y="2738920"/>
+            <a:ext cx="568767" cy="91061"/>
+          </a:xfrm>
+          <a:prstGeom prst="bentConnector4">
+            <a:avLst>
+              <a:gd name="adj1" fmla="val 31651"/>
+              <a:gd name="adj2" fmla="val 351041"/>
+            </a:avLst>
+          </a:prstGeom>
+          <a:ln>
+            <a:tailEnd type="arrow"/>
+          </a:ln>
+        </p:spPr>
+        <p:style>
+          <a:lnRef idx="1">
+            <a:schemeClr val="accent1"/>
+          </a:lnRef>
+          <a:fillRef idx="0">
+            <a:schemeClr val="accent1"/>
+          </a:fillRef>
+          <a:effectRef idx="0">
+            <a:schemeClr val="accent1"/>
+          </a:effectRef>
+          <a:fontRef idx="minor">
+            <a:schemeClr val="tx1"/>
+          </a:fontRef>
+        </p:style>
+      </p:cxnSp>
+      <p:cxnSp>
+        <p:nvCxnSpPr>
+          <p:cNvPr id="66" name="Gerade Verbindung mit Pfeil 65"/>
+          <p:cNvCxnSpPr/>
+          <p:nvPr/>
+        </p:nvCxnSpPr>
+        <p:spPr>
+          <a:xfrm flipH="1">
+            <a:off x="3143374" y="3436172"/>
+            <a:ext cx="1727153" cy="1"/>
+          </a:xfrm>
+          <a:prstGeom prst="straightConnector1">
+            <a:avLst/>
+          </a:prstGeom>
+          <a:ln>
+            <a:prstDash val="dash"/>
+            <a:tailEnd type="arrow"/>
+          </a:ln>
+        </p:spPr>
+        <p:style>
+          <a:lnRef idx="1">
+            <a:schemeClr val="accent1"/>
+          </a:lnRef>
+          <a:fillRef idx="0">
+            <a:schemeClr val="accent1"/>
+          </a:fillRef>
+          <a:effectRef idx="0">
+            <a:schemeClr val="accent1"/>
+          </a:effectRef>
+          <a:fontRef idx="minor">
+            <a:schemeClr val="tx1"/>
+          </a:fontRef>
+        </p:style>
+      </p:cxnSp>
+      <p:sp>
+        <p:nvSpPr>
+          <p:cNvPr id="67" name="Textfeld 66"/>
+          <p:cNvSpPr txBox="1"/>
+          <p:nvPr/>
+        </p:nvSpPr>
+        <p:spPr>
+          <a:xfrm>
+            <a:off x="3363062" y="3139062"/>
+            <a:ext cx="1394922" cy="276999"/>
+          </a:xfrm>
+          <a:prstGeom prst="rect">
+            <a:avLst/>
+          </a:prstGeom>
+          <a:noFill/>
+        </p:spPr>
+        <p:txBody>
+          <a:bodyPr wrap="square" rtlCol="0">
+            <a:spAutoFit/>
+          </a:bodyPr>
+          <a:lstStyle/>
+          <a:p>
+            <a:r>
+              <a:rPr lang="de-CH" sz="1200" dirty="0" err="1" smtClean="0"/>
+              <a:t>verification</a:t>
+            </a:r>
+            <a:endParaRPr lang="de-CH" sz="1200" dirty="0"/>
+          </a:p>
+        </p:txBody>
+      </p:sp>
+      <p:cxnSp>
+        <p:nvCxnSpPr>
+          <p:cNvPr id="74" name="Gerade Verbindung mit Pfeil 73"/>
+          <p:cNvCxnSpPr/>
+          <p:nvPr/>
+        </p:nvCxnSpPr>
+        <p:spPr>
+          <a:xfrm flipH="1">
+            <a:off x="1578597" y="6028460"/>
+            <a:ext cx="1407478" cy="0"/>
+          </a:xfrm>
+          <a:prstGeom prst="straightConnector1">
+            <a:avLst/>
+          </a:prstGeom>
+          <a:ln>
+            <a:prstDash val="dash"/>
+            <a:tailEnd type="arrow"/>
+          </a:ln>
+        </p:spPr>
+        <p:style>
+          <a:lnRef idx="1">
+            <a:schemeClr val="accent1"/>
+          </a:lnRef>
+          <a:fillRef idx="0">
+            <a:schemeClr val="accent1"/>
+          </a:fillRef>
+          <a:effectRef idx="0">
+            <a:schemeClr val="accent1"/>
+          </a:effectRef>
+          <a:fontRef idx="minor">
+            <a:schemeClr val="tx1"/>
+          </a:fontRef>
+        </p:style>
+      </p:cxnSp>
+      <p:sp>
+        <p:nvSpPr>
+          <p:cNvPr id="75" name="Textfeld 74"/>
+          <p:cNvSpPr txBox="1"/>
+          <p:nvPr/>
+        </p:nvSpPr>
+        <p:spPr>
+          <a:xfrm>
+            <a:off x="1649117" y="5812436"/>
+            <a:ext cx="1505272" cy="276999"/>
+          </a:xfrm>
+          <a:prstGeom prst="rect">
+            <a:avLst/>
+          </a:prstGeom>
+          <a:noFill/>
+        </p:spPr>
+        <p:txBody>
+          <a:bodyPr wrap="square" rtlCol="0">
+            <a:spAutoFit/>
+          </a:bodyPr>
+          <a:lstStyle/>
+          <a:p>
+            <a:r>
+              <a:rPr lang="de-CH" sz="1200" dirty="0" smtClean="0"/>
+              <a:t>Error (Time Error) </a:t>
+            </a:r>
+            <a:endParaRPr lang="de-CH" sz="1200" dirty="0"/>
+          </a:p>
+        </p:txBody>
+      </p:sp>
+      <p:sp>
+        <p:nvSpPr>
+          <p:cNvPr id="17" name="Titel 16"/>
+          <p:cNvSpPr>
+            <a:spLocks noGrp="1"/>
+          </p:cNvSpPr>
+          <p:nvPr>
+            <p:ph type="ctrTitle"/>
+          </p:nvPr>
+        </p:nvSpPr>
+        <p:spPr>
+          <a:xfrm>
+            <a:off x="331662" y="49036"/>
+            <a:ext cx="8100000" cy="540000"/>
+          </a:xfrm>
+        </p:spPr>
+        <p:txBody>
+          <a:bodyPr/>
+          <a:lstStyle/>
+          <a:p>
+            <a:r>
+              <a:rPr lang="de-CH" dirty="0" smtClean="0"/>
+              <a:t>Eintragen eines neuen Termins</a:t>
+            </a:r>
+            <a:endParaRPr lang="de-CH" dirty="0"/>
+          </a:p>
+        </p:txBody>
+      </p:sp>
+    </p:spTree>
+    <p:extLst>
+      <p:ext uri="{BB962C8B-B14F-4D97-AF65-F5344CB8AC3E}">
+        <p14:creationId xmlns:p14="http://schemas.microsoft.com/office/powerpoint/2010/main" val="381265525"/>
+      </p:ext>
+    </p:extLst>
+  </p:cSld>
+  <p:clrMapOvr>
+    <a:masterClrMapping/>
+  </p:clrMapOvr>
+  <p:timing>
+    <p:tnLst>
+      <p:par>
+        <p:cTn id="1" dur="indefinite" restart="never" nodeType="tmRoot"/>
+      </p:par>
+    </p:tnLst>
+  </p:timing>
+</p:sld>
+</file>
+
 <file path=ppt/slides/slide5.xml><?xml version="1.0" encoding="utf-8"?>
 <p:sld xmlns:a="http://schemas.openxmlformats.org/drawingml/2006/main" xmlns:r="http://schemas.openxmlformats.org/officeDocument/2006/relationships" xmlns:p="http://schemas.openxmlformats.org/presentationml/2006/main">
   <p:cSld>
@@ -10411,7 +10083,7 @@
         </p:nvCxnSpPr>
         <p:spPr>
           <a:xfrm>
-            <a:off x="1399075" y="863339"/>
+            <a:off x="1418175" y="1410788"/>
             <a:ext cx="11585" cy="5664375"/>
           </a:xfrm>
           <a:prstGeom prst="line">
@@ -10444,8 +10116,8 @@
         </p:nvSpPr>
         <p:spPr>
           <a:xfrm>
-            <a:off x="1340024" y="1356725"/>
-            <a:ext cx="144016" cy="5096611"/>
+            <a:off x="1359124" y="1556791"/>
+            <a:ext cx="144107" cy="4844009"/>
           </a:xfrm>
           <a:prstGeom prst="rect">
             <a:avLst/>
@@ -10484,8 +10156,8 @@
         </p:nvSpPr>
         <p:spPr>
           <a:xfrm>
-            <a:off x="4067944" y="302390"/>
-            <a:ext cx="1728192" cy="560949"/>
+            <a:off x="4087044" y="878454"/>
+            <a:ext cx="1944216" cy="616584"/>
           </a:xfrm>
           <a:prstGeom prst="rect">
             <a:avLst/>
@@ -10532,7 +10204,7 @@
         </p:nvCxnSpPr>
         <p:spPr>
           <a:xfrm flipH="1">
-            <a:off x="4874850" y="826493"/>
+            <a:off x="4893950" y="1402557"/>
             <a:ext cx="13804" cy="5626843"/>
           </a:xfrm>
           <a:prstGeom prst="line">
@@ -10565,8 +10237,8 @@
         </p:nvSpPr>
         <p:spPr>
           <a:xfrm>
-            <a:off x="2934905" y="1477512"/>
-            <a:ext cx="97649" cy="3935992"/>
+            <a:off x="2954005" y="1844824"/>
+            <a:ext cx="210659" cy="4391384"/>
           </a:xfrm>
           <a:prstGeom prst="rect">
             <a:avLst/>
@@ -10597,49 +10269,16 @@
           </a:p>
         </p:txBody>
       </p:sp>
-      <p:cxnSp>
-        <p:nvCxnSpPr>
-          <p:cNvPr id="39" name="Gerade Verbindung mit Pfeil 38"/>
-          <p:cNvCxnSpPr/>
-          <p:nvPr/>
-        </p:nvCxnSpPr>
-        <p:spPr>
-          <a:xfrm>
-            <a:off x="1484040" y="1515561"/>
-            <a:ext cx="1450865" cy="0"/>
-          </a:xfrm>
-          <a:prstGeom prst="straightConnector1">
-            <a:avLst/>
-          </a:prstGeom>
-          <a:ln>
-            <a:tailEnd type="arrow"/>
-          </a:ln>
-        </p:spPr>
-        <p:style>
-          <a:lnRef idx="1">
-            <a:schemeClr val="accent1"/>
-          </a:lnRef>
-          <a:fillRef idx="0">
-            <a:schemeClr val="accent1"/>
-          </a:fillRef>
-          <a:effectRef idx="0">
-            <a:schemeClr val="accent1"/>
-          </a:effectRef>
-          <a:fontRef idx="minor">
-            <a:schemeClr val="tx1"/>
-          </a:fontRef>
-        </p:style>
-      </p:cxnSp>
-      <p:sp>
-        <p:nvSpPr>
-          <p:cNvPr id="42" name="Textfeld 41"/>
+      <p:sp>
+        <p:nvSpPr>
+          <p:cNvPr id="45" name="Textfeld 44"/>
           <p:cNvSpPr txBox="1"/>
           <p:nvPr/>
         </p:nvSpPr>
         <p:spPr>
           <a:xfrm>
-            <a:off x="1577115" y="1191601"/>
-            <a:ext cx="1314402" cy="276999"/>
+            <a:off x="6175276" y="3208743"/>
+            <a:ext cx="1394922" cy="276999"/>
           </a:xfrm>
           <a:prstGeom prst="rect">
             <a:avLst/>
@@ -10653,22 +10292,31 @@
           <a:lstStyle/>
           <a:p>
             <a:r>
-              <a:rPr lang="de-CH" sz="1200" dirty="0"/>
-              <a:t>New Meeting</a:t>
-            </a:r>
-          </a:p>
-        </p:txBody>
-      </p:sp>
-      <p:sp>
-        <p:nvSpPr>
-          <p:cNvPr id="45" name="Textfeld 44"/>
+              <a:rPr lang="de-CH" sz="1200" dirty="0" smtClean="0"/>
+              <a:t>[Meeting </a:t>
+            </a:r>
+            <a:r>
+              <a:rPr lang="de-CH" sz="1200" dirty="0" err="1" smtClean="0"/>
+              <a:t>soon</a:t>
+            </a:r>
+            <a:r>
+              <a:rPr lang="de-CH" sz="1200" dirty="0" smtClean="0"/>
+              <a:t>] </a:t>
+            </a:r>
+            <a:endParaRPr lang="de-CH" sz="1200" dirty="0"/>
+          </a:p>
+        </p:txBody>
+      </p:sp>
+      <p:sp>
+        <p:nvSpPr>
+          <p:cNvPr id="73" name="Textfeld 72"/>
           <p:cNvSpPr txBox="1"/>
           <p:nvPr/>
         </p:nvSpPr>
         <p:spPr>
           <a:xfrm>
-            <a:off x="6561454" y="2964394"/>
-            <a:ext cx="1394922" cy="276999"/>
+            <a:off x="7564117" y="7111844"/>
+            <a:ext cx="1584176" cy="276999"/>
           </a:xfrm>
           <a:prstGeom prst="rect">
             <a:avLst/>
@@ -10682,46 +10330,8 @@
           <a:lstStyle/>
           <a:p>
             <a:r>
-              <a:rPr lang="de-CH" sz="1200" dirty="0"/>
-              <a:t>[</a:t>
-            </a:r>
-            <a:r>
-              <a:rPr lang="de-CH" sz="1200" dirty="0" err="1" smtClean="0"/>
-              <a:t>verification</a:t>
-            </a:r>
-            <a:r>
               <a:rPr lang="de-CH" sz="1200" dirty="0" smtClean="0"/>
-              <a:t> OK] </a:t>
-            </a:r>
-            <a:endParaRPr lang="de-CH" sz="1200" dirty="0"/>
-          </a:p>
-        </p:txBody>
-      </p:sp>
-      <p:sp>
-        <p:nvSpPr>
-          <p:cNvPr id="73" name="Textfeld 72"/>
-          <p:cNvSpPr txBox="1"/>
-          <p:nvPr/>
-        </p:nvSpPr>
-        <p:spPr>
-          <a:xfrm>
-            <a:off x="7545017" y="6535780"/>
-            <a:ext cx="1584176" cy="276999"/>
-          </a:xfrm>
-          <a:prstGeom prst="rect">
-            <a:avLst/>
-          </a:prstGeom>
-          <a:noFill/>
-        </p:spPr>
-        <p:txBody>
-          <a:bodyPr wrap="square" rtlCol="0">
-            <a:spAutoFit/>
-          </a:bodyPr>
-          <a:lstStyle/>
-          <a:p>
-            <a:r>
-              <a:rPr lang="de-CH" sz="1200" dirty="0" smtClean="0"/>
-              <a:t>Information update</a:t>
+              <a:t>alert</a:t>
             </a:r>
           </a:p>
         </p:txBody>
@@ -10734,8 +10344,8 @@
         </p:nvSpPr>
         <p:spPr>
           <a:xfrm>
-            <a:off x="2137464" y="322437"/>
-            <a:ext cx="1669921" cy="504056"/>
+            <a:off x="1936268" y="898500"/>
+            <a:ext cx="1890218" cy="540903"/>
           </a:xfrm>
           <a:prstGeom prst="rect">
             <a:avLst/>
@@ -10782,7 +10392,7 @@
         </p:nvCxnSpPr>
         <p:spPr>
           <a:xfrm>
-            <a:off x="3015297" y="1716766"/>
+            <a:off x="3034397" y="2132856"/>
             <a:ext cx="1769548" cy="0"/>
           </a:xfrm>
           <a:prstGeom prst="straightConnector1">
@@ -10815,8 +10425,8 @@
         </p:nvCxnSpPr>
         <p:spPr>
           <a:xfrm>
-            <a:off x="2986074" y="841144"/>
-            <a:ext cx="11585" cy="5664375"/>
+            <a:off x="3029191" y="1365025"/>
+            <a:ext cx="42378" cy="5664375"/>
           </a:xfrm>
           <a:prstGeom prst="line">
             <a:avLst/>
@@ -10848,8 +10458,8 @@
         </p:nvSpPr>
         <p:spPr>
           <a:xfrm>
-            <a:off x="4784844" y="1708885"/>
-            <a:ext cx="182117" cy="3540563"/>
+            <a:off x="4803943" y="2121822"/>
+            <a:ext cx="147197" cy="3677663"/>
           </a:xfrm>
           <a:prstGeom prst="rect">
             <a:avLst/>
@@ -10880,6 +10490,46 @@
           </a:p>
         </p:txBody>
       </p:sp>
+      <p:sp>
+        <p:nvSpPr>
+          <p:cNvPr id="66" name="Rechteck 65"/>
+          <p:cNvSpPr/>
+          <p:nvPr/>
+        </p:nvSpPr>
+        <p:spPr>
+          <a:xfrm>
+            <a:off x="4879132" y="2708920"/>
+            <a:ext cx="142983" cy="418095"/>
+          </a:xfrm>
+          <a:prstGeom prst="rect">
+            <a:avLst/>
+          </a:prstGeom>
+        </p:spPr>
+        <p:style>
+          <a:lnRef idx="2">
+            <a:schemeClr val="accent1">
+              <a:shade val="50000"/>
+            </a:schemeClr>
+          </a:lnRef>
+          <a:fillRef idx="1">
+            <a:schemeClr val="accent1"/>
+          </a:fillRef>
+          <a:effectRef idx="0">
+            <a:schemeClr val="accent1"/>
+          </a:effectRef>
+          <a:fontRef idx="minor">
+            <a:schemeClr val="lt1"/>
+          </a:fontRef>
+        </p:style>
+        <p:txBody>
+          <a:bodyPr rtlCol="0" anchor="ctr"/>
+          <a:lstStyle/>
+          <a:p>
+            <a:pPr algn="ctr"/>
+            <a:endParaRPr lang="de-CH"/>
+          </a:p>
+        </p:txBody>
+      </p:sp>
       <p:cxnSp>
         <p:nvCxnSpPr>
           <p:cNvPr id="69" name="Gerade Verbindung mit Pfeil 68"/>
@@ -10888,8 +10538,8 @@
         </p:nvCxnSpPr>
         <p:spPr>
           <a:xfrm flipH="1">
-            <a:off x="3032554" y="3136453"/>
-            <a:ext cx="1802034" cy="1"/>
+            <a:off x="3102214" y="3464774"/>
+            <a:ext cx="1751474" cy="1"/>
           </a:xfrm>
           <a:prstGeom prst="straightConnector1">
             <a:avLst/>
@@ -10921,9 +10571,9 @@
           <p:nvPr/>
         </p:nvCxnSpPr>
         <p:spPr>
-          <a:xfrm>
-            <a:off x="3060414" y="3596489"/>
-            <a:ext cx="1724430" cy="0"/>
+          <a:xfrm flipH="1" flipV="1">
+            <a:off x="1458253" y="3969230"/>
+            <a:ext cx="1492632" cy="8052"/>
           </a:xfrm>
           <a:prstGeom prst="straightConnector1">
             <a:avLst/>
@@ -10968,7 +10618,7 @@
         </p:blipFill>
         <p:spPr>
           <a:xfrm>
-            <a:off x="1229144" y="306049"/>
+            <a:off x="1248244" y="882113"/>
             <a:ext cx="336864" cy="557291"/>
           </a:xfrm>
           <a:prstGeom prst="rect">
@@ -10984,8 +10634,8 @@
         </p:nvSpPr>
         <p:spPr>
           <a:xfrm>
-            <a:off x="1001401" y="-40914"/>
-            <a:ext cx="875504" cy="369332"/>
+            <a:off x="741759" y="573153"/>
+            <a:ext cx="1286464" cy="461665"/>
           </a:xfrm>
           <a:prstGeom prst="rect">
             <a:avLst/>
@@ -11014,8 +10664,8 @@
         </p:nvCxnSpPr>
         <p:spPr>
           <a:xfrm flipH="1">
-            <a:off x="3032554" y="5249447"/>
-            <a:ext cx="1727153" cy="1"/>
+            <a:off x="3058970" y="5799485"/>
+            <a:ext cx="1727154" cy="1"/>
           </a:xfrm>
           <a:prstGeom prst="straightConnector1">
             <a:avLst/>
@@ -11048,7 +10698,7 @@
         </p:nvSpPr>
         <p:spPr>
           <a:xfrm>
-            <a:off x="6561454" y="4541612"/>
+            <a:off x="6031260" y="5013176"/>
             <a:ext cx="1394922" cy="276999"/>
           </a:xfrm>
           <a:prstGeom prst="rect">
@@ -11063,20 +10713,20 @@
           <a:lstStyle/>
           <a:p>
             <a:r>
-              <a:rPr lang="de-CH" sz="1200" dirty="0"/>
+              <a:rPr lang="de-CH" sz="1200" dirty="0" smtClean="0"/>
               <a:t>[</a:t>
             </a:r>
             <a:r>
               <a:rPr lang="de-CH" sz="1200" dirty="0" err="1" smtClean="0"/>
-              <a:t>verification</a:t>
+              <a:t>no</a:t>
             </a:r>
             <a:r>
               <a:rPr lang="de-CH" sz="1200" dirty="0" smtClean="0"/>
-              <a:t> </a:t>
+              <a:t> Meeting </a:t>
             </a:r>
             <a:r>
               <a:rPr lang="de-CH" sz="1200" dirty="0" err="1" smtClean="0"/>
-              <a:t>fail</a:t>
+              <a:t>soon</a:t>
             </a:r>
             <a:r>
               <a:rPr lang="de-CH" sz="1200" dirty="0" smtClean="0"/>
@@ -11094,8 +10744,8 @@
         </p:nvSpPr>
         <p:spPr>
           <a:xfrm>
-            <a:off x="1185872" y="2924943"/>
-            <a:ext cx="6770504" cy="2692861"/>
+            <a:off x="1204972" y="3197710"/>
+            <a:ext cx="6122432" cy="2881641"/>
           </a:xfrm>
           <a:prstGeom prst="rect">
             <a:avLst/>
@@ -11140,7 +10790,7 @@
         </p:nvSpPr>
         <p:spPr>
           <a:xfrm>
-            <a:off x="1192642" y="2924944"/>
+            <a:off x="1204972" y="3197710"/>
             <a:ext cx="360039" cy="288032"/>
           </a:xfrm>
           <a:prstGeom prst="rect">
@@ -11184,8 +10834,8 @@
         </p:nvSpPr>
         <p:spPr>
           <a:xfrm>
-            <a:off x="3072555" y="1477513"/>
-            <a:ext cx="1654657" cy="646331"/>
+            <a:off x="3091655" y="1844824"/>
+            <a:ext cx="1654657" cy="276999"/>
           </a:xfrm>
           <a:prstGeom prst="rect">
             <a:avLst/>
@@ -11200,23 +10850,15 @@
           <a:p>
             <a:r>
               <a:rPr lang="de-CH" sz="1200" dirty="0" smtClean="0"/>
-              <a:t>New Meeting (Date, Starttime, </a:t>
+              <a:t>Meeting </a:t>
             </a:r>
             <a:r>
               <a:rPr lang="de-CH" sz="1200" dirty="0" err="1" smtClean="0"/>
-              <a:t>Endtime</a:t>
+              <a:t>soon</a:t>
             </a:r>
             <a:r>
               <a:rPr lang="de-CH" sz="1200" dirty="0" smtClean="0"/>
-              <a:t>, </a:t>
-            </a:r>
-            <a:r>
-              <a:rPr lang="de-CH" sz="1200" dirty="0" err="1" smtClean="0"/>
-              <a:t>content</a:t>
-            </a:r>
-            <a:r>
-              <a:rPr lang="de-CH" sz="1200" dirty="0" smtClean="0"/>
-              <a:t>)</a:t>
+              <a:t>?(Pull)</a:t>
             </a:r>
             <a:endParaRPr lang="de-CH" sz="1200" dirty="0"/>
           </a:p>
@@ -11230,8 +10872,8 @@
         </p:nvSpPr>
         <p:spPr>
           <a:xfrm>
-            <a:off x="5436096" y="2177324"/>
-            <a:ext cx="1505272" cy="461665"/>
+            <a:off x="5383188" y="2201593"/>
+            <a:ext cx="1505272" cy="646331"/>
           </a:xfrm>
           <a:prstGeom prst="rect">
             <a:avLst/>
@@ -11245,24 +10887,32 @@
           <a:lstStyle/>
           <a:p>
             <a:r>
+              <a:rPr lang="de-CH" sz="1200" dirty="0" smtClean="0"/>
+              <a:t>Meeting </a:t>
+            </a:r>
+            <a:r>
               <a:rPr lang="de-CH" sz="1200" dirty="0" err="1" smtClean="0"/>
-              <a:t>Verificate</a:t>
+              <a:t>soon</a:t>
             </a:r>
             <a:r>
               <a:rPr lang="de-CH" sz="1200" dirty="0" smtClean="0"/>
-              <a:t> (</a:t>
+              <a:t>? (</a:t>
             </a:r>
             <a:r>
               <a:rPr lang="de-CH" sz="1200" dirty="0"/>
-              <a:t>Date, Starttime, </a:t>
-            </a:r>
-            <a:r>
-              <a:rPr lang="de-CH" sz="1200" dirty="0" err="1"/>
-              <a:t>Endtime</a:t>
+              <a:t>Date, </a:t>
             </a:r>
             <a:r>
               <a:rPr lang="de-CH" sz="1200" dirty="0" smtClean="0"/>
-              <a:t>)</a:t>
+              <a:t>Starttime, </a:t>
+            </a:r>
+            <a:r>
+              <a:rPr lang="de-CH" sz="1200" dirty="0" err="1" smtClean="0"/>
+              <a:t>actual</a:t>
+            </a:r>
+            <a:r>
+              <a:rPr lang="de-CH" sz="1200" dirty="0" smtClean="0"/>
+              <a:t> Time)</a:t>
             </a:r>
             <a:endParaRPr lang="de-CH" sz="1200" dirty="0"/>
           </a:p>
@@ -11276,7 +10926,7 @@
         </p:nvSpPr>
         <p:spPr>
           <a:xfrm>
-            <a:off x="3147435" y="2924944"/>
+            <a:off x="3166535" y="3174684"/>
             <a:ext cx="1505272" cy="276999"/>
           </a:xfrm>
           <a:prstGeom prst="rect">
@@ -11292,7 +10942,11 @@
           <a:p>
             <a:r>
               <a:rPr lang="de-CH" sz="1200" dirty="0" smtClean="0"/>
-              <a:t>Meeting OK</a:t>
+              <a:t>Meeting </a:t>
+            </a:r>
+            <a:r>
+              <a:rPr lang="de-CH" sz="1200" dirty="0" err="1" smtClean="0"/>
+              <a:t>soon</a:t>
             </a:r>
             <a:endParaRPr lang="de-CH" sz="1200" dirty="0"/>
           </a:p>
@@ -11306,7 +10960,7 @@
         </p:nvSpPr>
         <p:spPr>
           <a:xfrm>
-            <a:off x="3244342" y="4972448"/>
+            <a:off x="3263442" y="5506224"/>
             <a:ext cx="1505272" cy="276999"/>
           </a:xfrm>
           <a:prstGeom prst="rect">
@@ -11321,8 +10975,12 @@
           <a:lstStyle/>
           <a:p>
             <a:r>
+              <a:rPr lang="de-CH" sz="1200" dirty="0" err="1" smtClean="0"/>
+              <a:t>No</a:t>
+            </a:r>
+            <a:r>
               <a:rPr lang="de-CH" sz="1200" dirty="0" smtClean="0"/>
-              <a:t>Error (Time Error) </a:t>
+              <a:t> Meeting () </a:t>
             </a:r>
             <a:endParaRPr lang="de-CH" sz="1200" dirty="0"/>
           </a:p>
@@ -11335,14 +10993,15 @@
           <p:nvPr/>
         </p:nvCxnSpPr>
         <p:spPr>
-          <a:xfrm>
-            <a:off x="1185872" y="4529087"/>
-            <a:ext cx="6770504" cy="12525"/>
+          <a:xfrm flipV="1">
+            <a:off x="1204972" y="5013176"/>
+            <a:ext cx="6122432" cy="15986"/>
           </a:xfrm>
           <a:prstGeom prst="line">
             <a:avLst/>
           </a:prstGeom>
           <a:ln/>
+          <a:effectLst/>
         </p:spPr>
         <p:style>
           <a:lnRef idx="2">
@@ -11361,14 +11020,14 @@
       </p:cxnSp>
       <p:sp>
         <p:nvSpPr>
-          <p:cNvPr id="71" name="Textfeld 70"/>
+          <p:cNvPr id="50" name="Textfeld 49"/>
           <p:cNvSpPr txBox="1"/>
           <p:nvPr/>
         </p:nvSpPr>
         <p:spPr>
           <a:xfrm>
-            <a:off x="3268505" y="4111283"/>
-            <a:ext cx="1314402" cy="276999"/>
+            <a:off x="1602010" y="3969230"/>
+            <a:ext cx="1314402" cy="461665"/>
           </a:xfrm>
           <a:prstGeom prst="rect">
             <a:avLst/>
@@ -11382,38 +11041,16 @@
           <a:lstStyle/>
           <a:p>
             <a:r>
+              <a:rPr lang="de-CH" sz="1200" dirty="0" smtClean="0"/>
+              <a:t>Alert(</a:t>
+            </a:r>
+            <a:r>
               <a:rPr lang="de-CH" sz="1200" dirty="0" err="1" smtClean="0"/>
-              <a:t>confirmation</a:t>
-            </a:r>
-            <a:endParaRPr lang="de-CH" sz="1200" dirty="0"/>
-          </a:p>
-        </p:txBody>
-      </p:sp>
-      <p:sp>
-        <p:nvSpPr>
-          <p:cNvPr id="50" name="Textfeld 49"/>
-          <p:cNvSpPr txBox="1"/>
-          <p:nvPr/>
-        </p:nvSpPr>
-        <p:spPr>
-          <a:xfrm>
-            <a:off x="3259110" y="3586555"/>
-            <a:ext cx="1314402" cy="276999"/>
-          </a:xfrm>
-          <a:prstGeom prst="rect">
-            <a:avLst/>
-          </a:prstGeom>
-          <a:noFill/>
-        </p:spPr>
-        <p:txBody>
-          <a:bodyPr wrap="square" rtlCol="0">
-            <a:spAutoFit/>
-          </a:bodyPr>
-          <a:lstStyle/>
-          <a:p>
+              <a:t>content</a:t>
+            </a:r>
             <a:r>
               <a:rPr lang="de-CH" sz="1200" dirty="0" smtClean="0"/>
-              <a:t>Create Meeting</a:t>
+              <a:t>, time)</a:t>
             </a:r>
             <a:endParaRPr lang="de-CH" sz="1200" dirty="0"/>
           </a:p>
@@ -11421,20 +11058,21 @@
       </p:sp>
       <p:cxnSp>
         <p:nvCxnSpPr>
-          <p:cNvPr id="52" name="Gerade Verbindung mit Pfeil 51"/>
+          <p:cNvPr id="29" name="Gewinkelte Verbindung 28"/>
           <p:cNvCxnSpPr/>
           <p:nvPr/>
         </p:nvCxnSpPr>
         <p:spPr>
-          <a:xfrm flipH="1">
-            <a:off x="3004554" y="4129892"/>
-            <a:ext cx="1751473" cy="1"/>
-          </a:xfrm>
-          <a:prstGeom prst="straightConnector1">
-            <a:avLst/>
+          <a:xfrm rot="16200000" flipH="1">
+            <a:off x="4712287" y="2379005"/>
+            <a:ext cx="568767" cy="91061"/>
+          </a:xfrm>
+          <a:prstGeom prst="bentConnector3">
+            <a:avLst>
+              <a:gd name="adj1" fmla="val 50000"/>
+            </a:avLst>
           </a:prstGeom>
           <a:ln>
-            <a:prstDash val="dash"/>
             <a:tailEnd type="arrow"/>
           </a:ln>
         </p:spPr>
@@ -11455,214 +11093,36 @@
       </p:cxnSp>
       <p:sp>
         <p:nvSpPr>
-          <p:cNvPr id="35" name="Rechteck 34"/>
-          <p:cNvSpPr/>
-          <p:nvPr/>
-        </p:nvSpPr>
-        <p:spPr>
-          <a:xfrm>
-            <a:off x="4893762" y="2204864"/>
-            <a:ext cx="182122" cy="417454"/>
-          </a:xfrm>
-          <a:prstGeom prst="rect">
-            <a:avLst/>
-          </a:prstGeom>
-        </p:spPr>
-        <p:style>
-          <a:lnRef idx="2">
-            <a:schemeClr val="accent1">
-              <a:shade val="50000"/>
-            </a:schemeClr>
-          </a:lnRef>
-          <a:fillRef idx="1">
-            <a:schemeClr val="accent1"/>
-          </a:fillRef>
-          <a:effectRef idx="0">
-            <a:schemeClr val="accent1"/>
-          </a:effectRef>
-          <a:fontRef idx="minor">
-            <a:schemeClr val="lt1"/>
-          </a:fontRef>
-        </p:style>
-        <p:txBody>
-          <a:bodyPr rtlCol="0" anchor="ctr"/>
+          <p:cNvPr id="16" name="Titel 15"/>
+          <p:cNvSpPr>
+            <a:spLocks noGrp="1"/>
+          </p:cNvSpPr>
+          <p:nvPr>
+            <p:ph type="ctrTitle"/>
+          </p:nvPr>
+        </p:nvSpPr>
+        <p:spPr>
+          <a:xfrm>
+            <a:off x="468000" y="104894"/>
+            <a:ext cx="8100000" cy="540000"/>
+          </a:xfrm>
+        </p:spPr>
+        <p:txBody>
+          <a:bodyPr/>
           <a:lstStyle/>
           <a:p>
-            <a:pPr algn="ctr"/>
-            <a:endParaRPr lang="de-CH"/>
-          </a:p>
-        </p:txBody>
-      </p:sp>
-      <p:cxnSp>
-        <p:nvCxnSpPr>
-          <p:cNvPr id="26" name="Gewinkelte Verbindung 25"/>
-          <p:cNvCxnSpPr>
-            <a:endCxn id="35" idx="3"/>
-          </p:cNvCxnSpPr>
-          <p:nvPr/>
-        </p:nvCxnSpPr>
-        <p:spPr>
-          <a:xfrm rot="16200000" flipH="1">
-            <a:off x="4745970" y="2083676"/>
-            <a:ext cx="568767" cy="91061"/>
-          </a:xfrm>
-          <a:prstGeom prst="bentConnector4">
-            <a:avLst>
-              <a:gd name="adj1" fmla="val 31651"/>
-              <a:gd name="adj2" fmla="val 351041"/>
-            </a:avLst>
-          </a:prstGeom>
-          <a:ln>
-            <a:tailEnd type="arrow"/>
-          </a:ln>
-        </p:spPr>
-        <p:style>
-          <a:lnRef idx="1">
-            <a:schemeClr val="accent1"/>
-          </a:lnRef>
-          <a:fillRef idx="0">
-            <a:schemeClr val="accent1"/>
-          </a:fillRef>
-          <a:effectRef idx="0">
-            <a:schemeClr val="accent1"/>
-          </a:effectRef>
-          <a:fontRef idx="minor">
-            <a:schemeClr val="tx1"/>
-          </a:fontRef>
-        </p:style>
-      </p:cxnSp>
-      <p:cxnSp>
-        <p:nvCxnSpPr>
-          <p:cNvPr id="66" name="Gerade Verbindung mit Pfeil 65"/>
-          <p:cNvCxnSpPr/>
-          <p:nvPr/>
-        </p:nvCxnSpPr>
-        <p:spPr>
-          <a:xfrm flipH="1">
-            <a:off x="3048817" y="2780928"/>
-            <a:ext cx="1727153" cy="1"/>
-          </a:xfrm>
-          <a:prstGeom prst="straightConnector1">
-            <a:avLst/>
-          </a:prstGeom>
-          <a:ln>
-            <a:prstDash val="dash"/>
-            <a:tailEnd type="arrow"/>
-          </a:ln>
-        </p:spPr>
-        <p:style>
-          <a:lnRef idx="1">
-            <a:schemeClr val="accent1"/>
-          </a:lnRef>
-          <a:fillRef idx="0">
-            <a:schemeClr val="accent1"/>
-          </a:fillRef>
-          <a:effectRef idx="0">
-            <a:schemeClr val="accent1"/>
-          </a:effectRef>
-          <a:fontRef idx="minor">
-            <a:schemeClr val="tx1"/>
-          </a:fontRef>
-        </p:style>
-      </p:cxnSp>
-      <p:sp>
-        <p:nvSpPr>
-          <p:cNvPr id="67" name="Textfeld 66"/>
-          <p:cNvSpPr txBox="1"/>
-          <p:nvPr/>
-        </p:nvSpPr>
-        <p:spPr>
-          <a:xfrm>
-            <a:off x="3268505" y="2483818"/>
-            <a:ext cx="1394922" cy="276999"/>
-          </a:xfrm>
-          <a:prstGeom prst="rect">
-            <a:avLst/>
-          </a:prstGeom>
-          <a:noFill/>
-        </p:spPr>
-        <p:txBody>
-          <a:bodyPr wrap="square" rtlCol="0">
-            <a:spAutoFit/>
-          </a:bodyPr>
-          <a:lstStyle/>
-          <a:p>
-            <a:r>
-              <a:rPr lang="de-CH" sz="1200" dirty="0" err="1" smtClean="0"/>
-              <a:t>verification</a:t>
-            </a:r>
-            <a:endParaRPr lang="de-CH" sz="1200" dirty="0"/>
-          </a:p>
-        </p:txBody>
-      </p:sp>
-      <p:cxnSp>
-        <p:nvCxnSpPr>
-          <p:cNvPr id="74" name="Gerade Verbindung mit Pfeil 73"/>
-          <p:cNvCxnSpPr/>
-          <p:nvPr/>
-        </p:nvCxnSpPr>
-        <p:spPr>
-          <a:xfrm flipH="1">
-            <a:off x="1484040" y="5373216"/>
-            <a:ext cx="1407478" cy="0"/>
-          </a:xfrm>
-          <a:prstGeom prst="straightConnector1">
-            <a:avLst/>
-          </a:prstGeom>
-          <a:ln>
-            <a:prstDash val="dash"/>
-            <a:tailEnd type="arrow"/>
-          </a:ln>
-        </p:spPr>
-        <p:style>
-          <a:lnRef idx="1">
-            <a:schemeClr val="accent1"/>
-          </a:lnRef>
-          <a:fillRef idx="0">
-            <a:schemeClr val="accent1"/>
-          </a:fillRef>
-          <a:effectRef idx="0">
-            <a:schemeClr val="accent1"/>
-          </a:effectRef>
-          <a:fontRef idx="minor">
-            <a:schemeClr val="tx1"/>
-          </a:fontRef>
-        </p:style>
-      </p:cxnSp>
-      <p:sp>
-        <p:nvSpPr>
-          <p:cNvPr id="75" name="Textfeld 74"/>
-          <p:cNvSpPr txBox="1"/>
-          <p:nvPr/>
-        </p:nvSpPr>
-        <p:spPr>
-          <a:xfrm>
-            <a:off x="1554560" y="5157192"/>
-            <a:ext cx="1505272" cy="276999"/>
-          </a:xfrm>
-          <a:prstGeom prst="rect">
-            <a:avLst/>
-          </a:prstGeom>
-          <a:noFill/>
-        </p:spPr>
-        <p:txBody>
-          <a:bodyPr wrap="square" rtlCol="0">
-            <a:spAutoFit/>
-          </a:bodyPr>
-          <a:lstStyle/>
-          <a:p>
-            <a:r>
-              <a:rPr lang="de-CH" sz="1200" dirty="0" smtClean="0"/>
-              <a:t>Error (Time Error) </a:t>
-            </a:r>
-            <a:endParaRPr lang="de-CH" sz="1200" dirty="0"/>
+            <a:r>
+              <a:rPr lang="de-CH" dirty="0" smtClean="0"/>
+              <a:t>Terminerinnerung</a:t>
+            </a:r>
+            <a:endParaRPr lang="de-CH" dirty="0"/>
           </a:p>
         </p:txBody>
       </p:sp>
     </p:spTree>
     <p:extLst>
       <p:ext uri="{BB962C8B-B14F-4D97-AF65-F5344CB8AC3E}">
-        <p14:creationId xmlns:p14="http://schemas.microsoft.com/office/powerpoint/2010/main" val="381265525"/>
+        <p14:creationId xmlns:p14="http://schemas.microsoft.com/office/powerpoint/2010/main" val="2393781292"/>
       </p:ext>
     </p:extLst>
   </p:cSld>
@@ -11696,49 +11156,16 @@
           <a:chExt cx="0" cy="0"/>
         </a:xfrm>
       </p:grpSpPr>
-      <p:cxnSp>
-        <p:nvCxnSpPr>
-          <p:cNvPr id="54" name="Gerade Verbindung 50"/>
-          <p:cNvCxnSpPr/>
-          <p:nvPr/>
-        </p:nvCxnSpPr>
-        <p:spPr>
-          <a:xfrm>
-            <a:off x="1399075" y="834724"/>
-            <a:ext cx="11585" cy="5664375"/>
-          </a:xfrm>
-          <a:prstGeom prst="line">
-            <a:avLst/>
-          </a:prstGeom>
-          <a:ln>
-            <a:prstDash val="dash"/>
-          </a:ln>
-        </p:spPr>
-        <p:style>
-          <a:lnRef idx="1">
-            <a:schemeClr val="accent1"/>
-          </a:lnRef>
-          <a:fillRef idx="0">
-            <a:schemeClr val="accent1"/>
-          </a:fillRef>
-          <a:effectRef idx="0">
-            <a:schemeClr val="accent1"/>
-          </a:effectRef>
-          <a:fontRef idx="minor">
-            <a:schemeClr val="tx1"/>
-          </a:fontRef>
-        </p:style>
-      </p:cxnSp>
-      <p:sp>
-        <p:nvSpPr>
-          <p:cNvPr id="14" name="Rechteck 13"/>
+      <p:sp>
+        <p:nvSpPr>
+          <p:cNvPr id="5" name="Rechteck 4"/>
           <p:cNvSpPr/>
           <p:nvPr/>
         </p:nvSpPr>
         <p:spPr>
           <a:xfrm>
-            <a:off x="1340025" y="980727"/>
-            <a:ext cx="99128" cy="5518371"/>
+            <a:off x="3210450" y="2118740"/>
+            <a:ext cx="1368743" cy="476579"/>
           </a:xfrm>
           <a:prstGeom prst="rect">
             <a:avLst/>
@@ -11765,20 +11192,23 @@
           <a:lstStyle/>
           <a:p>
             <a:pPr algn="ctr"/>
-            <a:endParaRPr lang="de-CH"/>
-          </a:p>
-        </p:txBody>
-      </p:sp>
-      <p:sp>
-        <p:nvSpPr>
-          <p:cNvPr id="18" name="Rechteck 17"/>
+            <a:r>
+              <a:rPr lang="de-CH" sz="1800" dirty="0"/>
+              <a:t>+Patient</a:t>
+            </a:r>
+          </a:p>
+        </p:txBody>
+      </p:sp>
+      <p:sp>
+        <p:nvSpPr>
+          <p:cNvPr id="10" name="Rechteck 9"/>
           <p:cNvSpPr/>
           <p:nvPr/>
         </p:nvSpPr>
         <p:spPr>
           <a:xfrm>
-            <a:off x="4067944" y="302390"/>
-            <a:ext cx="1728192" cy="560949"/>
+            <a:off x="5582663" y="2057902"/>
+            <a:ext cx="1495008" cy="582848"/>
           </a:xfrm>
           <a:prstGeom prst="rect">
             <a:avLst/>
@@ -11806,221 +11236,31 @@
           <a:p>
             <a:pPr algn="ctr"/>
             <a:r>
-              <a:rPr lang="de-CH" dirty="0"/>
-              <a:t>T</a:t>
-            </a:r>
-            <a:r>
-              <a:rPr lang="de-CH" dirty="0" smtClean="0"/>
-              <a:t>: Termine</a:t>
-            </a:r>
-            <a:endParaRPr lang="de-CH" dirty="0"/>
+              <a:rPr lang="de-CH" sz="1800" dirty="0"/>
+              <a:t>Kalender</a:t>
+            </a:r>
           </a:p>
         </p:txBody>
       </p:sp>
       <p:cxnSp>
         <p:nvCxnSpPr>
-          <p:cNvPr id="19" name="Gerade Verbindung 18"/>
-          <p:cNvCxnSpPr/>
+          <p:cNvPr id="19" name="Gerade Verbindung mit Pfeil 18"/>
+          <p:cNvCxnSpPr>
+            <a:stCxn id="5" idx="3"/>
+            <a:endCxn id="10" idx="1"/>
+          </p:cNvCxnSpPr>
           <p:nvPr/>
         </p:nvCxnSpPr>
         <p:spPr>
-          <a:xfrm flipH="1">
-            <a:off x="4874850" y="826493"/>
-            <a:ext cx="13804" cy="5626843"/>
-          </a:xfrm>
-          <a:prstGeom prst="line">
+          <a:xfrm flipV="1">
+            <a:off x="4579193" y="2349327"/>
+            <a:ext cx="1003471" cy="7703"/>
+          </a:xfrm>
+          <a:prstGeom prst="straightConnector1">
             <a:avLst/>
           </a:prstGeom>
           <a:ln>
-            <a:prstDash val="dash"/>
-          </a:ln>
-        </p:spPr>
-        <p:style>
-          <a:lnRef idx="1">
-            <a:schemeClr val="accent1"/>
-          </a:lnRef>
-          <a:fillRef idx="0">
-            <a:schemeClr val="accent1"/>
-          </a:fillRef>
-          <a:effectRef idx="0">
-            <a:schemeClr val="accent1"/>
-          </a:effectRef>
-          <a:fontRef idx="minor">
-            <a:schemeClr val="tx1"/>
-          </a:fontRef>
-        </p:style>
-      </p:cxnSp>
-      <p:sp>
-        <p:nvSpPr>
-          <p:cNvPr id="20" name="Rechteck 19"/>
-          <p:cNvSpPr/>
-          <p:nvPr/>
-        </p:nvSpPr>
-        <p:spPr>
-          <a:xfrm>
-            <a:off x="2934905" y="1268760"/>
-            <a:ext cx="118550" cy="5184576"/>
-          </a:xfrm>
-          <a:prstGeom prst="rect">
-            <a:avLst/>
-          </a:prstGeom>
-        </p:spPr>
-        <p:style>
-          <a:lnRef idx="2">
-            <a:schemeClr val="accent1">
-              <a:shade val="50000"/>
-            </a:schemeClr>
-          </a:lnRef>
-          <a:fillRef idx="1">
-            <a:schemeClr val="accent1"/>
-          </a:fillRef>
-          <a:effectRef idx="0">
-            <a:schemeClr val="accent1"/>
-          </a:effectRef>
-          <a:fontRef idx="minor">
-            <a:schemeClr val="lt1"/>
-          </a:fontRef>
-        </p:style>
-        <p:txBody>
-          <a:bodyPr rtlCol="0" anchor="ctr"/>
-          <a:lstStyle/>
-          <a:p>
-            <a:pPr algn="ctr"/>
-            <a:endParaRPr lang="de-CH"/>
-          </a:p>
-        </p:txBody>
-      </p:sp>
-      <p:sp>
-        <p:nvSpPr>
-          <p:cNvPr id="45" name="Textfeld 44"/>
-          <p:cNvSpPr txBox="1"/>
-          <p:nvPr/>
-        </p:nvSpPr>
-        <p:spPr>
-          <a:xfrm>
-            <a:off x="6156176" y="2632679"/>
-            <a:ext cx="1394922" cy="276999"/>
-          </a:xfrm>
-          <a:prstGeom prst="rect">
-            <a:avLst/>
-          </a:prstGeom>
-          <a:noFill/>
-        </p:spPr>
-        <p:txBody>
-          <a:bodyPr wrap="square" rtlCol="0">
-            <a:spAutoFit/>
-          </a:bodyPr>
-          <a:lstStyle/>
-          <a:p>
-            <a:r>
-              <a:rPr lang="de-CH" sz="1200" dirty="0" smtClean="0"/>
-              <a:t>[Meeting </a:t>
-            </a:r>
-            <a:r>
-              <a:rPr lang="de-CH" sz="1200" dirty="0" err="1" smtClean="0"/>
-              <a:t>soon</a:t>
-            </a:r>
-            <a:r>
-              <a:rPr lang="de-CH" sz="1200" dirty="0" smtClean="0"/>
-              <a:t>] </a:t>
-            </a:r>
-            <a:endParaRPr lang="de-CH" sz="1200" dirty="0"/>
-          </a:p>
-        </p:txBody>
-      </p:sp>
-      <p:sp>
-        <p:nvSpPr>
-          <p:cNvPr id="73" name="Textfeld 72"/>
-          <p:cNvSpPr txBox="1"/>
-          <p:nvPr/>
-        </p:nvSpPr>
-        <p:spPr>
-          <a:xfrm>
-            <a:off x="7545017" y="6535780"/>
-            <a:ext cx="1584176" cy="276999"/>
-          </a:xfrm>
-          <a:prstGeom prst="rect">
-            <a:avLst/>
-          </a:prstGeom>
-          <a:noFill/>
-        </p:spPr>
-        <p:txBody>
-          <a:bodyPr wrap="square" rtlCol="0">
-            <a:spAutoFit/>
-          </a:bodyPr>
-          <a:lstStyle/>
-          <a:p>
-            <a:r>
-              <a:rPr lang="de-CH" sz="1200" dirty="0" smtClean="0"/>
-              <a:t>alert</a:t>
-            </a:r>
-          </a:p>
-        </p:txBody>
-      </p:sp>
-      <p:sp>
-        <p:nvSpPr>
-          <p:cNvPr id="47" name="Rechteck 46"/>
-          <p:cNvSpPr/>
-          <p:nvPr/>
-        </p:nvSpPr>
-        <p:spPr>
-          <a:xfrm>
-            <a:off x="2137464" y="322437"/>
-            <a:ext cx="1669921" cy="504056"/>
-          </a:xfrm>
-          <a:prstGeom prst="rect">
-            <a:avLst/>
-          </a:prstGeom>
-        </p:spPr>
-        <p:style>
-          <a:lnRef idx="2">
-            <a:schemeClr val="accent1">
-              <a:shade val="50000"/>
-            </a:schemeClr>
-          </a:lnRef>
-          <a:fillRef idx="1">
-            <a:schemeClr val="accent1"/>
-          </a:fillRef>
-          <a:effectRef idx="0">
-            <a:schemeClr val="accent1"/>
-          </a:effectRef>
-          <a:fontRef idx="minor">
-            <a:schemeClr val="lt1"/>
-          </a:fontRef>
-        </p:style>
-        <p:txBody>
-          <a:bodyPr rtlCol="0" anchor="ctr"/>
-          <a:lstStyle/>
-          <a:p>
-            <a:pPr algn="ctr"/>
-            <a:r>
-              <a:rPr lang="de-CH" dirty="0"/>
-              <a:t>K</a:t>
-            </a:r>
-            <a:r>
-              <a:rPr lang="de-CH" dirty="0" smtClean="0"/>
-              <a:t>: Kalender</a:t>
-            </a:r>
-            <a:endParaRPr lang="de-CH" dirty="0"/>
-          </a:p>
-        </p:txBody>
-      </p:sp>
-      <p:cxnSp>
-        <p:nvCxnSpPr>
-          <p:cNvPr id="48" name="Gerade Verbindung mit Pfeil 47"/>
-          <p:cNvCxnSpPr/>
-          <p:nvPr/>
-        </p:nvCxnSpPr>
-        <p:spPr>
-          <a:xfrm>
-            <a:off x="3015297" y="1556792"/>
-            <a:ext cx="1769548" cy="0"/>
-          </a:xfrm>
-          <a:prstGeom prst="straightConnector1">
-            <a:avLst/>
-          </a:prstGeom>
-          <a:ln>
-            <a:tailEnd type="arrow"/>
+            <a:tailEnd type="triangle"/>
           </a:ln>
         </p:spPr>
         <p:style>
@@ -12040,20 +11280,23 @@
       </p:cxnSp>
       <p:cxnSp>
         <p:nvCxnSpPr>
-          <p:cNvPr id="51" name="Gerade Verbindung 50"/>
-          <p:cNvCxnSpPr/>
+          <p:cNvPr id="26" name="Gerade Verbindung mit Pfeil 25"/>
+          <p:cNvCxnSpPr>
+            <a:stCxn id="5" idx="2"/>
+            <a:endCxn id="78" idx="0"/>
+          </p:cNvCxnSpPr>
           <p:nvPr/>
         </p:nvCxnSpPr>
         <p:spPr>
           <a:xfrm>
-            <a:off x="3010091" y="788961"/>
-            <a:ext cx="11585" cy="5664375"/>
-          </a:xfrm>
-          <a:prstGeom prst="line">
+            <a:off x="3894821" y="2595319"/>
+            <a:ext cx="6023" cy="2074874"/>
+          </a:xfrm>
+          <a:prstGeom prst="straightConnector1">
             <a:avLst/>
           </a:prstGeom>
           <a:ln>
-            <a:prstDash val="dash"/>
+            <a:tailEnd type="triangle"/>
           </a:ln>
         </p:spPr>
         <p:style>
@@ -12073,14 +11316,14 @@
       </p:cxnSp>
       <p:sp>
         <p:nvSpPr>
-          <p:cNvPr id="64" name="Rechteck 63"/>
+          <p:cNvPr id="33" name="Rechteck 32"/>
           <p:cNvSpPr/>
           <p:nvPr/>
         </p:nvSpPr>
         <p:spPr>
           <a:xfrm>
-            <a:off x="4784843" y="1545758"/>
-            <a:ext cx="147197" cy="3677663"/>
+            <a:off x="48133" y="2057902"/>
+            <a:ext cx="1368743" cy="582848"/>
           </a:xfrm>
           <a:prstGeom prst="rect">
             <a:avLst/>
@@ -12107,20 +11350,184 @@
           <a:lstStyle/>
           <a:p>
             <a:pPr algn="ctr"/>
-            <a:endParaRPr lang="de-CH"/>
-          </a:p>
-        </p:txBody>
-      </p:sp>
-      <p:sp>
-        <p:nvSpPr>
-          <p:cNvPr id="66" name="Rechteck 65"/>
+            <a:r>
+              <a:rPr lang="de-CH" sz="1800" dirty="0"/>
+              <a:t>Krankheit</a:t>
+            </a:r>
+          </a:p>
+        </p:txBody>
+      </p:sp>
+      <p:cxnSp>
+        <p:nvCxnSpPr>
+          <p:cNvPr id="34" name="Gerade Verbindung mit Pfeil 33"/>
+          <p:cNvCxnSpPr>
+            <a:stCxn id="5" idx="1"/>
+            <a:endCxn id="33" idx="3"/>
+          </p:cNvCxnSpPr>
+          <p:nvPr/>
+        </p:nvCxnSpPr>
+        <p:spPr>
+          <a:xfrm flipH="1" flipV="1">
+            <a:off x="1416876" y="2349327"/>
+            <a:ext cx="1793574" cy="7703"/>
+          </a:xfrm>
+          <a:prstGeom prst="straightConnector1">
+            <a:avLst/>
+          </a:prstGeom>
+          <a:ln>
+            <a:tailEnd type="triangle"/>
+          </a:ln>
+        </p:spPr>
+        <p:style>
+          <a:lnRef idx="1">
+            <a:schemeClr val="accent1"/>
+          </a:lnRef>
+          <a:fillRef idx="0">
+            <a:schemeClr val="accent1"/>
+          </a:fillRef>
+          <a:effectRef idx="0">
+            <a:schemeClr val="accent1"/>
+          </a:effectRef>
+          <a:fontRef idx="minor">
+            <a:schemeClr val="tx1"/>
+          </a:fontRef>
+        </p:style>
+      </p:cxnSp>
+      <p:pic>
+        <p:nvPicPr>
+          <p:cNvPr id="56" name="Grafik 55"/>
+          <p:cNvPicPr>
+            <a:picLocks noChangeAspect="1"/>
+          </p:cNvPicPr>
+          <p:nvPr/>
+        </p:nvPicPr>
+        <p:blipFill>
+          <a:blip r:embed="rId2"/>
+          <a:stretch>
+            <a:fillRect/>
+          </a:stretch>
+        </p:blipFill>
+        <p:spPr>
+          <a:xfrm>
+            <a:off x="3507577" y="3580590"/>
+            <a:ext cx="157163" cy="200025"/>
+          </a:xfrm>
+          <a:prstGeom prst="rect">
+            <a:avLst/>
+          </a:prstGeom>
+        </p:spPr>
+      </p:pic>
+      <p:pic>
+        <p:nvPicPr>
+          <p:cNvPr id="57" name="Grafik 56"/>
+          <p:cNvPicPr>
+            <a:picLocks noChangeAspect="1"/>
+          </p:cNvPicPr>
+          <p:nvPr/>
+        </p:nvPicPr>
+        <p:blipFill>
+          <a:blip r:embed="rId3"/>
+          <a:stretch>
+            <a:fillRect/>
+          </a:stretch>
+        </p:blipFill>
+        <p:spPr>
+          <a:xfrm>
+            <a:off x="1508321" y="2114318"/>
+            <a:ext cx="264319" cy="178594"/>
+          </a:xfrm>
+          <a:prstGeom prst="rect">
+            <a:avLst/>
+          </a:prstGeom>
+        </p:spPr>
+      </p:pic>
+      <p:pic>
+        <p:nvPicPr>
+          <p:cNvPr id="59" name="Grafik 58"/>
+          <p:cNvPicPr>
+            <a:picLocks noChangeAspect="1"/>
+          </p:cNvPicPr>
+          <p:nvPr/>
+        </p:nvPicPr>
+        <p:blipFill>
+          <a:blip r:embed="rId3"/>
+          <a:stretch>
+            <a:fillRect/>
+          </a:stretch>
+        </p:blipFill>
+        <p:spPr>
+          <a:xfrm>
+            <a:off x="2735345" y="2079736"/>
+            <a:ext cx="264319" cy="178594"/>
+          </a:xfrm>
+          <a:prstGeom prst="rect">
+            <a:avLst/>
+          </a:prstGeom>
+        </p:spPr>
+      </p:pic>
+      <p:pic>
+        <p:nvPicPr>
+          <p:cNvPr id="63" name="Grafik 62"/>
+          <p:cNvPicPr>
+            <a:picLocks noChangeAspect="1"/>
+          </p:cNvPicPr>
+          <p:nvPr/>
+        </p:nvPicPr>
+        <p:blipFill>
+          <a:blip r:embed="rId2"/>
+          <a:stretch>
+            <a:fillRect/>
+          </a:stretch>
+        </p:blipFill>
+        <p:spPr>
+          <a:xfrm>
+            <a:off x="5364517" y="2126390"/>
+            <a:ext cx="157163" cy="200025"/>
+          </a:xfrm>
+          <a:prstGeom prst="rect">
+            <a:avLst/>
+          </a:prstGeom>
+        </p:spPr>
+      </p:pic>
+      <p:sp>
+        <p:nvSpPr>
+          <p:cNvPr id="77" name="Textfeld 76"/>
+          <p:cNvSpPr txBox="1"/>
+          <p:nvPr/>
+        </p:nvSpPr>
+        <p:spPr>
+          <a:xfrm>
+            <a:off x="3901206" y="1474437"/>
+            <a:ext cx="1417138" cy="646331"/>
+          </a:xfrm>
+          <a:prstGeom prst="rect">
+            <a:avLst/>
+          </a:prstGeom>
+          <a:noFill/>
+        </p:spPr>
+        <p:txBody>
+          <a:bodyPr wrap="square" rtlCol="0">
+            <a:spAutoFit/>
+          </a:bodyPr>
+          <a:lstStyle/>
+          <a:p>
+            <a:r>
+              <a:rPr lang="de-CH" sz="1800" dirty="0"/>
+              <a:t>Überwiesen zu</a:t>
+            </a:r>
+          </a:p>
+        </p:txBody>
+      </p:sp>
+      <p:sp>
+        <p:nvSpPr>
+          <p:cNvPr id="78" name="Rechteck 77"/>
           <p:cNvSpPr/>
           <p:nvPr/>
         </p:nvSpPr>
         <p:spPr>
           <a:xfrm>
-            <a:off x="4860032" y="2132856"/>
-            <a:ext cx="142983" cy="418095"/>
+            <a:off x="3216472" y="4670194"/>
+            <a:ext cx="1368743" cy="582848"/>
           </a:xfrm>
           <a:prstGeom prst="rect">
             <a:avLst/>
@@ -12147,27 +11554,118 @@
           <a:lstStyle/>
           <a:p>
             <a:pPr algn="ctr"/>
-            <a:endParaRPr lang="de-CH"/>
+            <a:r>
+              <a:rPr lang="de-CH" sz="1800" dirty="0"/>
+              <a:t>Medikationsplan</a:t>
+            </a:r>
+          </a:p>
+        </p:txBody>
+      </p:sp>
+      <p:sp>
+        <p:nvSpPr>
+          <p:cNvPr id="79" name="Rechteck 78"/>
+          <p:cNvSpPr/>
+          <p:nvPr/>
+        </p:nvSpPr>
+        <p:spPr>
+          <a:xfrm>
+            <a:off x="5605164" y="4670193"/>
+            <a:ext cx="1170146" cy="582848"/>
+          </a:xfrm>
+          <a:prstGeom prst="rect">
+            <a:avLst/>
+          </a:prstGeom>
+        </p:spPr>
+        <p:style>
+          <a:lnRef idx="2">
+            <a:schemeClr val="accent1">
+              <a:shade val="50000"/>
+            </a:schemeClr>
+          </a:lnRef>
+          <a:fillRef idx="1">
+            <a:schemeClr val="accent1"/>
+          </a:fillRef>
+          <a:effectRef idx="0">
+            <a:schemeClr val="accent1"/>
+          </a:effectRef>
+          <a:fontRef idx="minor">
+            <a:schemeClr val="lt1"/>
+          </a:fontRef>
+        </p:style>
+        <p:txBody>
+          <a:bodyPr rtlCol="0" anchor="ctr"/>
+          <a:lstStyle/>
+          <a:p>
+            <a:pPr algn="ctr"/>
+            <a:r>
+              <a:rPr lang="de-CH" sz="1800" dirty="0"/>
+              <a:t>Medikamente</a:t>
+            </a:r>
+          </a:p>
+        </p:txBody>
+      </p:sp>
+      <p:sp>
+        <p:nvSpPr>
+          <p:cNvPr id="80" name="Rechteck 79"/>
+          <p:cNvSpPr/>
+          <p:nvPr/>
+        </p:nvSpPr>
+        <p:spPr>
+          <a:xfrm>
+            <a:off x="8131494" y="4657735"/>
+            <a:ext cx="1093408" cy="582848"/>
+          </a:xfrm>
+          <a:prstGeom prst="rect">
+            <a:avLst/>
+          </a:prstGeom>
+        </p:spPr>
+        <p:style>
+          <a:lnRef idx="2">
+            <a:schemeClr val="accent1">
+              <a:shade val="50000"/>
+            </a:schemeClr>
+          </a:lnRef>
+          <a:fillRef idx="1">
+            <a:schemeClr val="accent1"/>
+          </a:fillRef>
+          <a:effectRef idx="0">
+            <a:schemeClr val="accent1"/>
+          </a:effectRef>
+          <a:fontRef idx="minor">
+            <a:schemeClr val="lt1"/>
+          </a:fontRef>
+        </p:style>
+        <p:txBody>
+          <a:bodyPr rtlCol="0" anchor="ctr"/>
+          <a:lstStyle/>
+          <a:p>
+            <a:pPr algn="ctr"/>
+            <a:r>
+              <a:rPr lang="de-CH" sz="1800" dirty="0"/>
+              <a:t>Rezepte</a:t>
+            </a:r>
           </a:p>
         </p:txBody>
       </p:sp>
       <p:cxnSp>
         <p:nvCxnSpPr>
-          <p:cNvPr id="69" name="Gerade Verbindung mit Pfeil 68"/>
-          <p:cNvCxnSpPr/>
+          <p:cNvPr id="81" name="Gerade Verbindung mit Pfeil 80"/>
+          <p:cNvCxnSpPr>
+            <a:stCxn id="78" idx="3"/>
+            <a:endCxn id="79" idx="1"/>
+          </p:cNvCxnSpPr>
           <p:nvPr/>
         </p:nvCxnSpPr>
         <p:spPr>
-          <a:xfrm flipH="1">
-            <a:off x="3083114" y="2888710"/>
-            <a:ext cx="1751473" cy="1"/>
+          <a:xfrm flipV="1">
+            <a:off x="4585216" y="4961617"/>
+            <a:ext cx="1019948" cy="1"/>
           </a:xfrm>
           <a:prstGeom prst="straightConnector1">
             <a:avLst/>
           </a:prstGeom>
           <a:ln>
-            <a:prstDash val="dash"/>
-            <a:tailEnd type="arrow"/>
+            <a:tailEnd type="triangle"/>
           </a:ln>
         </p:spPr>
         <p:style>
@@ -12187,20 +11685,23 @@
       </p:cxnSp>
       <p:cxnSp>
         <p:nvCxnSpPr>
-          <p:cNvPr id="72" name="Gerade Verbindung mit Pfeil 71"/>
-          <p:cNvCxnSpPr/>
+          <p:cNvPr id="82" name="Gerade Verbindung mit Pfeil 81"/>
+          <p:cNvCxnSpPr>
+            <a:stCxn id="79" idx="3"/>
+            <a:endCxn id="80" idx="1"/>
+          </p:cNvCxnSpPr>
           <p:nvPr/>
         </p:nvCxnSpPr>
         <p:spPr>
-          <a:xfrm flipH="1" flipV="1">
-            <a:off x="1439153" y="3393166"/>
-            <a:ext cx="1492632" cy="8051"/>
+          <a:xfrm flipV="1">
+            <a:off x="6775310" y="4949159"/>
+            <a:ext cx="1356184" cy="12458"/>
           </a:xfrm>
           <a:prstGeom prst="straightConnector1">
             <a:avLst/>
           </a:prstGeom>
           <a:ln>
-            <a:tailEnd type="arrow"/>
+            <a:tailEnd type="triangle"/>
           </a:ln>
         </p:spPr>
         <p:style>
@@ -12220,43 +11721,86 @@
       </p:cxnSp>
       <p:pic>
         <p:nvPicPr>
-          <p:cNvPr id="5" name="Grafik 4"/>
+          <p:cNvPr id="83" name="Grafik 82"/>
           <p:cNvPicPr>
             <a:picLocks noChangeAspect="1"/>
           </p:cNvPicPr>
           <p:nvPr/>
         </p:nvPicPr>
-        <p:blipFill rotWithShape="1">
-          <a:blip r:embed="rId2" cstate="print">
-            <a:extLst>
-              <a:ext uri="{28A0092B-C50C-407E-A947-70E740481C1C}">
-                <a14:useLocalDpi xmlns:a14="http://schemas.microsoft.com/office/drawing/2010/main" val="0"/>
-              </a:ext>
-            </a:extLst>
-          </a:blip>
-          <a:srcRect l="20269" r="30512" b="16217"/>
-          <a:stretch/>
+        <p:blipFill>
+          <a:blip r:embed="rId3"/>
+          <a:stretch>
+            <a:fillRect/>
+          </a:stretch>
         </p:blipFill>
         <p:spPr>
           <a:xfrm>
-            <a:off x="1229144" y="306049"/>
-            <a:ext cx="336864" cy="557291"/>
+            <a:off x="4619860" y="5028689"/>
+            <a:ext cx="264319" cy="178594"/>
           </a:xfrm>
           <a:prstGeom prst="rect">
             <a:avLst/>
           </a:prstGeom>
         </p:spPr>
       </p:pic>
-      <p:sp>
-        <p:nvSpPr>
-          <p:cNvPr id="6" name="Textfeld 5"/>
+      <p:pic>
+        <p:nvPicPr>
+          <p:cNvPr id="84" name="Grafik 83"/>
+          <p:cNvPicPr>
+            <a:picLocks noChangeAspect="1"/>
+          </p:cNvPicPr>
+          <p:nvPr/>
+        </p:nvPicPr>
+        <p:blipFill>
+          <a:blip r:embed="rId3"/>
+          <a:stretch>
+            <a:fillRect/>
+          </a:stretch>
+        </p:blipFill>
+        <p:spPr>
+          <a:xfrm>
+            <a:off x="5301555" y="5040558"/>
+            <a:ext cx="264319" cy="178594"/>
+          </a:xfrm>
+          <a:prstGeom prst="rect">
+            <a:avLst/>
+          </a:prstGeom>
+        </p:spPr>
+      </p:pic>
+      <p:pic>
+        <p:nvPicPr>
+          <p:cNvPr id="85" name="Grafik 84"/>
+          <p:cNvPicPr>
+            <a:picLocks noChangeAspect="1"/>
+          </p:cNvPicPr>
+          <p:nvPr/>
+        </p:nvPicPr>
+        <p:blipFill>
+          <a:blip r:embed="rId2"/>
+          <a:stretch>
+            <a:fillRect/>
+          </a:stretch>
+        </p:blipFill>
+        <p:spPr>
+          <a:xfrm>
+            <a:off x="8047791" y="5065502"/>
+            <a:ext cx="157163" cy="200025"/>
+          </a:xfrm>
+          <a:prstGeom prst="rect">
+            <a:avLst/>
+          </a:prstGeom>
+        </p:spPr>
+      </p:pic>
+      <p:sp>
+        <p:nvSpPr>
+          <p:cNvPr id="86" name="Textfeld 85"/>
           <p:cNvSpPr txBox="1"/>
           <p:nvPr/>
         </p:nvSpPr>
         <p:spPr>
           <a:xfrm>
-            <a:off x="1001401" y="-40914"/>
-            <a:ext cx="875504" cy="369332"/>
+            <a:off x="7837766" y="4968432"/>
+            <a:ext cx="420049" cy="369332"/>
           </a:xfrm>
           <a:prstGeom prst="rect">
             <a:avLst/>
@@ -12270,113 +11814,30 @@
           <a:lstStyle/>
           <a:p>
             <a:r>
-              <a:rPr lang="de-CH" dirty="0" smtClean="0"/>
-              <a:t>Patient</a:t>
-            </a:r>
-            <a:endParaRPr lang="de-CH" dirty="0"/>
-          </a:p>
-        </p:txBody>
-      </p:sp>
-      <p:cxnSp>
-        <p:nvCxnSpPr>
-          <p:cNvPr id="46" name="Gerade Verbindung mit Pfeil 45"/>
-          <p:cNvCxnSpPr/>
-          <p:nvPr/>
-        </p:nvCxnSpPr>
-        <p:spPr>
-          <a:xfrm flipH="1">
-            <a:off x="3039870" y="5223421"/>
-            <a:ext cx="1727153" cy="1"/>
-          </a:xfrm>
-          <a:prstGeom prst="straightConnector1">
-            <a:avLst/>
-          </a:prstGeom>
-          <a:ln>
-            <a:prstDash val="dash"/>
-            <a:tailEnd type="arrow"/>
-          </a:ln>
-        </p:spPr>
-        <p:style>
-          <a:lnRef idx="1">
-            <a:schemeClr val="accent1"/>
-          </a:lnRef>
-          <a:fillRef idx="0">
-            <a:schemeClr val="accent1"/>
-          </a:fillRef>
-          <a:effectRef idx="0">
-            <a:schemeClr val="accent1"/>
-          </a:effectRef>
-          <a:fontRef idx="minor">
-            <a:schemeClr val="tx1"/>
-          </a:fontRef>
-        </p:style>
-      </p:cxnSp>
-      <p:sp>
-        <p:nvSpPr>
-          <p:cNvPr id="49" name="Textfeld 48"/>
-          <p:cNvSpPr txBox="1"/>
-          <p:nvPr/>
-        </p:nvSpPr>
-        <p:spPr>
-          <a:xfrm>
-            <a:off x="6012160" y="4437112"/>
-            <a:ext cx="1394922" cy="276999"/>
-          </a:xfrm>
-          <a:prstGeom prst="rect">
-            <a:avLst/>
-          </a:prstGeom>
-          <a:noFill/>
-        </p:spPr>
-        <p:txBody>
-          <a:bodyPr wrap="square" rtlCol="0">
-            <a:spAutoFit/>
-          </a:bodyPr>
-          <a:lstStyle/>
-          <a:p>
-            <a:r>
-              <a:rPr lang="de-CH" sz="1200" dirty="0" smtClean="0"/>
-              <a:t>[</a:t>
-            </a:r>
-            <a:r>
-              <a:rPr lang="de-CH" sz="1200" dirty="0" err="1" smtClean="0"/>
-              <a:t>no</a:t>
-            </a:r>
-            <a:r>
-              <a:rPr lang="de-CH" sz="1200" dirty="0" smtClean="0"/>
-              <a:t> Meeting </a:t>
-            </a:r>
-            <a:r>
-              <a:rPr lang="de-CH" sz="1200" dirty="0" err="1" smtClean="0"/>
-              <a:t>soon</a:t>
-            </a:r>
-            <a:r>
-              <a:rPr lang="de-CH" sz="1200" dirty="0" smtClean="0"/>
-              <a:t>] </a:t>
-            </a:r>
-            <a:endParaRPr lang="de-CH" sz="1200" dirty="0"/>
-          </a:p>
-        </p:txBody>
-      </p:sp>
-      <p:sp>
-        <p:nvSpPr>
-          <p:cNvPr id="22" name="Rechteck 21"/>
+              <a:rPr lang="de-CH" sz="1600" dirty="0"/>
+              <a:t>0</a:t>
+            </a:r>
+            <a:r>
+              <a:rPr lang="de-CH" sz="1800" dirty="0"/>
+              <a:t>-</a:t>
+            </a:r>
+          </a:p>
+        </p:txBody>
+      </p:sp>
+      <p:sp>
+        <p:nvSpPr>
+          <p:cNvPr id="102" name="Rechteck 101"/>
           <p:cNvSpPr/>
           <p:nvPr/>
         </p:nvSpPr>
         <p:spPr>
           <a:xfrm>
-            <a:off x="1185872" y="2621646"/>
-            <a:ext cx="6122432" cy="2881641"/>
-          </a:xfrm>
-          <a:prstGeom prst="rect">
-            <a:avLst/>
-          </a:prstGeom>
-          <a:noFill/>
-          <a:ln>
-            <a:solidFill>
-              <a:schemeClr val="tx1"/>
-            </a:solidFill>
-          </a:ln>
+            <a:off x="7724538" y="2057902"/>
+            <a:ext cx="1368743" cy="582848"/>
+          </a:xfrm>
+          <a:prstGeom prst="rect">
+            <a:avLst/>
+          </a:prstGeom>
         </p:spPr>
         <p:style>
           <a:lnRef idx="2">
@@ -12399,240 +11860,43 @@
           <a:lstStyle/>
           <a:p>
             <a:pPr algn="ctr"/>
-            <a:endParaRPr lang="de-CH"/>
-          </a:p>
-        </p:txBody>
-      </p:sp>
-      <p:sp>
-        <p:nvSpPr>
-          <p:cNvPr id="25" name="Rechteck 24"/>
-          <p:cNvSpPr/>
-          <p:nvPr/>
-        </p:nvSpPr>
-        <p:spPr>
-          <a:xfrm>
-            <a:off x="1185872" y="2621646"/>
-            <a:ext cx="360039" cy="288032"/>
-          </a:xfrm>
-          <a:prstGeom prst="rect">
-            <a:avLst/>
-          </a:prstGeom>
+            <a:r>
+              <a:rPr lang="de-CH" sz="1800" dirty="0"/>
+              <a:t>Termin</a:t>
+            </a:r>
+          </a:p>
+        </p:txBody>
+      </p:sp>
+      <p:cxnSp>
+        <p:nvCxnSpPr>
+          <p:cNvPr id="112" name="Gerade Verbindung mit Pfeil 111"/>
+          <p:cNvCxnSpPr>
+            <a:stCxn id="10" idx="3"/>
+            <a:endCxn id="102" idx="1"/>
+          </p:cNvCxnSpPr>
+          <p:nvPr/>
+        </p:nvCxnSpPr>
+        <p:spPr>
+          <a:xfrm>
+            <a:off x="7077672" y="2349326"/>
+            <a:ext cx="646867" cy="0"/>
+          </a:xfrm>
+          <a:prstGeom prst="straightConnector1">
+            <a:avLst/>
+          </a:prstGeom>
+          <a:ln>
+            <a:tailEnd type="triangle"/>
+          </a:ln>
         </p:spPr>
         <p:style>
-          <a:lnRef idx="2">
-            <a:schemeClr val="dk1">
-              <a:shade val="50000"/>
-            </a:schemeClr>
+          <a:lnRef idx="1">
+            <a:schemeClr val="accent1"/>
           </a:lnRef>
-          <a:fillRef idx="1">
-            <a:schemeClr val="dk1"/>
+          <a:fillRef idx="0">
+            <a:schemeClr val="accent1"/>
           </a:fillRef>
           <a:effectRef idx="0">
-            <a:schemeClr val="dk1"/>
-          </a:effectRef>
-          <a:fontRef idx="minor">
-            <a:schemeClr val="lt1"/>
-          </a:fontRef>
-        </p:style>
-        <p:txBody>
-          <a:bodyPr rtlCol="0" anchor="ctr"/>
-          <a:lstStyle/>
-          <a:p>
-            <a:pPr algn="ctr"/>
-            <a:r>
-              <a:rPr lang="de-CH" sz="800" dirty="0" smtClean="0"/>
-              <a:t>alt</a:t>
-            </a:r>
-            <a:endParaRPr lang="de-CH" sz="800" dirty="0"/>
-          </a:p>
-        </p:txBody>
-      </p:sp>
-      <p:sp>
-        <p:nvSpPr>
-          <p:cNvPr id="56" name="Textfeld 55"/>
-          <p:cNvSpPr txBox="1"/>
-          <p:nvPr/>
-        </p:nvSpPr>
-        <p:spPr>
-          <a:xfrm>
-            <a:off x="3072555" y="1268760"/>
-            <a:ext cx="1654657" cy="276999"/>
-          </a:xfrm>
-          <a:prstGeom prst="rect">
-            <a:avLst/>
-          </a:prstGeom>
-          <a:noFill/>
-        </p:spPr>
-        <p:txBody>
-          <a:bodyPr wrap="square" rtlCol="0">
-            <a:spAutoFit/>
-          </a:bodyPr>
-          <a:lstStyle/>
-          <a:p>
-            <a:r>
-              <a:rPr lang="de-CH" sz="1200" dirty="0" smtClean="0"/>
-              <a:t>Meeting </a:t>
-            </a:r>
-            <a:r>
-              <a:rPr lang="de-CH" sz="1200" dirty="0" err="1" smtClean="0"/>
-              <a:t>soon</a:t>
-            </a:r>
-            <a:r>
-              <a:rPr lang="de-CH" sz="1200" dirty="0" smtClean="0"/>
-              <a:t>?(Pull)</a:t>
-            </a:r>
-            <a:endParaRPr lang="de-CH" sz="1200" dirty="0"/>
-          </a:p>
-        </p:txBody>
-      </p:sp>
-      <p:sp>
-        <p:nvSpPr>
-          <p:cNvPr id="57" name="Textfeld 56"/>
-          <p:cNvSpPr txBox="1"/>
-          <p:nvPr/>
-        </p:nvSpPr>
-        <p:spPr>
-          <a:xfrm>
-            <a:off x="5364088" y="1625529"/>
-            <a:ext cx="1505272" cy="646331"/>
-          </a:xfrm>
-          <a:prstGeom prst="rect">
-            <a:avLst/>
-          </a:prstGeom>
-          <a:noFill/>
-        </p:spPr>
-        <p:txBody>
-          <a:bodyPr wrap="square" rtlCol="0">
-            <a:spAutoFit/>
-          </a:bodyPr>
-          <a:lstStyle/>
-          <a:p>
-            <a:r>
-              <a:rPr lang="de-CH" sz="1200" dirty="0" smtClean="0"/>
-              <a:t>Meeting </a:t>
-            </a:r>
-            <a:r>
-              <a:rPr lang="de-CH" sz="1200" dirty="0" err="1" smtClean="0"/>
-              <a:t>soon</a:t>
-            </a:r>
-            <a:r>
-              <a:rPr lang="de-CH" sz="1200" dirty="0" smtClean="0"/>
-              <a:t>? (</a:t>
-            </a:r>
-            <a:r>
-              <a:rPr lang="de-CH" sz="1200" dirty="0"/>
-              <a:t>Date, </a:t>
-            </a:r>
-            <a:r>
-              <a:rPr lang="de-CH" sz="1200" dirty="0" smtClean="0"/>
-              <a:t>Starttime, </a:t>
-            </a:r>
-            <a:r>
-              <a:rPr lang="de-CH" sz="1200" dirty="0" err="1" smtClean="0"/>
-              <a:t>actual</a:t>
-            </a:r>
-            <a:r>
-              <a:rPr lang="de-CH" sz="1200" dirty="0" smtClean="0"/>
-              <a:t> Time)</a:t>
-            </a:r>
-            <a:endParaRPr lang="de-CH" sz="1200" dirty="0"/>
-          </a:p>
-        </p:txBody>
-      </p:sp>
-      <p:sp>
-        <p:nvSpPr>
-          <p:cNvPr id="59" name="Textfeld 58"/>
-          <p:cNvSpPr txBox="1"/>
-          <p:nvPr/>
-        </p:nvSpPr>
-        <p:spPr>
-          <a:xfrm>
-            <a:off x="3147435" y="2598620"/>
-            <a:ext cx="1505272" cy="276999"/>
-          </a:xfrm>
-          <a:prstGeom prst="rect">
-            <a:avLst/>
-          </a:prstGeom>
-          <a:noFill/>
-        </p:spPr>
-        <p:txBody>
-          <a:bodyPr wrap="square" rtlCol="0">
-            <a:spAutoFit/>
-          </a:bodyPr>
-          <a:lstStyle/>
-          <a:p>
-            <a:r>
-              <a:rPr lang="de-CH" sz="1200" dirty="0" smtClean="0"/>
-              <a:t>Meeting </a:t>
-            </a:r>
-            <a:r>
-              <a:rPr lang="de-CH" sz="1200" dirty="0" err="1" smtClean="0"/>
-              <a:t>soon</a:t>
-            </a:r>
-            <a:endParaRPr lang="de-CH" sz="1200" dirty="0"/>
-          </a:p>
-        </p:txBody>
-      </p:sp>
-      <p:sp>
-        <p:nvSpPr>
-          <p:cNvPr id="60" name="Textfeld 59"/>
-          <p:cNvSpPr txBox="1"/>
-          <p:nvPr/>
-        </p:nvSpPr>
-        <p:spPr>
-          <a:xfrm>
-            <a:off x="3244342" y="4930160"/>
-            <a:ext cx="1505272" cy="276999"/>
-          </a:xfrm>
-          <a:prstGeom prst="rect">
-            <a:avLst/>
-          </a:prstGeom>
-          <a:noFill/>
-        </p:spPr>
-        <p:txBody>
-          <a:bodyPr wrap="square" rtlCol="0">
-            <a:spAutoFit/>
-          </a:bodyPr>
-          <a:lstStyle/>
-          <a:p>
-            <a:r>
-              <a:rPr lang="de-CH" sz="1200" dirty="0" err="1" smtClean="0"/>
-              <a:t>No</a:t>
-            </a:r>
-            <a:r>
-              <a:rPr lang="de-CH" sz="1200" dirty="0" smtClean="0"/>
-              <a:t> Meeting () </a:t>
-            </a:r>
-            <a:endParaRPr lang="de-CH" sz="1200" dirty="0"/>
-          </a:p>
-        </p:txBody>
-      </p:sp>
-      <p:cxnSp>
-        <p:nvCxnSpPr>
-          <p:cNvPr id="32" name="Gerade Verbindung 31"/>
-          <p:cNvCxnSpPr/>
-          <p:nvPr/>
-        </p:nvCxnSpPr>
-        <p:spPr>
-          <a:xfrm flipV="1">
-            <a:off x="1185872" y="4437112"/>
-            <a:ext cx="6122432" cy="15986"/>
-          </a:xfrm>
-          <a:prstGeom prst="line">
-            <a:avLst/>
-          </a:prstGeom>
-          <a:ln/>
-          <a:effectLst/>
-        </p:spPr>
-        <p:style>
-          <a:lnRef idx="2">
-            <a:schemeClr val="dk1"/>
-          </a:lnRef>
-          <a:fillRef idx="0">
-            <a:schemeClr val="dk1"/>
-          </a:fillRef>
-          <a:effectRef idx="1">
-            <a:schemeClr val="dk1"/>
+            <a:schemeClr val="accent1"/>
           </a:effectRef>
           <a:fontRef idx="minor">
             <a:schemeClr val="tx1"/>
@@ -12641,61 +11905,66 @@
       </p:cxnSp>
       <p:sp>
         <p:nvSpPr>
-          <p:cNvPr id="50" name="Textfeld 49"/>
-          <p:cNvSpPr txBox="1"/>
-          <p:nvPr/>
-        </p:nvSpPr>
-        <p:spPr>
-          <a:xfrm>
-            <a:off x="1582910" y="3393166"/>
-            <a:ext cx="1314402" cy="461665"/>
-          </a:xfrm>
-          <a:prstGeom prst="rect">
-            <a:avLst/>
-          </a:prstGeom>
-          <a:noFill/>
-        </p:spPr>
-        <p:txBody>
-          <a:bodyPr wrap="square" rtlCol="0">
-            <a:spAutoFit/>
-          </a:bodyPr>
+          <p:cNvPr id="118" name="Rechteck 117"/>
+          <p:cNvSpPr/>
+          <p:nvPr/>
+        </p:nvSpPr>
+        <p:spPr>
+          <a:xfrm>
+            <a:off x="3228975" y="898161"/>
+            <a:ext cx="1318736" cy="582848"/>
+          </a:xfrm>
+          <a:prstGeom prst="rect">
+            <a:avLst/>
+          </a:prstGeom>
+        </p:spPr>
+        <p:style>
+          <a:lnRef idx="2">
+            <a:schemeClr val="accent1">
+              <a:shade val="50000"/>
+            </a:schemeClr>
+          </a:lnRef>
+          <a:fillRef idx="1">
+            <a:schemeClr val="accent1"/>
+          </a:fillRef>
+          <a:effectRef idx="0">
+            <a:schemeClr val="accent1"/>
+          </a:effectRef>
+          <a:fontRef idx="minor">
+            <a:schemeClr val="lt1"/>
+          </a:fontRef>
+        </p:style>
+        <p:txBody>
+          <a:bodyPr rtlCol="0" anchor="ctr"/>
           <a:lstStyle/>
           <a:p>
-            <a:r>
-              <a:rPr lang="de-CH" sz="1200" dirty="0" smtClean="0"/>
-              <a:t>Alert(</a:t>
-            </a:r>
-            <a:r>
-              <a:rPr lang="de-CH" sz="1200" dirty="0" err="1" smtClean="0"/>
-              <a:t>content</a:t>
-            </a:r>
-            <a:r>
-              <a:rPr lang="de-CH" sz="1200" dirty="0" smtClean="0"/>
-              <a:t>, time)</a:t>
-            </a:r>
-            <a:endParaRPr lang="de-CH" sz="1200" dirty="0"/>
+            <a:pPr algn="ctr"/>
+            <a:r>
+              <a:rPr lang="de-CH" sz="1800" dirty="0"/>
+              <a:t>Arzt</a:t>
+            </a:r>
           </a:p>
         </p:txBody>
       </p:sp>
       <p:cxnSp>
         <p:nvCxnSpPr>
-          <p:cNvPr id="29" name="Gewinkelte Verbindung 28"/>
-          <p:cNvCxnSpPr/>
+          <p:cNvPr id="119" name="Gerade Verbindung mit Pfeil 118"/>
+          <p:cNvCxnSpPr>
+            <a:stCxn id="5" idx="0"/>
+            <a:endCxn id="118" idx="2"/>
+          </p:cNvCxnSpPr>
           <p:nvPr/>
         </p:nvCxnSpPr>
         <p:spPr>
-          <a:xfrm rot="16200000" flipH="1">
-            <a:off x="4693187" y="1802942"/>
-            <a:ext cx="568767" cy="91061"/>
-          </a:xfrm>
-          <a:prstGeom prst="bentConnector4">
-            <a:avLst>
-              <a:gd name="adj1" fmla="val 31651"/>
-              <a:gd name="adj2" fmla="val 351041"/>
-            </a:avLst>
+          <a:xfrm flipH="1" flipV="1">
+            <a:off x="3888343" y="1481009"/>
+            <a:ext cx="6479" cy="637732"/>
+          </a:xfrm>
+          <a:prstGeom prst="straightConnector1">
+            <a:avLst/>
           </a:prstGeom>
           <a:ln>
-            <a:tailEnd type="arrow"/>
+            <a:tailEnd type="triangle"/>
           </a:ln>
         </p:spPr>
         <p:style>
@@ -12713,23 +11982,853 @@
           </a:fontRef>
         </p:style>
       </p:cxnSp>
+      <p:pic>
+        <p:nvPicPr>
+          <p:cNvPr id="137" name="Grafik 136"/>
+          <p:cNvPicPr>
+            <a:picLocks noChangeAspect="1"/>
+          </p:cNvPicPr>
+          <p:nvPr/>
+        </p:nvPicPr>
+        <p:blipFill>
+          <a:blip r:embed="rId3"/>
+          <a:stretch>
+            <a:fillRect/>
+          </a:stretch>
+        </p:blipFill>
+        <p:spPr>
+          <a:xfrm>
+            <a:off x="3586159" y="1859051"/>
+            <a:ext cx="264319" cy="178594"/>
+          </a:xfrm>
+          <a:prstGeom prst="rect">
+            <a:avLst/>
+          </a:prstGeom>
+        </p:spPr>
+      </p:pic>
+      <p:pic>
+        <p:nvPicPr>
+          <p:cNvPr id="139" name="Grafik 138"/>
+          <p:cNvPicPr>
+            <a:picLocks noChangeAspect="1"/>
+          </p:cNvPicPr>
+          <p:nvPr/>
+        </p:nvPicPr>
+        <p:blipFill>
+          <a:blip r:embed="rId3"/>
+          <a:stretch>
+            <a:fillRect/>
+          </a:stretch>
+        </p:blipFill>
+        <p:spPr>
+          <a:xfrm>
+            <a:off x="3586158" y="1531015"/>
+            <a:ext cx="264319" cy="178594"/>
+          </a:xfrm>
+          <a:prstGeom prst="rect">
+            <a:avLst/>
+          </a:prstGeom>
+        </p:spPr>
+      </p:pic>
+      <p:pic>
+        <p:nvPicPr>
+          <p:cNvPr id="140" name="Grafik 139"/>
+          <p:cNvPicPr>
+            <a:picLocks noChangeAspect="1"/>
+          </p:cNvPicPr>
+          <p:nvPr/>
+        </p:nvPicPr>
+        <p:blipFill>
+          <a:blip r:embed="rId3"/>
+          <a:stretch>
+            <a:fillRect/>
+          </a:stretch>
+        </p:blipFill>
+        <p:spPr>
+          <a:xfrm>
+            <a:off x="7084867" y="2145527"/>
+            <a:ext cx="264319" cy="178594"/>
+          </a:xfrm>
+          <a:prstGeom prst="rect">
+            <a:avLst/>
+          </a:prstGeom>
+        </p:spPr>
+      </p:pic>
+      <p:pic>
+        <p:nvPicPr>
+          <p:cNvPr id="141" name="Grafik 140"/>
+          <p:cNvPicPr>
+            <a:picLocks noChangeAspect="1"/>
+          </p:cNvPicPr>
+          <p:nvPr/>
+        </p:nvPicPr>
+        <p:blipFill>
+          <a:blip r:embed="rId3"/>
+          <a:stretch>
+            <a:fillRect/>
+          </a:stretch>
+        </p:blipFill>
+        <p:spPr>
+          <a:xfrm>
+            <a:off x="7460220" y="2140116"/>
+            <a:ext cx="264319" cy="178594"/>
+          </a:xfrm>
+          <a:prstGeom prst="rect">
+            <a:avLst/>
+          </a:prstGeom>
+        </p:spPr>
+      </p:pic>
+      <p:pic>
+        <p:nvPicPr>
+          <p:cNvPr id="142" name="Grafik 141"/>
+          <p:cNvPicPr>
+            <a:picLocks noChangeAspect="1"/>
+          </p:cNvPicPr>
+          <p:nvPr/>
+        </p:nvPicPr>
+        <p:blipFill>
+          <a:blip r:embed="rId2"/>
+          <a:stretch>
+            <a:fillRect/>
+          </a:stretch>
+        </p:blipFill>
+        <p:spPr>
+          <a:xfrm>
+            <a:off x="6814599" y="5040558"/>
+            <a:ext cx="157163" cy="200025"/>
+          </a:xfrm>
+          <a:prstGeom prst="rect">
+            <a:avLst/>
+          </a:prstGeom>
+        </p:spPr>
+      </p:pic>
+      <p:sp>
+        <p:nvSpPr>
+          <p:cNvPr id="146" name="Textfeld 145"/>
+          <p:cNvSpPr txBox="1"/>
+          <p:nvPr/>
+        </p:nvSpPr>
+        <p:spPr>
+          <a:xfrm>
+            <a:off x="3850477" y="3680603"/>
+            <a:ext cx="1293011" cy="369332"/>
+          </a:xfrm>
+          <a:prstGeom prst="rect">
+            <a:avLst/>
+          </a:prstGeom>
+          <a:noFill/>
+        </p:spPr>
+        <p:txBody>
+          <a:bodyPr wrap="square" rtlCol="0">
+            <a:spAutoFit/>
+          </a:bodyPr>
+          <a:lstStyle/>
+          <a:p>
+            <a:r>
+              <a:rPr lang="de-CH" sz="1800" dirty="0"/>
+              <a:t>hat</a:t>
+            </a:r>
+          </a:p>
+        </p:txBody>
+      </p:sp>
+      <p:sp>
+        <p:nvSpPr>
+          <p:cNvPr id="147" name="Textfeld 146"/>
+          <p:cNvSpPr txBox="1"/>
+          <p:nvPr/>
+        </p:nvSpPr>
+        <p:spPr>
+          <a:xfrm>
+            <a:off x="4519266" y="4650477"/>
+            <a:ext cx="1293011" cy="369332"/>
+          </a:xfrm>
+          <a:prstGeom prst="rect">
+            <a:avLst/>
+          </a:prstGeom>
+          <a:noFill/>
+        </p:spPr>
+        <p:txBody>
+          <a:bodyPr wrap="square" rtlCol="0">
+            <a:spAutoFit/>
+          </a:bodyPr>
+          <a:lstStyle/>
+          <a:p>
+            <a:r>
+              <a:rPr lang="de-CH" sz="1800" dirty="0"/>
+              <a:t>beinhaltet</a:t>
+            </a:r>
+          </a:p>
+        </p:txBody>
+      </p:sp>
+      <p:sp>
+        <p:nvSpPr>
+          <p:cNvPr id="149" name="Textfeld 148"/>
+          <p:cNvSpPr txBox="1"/>
+          <p:nvPr/>
+        </p:nvSpPr>
+        <p:spPr>
+          <a:xfrm>
+            <a:off x="6971761" y="4677405"/>
+            <a:ext cx="1233193" cy="369332"/>
+          </a:xfrm>
+          <a:prstGeom prst="rect">
+            <a:avLst/>
+          </a:prstGeom>
+          <a:noFill/>
+        </p:spPr>
+        <p:txBody>
+          <a:bodyPr wrap="square" rtlCol="0">
+            <a:spAutoFit/>
+          </a:bodyPr>
+          <a:lstStyle/>
+          <a:p>
+            <a:r>
+              <a:rPr lang="de-CH" sz="1800" dirty="0"/>
+              <a:t>benötigen</a:t>
+            </a:r>
+          </a:p>
+        </p:txBody>
+      </p:sp>
+      <p:sp>
+        <p:nvSpPr>
+          <p:cNvPr id="150" name="Textfeld 149"/>
+          <p:cNvSpPr txBox="1"/>
+          <p:nvPr/>
+        </p:nvSpPr>
+        <p:spPr>
+          <a:xfrm>
+            <a:off x="4680145" y="2378807"/>
+            <a:ext cx="1293011" cy="369332"/>
+          </a:xfrm>
+          <a:prstGeom prst="rect">
+            <a:avLst/>
+          </a:prstGeom>
+          <a:noFill/>
+        </p:spPr>
+        <p:txBody>
+          <a:bodyPr wrap="square" rtlCol="0">
+            <a:spAutoFit/>
+          </a:bodyPr>
+          <a:lstStyle/>
+          <a:p>
+            <a:r>
+              <a:rPr lang="de-CH" sz="1800" dirty="0"/>
+              <a:t>hat</a:t>
+            </a:r>
+          </a:p>
+        </p:txBody>
+      </p:sp>
+      <p:sp>
+        <p:nvSpPr>
+          <p:cNvPr id="151" name="Textfeld 150"/>
+          <p:cNvSpPr txBox="1"/>
+          <p:nvPr/>
+        </p:nvSpPr>
+        <p:spPr>
+          <a:xfrm>
+            <a:off x="1508320" y="2397269"/>
+            <a:ext cx="1601177" cy="646331"/>
+          </a:xfrm>
+          <a:prstGeom prst="rect">
+            <a:avLst/>
+          </a:prstGeom>
+          <a:noFill/>
+        </p:spPr>
+        <p:txBody>
+          <a:bodyPr wrap="square" rtlCol="0">
+            <a:spAutoFit/>
+          </a:bodyPr>
+          <a:lstStyle/>
+          <a:p>
+            <a:r>
+              <a:rPr lang="de-CH" sz="1800" dirty="0"/>
+              <a:t>Diagnostiziert mit</a:t>
+            </a:r>
+          </a:p>
+        </p:txBody>
+      </p:sp>
+      <p:sp>
+        <p:nvSpPr>
+          <p:cNvPr id="157" name="Textfeld 156"/>
+          <p:cNvSpPr txBox="1"/>
+          <p:nvPr/>
+        </p:nvSpPr>
+        <p:spPr>
+          <a:xfrm>
+            <a:off x="7078033" y="2389519"/>
+            <a:ext cx="1293011" cy="369332"/>
+          </a:xfrm>
+          <a:prstGeom prst="rect">
+            <a:avLst/>
+          </a:prstGeom>
+          <a:noFill/>
+        </p:spPr>
+        <p:txBody>
+          <a:bodyPr wrap="square" rtlCol="0">
+            <a:spAutoFit/>
+          </a:bodyPr>
+          <a:lstStyle/>
+          <a:p>
+            <a:r>
+              <a:rPr lang="de-CH" sz="1800" dirty="0"/>
+              <a:t>hat</a:t>
+            </a:r>
+          </a:p>
+        </p:txBody>
+      </p:sp>
+      <p:pic>
+        <p:nvPicPr>
+          <p:cNvPr id="161" name="Grafik 160"/>
+          <p:cNvPicPr>
+            <a:picLocks noChangeAspect="1"/>
+          </p:cNvPicPr>
+          <p:nvPr/>
+        </p:nvPicPr>
+        <p:blipFill>
+          <a:blip r:embed="rId3"/>
+          <a:stretch>
+            <a:fillRect/>
+          </a:stretch>
+        </p:blipFill>
+        <p:spPr>
+          <a:xfrm>
+            <a:off x="3578302" y="4439078"/>
+            <a:ext cx="264319" cy="178594"/>
+          </a:xfrm>
+          <a:prstGeom prst="rect">
+            <a:avLst/>
+          </a:prstGeom>
+        </p:spPr>
+      </p:pic>
+      <p:pic>
+        <p:nvPicPr>
+          <p:cNvPr id="162" name="Grafik 161"/>
+          <p:cNvPicPr>
+            <a:picLocks noChangeAspect="1"/>
+          </p:cNvPicPr>
+          <p:nvPr/>
+        </p:nvPicPr>
+        <p:blipFill>
+          <a:blip r:embed="rId2"/>
+          <a:stretch>
+            <a:fillRect/>
+          </a:stretch>
+        </p:blipFill>
+        <p:spPr>
+          <a:xfrm>
+            <a:off x="4601564" y="2140115"/>
+            <a:ext cx="157163" cy="200025"/>
+          </a:xfrm>
+          <a:prstGeom prst="rect">
+            <a:avLst/>
+          </a:prstGeom>
+        </p:spPr>
+      </p:pic>
+      <p:cxnSp>
+        <p:nvCxnSpPr>
+          <p:cNvPr id="164" name="Gekrümmte Verbindung 163"/>
+          <p:cNvCxnSpPr>
+            <a:stCxn id="102" idx="0"/>
+            <a:endCxn id="118" idx="3"/>
+          </p:cNvCxnSpPr>
+          <p:nvPr/>
+        </p:nvCxnSpPr>
+        <p:spPr>
+          <a:xfrm rot="16200000" flipV="1">
+            <a:off x="6044152" y="-306856"/>
+            <a:ext cx="868317" cy="3861199"/>
+          </a:xfrm>
+          <a:prstGeom prst="curvedConnector2">
+            <a:avLst/>
+          </a:prstGeom>
+          <a:ln>
+            <a:tailEnd type="triangle"/>
+          </a:ln>
+        </p:spPr>
+        <p:style>
+          <a:lnRef idx="1">
+            <a:schemeClr val="accent1"/>
+          </a:lnRef>
+          <a:fillRef idx="0">
+            <a:schemeClr val="accent1"/>
+          </a:fillRef>
+          <a:effectRef idx="0">
+            <a:schemeClr val="accent1"/>
+          </a:effectRef>
+          <a:fontRef idx="minor">
+            <a:schemeClr val="tx1"/>
+          </a:fontRef>
+        </p:style>
+      </p:cxnSp>
+      <p:sp>
+        <p:nvSpPr>
+          <p:cNvPr id="165" name="Textfeld 164"/>
+          <p:cNvSpPr txBox="1"/>
+          <p:nvPr/>
+        </p:nvSpPr>
+        <p:spPr>
+          <a:xfrm>
+            <a:off x="6044962" y="1324133"/>
+            <a:ext cx="1566800" cy="646331"/>
+          </a:xfrm>
+          <a:prstGeom prst="rect">
+            <a:avLst/>
+          </a:prstGeom>
+          <a:noFill/>
+        </p:spPr>
+        <p:txBody>
+          <a:bodyPr wrap="square" rtlCol="0">
+            <a:spAutoFit/>
+          </a:bodyPr>
+          <a:lstStyle/>
+          <a:p>
+            <a:r>
+              <a:rPr lang="de-CH" sz="1800" dirty="0"/>
+              <a:t>Durchgeführt von</a:t>
+            </a:r>
+          </a:p>
+        </p:txBody>
+      </p:sp>
+      <p:pic>
+        <p:nvPicPr>
+          <p:cNvPr id="166" name="Grafik 165"/>
+          <p:cNvPicPr>
+            <a:picLocks noChangeAspect="1"/>
+          </p:cNvPicPr>
+          <p:nvPr/>
+        </p:nvPicPr>
+        <p:blipFill>
+          <a:blip r:embed="rId3"/>
+          <a:stretch>
+            <a:fillRect/>
+          </a:stretch>
+        </p:blipFill>
+        <p:spPr>
+          <a:xfrm>
+            <a:off x="8408910" y="1853541"/>
+            <a:ext cx="264319" cy="178594"/>
+          </a:xfrm>
+          <a:prstGeom prst="rect">
+            <a:avLst/>
+          </a:prstGeom>
+        </p:spPr>
+      </p:pic>
+      <p:pic>
+        <p:nvPicPr>
+          <p:cNvPr id="167" name="Grafik 166"/>
+          <p:cNvPicPr>
+            <a:picLocks noChangeAspect="1"/>
+          </p:cNvPicPr>
+          <p:nvPr/>
+        </p:nvPicPr>
+        <p:blipFill>
+          <a:blip r:embed="rId2"/>
+          <a:stretch>
+            <a:fillRect/>
+          </a:stretch>
+        </p:blipFill>
+        <p:spPr>
+          <a:xfrm>
+            <a:off x="4601564" y="961727"/>
+            <a:ext cx="157163" cy="200025"/>
+          </a:xfrm>
+          <a:prstGeom prst="rect">
+            <a:avLst/>
+          </a:prstGeom>
+        </p:spPr>
+      </p:pic>
+      <p:sp>
+        <p:nvSpPr>
+          <p:cNvPr id="12" name="Rechteck 11"/>
+          <p:cNvSpPr/>
+          <p:nvPr/>
+        </p:nvSpPr>
+        <p:spPr>
+          <a:xfrm>
+            <a:off x="3216472" y="2535220"/>
+            <a:ext cx="1385091" cy="1076727"/>
+          </a:xfrm>
+          <a:prstGeom prst="rect">
+            <a:avLst/>
+          </a:prstGeom>
+        </p:spPr>
+        <p:style>
+          <a:lnRef idx="2">
+            <a:schemeClr val="accent1"/>
+          </a:lnRef>
+          <a:fillRef idx="1">
+            <a:schemeClr val="lt1"/>
+          </a:fillRef>
+          <a:effectRef idx="0">
+            <a:schemeClr val="accent1"/>
+          </a:effectRef>
+          <a:fontRef idx="minor">
+            <a:schemeClr val="dk1"/>
+          </a:fontRef>
+        </p:style>
+        <p:txBody>
+          <a:bodyPr rtlCol="0" anchor="t"/>
+          <a:lstStyle/>
+          <a:p>
+            <a:r>
+              <a:rPr lang="de-CH" sz="900" dirty="0"/>
+              <a:t>-PID: Integer</a:t>
+            </a:r>
+          </a:p>
+          <a:p>
+            <a:r>
+              <a:rPr lang="de-CH" sz="900" dirty="0"/>
+              <a:t>-name: String</a:t>
+            </a:r>
+          </a:p>
+          <a:p>
+            <a:r>
+              <a:rPr lang="de-CH" sz="900" dirty="0"/>
+              <a:t>-</a:t>
+            </a:r>
+            <a:r>
+              <a:rPr lang="de-CH" sz="900" dirty="0" err="1"/>
+              <a:t>firstname</a:t>
+            </a:r>
+            <a:r>
+              <a:rPr lang="de-CH" sz="900" dirty="0"/>
+              <a:t>: String</a:t>
+            </a:r>
+          </a:p>
+          <a:p>
+            <a:r>
+              <a:rPr lang="de-CH" sz="900" dirty="0"/>
+              <a:t>_____________________</a:t>
+            </a:r>
+          </a:p>
+          <a:p>
+            <a:r>
+              <a:rPr lang="de-CH" sz="900" dirty="0"/>
+              <a:t>+</a:t>
+            </a:r>
+            <a:r>
+              <a:rPr lang="de-CH" sz="900" dirty="0" err="1"/>
+              <a:t>get</a:t>
+            </a:r>
+            <a:r>
+              <a:rPr lang="de-CH" sz="900" dirty="0"/>
+              <a:t>()</a:t>
+            </a:r>
+          </a:p>
+          <a:p>
+            <a:r>
+              <a:rPr lang="de-CH" sz="900" dirty="0"/>
+              <a:t>+</a:t>
+            </a:r>
+            <a:r>
+              <a:rPr lang="de-CH" sz="900" dirty="0" err="1"/>
+              <a:t>set</a:t>
+            </a:r>
+            <a:r>
+              <a:rPr lang="de-CH" sz="900" dirty="0"/>
+              <a:t>()</a:t>
+            </a:r>
+          </a:p>
+        </p:txBody>
+      </p:sp>
+      <p:sp>
+        <p:nvSpPr>
+          <p:cNvPr id="58" name="Rechteck 57"/>
+          <p:cNvSpPr/>
+          <p:nvPr/>
+        </p:nvSpPr>
+        <p:spPr>
+          <a:xfrm>
+            <a:off x="5582663" y="2485537"/>
+            <a:ext cx="1495370" cy="1601808"/>
+          </a:xfrm>
+          <a:prstGeom prst="rect">
+            <a:avLst/>
+          </a:prstGeom>
+        </p:spPr>
+        <p:style>
+          <a:lnRef idx="2">
+            <a:schemeClr val="accent1"/>
+          </a:lnRef>
+          <a:fillRef idx="1">
+            <a:schemeClr val="lt1"/>
+          </a:fillRef>
+          <a:effectRef idx="0">
+            <a:schemeClr val="accent1"/>
+          </a:effectRef>
+          <a:fontRef idx="minor">
+            <a:schemeClr val="dk1"/>
+          </a:fontRef>
+        </p:style>
+        <p:txBody>
+          <a:bodyPr rtlCol="0" anchor="t"/>
+          <a:lstStyle/>
+          <a:p>
+            <a:r>
+              <a:rPr lang="de-CH" sz="900" dirty="0"/>
+              <a:t>-PID: Integer</a:t>
+            </a:r>
+          </a:p>
+          <a:p>
+            <a:r>
+              <a:rPr lang="de-CH" sz="900" dirty="0"/>
+              <a:t>-KID: Integer</a:t>
+            </a:r>
+          </a:p>
+          <a:p>
+            <a:r>
+              <a:rPr lang="de-CH" sz="900" dirty="0"/>
+              <a:t>-</a:t>
+            </a:r>
+            <a:r>
+              <a:rPr lang="de-CH" sz="900" dirty="0" err="1"/>
+              <a:t>terminList</a:t>
+            </a:r>
+            <a:r>
+              <a:rPr lang="de-CH" sz="900" dirty="0"/>
+              <a:t>: </a:t>
+            </a:r>
+            <a:r>
+              <a:rPr lang="de-CH" sz="900" dirty="0" err="1"/>
+              <a:t>ArrayList</a:t>
+            </a:r>
+            <a:r>
+              <a:rPr lang="de-CH" sz="900" dirty="0"/>
+              <a:t>&lt;String&gt;</a:t>
+            </a:r>
+          </a:p>
+          <a:p>
+            <a:r>
+              <a:rPr lang="de-CH" sz="900" dirty="0"/>
+              <a:t>_______________________</a:t>
+            </a:r>
+          </a:p>
+          <a:p>
+            <a:r>
+              <a:rPr lang="de-CH" sz="900" dirty="0"/>
+              <a:t>+</a:t>
+            </a:r>
+            <a:r>
+              <a:rPr lang="de-CH" sz="900" dirty="0" err="1"/>
+              <a:t>get</a:t>
+            </a:r>
+            <a:r>
+              <a:rPr lang="de-CH" sz="900" dirty="0"/>
+              <a:t>()</a:t>
+            </a:r>
+          </a:p>
+          <a:p>
+            <a:r>
+              <a:rPr lang="de-CH" sz="900" dirty="0"/>
+              <a:t>+</a:t>
+            </a:r>
+            <a:r>
+              <a:rPr lang="de-CH" sz="900" dirty="0" err="1"/>
+              <a:t>set</a:t>
+            </a:r>
+            <a:r>
+              <a:rPr lang="de-CH" sz="900" dirty="0"/>
+              <a:t>()</a:t>
+            </a:r>
+          </a:p>
+          <a:p>
+            <a:r>
+              <a:rPr lang="de-CH" sz="900" dirty="0"/>
+              <a:t>+</a:t>
+            </a:r>
+            <a:r>
+              <a:rPr lang="de-CH" sz="900" dirty="0" err="1"/>
+              <a:t>newMeeting</a:t>
+            </a:r>
+            <a:r>
+              <a:rPr lang="de-CH" sz="900" dirty="0"/>
+              <a:t>()</a:t>
+            </a:r>
+          </a:p>
+          <a:p>
+            <a:r>
+              <a:rPr lang="de-CH" sz="900" dirty="0"/>
+              <a:t>+</a:t>
+            </a:r>
+            <a:r>
+              <a:rPr lang="de-CH" sz="900" dirty="0" err="1"/>
+              <a:t>meetingSoon</a:t>
+            </a:r>
+            <a:r>
+              <a:rPr lang="de-CH" sz="900" dirty="0"/>
+              <a:t>()</a:t>
+            </a:r>
+          </a:p>
+          <a:p>
+            <a:r>
+              <a:rPr lang="de-CH" sz="900" dirty="0"/>
+              <a:t>+alert()</a:t>
+            </a:r>
+          </a:p>
+        </p:txBody>
+      </p:sp>
+      <p:sp>
+        <p:nvSpPr>
+          <p:cNvPr id="60" name="Rechteck 59"/>
+          <p:cNvSpPr/>
+          <p:nvPr/>
+        </p:nvSpPr>
+        <p:spPr>
+          <a:xfrm>
+            <a:off x="7724538" y="2462765"/>
+            <a:ext cx="1368743" cy="1384754"/>
+          </a:xfrm>
+          <a:prstGeom prst="rect">
+            <a:avLst/>
+          </a:prstGeom>
+        </p:spPr>
+        <p:style>
+          <a:lnRef idx="2">
+            <a:schemeClr val="accent1"/>
+          </a:lnRef>
+          <a:fillRef idx="1">
+            <a:schemeClr val="lt1"/>
+          </a:fillRef>
+          <a:effectRef idx="0">
+            <a:schemeClr val="accent1"/>
+          </a:effectRef>
+          <a:fontRef idx="minor">
+            <a:schemeClr val="dk1"/>
+          </a:fontRef>
+        </p:style>
+        <p:txBody>
+          <a:bodyPr rtlCol="0" anchor="t"/>
+          <a:lstStyle/>
+          <a:p>
+            <a:r>
+              <a:rPr lang="de-CH" sz="900" dirty="0"/>
+              <a:t>-KID: Integer</a:t>
+            </a:r>
+          </a:p>
+          <a:p>
+            <a:r>
+              <a:rPr lang="de-CH" sz="900" dirty="0"/>
+              <a:t>-TID: Integer</a:t>
+            </a:r>
+          </a:p>
+          <a:p>
+            <a:r>
+              <a:rPr lang="de-CH" sz="900" dirty="0"/>
+              <a:t>-</a:t>
+            </a:r>
+            <a:r>
+              <a:rPr lang="de-CH" sz="900" dirty="0" err="1"/>
+              <a:t>startDate</a:t>
+            </a:r>
+            <a:r>
+              <a:rPr lang="de-CH" sz="900" dirty="0"/>
+              <a:t>: Date </a:t>
+            </a:r>
+          </a:p>
+          <a:p>
+            <a:r>
+              <a:rPr lang="de-CH" sz="900" dirty="0"/>
+              <a:t>-</a:t>
+            </a:r>
+            <a:r>
+              <a:rPr lang="de-CH" sz="900" dirty="0" err="1"/>
+              <a:t>endDate</a:t>
+            </a:r>
+            <a:r>
+              <a:rPr lang="de-CH" sz="900" dirty="0"/>
+              <a:t>: Date</a:t>
+            </a:r>
+          </a:p>
+          <a:p>
+            <a:r>
+              <a:rPr lang="de-CH" sz="900" dirty="0"/>
+              <a:t>-content: String</a:t>
+            </a:r>
+          </a:p>
+          <a:p>
+            <a:r>
+              <a:rPr lang="de-CH" sz="900" dirty="0" smtClean="0"/>
+              <a:t>____________________</a:t>
+            </a:r>
+          </a:p>
+          <a:p>
+            <a:r>
+              <a:rPr lang="de-CH" sz="900" dirty="0" smtClean="0"/>
+              <a:t>-</a:t>
+            </a:r>
+            <a:r>
+              <a:rPr lang="de-CH" sz="900" dirty="0" err="1" smtClean="0"/>
+              <a:t>get</a:t>
+            </a:r>
+            <a:r>
+              <a:rPr lang="de-CH" sz="900" dirty="0" smtClean="0"/>
+              <a:t>()</a:t>
+            </a:r>
+          </a:p>
+          <a:p>
+            <a:r>
+              <a:rPr lang="de-CH" sz="900" dirty="0" smtClean="0"/>
+              <a:t>-set()</a:t>
+            </a:r>
+          </a:p>
+          <a:p>
+            <a:r>
+              <a:rPr lang="de-CH" sz="900" dirty="0" smtClean="0"/>
+              <a:t>- </a:t>
+            </a:r>
+            <a:r>
+              <a:rPr lang="de-CH" sz="900" dirty="0" err="1" smtClean="0"/>
+              <a:t>verificate</a:t>
+            </a:r>
+            <a:r>
+              <a:rPr lang="de-CH" sz="900" dirty="0" smtClean="0"/>
+              <a:t>()</a:t>
+            </a:r>
+            <a:endParaRPr lang="de-CH" sz="900" dirty="0"/>
+          </a:p>
+          <a:p>
+            <a:endParaRPr lang="de-CH" sz="900" dirty="0"/>
+          </a:p>
+        </p:txBody>
+      </p:sp>
+      <p:sp>
+        <p:nvSpPr>
+          <p:cNvPr id="2" name="Titel 1"/>
+          <p:cNvSpPr>
+            <a:spLocks noGrp="1"/>
+          </p:cNvSpPr>
+          <p:nvPr>
+            <p:ph type="ctrTitle"/>
+          </p:nvPr>
+        </p:nvSpPr>
+        <p:spPr>
+          <a:xfrm>
+            <a:off x="192746" y="250119"/>
+            <a:ext cx="8100000" cy="540000"/>
+          </a:xfrm>
+        </p:spPr>
+        <p:txBody>
+          <a:bodyPr/>
+          <a:lstStyle/>
+          <a:p>
+            <a:r>
+              <a:rPr lang="de-CH" dirty="0" smtClean="0"/>
+              <a:t>Domain Model Extended</a:t>
+            </a:r>
+            <a:endParaRPr lang="de-CH" dirty="0"/>
+          </a:p>
+        </p:txBody>
+      </p:sp>
     </p:spTree>
     <p:extLst>
       <p:ext uri="{BB962C8B-B14F-4D97-AF65-F5344CB8AC3E}">
-        <p14:creationId xmlns:p14="http://schemas.microsoft.com/office/powerpoint/2010/main" val="2393781292"/>
+        <p14:creationId xmlns:p14="http://schemas.microsoft.com/office/powerpoint/2010/main" val="2469382298"/>
       </p:ext>
     </p:extLst>
   </p:cSld>
   <p:clrMapOvr>
     <a:masterClrMapping/>
   </p:clrMapOvr>
-  <p:timing>
-    <p:tnLst>
-      <p:par>
-        <p:cTn id="1" dur="indefinite" restart="never" nodeType="tmRoot"/>
-      </p:par>
-    </p:tnLst>
-  </p:timing>
 </p:sld>
 </file>
 
@@ -13634,15 +13733,6 @@
 </file>
 
 <file path=customXml/item1.xml><?xml version="1.0" encoding="utf-8"?>
-<?mso-contentType ?>
-<FormTemplates xmlns="http://schemas.microsoft.com/sharepoint/v3/contenttype/forms">
-  <Display>DocumentLibraryForm</Display>
-  <Edit>DocumentLibraryForm</Edit>
-  <New>DocumentLibraryForm</New>
-</FormTemplates>
-</file>
-
-<file path=customXml/item2.xml><?xml version="1.0" encoding="utf-8"?>
 <ct:contentTypeSchema xmlns:ct="http://schemas.microsoft.com/office/2006/metadata/contentType" xmlns:ma="http://schemas.microsoft.com/office/2006/metadata/properties/metaAttributes" ct:_="" ma:_="" ma:contentTypeName="Dokument" ma:contentTypeID="0x010100EBE3A9EFF36793468C03E2811ACE2A2B" ma:contentTypeVersion="1" ma:contentTypeDescription="Ein neues Dokument erstellen." ma:contentTypeScope="" ma:versionID="e65be32cb1bfff77fc8c9c09bf542651">
   <xsd:schema xmlns:xsd="http://www.w3.org/2001/XMLSchema" xmlns:p="http://schemas.microsoft.com/office/2006/metadata/properties" xmlns:ns2="5091c847-84be-4f4f-b16c-c018ad2ca66b" targetNamespace="http://schemas.microsoft.com/office/2006/metadata/properties" ma:root="true" ma:fieldsID="7636c84aed5b7d09a166fcef888725d4" ns2:_="">
     <xsd:import namespace="5091c847-84be-4f4f-b16c-c018ad2ca66b"/>
@@ -13702,6 +13792,15 @@
 </ct:contentTypeSchema>
 </file>
 
+<file path=customXml/item2.xml><?xml version="1.0" encoding="utf-8"?>
+<?mso-contentType ?>
+<FormTemplates xmlns="http://schemas.microsoft.com/sharepoint/v3/contenttype/forms">
+  <Display>DocumentLibraryForm</Display>
+  <Edit>DocumentLibraryForm</Edit>
+  <New>DocumentLibraryForm</New>
+</FormTemplates>
+</file>
+
 <file path=customXml/item3.xml><?xml version="1.0" encoding="utf-8"?>
 <p:properties xmlns:p="http://schemas.microsoft.com/office/2006/metadata/properties" xmlns:xsi="http://www.w3.org/2001/XMLSchema-instance">
   <documentManagement>
@@ -13711,14 +13810,6 @@
 </file>
 
 <file path=customXml/itemProps1.xml><?xml version="1.0" encoding="utf-8"?>
-<ds:datastoreItem xmlns:ds="http://schemas.openxmlformats.org/officeDocument/2006/customXml" ds:itemID="{1851D33F-E468-417B-A30C-509B68D2BD09}">
-  <ds:schemaRefs>
-    <ds:schemaRef ds:uri="http://schemas.microsoft.com/sharepoint/v3/contenttype/forms"/>
-  </ds:schemaRefs>
-</ds:datastoreItem>
-</file>
-
-<file path=customXml/itemProps2.xml><?xml version="1.0" encoding="utf-8"?>
 <ds:datastoreItem xmlns:ds="http://schemas.openxmlformats.org/officeDocument/2006/customXml" ds:itemID="{15287BEA-F3FF-4B87-929B-5D0092183197}">
   <ds:schemaRefs>
     <ds:schemaRef ds:uri="http://schemas.microsoft.com/office/2006/metadata/contentType"/>
@@ -13731,6 +13822,14 @@
     <ds:schemaRef ds:uri="http://purl.org/dc/elements/1.1/"/>
     <ds:schemaRef ds:uri="http://purl.org/dc/terms/"/>
     <ds:schemaRef ds:uri="http://schemas.microsoft.com/office/internal/2005/internalDocumentation"/>
+  </ds:schemaRefs>
+</ds:datastoreItem>
+</file>
+
+<file path=customXml/itemProps2.xml><?xml version="1.0" encoding="utf-8"?>
+<ds:datastoreItem xmlns:ds="http://schemas.openxmlformats.org/officeDocument/2006/customXml" ds:itemID="{1851D33F-E468-417B-A30C-509B68D2BD09}">
+  <ds:schemaRefs>
+    <ds:schemaRef ds:uri="http://schemas.microsoft.com/sharepoint/v3/contenttype/forms"/>
   </ds:schemaRefs>
 </ds:datastoreItem>
 </file>

--- a/doc/Task07/Task07.pptx
+++ b/doc/Task07/Task07.pptx
@@ -14,9 +14,9 @@
     <p:sldId id="259" r:id="rId5"/>
     <p:sldId id="302" r:id="rId6"/>
     <p:sldId id="304" r:id="rId7"/>
-    <p:sldId id="300" r:id="rId8"/>
-    <p:sldId id="301" r:id="rId9"/>
-    <p:sldId id="303" r:id="rId10"/>
+    <p:sldId id="305" r:id="rId8"/>
+    <p:sldId id="306" r:id="rId9"/>
+    <p:sldId id="307" r:id="rId10"/>
     <p:sldId id="299" r:id="rId11"/>
   </p:sldIdLst>
   <p:sldSz cx="9144000" cy="6858000" type="screen4x3"/>
@@ -148,7 +148,7 @@
   </p:defaultTextStyle>
   <p:extLst>
     <p:ext uri="{EFAFB233-063F-42B5-8137-9DF3F51BA10A}">
-      <p15:sldGuideLst xmlns:p15="http://schemas.microsoft.com/office/powerpoint/2012/main">
+      <p15:sldGuideLst xmlns:p15="http://schemas.microsoft.com/office/powerpoint/2012/main" xmlns="">
         <p15:guide id="1" orient="horz" pos="2160">
           <p15:clr>
             <a:srgbClr val="A4A3A4"/>
@@ -162,7 +162,7 @@
       </p15:sldGuideLst>
     </p:ext>
     <p:ext uri="{2D200454-40CA-4A62-9FC3-DE9A4176ACB9}">
-      <p15:notesGuideLst xmlns:p15="http://schemas.microsoft.com/office/powerpoint/2012/main">
+      <p15:notesGuideLst xmlns:p15="http://schemas.microsoft.com/office/powerpoint/2012/main" xmlns="">
         <p15:guide id="1" orient="horz" pos="3127">
           <p15:clr>
             <a:srgbClr val="A4A3A4"/>
@@ -7034,1283 +7034,6 @@
       </p:grpSpPr>
       <p:sp>
         <p:nvSpPr>
-          <p:cNvPr id="5" name="Rechteck 4"/>
-          <p:cNvSpPr/>
-          <p:nvPr/>
-        </p:nvSpPr>
-        <p:spPr>
-          <a:xfrm>
-            <a:off x="3021476" y="2058643"/>
-            <a:ext cx="1368743" cy="582848"/>
-          </a:xfrm>
-          <a:prstGeom prst="rect">
-            <a:avLst/>
-          </a:prstGeom>
-        </p:spPr>
-        <p:style>
-          <a:lnRef idx="2">
-            <a:schemeClr val="accent1">
-              <a:shade val="50000"/>
-            </a:schemeClr>
-          </a:lnRef>
-          <a:fillRef idx="1">
-            <a:schemeClr val="accent1"/>
-          </a:fillRef>
-          <a:effectRef idx="0">
-            <a:schemeClr val="accent1"/>
-          </a:effectRef>
-          <a:fontRef idx="minor">
-            <a:schemeClr val="lt1"/>
-          </a:fontRef>
-        </p:style>
-        <p:txBody>
-          <a:bodyPr rtlCol="0" anchor="ctr"/>
-          <a:lstStyle/>
-          <a:p>
-            <a:pPr algn="ctr"/>
-            <a:r>
-              <a:rPr lang="de-CH" sz="1800" dirty="0"/>
-              <a:t>Patient</a:t>
-            </a:r>
-          </a:p>
-        </p:txBody>
-      </p:sp>
-      <p:sp>
-        <p:nvSpPr>
-          <p:cNvPr id="10" name="Rechteck 9"/>
-          <p:cNvSpPr/>
-          <p:nvPr/>
-        </p:nvSpPr>
-        <p:spPr>
-          <a:xfrm>
-            <a:off x="5582664" y="2057902"/>
-            <a:ext cx="1368743" cy="582848"/>
-          </a:xfrm>
-          <a:prstGeom prst="rect">
-            <a:avLst/>
-          </a:prstGeom>
-        </p:spPr>
-        <p:style>
-          <a:lnRef idx="2">
-            <a:schemeClr val="accent1">
-              <a:shade val="50000"/>
-            </a:schemeClr>
-          </a:lnRef>
-          <a:fillRef idx="1">
-            <a:schemeClr val="accent1"/>
-          </a:fillRef>
-          <a:effectRef idx="0">
-            <a:schemeClr val="accent1"/>
-          </a:effectRef>
-          <a:fontRef idx="minor">
-            <a:schemeClr val="lt1"/>
-          </a:fontRef>
-        </p:style>
-        <p:txBody>
-          <a:bodyPr rtlCol="0" anchor="ctr"/>
-          <a:lstStyle/>
-          <a:p>
-            <a:pPr algn="ctr"/>
-            <a:r>
-              <a:rPr lang="de-CH" sz="1800" dirty="0"/>
-              <a:t>Kalender</a:t>
-            </a:r>
-          </a:p>
-        </p:txBody>
-      </p:sp>
-      <p:cxnSp>
-        <p:nvCxnSpPr>
-          <p:cNvPr id="19" name="Gerade Verbindung mit Pfeil 18"/>
-          <p:cNvCxnSpPr>
-            <a:stCxn id="5" idx="3"/>
-            <a:endCxn id="10" idx="1"/>
-          </p:cNvCxnSpPr>
-          <p:nvPr/>
-        </p:nvCxnSpPr>
-        <p:spPr>
-          <a:xfrm flipV="1">
-            <a:off x="4390219" y="2349326"/>
-            <a:ext cx="1192445" cy="741"/>
-          </a:xfrm>
-          <a:prstGeom prst="straightConnector1">
-            <a:avLst/>
-          </a:prstGeom>
-          <a:ln>
-            <a:tailEnd type="triangle"/>
-          </a:ln>
-        </p:spPr>
-        <p:style>
-          <a:lnRef idx="1">
-            <a:schemeClr val="accent1"/>
-          </a:lnRef>
-          <a:fillRef idx="0">
-            <a:schemeClr val="accent1"/>
-          </a:fillRef>
-          <a:effectRef idx="0">
-            <a:schemeClr val="accent1"/>
-          </a:effectRef>
-          <a:fontRef idx="minor">
-            <a:schemeClr val="tx1"/>
-          </a:fontRef>
-        </p:style>
-      </p:cxnSp>
-      <p:cxnSp>
-        <p:nvCxnSpPr>
-          <p:cNvPr id="26" name="Gerade Verbindung mit Pfeil 25"/>
-          <p:cNvCxnSpPr>
-            <a:stCxn id="5" idx="2"/>
-            <a:endCxn id="78" idx="0"/>
-          </p:cNvCxnSpPr>
-          <p:nvPr/>
-        </p:nvCxnSpPr>
-        <p:spPr>
-          <a:xfrm flipH="1">
-            <a:off x="3660280" y="2641491"/>
-            <a:ext cx="45568" cy="2028703"/>
-          </a:xfrm>
-          <a:prstGeom prst="straightConnector1">
-            <a:avLst/>
-          </a:prstGeom>
-          <a:ln>
-            <a:tailEnd type="triangle"/>
-          </a:ln>
-        </p:spPr>
-        <p:style>
-          <a:lnRef idx="1">
-            <a:schemeClr val="accent1"/>
-          </a:lnRef>
-          <a:fillRef idx="0">
-            <a:schemeClr val="accent1"/>
-          </a:fillRef>
-          <a:effectRef idx="0">
-            <a:schemeClr val="accent1"/>
-          </a:effectRef>
-          <a:fontRef idx="minor">
-            <a:schemeClr val="tx1"/>
-          </a:fontRef>
-        </p:style>
-      </p:cxnSp>
-      <p:sp>
-        <p:nvSpPr>
-          <p:cNvPr id="33" name="Rechteck 32"/>
-          <p:cNvSpPr/>
-          <p:nvPr/>
-        </p:nvSpPr>
-        <p:spPr>
-          <a:xfrm>
-            <a:off x="48133" y="2057902"/>
-            <a:ext cx="1368743" cy="582848"/>
-          </a:xfrm>
-          <a:prstGeom prst="rect">
-            <a:avLst/>
-          </a:prstGeom>
-        </p:spPr>
-        <p:style>
-          <a:lnRef idx="2">
-            <a:schemeClr val="accent1">
-              <a:shade val="50000"/>
-            </a:schemeClr>
-          </a:lnRef>
-          <a:fillRef idx="1">
-            <a:schemeClr val="accent1"/>
-          </a:fillRef>
-          <a:effectRef idx="0">
-            <a:schemeClr val="accent1"/>
-          </a:effectRef>
-          <a:fontRef idx="minor">
-            <a:schemeClr val="lt1"/>
-          </a:fontRef>
-        </p:style>
-        <p:txBody>
-          <a:bodyPr rtlCol="0" anchor="ctr"/>
-          <a:lstStyle/>
-          <a:p>
-            <a:pPr algn="ctr"/>
-            <a:r>
-              <a:rPr lang="de-CH" sz="1800" dirty="0"/>
-              <a:t>Krankheit</a:t>
-            </a:r>
-          </a:p>
-        </p:txBody>
-      </p:sp>
-      <p:cxnSp>
-        <p:nvCxnSpPr>
-          <p:cNvPr id="34" name="Gerade Verbindung mit Pfeil 33"/>
-          <p:cNvCxnSpPr>
-            <a:stCxn id="5" idx="1"/>
-            <a:endCxn id="33" idx="3"/>
-          </p:cNvCxnSpPr>
-          <p:nvPr/>
-        </p:nvCxnSpPr>
-        <p:spPr>
-          <a:xfrm flipH="1" flipV="1">
-            <a:off x="1416876" y="2349326"/>
-            <a:ext cx="1604600" cy="741"/>
-          </a:xfrm>
-          <a:prstGeom prst="straightConnector1">
-            <a:avLst/>
-          </a:prstGeom>
-          <a:ln>
-            <a:tailEnd type="triangle"/>
-          </a:ln>
-        </p:spPr>
-        <p:style>
-          <a:lnRef idx="1">
-            <a:schemeClr val="accent1"/>
-          </a:lnRef>
-          <a:fillRef idx="0">
-            <a:schemeClr val="accent1"/>
-          </a:fillRef>
-          <a:effectRef idx="0">
-            <a:schemeClr val="accent1"/>
-          </a:effectRef>
-          <a:fontRef idx="minor">
-            <a:schemeClr val="tx1"/>
-          </a:fontRef>
-        </p:style>
-      </p:cxnSp>
-      <p:pic>
-        <p:nvPicPr>
-          <p:cNvPr id="56" name="Grafik 55"/>
-          <p:cNvPicPr>
-            <a:picLocks noChangeAspect="1"/>
-          </p:cNvPicPr>
-          <p:nvPr/>
-        </p:nvPicPr>
-        <p:blipFill>
-          <a:blip r:embed="rId2"/>
-          <a:stretch>
-            <a:fillRect/>
-          </a:stretch>
-        </p:blipFill>
-        <p:spPr>
-          <a:xfrm>
-            <a:off x="3639736" y="2674847"/>
-            <a:ext cx="157163" cy="200025"/>
-          </a:xfrm>
-          <a:prstGeom prst="rect">
-            <a:avLst/>
-          </a:prstGeom>
-        </p:spPr>
-      </p:pic>
-      <p:pic>
-        <p:nvPicPr>
-          <p:cNvPr id="57" name="Grafik 56"/>
-          <p:cNvPicPr>
-            <a:picLocks noChangeAspect="1"/>
-          </p:cNvPicPr>
-          <p:nvPr/>
-        </p:nvPicPr>
-        <p:blipFill>
-          <a:blip r:embed="rId3"/>
-          <a:stretch>
-            <a:fillRect/>
-          </a:stretch>
-        </p:blipFill>
-        <p:spPr>
-          <a:xfrm>
-            <a:off x="1508321" y="2114318"/>
-            <a:ext cx="264319" cy="178594"/>
-          </a:xfrm>
-          <a:prstGeom prst="rect">
-            <a:avLst/>
-          </a:prstGeom>
-        </p:spPr>
-      </p:pic>
-      <p:pic>
-        <p:nvPicPr>
-          <p:cNvPr id="59" name="Grafik 58"/>
-          <p:cNvPicPr>
-            <a:picLocks noChangeAspect="1"/>
-          </p:cNvPicPr>
-          <p:nvPr/>
-        </p:nvPicPr>
-        <p:blipFill>
-          <a:blip r:embed="rId3"/>
-          <a:stretch>
-            <a:fillRect/>
-          </a:stretch>
-        </p:blipFill>
-        <p:spPr>
-          <a:xfrm>
-            <a:off x="2735345" y="2079736"/>
-            <a:ext cx="264319" cy="178594"/>
-          </a:xfrm>
-          <a:prstGeom prst="rect">
-            <a:avLst/>
-          </a:prstGeom>
-        </p:spPr>
-      </p:pic>
-      <p:pic>
-        <p:nvPicPr>
-          <p:cNvPr id="63" name="Grafik 62"/>
-          <p:cNvPicPr>
-            <a:picLocks noChangeAspect="1"/>
-          </p:cNvPicPr>
-          <p:nvPr/>
-        </p:nvPicPr>
-        <p:blipFill>
-          <a:blip r:embed="rId2"/>
-          <a:stretch>
-            <a:fillRect/>
-          </a:stretch>
-        </p:blipFill>
-        <p:spPr>
-          <a:xfrm>
-            <a:off x="5364517" y="2126390"/>
-            <a:ext cx="157163" cy="200025"/>
-          </a:xfrm>
-          <a:prstGeom prst="rect">
-            <a:avLst/>
-          </a:prstGeom>
-        </p:spPr>
-      </p:pic>
-      <p:sp>
-        <p:nvSpPr>
-          <p:cNvPr id="77" name="Textfeld 76"/>
-          <p:cNvSpPr txBox="1"/>
-          <p:nvPr/>
-        </p:nvSpPr>
-        <p:spPr>
-          <a:xfrm>
-            <a:off x="3870852" y="1476447"/>
-            <a:ext cx="1361229" cy="646331"/>
-          </a:xfrm>
-          <a:prstGeom prst="rect">
-            <a:avLst/>
-          </a:prstGeom>
-          <a:noFill/>
-        </p:spPr>
-        <p:txBody>
-          <a:bodyPr wrap="square" rtlCol="0">
-            <a:spAutoFit/>
-          </a:bodyPr>
-          <a:lstStyle/>
-          <a:p>
-            <a:r>
-              <a:rPr lang="de-CH" sz="1800" dirty="0"/>
-              <a:t>Überwiesen zu</a:t>
-            </a:r>
-          </a:p>
-        </p:txBody>
-      </p:sp>
-      <p:sp>
-        <p:nvSpPr>
-          <p:cNvPr id="78" name="Rechteck 77"/>
-          <p:cNvSpPr/>
-          <p:nvPr/>
-        </p:nvSpPr>
-        <p:spPr>
-          <a:xfrm>
-            <a:off x="2735345" y="4670194"/>
-            <a:ext cx="1849870" cy="582848"/>
-          </a:xfrm>
-          <a:prstGeom prst="rect">
-            <a:avLst/>
-          </a:prstGeom>
-        </p:spPr>
-        <p:style>
-          <a:lnRef idx="2">
-            <a:schemeClr val="accent1">
-              <a:shade val="50000"/>
-            </a:schemeClr>
-          </a:lnRef>
-          <a:fillRef idx="1">
-            <a:schemeClr val="accent1"/>
-          </a:fillRef>
-          <a:effectRef idx="0">
-            <a:schemeClr val="accent1"/>
-          </a:effectRef>
-          <a:fontRef idx="minor">
-            <a:schemeClr val="lt1"/>
-          </a:fontRef>
-        </p:style>
-        <p:txBody>
-          <a:bodyPr rtlCol="0" anchor="ctr"/>
-          <a:lstStyle/>
-          <a:p>
-            <a:pPr algn="ctr"/>
-            <a:r>
-              <a:rPr lang="de-CH" sz="1600" dirty="0"/>
-              <a:t>Medikationsplan</a:t>
-            </a:r>
-          </a:p>
-        </p:txBody>
-      </p:sp>
-      <p:sp>
-        <p:nvSpPr>
-          <p:cNvPr id="79" name="Rechteck 78"/>
-          <p:cNvSpPr/>
-          <p:nvPr/>
-        </p:nvSpPr>
-        <p:spPr>
-          <a:xfrm>
-            <a:off x="5605164" y="4670193"/>
-            <a:ext cx="1170146" cy="582848"/>
-          </a:xfrm>
-          <a:prstGeom prst="rect">
-            <a:avLst/>
-          </a:prstGeom>
-        </p:spPr>
-        <p:style>
-          <a:lnRef idx="2">
-            <a:schemeClr val="accent1">
-              <a:shade val="50000"/>
-            </a:schemeClr>
-          </a:lnRef>
-          <a:fillRef idx="1">
-            <a:schemeClr val="accent1"/>
-          </a:fillRef>
-          <a:effectRef idx="0">
-            <a:schemeClr val="accent1"/>
-          </a:effectRef>
-          <a:fontRef idx="minor">
-            <a:schemeClr val="lt1"/>
-          </a:fontRef>
-        </p:style>
-        <p:txBody>
-          <a:bodyPr rtlCol="0" anchor="ctr"/>
-          <a:lstStyle/>
-          <a:p>
-            <a:pPr algn="ctr"/>
-            <a:r>
-              <a:rPr lang="de-CH" sz="1800" dirty="0"/>
-              <a:t>Medikamente</a:t>
-            </a:r>
-          </a:p>
-        </p:txBody>
-      </p:sp>
-      <p:sp>
-        <p:nvSpPr>
-          <p:cNvPr id="80" name="Rechteck 79"/>
-          <p:cNvSpPr/>
-          <p:nvPr/>
-        </p:nvSpPr>
-        <p:spPr>
-          <a:xfrm>
-            <a:off x="8253174" y="4670192"/>
-            <a:ext cx="755807" cy="582848"/>
-          </a:xfrm>
-          <a:prstGeom prst="rect">
-            <a:avLst/>
-          </a:prstGeom>
-        </p:spPr>
-        <p:style>
-          <a:lnRef idx="2">
-            <a:schemeClr val="accent1">
-              <a:shade val="50000"/>
-            </a:schemeClr>
-          </a:lnRef>
-          <a:fillRef idx="1">
-            <a:schemeClr val="accent1"/>
-          </a:fillRef>
-          <a:effectRef idx="0">
-            <a:schemeClr val="accent1"/>
-          </a:effectRef>
-          <a:fontRef idx="minor">
-            <a:schemeClr val="lt1"/>
-          </a:fontRef>
-        </p:style>
-        <p:txBody>
-          <a:bodyPr rtlCol="0" anchor="ctr"/>
-          <a:lstStyle/>
-          <a:p>
-            <a:pPr algn="ctr"/>
-            <a:r>
-              <a:rPr lang="de-CH" sz="1800" dirty="0"/>
-              <a:t>Rezepte</a:t>
-            </a:r>
-          </a:p>
-        </p:txBody>
-      </p:sp>
-      <p:cxnSp>
-        <p:nvCxnSpPr>
-          <p:cNvPr id="81" name="Gerade Verbindung mit Pfeil 80"/>
-          <p:cNvCxnSpPr>
-            <a:stCxn id="78" idx="3"/>
-            <a:endCxn id="79" idx="1"/>
-          </p:cNvCxnSpPr>
-          <p:nvPr/>
-        </p:nvCxnSpPr>
-        <p:spPr>
-          <a:xfrm flipV="1">
-            <a:off x="4585215" y="4961617"/>
-            <a:ext cx="1019949" cy="1"/>
-          </a:xfrm>
-          <a:prstGeom prst="straightConnector1">
-            <a:avLst/>
-          </a:prstGeom>
-          <a:ln>
-            <a:tailEnd type="triangle"/>
-          </a:ln>
-        </p:spPr>
-        <p:style>
-          <a:lnRef idx="1">
-            <a:schemeClr val="accent1"/>
-          </a:lnRef>
-          <a:fillRef idx="0">
-            <a:schemeClr val="accent1"/>
-          </a:fillRef>
-          <a:effectRef idx="0">
-            <a:schemeClr val="accent1"/>
-          </a:effectRef>
-          <a:fontRef idx="minor">
-            <a:schemeClr val="tx1"/>
-          </a:fontRef>
-        </p:style>
-      </p:cxnSp>
-      <p:cxnSp>
-        <p:nvCxnSpPr>
-          <p:cNvPr id="82" name="Gerade Verbindung mit Pfeil 81"/>
-          <p:cNvCxnSpPr>
-            <a:stCxn id="79" idx="3"/>
-            <a:endCxn id="80" idx="1"/>
-          </p:cNvCxnSpPr>
-          <p:nvPr/>
-        </p:nvCxnSpPr>
-        <p:spPr>
-          <a:xfrm flipV="1">
-            <a:off x="6775310" y="4961616"/>
-            <a:ext cx="1477864" cy="1"/>
-          </a:xfrm>
-          <a:prstGeom prst="straightConnector1">
-            <a:avLst/>
-          </a:prstGeom>
-          <a:ln>
-            <a:tailEnd type="triangle"/>
-          </a:ln>
-        </p:spPr>
-        <p:style>
-          <a:lnRef idx="1">
-            <a:schemeClr val="accent1"/>
-          </a:lnRef>
-          <a:fillRef idx="0">
-            <a:schemeClr val="accent1"/>
-          </a:fillRef>
-          <a:effectRef idx="0">
-            <a:schemeClr val="accent1"/>
-          </a:effectRef>
-          <a:fontRef idx="minor">
-            <a:schemeClr val="tx1"/>
-          </a:fontRef>
-        </p:style>
-      </p:cxnSp>
-      <p:pic>
-        <p:nvPicPr>
-          <p:cNvPr id="83" name="Grafik 82"/>
-          <p:cNvPicPr>
-            <a:picLocks noChangeAspect="1"/>
-          </p:cNvPicPr>
-          <p:nvPr/>
-        </p:nvPicPr>
-        <p:blipFill>
-          <a:blip r:embed="rId3"/>
-          <a:stretch>
-            <a:fillRect/>
-          </a:stretch>
-        </p:blipFill>
-        <p:spPr>
-          <a:xfrm>
-            <a:off x="4619860" y="5028689"/>
-            <a:ext cx="264319" cy="178594"/>
-          </a:xfrm>
-          <a:prstGeom prst="rect">
-            <a:avLst/>
-          </a:prstGeom>
-        </p:spPr>
-      </p:pic>
-      <p:pic>
-        <p:nvPicPr>
-          <p:cNvPr id="84" name="Grafik 83"/>
-          <p:cNvPicPr>
-            <a:picLocks noChangeAspect="1"/>
-          </p:cNvPicPr>
-          <p:nvPr/>
-        </p:nvPicPr>
-        <p:blipFill>
-          <a:blip r:embed="rId3"/>
-          <a:stretch>
-            <a:fillRect/>
-          </a:stretch>
-        </p:blipFill>
-        <p:spPr>
-          <a:xfrm>
-            <a:off x="5301555" y="5040558"/>
-            <a:ext cx="264319" cy="178594"/>
-          </a:xfrm>
-          <a:prstGeom prst="rect">
-            <a:avLst/>
-          </a:prstGeom>
-        </p:spPr>
-      </p:pic>
-      <p:pic>
-        <p:nvPicPr>
-          <p:cNvPr id="85" name="Grafik 84"/>
-          <p:cNvPicPr>
-            <a:picLocks noChangeAspect="1"/>
-          </p:cNvPicPr>
-          <p:nvPr/>
-        </p:nvPicPr>
-        <p:blipFill>
-          <a:blip r:embed="rId2"/>
-          <a:stretch>
-            <a:fillRect/>
-          </a:stretch>
-        </p:blipFill>
-        <p:spPr>
-          <a:xfrm>
-            <a:off x="8047791" y="5065502"/>
-            <a:ext cx="157163" cy="200025"/>
-          </a:xfrm>
-          <a:prstGeom prst="rect">
-            <a:avLst/>
-          </a:prstGeom>
-        </p:spPr>
-      </p:pic>
-      <p:sp>
-        <p:nvSpPr>
-          <p:cNvPr id="86" name="Textfeld 85"/>
-          <p:cNvSpPr txBox="1"/>
-          <p:nvPr/>
-        </p:nvSpPr>
-        <p:spPr>
-          <a:xfrm>
-            <a:off x="7908845" y="5027015"/>
-            <a:ext cx="277892" cy="646331"/>
-          </a:xfrm>
-          <a:prstGeom prst="rect">
-            <a:avLst/>
-          </a:prstGeom>
-          <a:noFill/>
-        </p:spPr>
-        <p:txBody>
-          <a:bodyPr wrap="square" rtlCol="0">
-            <a:spAutoFit/>
-          </a:bodyPr>
-          <a:lstStyle/>
-          <a:p>
-            <a:r>
-              <a:rPr lang="de-CH" sz="1800" dirty="0"/>
-              <a:t>0-</a:t>
-            </a:r>
-          </a:p>
-        </p:txBody>
-      </p:sp>
-      <p:sp>
-        <p:nvSpPr>
-          <p:cNvPr id="102" name="Rechteck 101"/>
-          <p:cNvSpPr/>
-          <p:nvPr/>
-        </p:nvSpPr>
-        <p:spPr>
-          <a:xfrm>
-            <a:off x="7724538" y="2057902"/>
-            <a:ext cx="1368743" cy="582848"/>
-          </a:xfrm>
-          <a:prstGeom prst="rect">
-            <a:avLst/>
-          </a:prstGeom>
-        </p:spPr>
-        <p:style>
-          <a:lnRef idx="2">
-            <a:schemeClr val="accent1">
-              <a:shade val="50000"/>
-            </a:schemeClr>
-          </a:lnRef>
-          <a:fillRef idx="1">
-            <a:schemeClr val="accent1"/>
-          </a:fillRef>
-          <a:effectRef idx="0">
-            <a:schemeClr val="accent1"/>
-          </a:effectRef>
-          <a:fontRef idx="minor">
-            <a:schemeClr val="lt1"/>
-          </a:fontRef>
-        </p:style>
-        <p:txBody>
-          <a:bodyPr rtlCol="0" anchor="ctr"/>
-          <a:lstStyle/>
-          <a:p>
-            <a:pPr algn="ctr"/>
-            <a:r>
-              <a:rPr lang="de-CH" sz="1800" dirty="0"/>
-              <a:t>Termin</a:t>
-            </a:r>
-          </a:p>
-        </p:txBody>
-      </p:sp>
-      <p:cxnSp>
-        <p:nvCxnSpPr>
-          <p:cNvPr id="112" name="Gerade Verbindung mit Pfeil 111"/>
-          <p:cNvCxnSpPr>
-            <a:stCxn id="10" idx="3"/>
-            <a:endCxn id="102" idx="1"/>
-          </p:cNvCxnSpPr>
-          <p:nvPr/>
-        </p:nvCxnSpPr>
-        <p:spPr>
-          <a:xfrm>
-            <a:off x="6951406" y="2349326"/>
-            <a:ext cx="773132" cy="0"/>
-          </a:xfrm>
-          <a:prstGeom prst="straightConnector1">
-            <a:avLst/>
-          </a:prstGeom>
-          <a:ln>
-            <a:tailEnd type="triangle"/>
-          </a:ln>
-        </p:spPr>
-        <p:style>
-          <a:lnRef idx="1">
-            <a:schemeClr val="accent1"/>
-          </a:lnRef>
-          <a:fillRef idx="0">
-            <a:schemeClr val="accent1"/>
-          </a:fillRef>
-          <a:effectRef idx="0">
-            <a:schemeClr val="accent1"/>
-          </a:effectRef>
-          <a:fontRef idx="minor">
-            <a:schemeClr val="tx1"/>
-          </a:fontRef>
-        </p:style>
-      </p:cxnSp>
-      <p:sp>
-        <p:nvSpPr>
-          <p:cNvPr id="118" name="Rechteck 117"/>
-          <p:cNvSpPr/>
-          <p:nvPr/>
-        </p:nvSpPr>
-        <p:spPr>
-          <a:xfrm>
-            <a:off x="3058949" y="770315"/>
-            <a:ext cx="1318736" cy="582848"/>
-          </a:xfrm>
-          <a:prstGeom prst="rect">
-            <a:avLst/>
-          </a:prstGeom>
-        </p:spPr>
-        <p:style>
-          <a:lnRef idx="2">
-            <a:schemeClr val="accent1">
-              <a:shade val="50000"/>
-            </a:schemeClr>
-          </a:lnRef>
-          <a:fillRef idx="1">
-            <a:schemeClr val="accent1"/>
-          </a:fillRef>
-          <a:effectRef idx="0">
-            <a:schemeClr val="accent1"/>
-          </a:effectRef>
-          <a:fontRef idx="minor">
-            <a:schemeClr val="lt1"/>
-          </a:fontRef>
-        </p:style>
-        <p:txBody>
-          <a:bodyPr rtlCol="0" anchor="ctr"/>
-          <a:lstStyle/>
-          <a:p>
-            <a:pPr algn="ctr"/>
-            <a:r>
-              <a:rPr lang="de-CH" sz="1800" dirty="0"/>
-              <a:t>Arzt</a:t>
-            </a:r>
-          </a:p>
-        </p:txBody>
-      </p:sp>
-      <p:cxnSp>
-        <p:nvCxnSpPr>
-          <p:cNvPr id="119" name="Gerade Verbindung mit Pfeil 118"/>
-          <p:cNvCxnSpPr>
-            <a:stCxn id="5" idx="0"/>
-            <a:endCxn id="118" idx="2"/>
-          </p:cNvCxnSpPr>
-          <p:nvPr/>
-        </p:nvCxnSpPr>
-        <p:spPr>
-          <a:xfrm flipV="1">
-            <a:off x="3705848" y="1353163"/>
-            <a:ext cx="12469" cy="705480"/>
-          </a:xfrm>
-          <a:prstGeom prst="straightConnector1">
-            <a:avLst/>
-          </a:prstGeom>
-          <a:ln>
-            <a:tailEnd type="triangle"/>
-          </a:ln>
-        </p:spPr>
-        <p:style>
-          <a:lnRef idx="1">
-            <a:schemeClr val="accent1"/>
-          </a:lnRef>
-          <a:fillRef idx="0">
-            <a:schemeClr val="accent1"/>
-          </a:fillRef>
-          <a:effectRef idx="0">
-            <a:schemeClr val="accent1"/>
-          </a:effectRef>
-          <a:fontRef idx="minor">
-            <a:schemeClr val="tx1"/>
-          </a:fontRef>
-        </p:style>
-      </p:cxnSp>
-      <p:pic>
-        <p:nvPicPr>
-          <p:cNvPr id="137" name="Grafik 136"/>
-          <p:cNvPicPr>
-            <a:picLocks noChangeAspect="1"/>
-          </p:cNvPicPr>
-          <p:nvPr/>
-        </p:nvPicPr>
-        <p:blipFill>
-          <a:blip r:embed="rId3"/>
-          <a:stretch>
-            <a:fillRect/>
-          </a:stretch>
-        </p:blipFill>
-        <p:spPr>
-          <a:xfrm>
-            <a:off x="3586159" y="1859051"/>
-            <a:ext cx="264319" cy="178594"/>
-          </a:xfrm>
-          <a:prstGeom prst="rect">
-            <a:avLst/>
-          </a:prstGeom>
-        </p:spPr>
-      </p:pic>
-      <p:pic>
-        <p:nvPicPr>
-          <p:cNvPr id="139" name="Grafik 138"/>
-          <p:cNvPicPr>
-            <a:picLocks noChangeAspect="1"/>
-          </p:cNvPicPr>
-          <p:nvPr/>
-        </p:nvPicPr>
-        <p:blipFill>
-          <a:blip r:embed="rId3"/>
-          <a:stretch>
-            <a:fillRect/>
-          </a:stretch>
-        </p:blipFill>
-        <p:spPr>
-          <a:xfrm>
-            <a:off x="3586158" y="1531015"/>
-            <a:ext cx="264319" cy="178594"/>
-          </a:xfrm>
-          <a:prstGeom prst="rect">
-            <a:avLst/>
-          </a:prstGeom>
-        </p:spPr>
-      </p:pic>
-      <p:pic>
-        <p:nvPicPr>
-          <p:cNvPr id="140" name="Grafik 139"/>
-          <p:cNvPicPr>
-            <a:picLocks noChangeAspect="1"/>
-          </p:cNvPicPr>
-          <p:nvPr/>
-        </p:nvPicPr>
-        <p:blipFill>
-          <a:blip r:embed="rId3"/>
-          <a:stretch>
-            <a:fillRect/>
-          </a:stretch>
-        </p:blipFill>
-        <p:spPr>
-          <a:xfrm>
-            <a:off x="6999180" y="2140116"/>
-            <a:ext cx="264319" cy="178594"/>
-          </a:xfrm>
-          <a:prstGeom prst="rect">
-            <a:avLst/>
-          </a:prstGeom>
-        </p:spPr>
-      </p:pic>
-      <p:pic>
-        <p:nvPicPr>
-          <p:cNvPr id="141" name="Grafik 140"/>
-          <p:cNvPicPr>
-            <a:picLocks noChangeAspect="1"/>
-          </p:cNvPicPr>
-          <p:nvPr/>
-        </p:nvPicPr>
-        <p:blipFill>
-          <a:blip r:embed="rId3"/>
-          <a:stretch>
-            <a:fillRect/>
-          </a:stretch>
-        </p:blipFill>
-        <p:spPr>
-          <a:xfrm>
-            <a:off x="7460220" y="2140116"/>
-            <a:ext cx="264319" cy="178594"/>
-          </a:xfrm>
-          <a:prstGeom prst="rect">
-            <a:avLst/>
-          </a:prstGeom>
-        </p:spPr>
-      </p:pic>
-      <p:pic>
-        <p:nvPicPr>
-          <p:cNvPr id="142" name="Grafik 141"/>
-          <p:cNvPicPr>
-            <a:picLocks noChangeAspect="1"/>
-          </p:cNvPicPr>
-          <p:nvPr/>
-        </p:nvPicPr>
-        <p:blipFill>
-          <a:blip r:embed="rId2"/>
-          <a:stretch>
-            <a:fillRect/>
-          </a:stretch>
-        </p:blipFill>
-        <p:spPr>
-          <a:xfrm>
-            <a:off x="6814599" y="5040558"/>
-            <a:ext cx="157163" cy="200025"/>
-          </a:xfrm>
-          <a:prstGeom prst="rect">
-            <a:avLst/>
-          </a:prstGeom>
-        </p:spPr>
-      </p:pic>
-      <p:sp>
-        <p:nvSpPr>
-          <p:cNvPr id="146" name="Textfeld 145"/>
-          <p:cNvSpPr txBox="1"/>
-          <p:nvPr/>
-        </p:nvSpPr>
-        <p:spPr>
-          <a:xfrm>
-            <a:off x="3901205" y="3481418"/>
-            <a:ext cx="1293011" cy="369332"/>
-          </a:xfrm>
-          <a:prstGeom prst="rect">
-            <a:avLst/>
-          </a:prstGeom>
-          <a:noFill/>
-        </p:spPr>
-        <p:txBody>
-          <a:bodyPr wrap="square" rtlCol="0">
-            <a:spAutoFit/>
-          </a:bodyPr>
-          <a:lstStyle/>
-          <a:p>
-            <a:r>
-              <a:rPr lang="de-CH" sz="1800" dirty="0"/>
-              <a:t>hat</a:t>
-            </a:r>
-          </a:p>
-        </p:txBody>
-      </p:sp>
-      <p:sp>
-        <p:nvSpPr>
-          <p:cNvPr id="147" name="Textfeld 146"/>
-          <p:cNvSpPr txBox="1"/>
-          <p:nvPr/>
-        </p:nvSpPr>
-        <p:spPr>
-          <a:xfrm>
-            <a:off x="4523026" y="4677405"/>
-            <a:ext cx="1293011" cy="369332"/>
-          </a:xfrm>
-          <a:prstGeom prst="rect">
-            <a:avLst/>
-          </a:prstGeom>
-          <a:noFill/>
-        </p:spPr>
-        <p:txBody>
-          <a:bodyPr wrap="square" rtlCol="0">
-            <a:spAutoFit/>
-          </a:bodyPr>
-          <a:lstStyle/>
-          <a:p>
-            <a:r>
-              <a:rPr lang="de-CH" sz="1800" dirty="0"/>
-              <a:t>beinhaltet</a:t>
-            </a:r>
-          </a:p>
-        </p:txBody>
-      </p:sp>
-      <p:sp>
-        <p:nvSpPr>
-          <p:cNvPr id="149" name="Textfeld 148"/>
-          <p:cNvSpPr txBox="1"/>
-          <p:nvPr/>
-        </p:nvSpPr>
-        <p:spPr>
-          <a:xfrm>
-            <a:off x="6971761" y="4677405"/>
-            <a:ext cx="1293011" cy="369332"/>
-          </a:xfrm>
-          <a:prstGeom prst="rect">
-            <a:avLst/>
-          </a:prstGeom>
-          <a:noFill/>
-        </p:spPr>
-        <p:txBody>
-          <a:bodyPr wrap="square" rtlCol="0">
-            <a:spAutoFit/>
-          </a:bodyPr>
-          <a:lstStyle/>
-          <a:p>
-            <a:r>
-              <a:rPr lang="de-CH" sz="1800" dirty="0"/>
-              <a:t>benötigen</a:t>
-            </a:r>
-          </a:p>
-        </p:txBody>
-      </p:sp>
-      <p:sp>
-        <p:nvSpPr>
-          <p:cNvPr id="150" name="Textfeld 149"/>
-          <p:cNvSpPr txBox="1"/>
-          <p:nvPr/>
-        </p:nvSpPr>
-        <p:spPr>
-          <a:xfrm>
-            <a:off x="4680145" y="2378807"/>
-            <a:ext cx="1293011" cy="369332"/>
-          </a:xfrm>
-          <a:prstGeom prst="rect">
-            <a:avLst/>
-          </a:prstGeom>
-          <a:noFill/>
-        </p:spPr>
-        <p:txBody>
-          <a:bodyPr wrap="square" rtlCol="0">
-            <a:spAutoFit/>
-          </a:bodyPr>
-          <a:lstStyle/>
-          <a:p>
-            <a:r>
-              <a:rPr lang="de-CH" sz="1800" dirty="0"/>
-              <a:t>hat</a:t>
-            </a:r>
-          </a:p>
-        </p:txBody>
-      </p:sp>
-      <p:sp>
-        <p:nvSpPr>
-          <p:cNvPr id="151" name="Textfeld 150"/>
-          <p:cNvSpPr txBox="1"/>
-          <p:nvPr/>
-        </p:nvSpPr>
-        <p:spPr>
-          <a:xfrm>
-            <a:off x="1508320" y="2397269"/>
-            <a:ext cx="1601177" cy="646331"/>
-          </a:xfrm>
-          <a:prstGeom prst="rect">
-            <a:avLst/>
-          </a:prstGeom>
-          <a:noFill/>
-        </p:spPr>
-        <p:txBody>
-          <a:bodyPr wrap="square" rtlCol="0">
-            <a:spAutoFit/>
-          </a:bodyPr>
-          <a:lstStyle/>
-          <a:p>
-            <a:r>
-              <a:rPr lang="de-CH" sz="1800" dirty="0"/>
-              <a:t>Diagnostiziert mit</a:t>
-            </a:r>
-          </a:p>
-        </p:txBody>
-      </p:sp>
-      <p:sp>
-        <p:nvSpPr>
-          <p:cNvPr id="157" name="Textfeld 156"/>
-          <p:cNvSpPr txBox="1"/>
-          <p:nvPr/>
-        </p:nvSpPr>
-        <p:spPr>
-          <a:xfrm>
-            <a:off x="7078033" y="2389519"/>
-            <a:ext cx="1293011" cy="369332"/>
-          </a:xfrm>
-          <a:prstGeom prst="rect">
-            <a:avLst/>
-          </a:prstGeom>
-          <a:noFill/>
-        </p:spPr>
-        <p:txBody>
-          <a:bodyPr wrap="square" rtlCol="0">
-            <a:spAutoFit/>
-          </a:bodyPr>
-          <a:lstStyle/>
-          <a:p>
-            <a:r>
-              <a:rPr lang="de-CH" sz="1800" dirty="0"/>
-              <a:t>hat</a:t>
-            </a:r>
-          </a:p>
-        </p:txBody>
-      </p:sp>
-      <p:pic>
-        <p:nvPicPr>
-          <p:cNvPr id="161" name="Grafik 160"/>
-          <p:cNvPicPr>
-            <a:picLocks noChangeAspect="1"/>
-          </p:cNvPicPr>
-          <p:nvPr/>
-        </p:nvPicPr>
-        <p:blipFill>
-          <a:blip r:embed="rId3"/>
-          <a:stretch>
-            <a:fillRect/>
-          </a:stretch>
-        </p:blipFill>
-        <p:spPr>
-          <a:xfrm>
-            <a:off x="3578302" y="4439078"/>
-            <a:ext cx="264319" cy="178594"/>
-          </a:xfrm>
-          <a:prstGeom prst="rect">
-            <a:avLst/>
-          </a:prstGeom>
-        </p:spPr>
-      </p:pic>
-      <p:pic>
-        <p:nvPicPr>
-          <p:cNvPr id="162" name="Grafik 161"/>
-          <p:cNvPicPr>
-            <a:picLocks noChangeAspect="1"/>
-          </p:cNvPicPr>
-          <p:nvPr/>
-        </p:nvPicPr>
-        <p:blipFill>
-          <a:blip r:embed="rId2"/>
-          <a:stretch>
-            <a:fillRect/>
-          </a:stretch>
-        </p:blipFill>
-        <p:spPr>
-          <a:xfrm>
-            <a:off x="4601564" y="2140115"/>
-            <a:ext cx="157163" cy="200025"/>
-          </a:xfrm>
-          <a:prstGeom prst="rect">
-            <a:avLst/>
-          </a:prstGeom>
-        </p:spPr>
-      </p:pic>
-      <p:cxnSp>
-        <p:nvCxnSpPr>
-          <p:cNvPr id="164" name="Gekrümmte Verbindung 163"/>
-          <p:cNvCxnSpPr>
-            <a:stCxn id="102" idx="0"/>
-            <a:endCxn id="118" idx="3"/>
-          </p:cNvCxnSpPr>
-          <p:nvPr/>
-        </p:nvCxnSpPr>
-        <p:spPr>
-          <a:xfrm rot="16200000" flipV="1">
-            <a:off x="5895217" y="-455792"/>
-            <a:ext cx="996163" cy="4031225"/>
-          </a:xfrm>
-          <a:prstGeom prst="curvedConnector2">
-            <a:avLst/>
-          </a:prstGeom>
-          <a:ln>
-            <a:tailEnd type="triangle"/>
-          </a:ln>
-        </p:spPr>
-        <p:style>
-          <a:lnRef idx="1">
-            <a:schemeClr val="accent1"/>
-          </a:lnRef>
-          <a:fillRef idx="0">
-            <a:schemeClr val="accent1"/>
-          </a:fillRef>
-          <a:effectRef idx="0">
-            <a:schemeClr val="accent1"/>
-          </a:effectRef>
-          <a:fontRef idx="minor">
-            <a:schemeClr val="tx1"/>
-          </a:fontRef>
-        </p:style>
-      </p:cxnSp>
-      <p:sp>
-        <p:nvSpPr>
-          <p:cNvPr id="165" name="Textfeld 164"/>
-          <p:cNvSpPr txBox="1"/>
-          <p:nvPr/>
-        </p:nvSpPr>
-        <p:spPr>
-          <a:xfrm>
-            <a:off x="6044962" y="1324133"/>
-            <a:ext cx="1679576" cy="646331"/>
-          </a:xfrm>
-          <a:prstGeom prst="rect">
-            <a:avLst/>
-          </a:prstGeom>
-          <a:noFill/>
-        </p:spPr>
-        <p:txBody>
-          <a:bodyPr wrap="square" rtlCol="0">
-            <a:spAutoFit/>
-          </a:bodyPr>
-          <a:lstStyle/>
-          <a:p>
-            <a:r>
-              <a:rPr lang="de-CH" sz="1800" dirty="0"/>
-              <a:t>Durchgeführt von</a:t>
-            </a:r>
-          </a:p>
-        </p:txBody>
-      </p:sp>
-      <p:pic>
-        <p:nvPicPr>
-          <p:cNvPr id="166" name="Grafik 165"/>
-          <p:cNvPicPr>
-            <a:picLocks noChangeAspect="1"/>
-          </p:cNvPicPr>
-          <p:nvPr/>
-        </p:nvPicPr>
-        <p:blipFill>
-          <a:blip r:embed="rId3"/>
-          <a:stretch>
-            <a:fillRect/>
-          </a:stretch>
-        </p:blipFill>
-        <p:spPr>
-          <a:xfrm>
-            <a:off x="8408910" y="1853541"/>
-            <a:ext cx="264319" cy="178594"/>
-          </a:xfrm>
-          <a:prstGeom prst="rect">
-            <a:avLst/>
-          </a:prstGeom>
-        </p:spPr>
-      </p:pic>
-      <p:pic>
-        <p:nvPicPr>
-          <p:cNvPr id="167" name="Grafik 166"/>
-          <p:cNvPicPr>
-            <a:picLocks noChangeAspect="1"/>
-          </p:cNvPicPr>
-          <p:nvPr/>
-        </p:nvPicPr>
-        <p:blipFill>
-          <a:blip r:embed="rId2"/>
-          <a:stretch>
-            <a:fillRect/>
-          </a:stretch>
-        </p:blipFill>
-        <p:spPr>
-          <a:xfrm>
-            <a:off x="4601564" y="961727"/>
-            <a:ext cx="157163" cy="200025"/>
-          </a:xfrm>
-          <a:prstGeom prst="rect">
-            <a:avLst/>
-          </a:prstGeom>
-        </p:spPr>
-      </p:pic>
-      <p:sp>
-        <p:nvSpPr>
           <p:cNvPr id="18" name="Titel 17"/>
           <p:cNvSpPr>
             <a:spLocks noGrp="1"/>
@@ -8321,7 +7044,7 @@
         </p:nvSpPr>
         <p:spPr>
           <a:xfrm>
-            <a:off x="271044" y="195176"/>
+            <a:off x="425576" y="349921"/>
             <a:ext cx="8100000" cy="540000"/>
           </a:xfrm>
         </p:spPr>
@@ -8337,6 +7060,47 @@
           </a:p>
         </p:txBody>
       </p:sp>
+      <p:pic>
+        <p:nvPicPr>
+          <p:cNvPr id="1027" name="Picture 3" descr="C:\Users\Maurice\Desktop\Bild2.png"/>
+          <p:cNvPicPr>
+            <a:picLocks noChangeAspect="1" noChangeArrowheads="1"/>
+          </p:cNvPicPr>
+          <p:nvPr/>
+        </p:nvPicPr>
+        <p:blipFill>
+          <a:blip r:embed="rId2">
+            <a:extLst>
+              <a:ext uri="{28A0092B-C50C-407E-A947-70E740481C1C}">
+                <a14:useLocalDpi xmlns:a14="http://schemas.microsoft.com/office/drawing/2010/main" val="0"/>
+              </a:ext>
+            </a:extLst>
+          </a:blip>
+          <a:srcRect/>
+          <a:stretch>
+            <a:fillRect/>
+          </a:stretch>
+        </p:blipFill>
+        <p:spPr bwMode="auto">
+          <a:xfrm>
+            <a:off x="372831" y="1094509"/>
+            <a:ext cx="8538654" cy="4942464"/>
+          </a:xfrm>
+          <a:prstGeom prst="rect">
+            <a:avLst/>
+          </a:prstGeom>
+          <a:noFill/>
+          <a:extLst>
+            <a:ext uri="{909E8E84-426E-40DD-AFC4-6F175D3DCCD1}">
+              <a14:hiddenFill xmlns:a14="http://schemas.microsoft.com/office/drawing/2010/main">
+                <a:solidFill>
+                  <a:srgbClr val="FFFFFF"/>
+                </a:solidFill>
+              </a14:hiddenFill>
+            </a:ext>
+          </a:extLst>
+        </p:spPr>
+      </p:pic>
     </p:spTree>
     <p:extLst>
       <p:ext uri="{BB962C8B-B14F-4D97-AF65-F5344CB8AC3E}">
@@ -8347,6 +7111,13 @@
   <p:clrMapOvr>
     <a:masterClrMapping/>
   </p:clrMapOvr>
+  <p:timing>
+    <p:tnLst>
+      <p:par>
+        <p:cTn id="1" dur="indefinite" restart="never" nodeType="tmRoot"/>
+      </p:par>
+    </p:tnLst>
+  </p:timing>
 </p:sld>
 </file>
 
@@ -8390,340 +7161,60 @@
           </a:p>
         </p:txBody>
       </p:sp>
-      <p:graphicFrame>
-        <p:nvGraphicFramePr>
-          <p:cNvPr id="4" name="Tabelle 3"/>
-          <p:cNvGraphicFramePr>
-            <a:graphicFrameLocks noGrp="1"/>
-          </p:cNvGraphicFramePr>
-          <p:nvPr>
-            <p:extLst>
-              <p:ext uri="{D42A27DB-BD31-4B8C-83A1-F6EECF244321}">
-                <p14:modId xmlns:p14="http://schemas.microsoft.com/office/powerpoint/2010/main" val="2408681139"/>
-              </p:ext>
-            </p:extLst>
-          </p:nvPr>
-        </p:nvGraphicFramePr>
-        <p:xfrm>
-          <a:off x="468001" y="2381143"/>
-          <a:ext cx="8100000" cy="2609216"/>
-        </p:xfrm>
-        <a:graphic>
-          <a:graphicData uri="http://schemas.openxmlformats.org/drawingml/2006/table">
-            <a:tbl>
-              <a:tblPr firstRow="1" firstCol="1" bandRow="1">
-                <a:tableStyleId>{0E3FDE45-AF77-4B5C-9715-49D594BDF05E}</a:tableStyleId>
-              </a:tblPr>
-              <a:tblGrid>
-                <a:gridCol w="4048990"/>
-                <a:gridCol w="4051010"/>
-              </a:tblGrid>
-              <a:tr h="204670">
-                <a:tc gridSpan="2">
-                  <a:txBody>
-                    <a:bodyPr/>
-                    <a:lstStyle/>
-                    <a:p>
-                      <a:pPr>
-                        <a:lnSpc>
-                          <a:spcPct val="107000"/>
-                        </a:lnSpc>
-                        <a:spcAft>
-                          <a:spcPts val="0"/>
-                        </a:spcAft>
-                      </a:pPr>
-                      <a:r>
-                        <a:rPr lang="de-CH" sz="1600" dirty="0">
-                          <a:effectLst/>
-                        </a:rPr>
-                        <a:t>Class Name: Termin</a:t>
-                      </a:r>
-                      <a:endParaRPr lang="de-CH" sz="1600" dirty="0">
-                        <a:effectLst/>
-                        <a:latin typeface="Calibri" panose="020F0502020204030204" pitchFamily="34" charset="0"/>
-                        <a:ea typeface="Calibri" panose="020F0502020204030204" pitchFamily="34" charset="0"/>
-                        <a:cs typeface="Times New Roman" panose="02020603050405020304" pitchFamily="18" charset="0"/>
-                      </a:endParaRPr>
-                    </a:p>
-                  </a:txBody>
-                  <a:tcPr marL="82540" marR="82540" marT="0" marB="0"/>
-                </a:tc>
-                <a:tc hMerge="1">
-                  <a:txBody>
-                    <a:bodyPr/>
-                    <a:lstStyle/>
-                    <a:p>
-                      <a:endParaRPr lang="de-CH"/>
-                    </a:p>
-                  </a:txBody>
-                  <a:tcPr/>
-                </a:tc>
-              </a:tr>
-              <a:tr h="204670">
-                <a:tc gridSpan="2">
-                  <a:txBody>
-                    <a:bodyPr/>
-                    <a:lstStyle/>
-                    <a:p>
-                      <a:pPr>
-                        <a:lnSpc>
-                          <a:spcPct val="107000"/>
-                        </a:lnSpc>
-                        <a:spcAft>
-                          <a:spcPts val="0"/>
-                        </a:spcAft>
-                      </a:pPr>
-                      <a:r>
-                        <a:rPr lang="de-CH" sz="1600">
-                          <a:effectLst/>
-                        </a:rPr>
-                        <a:t>Purpose: Kapselt die Eigenschaften und Funktionen eines Termines</a:t>
-                      </a:r>
-                      <a:endParaRPr lang="de-CH" sz="1600">
-                        <a:effectLst/>
-                        <a:latin typeface="Calibri" panose="020F0502020204030204" pitchFamily="34" charset="0"/>
-                        <a:ea typeface="Calibri" panose="020F0502020204030204" pitchFamily="34" charset="0"/>
-                        <a:cs typeface="Times New Roman" panose="02020603050405020304" pitchFamily="18" charset="0"/>
-                      </a:endParaRPr>
-                    </a:p>
-                  </a:txBody>
-                  <a:tcPr marL="82540" marR="82540" marT="0" marB="0"/>
-                </a:tc>
-                <a:tc hMerge="1">
-                  <a:txBody>
-                    <a:bodyPr/>
-                    <a:lstStyle/>
-                    <a:p>
-                      <a:endParaRPr lang="de-CH"/>
-                    </a:p>
-                  </a:txBody>
-                  <a:tcPr/>
-                </a:tc>
-              </a:tr>
-              <a:tr h="1931904">
-                <a:tc>
-                  <a:txBody>
-                    <a:bodyPr/>
-                    <a:lstStyle/>
-                    <a:p>
-                      <a:pPr>
-                        <a:lnSpc>
-                          <a:spcPct val="107000"/>
-                        </a:lnSpc>
-                        <a:spcAft>
-                          <a:spcPts val="0"/>
-                        </a:spcAft>
-                      </a:pPr>
-                      <a:r>
-                        <a:rPr lang="de-CH" sz="1600" dirty="0" err="1">
-                          <a:effectLst/>
-                        </a:rPr>
-                        <a:t>Responsibilities</a:t>
-                      </a:r>
-                      <a:r>
-                        <a:rPr lang="de-CH" sz="1600" dirty="0">
-                          <a:effectLst/>
-                        </a:rPr>
-                        <a:t>:</a:t>
-                      </a:r>
-                    </a:p>
-                    <a:p>
-                      <a:pPr marL="342900" lvl="0" indent="-342900">
-                        <a:lnSpc>
-                          <a:spcPct val="107000"/>
-                        </a:lnSpc>
-                        <a:spcAft>
-                          <a:spcPts val="0"/>
-                        </a:spcAft>
-                        <a:buFont typeface="Symbol" panose="05050102010706020507" pitchFamily="18" charset="2"/>
-                        <a:buChar char=""/>
-                      </a:pPr>
-                      <a:r>
-                        <a:rPr lang="de-CH" sz="1600" dirty="0">
-                          <a:effectLst/>
-                        </a:rPr>
-                        <a:t>Kennt sein vereinbarter Zeitpunkt</a:t>
-                      </a:r>
-                    </a:p>
-                    <a:p>
-                      <a:pPr marL="342900" lvl="0" indent="-342900">
-                        <a:lnSpc>
-                          <a:spcPct val="107000"/>
-                        </a:lnSpc>
-                        <a:spcAft>
-                          <a:spcPts val="0"/>
-                        </a:spcAft>
-                        <a:buFont typeface="Symbol" panose="05050102010706020507" pitchFamily="18" charset="2"/>
-                        <a:buChar char=""/>
-                      </a:pPr>
-                      <a:r>
-                        <a:rPr lang="de-CH" sz="1600" dirty="0">
-                          <a:effectLst/>
-                        </a:rPr>
-                        <a:t>Kennt sein </a:t>
-                      </a:r>
-                      <a:r>
-                        <a:rPr lang="de-CH" sz="1600" dirty="0" err="1">
-                          <a:effectLst/>
-                        </a:rPr>
-                        <a:t>vereinbarungs</a:t>
-                      </a:r>
-                      <a:r>
-                        <a:rPr lang="de-CH" sz="1600" dirty="0">
-                          <a:effectLst/>
-                        </a:rPr>
-                        <a:t> Grund</a:t>
-                      </a:r>
-                    </a:p>
-                    <a:p>
-                      <a:pPr marL="342900" lvl="0" indent="-342900">
-                        <a:lnSpc>
-                          <a:spcPct val="107000"/>
-                        </a:lnSpc>
-                        <a:spcAft>
-                          <a:spcPts val="0"/>
-                        </a:spcAft>
-                        <a:buFont typeface="Symbol" panose="05050102010706020507" pitchFamily="18" charset="2"/>
-                        <a:buChar char=""/>
-                      </a:pPr>
-                      <a:r>
-                        <a:rPr lang="de-CH" sz="1600" dirty="0">
-                          <a:effectLst/>
-                        </a:rPr>
-                        <a:t>Kann Zeitpunkt mit aktueller Zeit abgleichen</a:t>
-                      </a:r>
-                    </a:p>
-                    <a:p>
-                      <a:pPr marL="342900" lvl="0" indent="-342900">
-                        <a:lnSpc>
-                          <a:spcPct val="107000"/>
-                        </a:lnSpc>
-                        <a:spcAft>
-                          <a:spcPts val="0"/>
-                        </a:spcAft>
-                        <a:buFont typeface="Symbol" panose="05050102010706020507" pitchFamily="18" charset="2"/>
-                        <a:buChar char=""/>
-                      </a:pPr>
-                      <a:r>
-                        <a:rPr lang="de-CH" sz="1600" dirty="0">
-                          <a:effectLst/>
-                        </a:rPr>
-                        <a:t>Kann </a:t>
-                      </a:r>
-                      <a:r>
-                        <a:rPr lang="de-CH" sz="1600" dirty="0" err="1">
-                          <a:effectLst/>
-                        </a:rPr>
-                        <a:t>Alerts</a:t>
-                      </a:r>
-                      <a:r>
-                        <a:rPr lang="de-CH" sz="1600" dirty="0">
-                          <a:effectLst/>
-                        </a:rPr>
-                        <a:t> generieren</a:t>
-                      </a:r>
-                    </a:p>
-                    <a:p>
-                      <a:pPr marL="457200">
-                        <a:lnSpc>
-                          <a:spcPct val="107000"/>
-                        </a:lnSpc>
-                        <a:spcAft>
-                          <a:spcPts val="0"/>
-                        </a:spcAft>
-                      </a:pPr>
-                      <a:r>
-                        <a:rPr lang="de-CH" sz="1600" dirty="0">
-                          <a:effectLst/>
-                        </a:rPr>
-                        <a:t> </a:t>
-                      </a:r>
-                      <a:endParaRPr lang="de-CH" sz="1600" dirty="0">
-                        <a:effectLst/>
-                        <a:latin typeface="Calibri" panose="020F0502020204030204" pitchFamily="34" charset="0"/>
-                        <a:ea typeface="Calibri" panose="020F0502020204030204" pitchFamily="34" charset="0"/>
-                        <a:cs typeface="Times New Roman" panose="02020603050405020304" pitchFamily="18" charset="0"/>
-                      </a:endParaRPr>
-                    </a:p>
-                  </a:txBody>
-                  <a:tcPr marL="82540" marR="82540" marT="0" marB="0"/>
-                </a:tc>
-                <a:tc>
-                  <a:txBody>
-                    <a:bodyPr/>
-                    <a:lstStyle/>
-                    <a:p>
-                      <a:pPr>
-                        <a:lnSpc>
-                          <a:spcPct val="107000"/>
-                        </a:lnSpc>
-                        <a:spcAft>
-                          <a:spcPts val="0"/>
-                        </a:spcAft>
-                      </a:pPr>
-                      <a:r>
-                        <a:rPr lang="de-CH" sz="1600" dirty="0" err="1">
-                          <a:effectLst/>
-                        </a:rPr>
-                        <a:t>Collaborators</a:t>
-                      </a:r>
-                      <a:r>
-                        <a:rPr lang="de-CH" sz="1600" dirty="0">
-                          <a:effectLst/>
-                        </a:rPr>
-                        <a:t>:</a:t>
-                      </a:r>
-                    </a:p>
-                    <a:p>
-                      <a:pPr marL="342900" lvl="0" indent="-342900">
-                        <a:lnSpc>
-                          <a:spcPct val="107000"/>
-                        </a:lnSpc>
-                        <a:spcAft>
-                          <a:spcPts val="0"/>
-                        </a:spcAft>
-                        <a:buFont typeface="Symbol" panose="05050102010706020507" pitchFamily="18" charset="2"/>
-                        <a:buChar char=""/>
-                      </a:pPr>
-                      <a:r>
-                        <a:rPr lang="de-CH" sz="1600" dirty="0">
-                          <a:effectLst/>
-                        </a:rPr>
-                        <a:t>Kann mit dem Kalender verknüpft werden</a:t>
-                      </a:r>
-                    </a:p>
-                    <a:p>
-                      <a:pPr marL="342900" lvl="0" indent="-342900">
-                        <a:lnSpc>
-                          <a:spcPct val="107000"/>
-                        </a:lnSpc>
-                        <a:spcAft>
-                          <a:spcPts val="0"/>
-                        </a:spcAft>
-                        <a:buFont typeface="Symbol" panose="05050102010706020507" pitchFamily="18" charset="2"/>
-                        <a:buChar char=""/>
-                      </a:pPr>
-                      <a:r>
-                        <a:rPr lang="de-CH" sz="1600" dirty="0">
-                          <a:effectLst/>
-                        </a:rPr>
-                        <a:t>Kann mit einem Arzt verknüpft werden</a:t>
-                      </a:r>
-                      <a:endParaRPr lang="de-CH" sz="1600" dirty="0">
-                        <a:effectLst/>
-                        <a:latin typeface="Calibri" panose="020F0502020204030204" pitchFamily="34" charset="0"/>
-                        <a:ea typeface="Calibri" panose="020F0502020204030204" pitchFamily="34" charset="0"/>
-                        <a:cs typeface="Times New Roman" panose="02020603050405020304" pitchFamily="18" charset="0"/>
-                      </a:endParaRPr>
-                    </a:p>
-                  </a:txBody>
-                  <a:tcPr marL="82540" marR="82540" marT="0" marB="0"/>
-                </a:tc>
-              </a:tr>
-            </a:tbl>
-          </a:graphicData>
-        </a:graphic>
-      </p:graphicFrame>
+      <p:pic>
+        <p:nvPicPr>
+          <p:cNvPr id="2051" name="Picture 3"/>
+          <p:cNvPicPr>
+            <a:picLocks noChangeAspect="1" noChangeArrowheads="1"/>
+          </p:cNvPicPr>
+          <p:nvPr/>
+        </p:nvPicPr>
+        <p:blipFill>
+          <a:blip r:embed="rId2">
+            <a:extLst>
+              <a:ext uri="{28A0092B-C50C-407E-A947-70E740481C1C}">
+                <a14:useLocalDpi xmlns:a14="http://schemas.microsoft.com/office/drawing/2010/main" val="0"/>
+              </a:ext>
+            </a:extLst>
+          </a:blip>
+          <a:srcRect/>
+          <a:stretch>
+            <a:fillRect/>
+          </a:stretch>
+        </p:blipFill>
+        <p:spPr bwMode="auto">
+          <a:xfrm>
+            <a:off x="130175" y="2045015"/>
+            <a:ext cx="8883650" cy="2546350"/>
+          </a:xfrm>
+          <a:prstGeom prst="rect">
+            <a:avLst/>
+          </a:prstGeom>
+          <a:noFill/>
+          <a:ln>
+            <a:noFill/>
+          </a:ln>
+          <a:extLst>
+            <a:ext uri="{909E8E84-426E-40DD-AFC4-6F175D3DCCD1}">
+              <a14:hiddenFill xmlns:a14="http://schemas.microsoft.com/office/drawing/2010/main">
+                <a:solidFill>
+                  <a:schemeClr val="accent1"/>
+                </a:solidFill>
+              </a14:hiddenFill>
+            </a:ext>
+            <a:ext uri="{91240B29-F687-4F45-9708-019B960494DF}">
+              <a14:hiddenLine xmlns:a14="http://schemas.microsoft.com/office/drawing/2010/main" w="9525">
+                <a:solidFill>
+                  <a:schemeClr val="tx1"/>
+                </a:solidFill>
+                <a:miter lim="800000"/>
+                <a:headEnd/>
+                <a:tailEnd/>
+              </a14:hiddenLine>
+            </a:ext>
+          </a:extLst>
+        </p:spPr>
+      </p:pic>
     </p:spTree>
     <p:extLst>
       <p:ext uri="{BB962C8B-B14F-4D97-AF65-F5344CB8AC3E}">
@@ -8734,6 +7225,13 @@
   <p:clrMapOvr>
     <a:masterClrMapping/>
   </p:clrMapOvr>
+  <p:timing>
+    <p:tnLst>
+      <p:par>
+        <p:cTn id="1" dur="indefinite" restart="never" nodeType="tmRoot"/>
+      </p:par>
+    </p:tnLst>
+  </p:timing>
 </p:sld>
 </file>
 
@@ -8754,1294 +7252,78 @@
           <a:chExt cx="0" cy="0"/>
         </a:xfrm>
       </p:grpSpPr>
-      <p:cxnSp>
-        <p:nvCxnSpPr>
-          <p:cNvPr id="54" name="Gerade Verbindung 50"/>
-          <p:cNvCxnSpPr/>
-          <p:nvPr/>
-        </p:nvCxnSpPr>
-        <p:spPr>
-          <a:xfrm>
-            <a:off x="1493632" y="1518583"/>
-            <a:ext cx="11585" cy="5664375"/>
-          </a:xfrm>
-          <a:prstGeom prst="line">
-            <a:avLst/>
-          </a:prstGeom>
-          <a:ln>
-            <a:prstDash val="dash"/>
-          </a:ln>
-        </p:spPr>
-        <p:style>
-          <a:lnRef idx="1">
-            <a:schemeClr val="accent1"/>
-          </a:lnRef>
-          <a:fillRef idx="0">
-            <a:schemeClr val="accent1"/>
-          </a:fillRef>
-          <a:effectRef idx="0">
-            <a:schemeClr val="accent1"/>
-          </a:effectRef>
-          <a:fontRef idx="minor">
-            <a:schemeClr val="tx1"/>
-          </a:fontRef>
-        </p:style>
-      </p:cxnSp>
-      <p:sp>
-        <p:nvSpPr>
-          <p:cNvPr id="14" name="Rechteck 13"/>
-          <p:cNvSpPr/>
-          <p:nvPr/>
-        </p:nvSpPr>
-        <p:spPr>
-          <a:xfrm>
-            <a:off x="1434581" y="2011969"/>
-            <a:ext cx="158784" cy="4461983"/>
-          </a:xfrm>
-          <a:prstGeom prst="rect">
-            <a:avLst/>
-          </a:prstGeom>
-        </p:spPr>
-        <p:style>
-          <a:lnRef idx="2">
-            <a:schemeClr val="accent1">
-              <a:shade val="50000"/>
-            </a:schemeClr>
-          </a:lnRef>
-          <a:fillRef idx="1">
-            <a:schemeClr val="accent1"/>
-          </a:fillRef>
-          <a:effectRef idx="0">
-            <a:schemeClr val="accent1"/>
-          </a:effectRef>
-          <a:fontRef idx="minor">
-            <a:schemeClr val="lt1"/>
-          </a:fontRef>
-        </p:style>
-        <p:txBody>
-          <a:bodyPr rtlCol="0" anchor="ctr"/>
+      <p:sp>
+        <p:nvSpPr>
+          <p:cNvPr id="2" name="Titel 1"/>
+          <p:cNvSpPr>
+            <a:spLocks noGrp="1"/>
+          </p:cNvSpPr>
+          <p:nvPr>
+            <p:ph type="ctrTitle"/>
+          </p:nvPr>
+        </p:nvSpPr>
+        <p:spPr/>
+        <p:txBody>
+          <a:bodyPr/>
           <a:lstStyle/>
           <a:p>
-            <a:pPr algn="ctr"/>
-            <a:endParaRPr lang="de-CH"/>
-          </a:p>
-        </p:txBody>
-      </p:sp>
-      <p:sp>
-        <p:nvSpPr>
-          <p:cNvPr id="18" name="Rechteck 17"/>
-          <p:cNvSpPr/>
-          <p:nvPr/>
-        </p:nvSpPr>
-        <p:spPr>
-          <a:xfrm>
-            <a:off x="4162500" y="957634"/>
-            <a:ext cx="1982267" cy="488519"/>
-          </a:xfrm>
-          <a:prstGeom prst="rect">
-            <a:avLst/>
-          </a:prstGeom>
-        </p:spPr>
-        <p:style>
-          <a:lnRef idx="2">
-            <a:schemeClr val="accent1">
-              <a:shade val="50000"/>
-            </a:schemeClr>
-          </a:lnRef>
-          <a:fillRef idx="1">
-            <a:schemeClr val="accent1"/>
-          </a:fillRef>
-          <a:effectRef idx="0">
-            <a:schemeClr val="accent1"/>
-          </a:effectRef>
-          <a:fontRef idx="minor">
-            <a:schemeClr val="lt1"/>
-          </a:fontRef>
-        </p:style>
-        <p:txBody>
-          <a:bodyPr rtlCol="0" anchor="ctr"/>
-          <a:lstStyle/>
-          <a:p>
-            <a:pPr algn="ctr"/>
-            <a:r>
-              <a:rPr lang="de-CH" dirty="0"/>
-              <a:t>T</a:t>
-            </a:r>
             <a:r>
               <a:rPr lang="de-CH" dirty="0" smtClean="0"/>
-              <a:t>: Termine</a:t>
+              <a:t>Erstellen eines neuen </a:t>
+            </a:r>
+            <a:r>
+              <a:rPr lang="de-CH" dirty="0" err="1" smtClean="0"/>
+              <a:t>Termines</a:t>
             </a:r>
             <a:endParaRPr lang="de-CH" dirty="0"/>
           </a:p>
         </p:txBody>
       </p:sp>
-      <p:cxnSp>
-        <p:nvCxnSpPr>
-          <p:cNvPr id="19" name="Gerade Verbindung 18"/>
-          <p:cNvCxnSpPr/>
-          <p:nvPr/>
-        </p:nvCxnSpPr>
-        <p:spPr>
-          <a:xfrm flipH="1">
-            <a:off x="4969407" y="1481737"/>
-            <a:ext cx="13804" cy="5626843"/>
-          </a:xfrm>
-          <a:prstGeom prst="line">
-            <a:avLst/>
-          </a:prstGeom>
-          <a:ln>
-            <a:prstDash val="dash"/>
-          </a:ln>
-        </p:spPr>
-        <p:style>
-          <a:lnRef idx="1">
-            <a:schemeClr val="accent1"/>
-          </a:lnRef>
-          <a:fillRef idx="0">
-            <a:schemeClr val="accent1"/>
-          </a:fillRef>
-          <a:effectRef idx="0">
-            <a:schemeClr val="accent1"/>
-          </a:effectRef>
-          <a:fontRef idx="minor">
-            <a:schemeClr val="tx1"/>
-          </a:fontRef>
-        </p:style>
-      </p:cxnSp>
-      <p:sp>
-        <p:nvSpPr>
-          <p:cNvPr id="20" name="Rechteck 19"/>
-          <p:cNvSpPr/>
-          <p:nvPr/>
-        </p:nvSpPr>
-        <p:spPr>
-          <a:xfrm>
-            <a:off x="3029462" y="2132756"/>
-            <a:ext cx="97649" cy="3935992"/>
-          </a:xfrm>
-          <a:prstGeom prst="rect">
-            <a:avLst/>
-          </a:prstGeom>
-        </p:spPr>
-        <p:style>
-          <a:lnRef idx="2">
-            <a:schemeClr val="accent1">
-              <a:shade val="50000"/>
-            </a:schemeClr>
-          </a:lnRef>
-          <a:fillRef idx="1">
-            <a:schemeClr val="accent1"/>
-          </a:fillRef>
-          <a:effectRef idx="0">
-            <a:schemeClr val="accent1"/>
-          </a:effectRef>
-          <a:fontRef idx="minor">
-            <a:schemeClr val="lt1"/>
-          </a:fontRef>
-        </p:style>
-        <p:txBody>
-          <a:bodyPr rtlCol="0" anchor="ctr"/>
-          <a:lstStyle/>
-          <a:p>
-            <a:pPr algn="ctr"/>
-            <a:endParaRPr lang="de-CH"/>
-          </a:p>
-        </p:txBody>
-      </p:sp>
-      <p:cxnSp>
-        <p:nvCxnSpPr>
-          <p:cNvPr id="39" name="Gerade Verbindung mit Pfeil 38"/>
-          <p:cNvCxnSpPr/>
-          <p:nvPr/>
-        </p:nvCxnSpPr>
-        <p:spPr>
-          <a:xfrm>
-            <a:off x="1578597" y="2170805"/>
-            <a:ext cx="1450865" cy="0"/>
-          </a:xfrm>
-          <a:prstGeom prst="straightConnector1">
-            <a:avLst/>
-          </a:prstGeom>
-          <a:ln>
-            <a:tailEnd type="arrow"/>
-          </a:ln>
-        </p:spPr>
-        <p:style>
-          <a:lnRef idx="1">
-            <a:schemeClr val="accent1"/>
-          </a:lnRef>
-          <a:fillRef idx="0">
-            <a:schemeClr val="accent1"/>
-          </a:fillRef>
-          <a:effectRef idx="0">
-            <a:schemeClr val="accent1"/>
-          </a:effectRef>
-          <a:fontRef idx="minor">
-            <a:schemeClr val="tx1"/>
-          </a:fontRef>
-        </p:style>
-      </p:cxnSp>
-      <p:sp>
-        <p:nvSpPr>
-          <p:cNvPr id="42" name="Textfeld 41"/>
-          <p:cNvSpPr txBox="1"/>
-          <p:nvPr/>
-        </p:nvSpPr>
-        <p:spPr>
-          <a:xfrm>
-            <a:off x="1671672" y="1846845"/>
-            <a:ext cx="1314402" cy="276999"/>
-          </a:xfrm>
-          <a:prstGeom prst="rect">
-            <a:avLst/>
-          </a:prstGeom>
-          <a:noFill/>
-        </p:spPr>
-        <p:txBody>
-          <a:bodyPr wrap="square" rtlCol="0">
-            <a:spAutoFit/>
-          </a:bodyPr>
-          <a:lstStyle/>
-          <a:p>
-            <a:r>
-              <a:rPr lang="de-CH" sz="1200" dirty="0"/>
-              <a:t>New Meeting</a:t>
-            </a:r>
-          </a:p>
-        </p:txBody>
-      </p:sp>
-      <p:sp>
-        <p:nvSpPr>
-          <p:cNvPr id="45" name="Textfeld 44"/>
-          <p:cNvSpPr txBox="1"/>
-          <p:nvPr/>
-        </p:nvSpPr>
-        <p:spPr>
-          <a:xfrm>
-            <a:off x="6656011" y="3619638"/>
-            <a:ext cx="1394922" cy="276999"/>
-          </a:xfrm>
-          <a:prstGeom prst="rect">
-            <a:avLst/>
-          </a:prstGeom>
-          <a:noFill/>
-        </p:spPr>
-        <p:txBody>
-          <a:bodyPr wrap="square" rtlCol="0">
-            <a:spAutoFit/>
-          </a:bodyPr>
-          <a:lstStyle/>
-          <a:p>
-            <a:r>
-              <a:rPr lang="de-CH" sz="1200" dirty="0"/>
-              <a:t>[</a:t>
-            </a:r>
-            <a:r>
-              <a:rPr lang="de-CH" sz="1200" dirty="0" err="1" smtClean="0"/>
-              <a:t>verification</a:t>
-            </a:r>
-            <a:r>
-              <a:rPr lang="de-CH" sz="1200" dirty="0" smtClean="0"/>
-              <a:t> OK] </a:t>
-            </a:r>
-            <a:endParaRPr lang="de-CH" sz="1200" dirty="0"/>
-          </a:p>
-        </p:txBody>
-      </p:sp>
-      <p:sp>
-        <p:nvSpPr>
-          <p:cNvPr id="73" name="Textfeld 72"/>
-          <p:cNvSpPr txBox="1"/>
-          <p:nvPr/>
-        </p:nvSpPr>
-        <p:spPr>
-          <a:xfrm>
-            <a:off x="7639574" y="7191024"/>
-            <a:ext cx="1584176" cy="276999"/>
-          </a:xfrm>
-          <a:prstGeom prst="rect">
-            <a:avLst/>
-          </a:prstGeom>
-          <a:noFill/>
-        </p:spPr>
-        <p:txBody>
-          <a:bodyPr wrap="square" rtlCol="0">
-            <a:spAutoFit/>
-          </a:bodyPr>
-          <a:lstStyle/>
-          <a:p>
-            <a:r>
-              <a:rPr lang="de-CH" sz="1200" dirty="0" smtClean="0"/>
-              <a:t>Information update</a:t>
-            </a:r>
-          </a:p>
-        </p:txBody>
-      </p:sp>
-      <p:sp>
-        <p:nvSpPr>
-          <p:cNvPr id="47" name="Rechteck 46"/>
-          <p:cNvSpPr/>
-          <p:nvPr/>
-        </p:nvSpPr>
-        <p:spPr>
-          <a:xfrm>
-            <a:off x="1971463" y="977681"/>
-            <a:ext cx="1930480" cy="447239"/>
-          </a:xfrm>
-          <a:prstGeom prst="rect">
-            <a:avLst/>
-          </a:prstGeom>
-        </p:spPr>
-        <p:style>
-          <a:lnRef idx="2">
-            <a:schemeClr val="accent1">
-              <a:shade val="50000"/>
-            </a:schemeClr>
-          </a:lnRef>
-          <a:fillRef idx="1">
-            <a:schemeClr val="accent1"/>
-          </a:fillRef>
-          <a:effectRef idx="0">
-            <a:schemeClr val="accent1"/>
-          </a:effectRef>
-          <a:fontRef idx="minor">
-            <a:schemeClr val="lt1"/>
-          </a:fontRef>
-        </p:style>
-        <p:txBody>
-          <a:bodyPr rtlCol="0" anchor="ctr"/>
-          <a:lstStyle/>
-          <a:p>
-            <a:pPr algn="ctr"/>
-            <a:r>
-              <a:rPr lang="de-CH" dirty="0"/>
-              <a:t>K</a:t>
-            </a:r>
-            <a:r>
-              <a:rPr lang="de-CH" dirty="0" smtClean="0"/>
-              <a:t>: Kalender</a:t>
-            </a:r>
-            <a:endParaRPr lang="de-CH" dirty="0"/>
-          </a:p>
-        </p:txBody>
-      </p:sp>
-      <p:cxnSp>
-        <p:nvCxnSpPr>
-          <p:cNvPr id="48" name="Gerade Verbindung mit Pfeil 47"/>
-          <p:cNvCxnSpPr/>
-          <p:nvPr/>
-        </p:nvCxnSpPr>
-        <p:spPr>
-          <a:xfrm>
-            <a:off x="3109854" y="2372010"/>
-            <a:ext cx="1769548" cy="0"/>
-          </a:xfrm>
-          <a:prstGeom prst="straightConnector1">
-            <a:avLst/>
-          </a:prstGeom>
-          <a:ln>
-            <a:tailEnd type="arrow"/>
-          </a:ln>
-        </p:spPr>
-        <p:style>
-          <a:lnRef idx="1">
-            <a:schemeClr val="accent1"/>
-          </a:lnRef>
-          <a:fillRef idx="0">
-            <a:schemeClr val="accent1"/>
-          </a:fillRef>
-          <a:effectRef idx="0">
-            <a:schemeClr val="accent1"/>
-          </a:effectRef>
-          <a:fontRef idx="minor">
-            <a:schemeClr val="tx1"/>
-          </a:fontRef>
-        </p:style>
-      </p:cxnSp>
-      <p:cxnSp>
-        <p:nvCxnSpPr>
-          <p:cNvPr id="51" name="Gerade Verbindung 50"/>
-          <p:cNvCxnSpPr/>
-          <p:nvPr/>
-        </p:nvCxnSpPr>
-        <p:spPr>
-          <a:xfrm>
-            <a:off x="3080631" y="1496388"/>
-            <a:ext cx="11585" cy="5664375"/>
-          </a:xfrm>
-          <a:prstGeom prst="line">
-            <a:avLst/>
-          </a:prstGeom>
-          <a:ln>
-            <a:prstDash val="dash"/>
-          </a:ln>
-        </p:spPr>
-        <p:style>
-          <a:lnRef idx="1">
-            <a:schemeClr val="accent1"/>
-          </a:lnRef>
-          <a:fillRef idx="0">
-            <a:schemeClr val="accent1"/>
-          </a:fillRef>
-          <a:effectRef idx="0">
-            <a:schemeClr val="accent1"/>
-          </a:effectRef>
-          <a:fontRef idx="minor">
-            <a:schemeClr val="tx1"/>
-          </a:fontRef>
-        </p:style>
-      </p:cxnSp>
-      <p:sp>
-        <p:nvSpPr>
-          <p:cNvPr id="64" name="Rechteck 63"/>
-          <p:cNvSpPr/>
-          <p:nvPr/>
-        </p:nvSpPr>
-        <p:spPr>
-          <a:xfrm>
-            <a:off x="4879401" y="2364129"/>
-            <a:ext cx="182117" cy="3540563"/>
-          </a:xfrm>
-          <a:prstGeom prst="rect">
-            <a:avLst/>
-          </a:prstGeom>
-        </p:spPr>
-        <p:style>
-          <a:lnRef idx="2">
-            <a:schemeClr val="accent1">
-              <a:shade val="50000"/>
-            </a:schemeClr>
-          </a:lnRef>
-          <a:fillRef idx="1">
-            <a:schemeClr val="accent1"/>
-          </a:fillRef>
-          <a:effectRef idx="0">
-            <a:schemeClr val="accent1"/>
-          </a:effectRef>
-          <a:fontRef idx="minor">
-            <a:schemeClr val="lt1"/>
-          </a:fontRef>
-        </p:style>
-        <p:txBody>
-          <a:bodyPr rtlCol="0" anchor="ctr"/>
-          <a:lstStyle/>
-          <a:p>
-            <a:pPr algn="ctr"/>
-            <a:endParaRPr lang="de-CH"/>
-          </a:p>
-        </p:txBody>
-      </p:sp>
-      <p:cxnSp>
-        <p:nvCxnSpPr>
-          <p:cNvPr id="69" name="Gerade Verbindung mit Pfeil 68"/>
-          <p:cNvCxnSpPr/>
-          <p:nvPr/>
-        </p:nvCxnSpPr>
-        <p:spPr>
-          <a:xfrm flipH="1">
-            <a:off x="3127111" y="3791697"/>
-            <a:ext cx="1802034" cy="1"/>
-          </a:xfrm>
-          <a:prstGeom prst="straightConnector1">
-            <a:avLst/>
-          </a:prstGeom>
-          <a:ln>
-            <a:prstDash val="dash"/>
-            <a:tailEnd type="arrow"/>
-          </a:ln>
-        </p:spPr>
-        <p:style>
-          <a:lnRef idx="1">
-            <a:schemeClr val="accent1"/>
-          </a:lnRef>
-          <a:fillRef idx="0">
-            <a:schemeClr val="accent1"/>
-          </a:fillRef>
-          <a:effectRef idx="0">
-            <a:schemeClr val="accent1"/>
-          </a:effectRef>
-          <a:fontRef idx="minor">
-            <a:schemeClr val="tx1"/>
-          </a:fontRef>
-        </p:style>
-      </p:cxnSp>
-      <p:cxnSp>
-        <p:nvCxnSpPr>
-          <p:cNvPr id="72" name="Gerade Verbindung mit Pfeil 71"/>
-          <p:cNvCxnSpPr/>
-          <p:nvPr/>
-        </p:nvCxnSpPr>
-        <p:spPr>
-          <a:xfrm>
-            <a:off x="3154971" y="4251733"/>
-            <a:ext cx="1724430" cy="0"/>
-          </a:xfrm>
-          <a:prstGeom prst="straightConnector1">
-            <a:avLst/>
-          </a:prstGeom>
-          <a:ln>
-            <a:tailEnd type="arrow"/>
-          </a:ln>
-        </p:spPr>
-        <p:style>
-          <a:lnRef idx="1">
-            <a:schemeClr val="accent1"/>
-          </a:lnRef>
-          <a:fillRef idx="0">
-            <a:schemeClr val="accent1"/>
-          </a:fillRef>
-          <a:effectRef idx="0">
-            <a:schemeClr val="accent1"/>
-          </a:effectRef>
-          <a:fontRef idx="minor">
-            <a:schemeClr val="tx1"/>
-          </a:fontRef>
-        </p:style>
-      </p:cxnSp>
       <p:pic>
         <p:nvPicPr>
-          <p:cNvPr id="5" name="Grafik 4"/>
+          <p:cNvPr id="3074" name="Picture 2" descr="C:\Users\Maurice\Desktop\Bild3.png"/>
           <p:cNvPicPr>
-            <a:picLocks noChangeAspect="1"/>
+            <a:picLocks noChangeAspect="1" noChangeArrowheads="1"/>
           </p:cNvPicPr>
           <p:nvPr/>
         </p:nvPicPr>
-        <p:blipFill rotWithShape="1">
-          <a:blip r:embed="rId2" cstate="print">
+        <p:blipFill>
+          <a:blip r:embed="rId2">
             <a:extLst>
               <a:ext uri="{28A0092B-C50C-407E-A947-70E740481C1C}">
                 <a14:useLocalDpi xmlns:a14="http://schemas.microsoft.com/office/drawing/2010/main" val="0"/>
               </a:ext>
             </a:extLst>
           </a:blip>
-          <a:srcRect l="20269" r="30512" b="16217"/>
-          <a:stretch/>
+          <a:srcRect/>
+          <a:stretch>
+            <a:fillRect/>
+          </a:stretch>
         </p:blipFill>
-        <p:spPr>
+        <p:spPr bwMode="auto">
           <a:xfrm>
-            <a:off x="1323701" y="961293"/>
-            <a:ext cx="336864" cy="557291"/>
-          </a:xfrm>
-          <a:prstGeom prst="rect">
-            <a:avLst/>
-          </a:prstGeom>
-        </p:spPr>
-      </p:pic>
-      <p:sp>
-        <p:nvSpPr>
-          <p:cNvPr id="6" name="Textfeld 5"/>
-          <p:cNvSpPr txBox="1"/>
-          <p:nvPr/>
-        </p:nvSpPr>
-        <p:spPr>
-          <a:xfrm>
-            <a:off x="965808" y="632378"/>
-            <a:ext cx="1255113" cy="461665"/>
+            <a:off x="1634836" y="737028"/>
+            <a:ext cx="5749638" cy="5385999"/>
           </a:xfrm>
           <a:prstGeom prst="rect">
             <a:avLst/>
           </a:prstGeom>
           <a:noFill/>
+          <a:extLst>
+            <a:ext uri="{909E8E84-426E-40DD-AFC4-6F175D3DCCD1}">
+              <a14:hiddenFill xmlns:a14="http://schemas.microsoft.com/office/drawing/2010/main">
+                <a:solidFill>
+                  <a:srgbClr val="FFFFFF"/>
+                </a:solidFill>
+              </a14:hiddenFill>
+            </a:ext>
+          </a:extLst>
         </p:spPr>
-        <p:txBody>
-          <a:bodyPr wrap="square" rtlCol="0">
-            <a:spAutoFit/>
-          </a:bodyPr>
-          <a:lstStyle/>
-          <a:p>
-            <a:r>
-              <a:rPr lang="de-CH" dirty="0" smtClean="0"/>
-              <a:t>Patient</a:t>
-            </a:r>
-            <a:endParaRPr lang="de-CH" dirty="0"/>
-          </a:p>
-        </p:txBody>
-      </p:sp>
-      <p:cxnSp>
-        <p:nvCxnSpPr>
-          <p:cNvPr id="46" name="Gerade Verbindung mit Pfeil 45"/>
-          <p:cNvCxnSpPr/>
-          <p:nvPr/>
-        </p:nvCxnSpPr>
-        <p:spPr>
-          <a:xfrm flipH="1">
-            <a:off x="3127111" y="5904691"/>
-            <a:ext cx="1727153" cy="1"/>
-          </a:xfrm>
-          <a:prstGeom prst="straightConnector1">
-            <a:avLst/>
-          </a:prstGeom>
-          <a:ln>
-            <a:prstDash val="dash"/>
-            <a:tailEnd type="arrow"/>
-          </a:ln>
-        </p:spPr>
-        <p:style>
-          <a:lnRef idx="1">
-            <a:schemeClr val="accent1"/>
-          </a:lnRef>
-          <a:fillRef idx="0">
-            <a:schemeClr val="accent1"/>
-          </a:fillRef>
-          <a:effectRef idx="0">
-            <a:schemeClr val="accent1"/>
-          </a:effectRef>
-          <a:fontRef idx="minor">
-            <a:schemeClr val="tx1"/>
-          </a:fontRef>
-        </p:style>
-      </p:cxnSp>
-      <p:sp>
-        <p:nvSpPr>
-          <p:cNvPr id="49" name="Textfeld 48"/>
-          <p:cNvSpPr txBox="1"/>
-          <p:nvPr/>
-        </p:nvSpPr>
-        <p:spPr>
-          <a:xfrm>
-            <a:off x="6656011" y="5196856"/>
-            <a:ext cx="1394922" cy="276999"/>
-          </a:xfrm>
-          <a:prstGeom prst="rect">
-            <a:avLst/>
-          </a:prstGeom>
-          <a:noFill/>
-        </p:spPr>
-        <p:txBody>
-          <a:bodyPr wrap="square" rtlCol="0">
-            <a:spAutoFit/>
-          </a:bodyPr>
-          <a:lstStyle/>
-          <a:p>
-            <a:r>
-              <a:rPr lang="de-CH" sz="1200" dirty="0"/>
-              <a:t>[</a:t>
-            </a:r>
-            <a:r>
-              <a:rPr lang="de-CH" sz="1200" dirty="0" err="1" smtClean="0"/>
-              <a:t>verification</a:t>
-            </a:r>
-            <a:r>
-              <a:rPr lang="de-CH" sz="1200" dirty="0" smtClean="0"/>
-              <a:t> </a:t>
-            </a:r>
-            <a:r>
-              <a:rPr lang="de-CH" sz="1200" dirty="0" err="1" smtClean="0"/>
-              <a:t>fail</a:t>
-            </a:r>
-            <a:r>
-              <a:rPr lang="de-CH" sz="1200" dirty="0" smtClean="0"/>
-              <a:t>] </a:t>
-            </a:r>
-            <a:endParaRPr lang="de-CH" sz="1200" dirty="0"/>
-          </a:p>
-        </p:txBody>
-      </p:sp>
-      <p:sp>
-        <p:nvSpPr>
-          <p:cNvPr id="22" name="Rechteck 21"/>
-          <p:cNvSpPr/>
-          <p:nvPr/>
-        </p:nvSpPr>
-        <p:spPr>
-          <a:xfrm>
-            <a:off x="1280429" y="3580187"/>
-            <a:ext cx="6770504" cy="2692861"/>
-          </a:xfrm>
-          <a:prstGeom prst="rect">
-            <a:avLst/>
-          </a:prstGeom>
-          <a:noFill/>
-          <a:ln>
-            <a:solidFill>
-              <a:schemeClr val="tx1"/>
-            </a:solidFill>
-          </a:ln>
-        </p:spPr>
-        <p:style>
-          <a:lnRef idx="2">
-            <a:schemeClr val="accent1">
-              <a:shade val="50000"/>
-            </a:schemeClr>
-          </a:lnRef>
-          <a:fillRef idx="1">
-            <a:schemeClr val="accent1"/>
-          </a:fillRef>
-          <a:effectRef idx="0">
-            <a:schemeClr val="accent1"/>
-          </a:effectRef>
-          <a:fontRef idx="minor">
-            <a:schemeClr val="lt1"/>
-          </a:fontRef>
-        </p:style>
-        <p:txBody>
-          <a:bodyPr rtlCol="0" anchor="ctr"/>
-          <a:lstStyle/>
-          <a:p>
-            <a:pPr algn="ctr"/>
-            <a:endParaRPr lang="de-CH"/>
-          </a:p>
-        </p:txBody>
-      </p:sp>
-      <p:sp>
-        <p:nvSpPr>
-          <p:cNvPr id="25" name="Rechteck 24"/>
-          <p:cNvSpPr/>
-          <p:nvPr/>
-        </p:nvSpPr>
-        <p:spPr>
-          <a:xfrm>
-            <a:off x="1287199" y="3580188"/>
-            <a:ext cx="360039" cy="288032"/>
-          </a:xfrm>
-          <a:prstGeom prst="rect">
-            <a:avLst/>
-          </a:prstGeom>
-        </p:spPr>
-        <p:style>
-          <a:lnRef idx="2">
-            <a:schemeClr val="dk1">
-              <a:shade val="50000"/>
-            </a:schemeClr>
-          </a:lnRef>
-          <a:fillRef idx="1">
-            <a:schemeClr val="dk1"/>
-          </a:fillRef>
-          <a:effectRef idx="0">
-            <a:schemeClr val="dk1"/>
-          </a:effectRef>
-          <a:fontRef idx="minor">
-            <a:schemeClr val="lt1"/>
-          </a:fontRef>
-        </p:style>
-        <p:txBody>
-          <a:bodyPr rtlCol="0" anchor="ctr"/>
-          <a:lstStyle/>
-          <a:p>
-            <a:pPr algn="ctr"/>
-            <a:r>
-              <a:rPr lang="de-CH" sz="800" dirty="0" smtClean="0"/>
-              <a:t>alt</a:t>
-            </a:r>
-            <a:endParaRPr lang="de-CH" sz="800" dirty="0"/>
-          </a:p>
-        </p:txBody>
-      </p:sp>
-      <p:sp>
-        <p:nvSpPr>
-          <p:cNvPr id="56" name="Textfeld 55"/>
-          <p:cNvSpPr txBox="1"/>
-          <p:nvPr/>
-        </p:nvSpPr>
-        <p:spPr>
-          <a:xfrm>
-            <a:off x="3167112" y="2132757"/>
-            <a:ext cx="1654657" cy="646331"/>
-          </a:xfrm>
-          <a:prstGeom prst="rect">
-            <a:avLst/>
-          </a:prstGeom>
-          <a:noFill/>
-        </p:spPr>
-        <p:txBody>
-          <a:bodyPr wrap="square" rtlCol="0">
-            <a:spAutoFit/>
-          </a:bodyPr>
-          <a:lstStyle/>
-          <a:p>
-            <a:r>
-              <a:rPr lang="de-CH" sz="1200" dirty="0" smtClean="0"/>
-              <a:t>New Meeting (Date, Starttime, </a:t>
-            </a:r>
-            <a:r>
-              <a:rPr lang="de-CH" sz="1200" dirty="0" err="1" smtClean="0"/>
-              <a:t>Endtime</a:t>
-            </a:r>
-            <a:r>
-              <a:rPr lang="de-CH" sz="1200" dirty="0" smtClean="0"/>
-              <a:t>, </a:t>
-            </a:r>
-            <a:r>
-              <a:rPr lang="de-CH" sz="1200" dirty="0" err="1" smtClean="0"/>
-              <a:t>content</a:t>
-            </a:r>
-            <a:r>
-              <a:rPr lang="de-CH" sz="1200" dirty="0" smtClean="0"/>
-              <a:t>)</a:t>
-            </a:r>
-            <a:endParaRPr lang="de-CH" sz="1200" dirty="0"/>
-          </a:p>
-        </p:txBody>
-      </p:sp>
-      <p:sp>
-        <p:nvSpPr>
-          <p:cNvPr id="57" name="Textfeld 56"/>
-          <p:cNvSpPr txBox="1"/>
-          <p:nvPr/>
-        </p:nvSpPr>
-        <p:spPr>
-          <a:xfrm>
-            <a:off x="5530653" y="2832568"/>
-            <a:ext cx="1505272" cy="461665"/>
-          </a:xfrm>
-          <a:prstGeom prst="rect">
-            <a:avLst/>
-          </a:prstGeom>
-          <a:noFill/>
-        </p:spPr>
-        <p:txBody>
-          <a:bodyPr wrap="square" rtlCol="0">
-            <a:spAutoFit/>
-          </a:bodyPr>
-          <a:lstStyle/>
-          <a:p>
-            <a:r>
-              <a:rPr lang="de-CH" sz="1200" dirty="0" err="1" smtClean="0"/>
-              <a:t>Verificate</a:t>
-            </a:r>
-            <a:r>
-              <a:rPr lang="de-CH" sz="1200" dirty="0" smtClean="0"/>
-              <a:t> (</a:t>
-            </a:r>
-            <a:r>
-              <a:rPr lang="de-CH" sz="1200" dirty="0"/>
-              <a:t>Date, Starttime, </a:t>
-            </a:r>
-            <a:r>
-              <a:rPr lang="de-CH" sz="1200" dirty="0" err="1"/>
-              <a:t>Endtime</a:t>
-            </a:r>
-            <a:r>
-              <a:rPr lang="de-CH" sz="1200" dirty="0" smtClean="0"/>
-              <a:t>)</a:t>
-            </a:r>
-            <a:endParaRPr lang="de-CH" sz="1200" dirty="0"/>
-          </a:p>
-        </p:txBody>
-      </p:sp>
-      <p:sp>
-        <p:nvSpPr>
-          <p:cNvPr id="59" name="Textfeld 58"/>
-          <p:cNvSpPr txBox="1"/>
-          <p:nvPr/>
-        </p:nvSpPr>
-        <p:spPr>
-          <a:xfrm>
-            <a:off x="3241992" y="3580188"/>
-            <a:ext cx="1505272" cy="276999"/>
-          </a:xfrm>
-          <a:prstGeom prst="rect">
-            <a:avLst/>
-          </a:prstGeom>
-          <a:noFill/>
-        </p:spPr>
-        <p:txBody>
-          <a:bodyPr wrap="square" rtlCol="0">
-            <a:spAutoFit/>
-          </a:bodyPr>
-          <a:lstStyle/>
-          <a:p>
-            <a:r>
-              <a:rPr lang="de-CH" sz="1200" dirty="0" smtClean="0"/>
-              <a:t>Meeting OK</a:t>
-            </a:r>
-            <a:endParaRPr lang="de-CH" sz="1200" dirty="0"/>
-          </a:p>
-        </p:txBody>
-      </p:sp>
-      <p:sp>
-        <p:nvSpPr>
-          <p:cNvPr id="60" name="Textfeld 59"/>
-          <p:cNvSpPr txBox="1"/>
-          <p:nvPr/>
-        </p:nvSpPr>
-        <p:spPr>
-          <a:xfrm>
-            <a:off x="3338899" y="5627692"/>
-            <a:ext cx="1505272" cy="276999"/>
-          </a:xfrm>
-          <a:prstGeom prst="rect">
-            <a:avLst/>
-          </a:prstGeom>
-          <a:noFill/>
-        </p:spPr>
-        <p:txBody>
-          <a:bodyPr wrap="square" rtlCol="0">
-            <a:spAutoFit/>
-          </a:bodyPr>
-          <a:lstStyle/>
-          <a:p>
-            <a:r>
-              <a:rPr lang="de-CH" sz="1200" dirty="0" smtClean="0"/>
-              <a:t>Error (Time Error) </a:t>
-            </a:r>
-            <a:endParaRPr lang="de-CH" sz="1200" dirty="0"/>
-          </a:p>
-        </p:txBody>
-      </p:sp>
-      <p:cxnSp>
-        <p:nvCxnSpPr>
-          <p:cNvPr id="32" name="Gerade Verbindung 31"/>
-          <p:cNvCxnSpPr/>
-          <p:nvPr/>
-        </p:nvCxnSpPr>
-        <p:spPr>
-          <a:xfrm>
-            <a:off x="1280429" y="5184331"/>
-            <a:ext cx="6770504" cy="12525"/>
-          </a:xfrm>
-          <a:prstGeom prst="line">
-            <a:avLst/>
-          </a:prstGeom>
-          <a:ln/>
-        </p:spPr>
-        <p:style>
-          <a:lnRef idx="2">
-            <a:schemeClr val="dk1"/>
-          </a:lnRef>
-          <a:fillRef idx="0">
-            <a:schemeClr val="dk1"/>
-          </a:fillRef>
-          <a:effectRef idx="1">
-            <a:schemeClr val="dk1"/>
-          </a:effectRef>
-          <a:fontRef idx="minor">
-            <a:schemeClr val="tx1"/>
-          </a:fontRef>
-        </p:style>
-      </p:cxnSp>
-      <p:sp>
-        <p:nvSpPr>
-          <p:cNvPr id="71" name="Textfeld 70"/>
-          <p:cNvSpPr txBox="1"/>
-          <p:nvPr/>
-        </p:nvSpPr>
-        <p:spPr>
-          <a:xfrm>
-            <a:off x="3363062" y="4766527"/>
-            <a:ext cx="1314402" cy="276999"/>
-          </a:xfrm>
-          <a:prstGeom prst="rect">
-            <a:avLst/>
-          </a:prstGeom>
-          <a:noFill/>
-        </p:spPr>
-        <p:txBody>
-          <a:bodyPr wrap="square" rtlCol="0">
-            <a:spAutoFit/>
-          </a:bodyPr>
-          <a:lstStyle/>
-          <a:p>
-            <a:r>
-              <a:rPr lang="de-CH" sz="1200" dirty="0" err="1" smtClean="0"/>
-              <a:t>confirmation</a:t>
-            </a:r>
-            <a:endParaRPr lang="de-CH" sz="1200" dirty="0"/>
-          </a:p>
-        </p:txBody>
-      </p:sp>
-      <p:sp>
-        <p:nvSpPr>
-          <p:cNvPr id="50" name="Textfeld 49"/>
-          <p:cNvSpPr txBox="1"/>
-          <p:nvPr/>
-        </p:nvSpPr>
-        <p:spPr>
-          <a:xfrm>
-            <a:off x="3353667" y="4241799"/>
-            <a:ext cx="1314402" cy="276999"/>
-          </a:xfrm>
-          <a:prstGeom prst="rect">
-            <a:avLst/>
-          </a:prstGeom>
-          <a:noFill/>
-        </p:spPr>
-        <p:txBody>
-          <a:bodyPr wrap="square" rtlCol="0">
-            <a:spAutoFit/>
-          </a:bodyPr>
-          <a:lstStyle/>
-          <a:p>
-            <a:r>
-              <a:rPr lang="de-CH" sz="1200" dirty="0" smtClean="0"/>
-              <a:t>Create Meeting</a:t>
-            </a:r>
-            <a:endParaRPr lang="de-CH" sz="1200" dirty="0"/>
-          </a:p>
-        </p:txBody>
-      </p:sp>
-      <p:cxnSp>
-        <p:nvCxnSpPr>
-          <p:cNvPr id="52" name="Gerade Verbindung mit Pfeil 51"/>
-          <p:cNvCxnSpPr/>
-          <p:nvPr/>
-        </p:nvCxnSpPr>
-        <p:spPr>
-          <a:xfrm flipH="1">
-            <a:off x="3099111" y="4785136"/>
-            <a:ext cx="1751473" cy="1"/>
-          </a:xfrm>
-          <a:prstGeom prst="straightConnector1">
-            <a:avLst/>
-          </a:prstGeom>
-          <a:ln>
-            <a:prstDash val="dash"/>
-            <a:tailEnd type="arrow"/>
-          </a:ln>
-        </p:spPr>
-        <p:style>
-          <a:lnRef idx="1">
-            <a:schemeClr val="accent1"/>
-          </a:lnRef>
-          <a:fillRef idx="0">
-            <a:schemeClr val="accent1"/>
-          </a:fillRef>
-          <a:effectRef idx="0">
-            <a:schemeClr val="accent1"/>
-          </a:effectRef>
-          <a:fontRef idx="minor">
-            <a:schemeClr val="tx1"/>
-          </a:fontRef>
-        </p:style>
-      </p:cxnSp>
-      <p:sp>
-        <p:nvSpPr>
-          <p:cNvPr id="35" name="Rechteck 34"/>
-          <p:cNvSpPr/>
-          <p:nvPr/>
-        </p:nvSpPr>
-        <p:spPr>
-          <a:xfrm>
-            <a:off x="4988319" y="2860108"/>
-            <a:ext cx="182122" cy="417454"/>
-          </a:xfrm>
-          <a:prstGeom prst="rect">
-            <a:avLst/>
-          </a:prstGeom>
-        </p:spPr>
-        <p:style>
-          <a:lnRef idx="2">
-            <a:schemeClr val="accent1">
-              <a:shade val="50000"/>
-            </a:schemeClr>
-          </a:lnRef>
-          <a:fillRef idx="1">
-            <a:schemeClr val="accent1"/>
-          </a:fillRef>
-          <a:effectRef idx="0">
-            <a:schemeClr val="accent1"/>
-          </a:effectRef>
-          <a:fontRef idx="minor">
-            <a:schemeClr val="lt1"/>
-          </a:fontRef>
-        </p:style>
-        <p:txBody>
-          <a:bodyPr rtlCol="0" anchor="ctr"/>
-          <a:lstStyle/>
-          <a:p>
-            <a:pPr algn="ctr"/>
-            <a:endParaRPr lang="de-CH"/>
-          </a:p>
-        </p:txBody>
-      </p:sp>
-      <p:cxnSp>
-        <p:nvCxnSpPr>
-          <p:cNvPr id="26" name="Gewinkelte Verbindung 25"/>
-          <p:cNvCxnSpPr>
-            <a:endCxn id="35" idx="3"/>
-          </p:cNvCxnSpPr>
-          <p:nvPr/>
-        </p:nvCxnSpPr>
-        <p:spPr>
-          <a:xfrm rot="16200000" flipH="1">
-            <a:off x="4840527" y="2738920"/>
-            <a:ext cx="568767" cy="91061"/>
-          </a:xfrm>
-          <a:prstGeom prst="bentConnector4">
-            <a:avLst>
-              <a:gd name="adj1" fmla="val 31651"/>
-              <a:gd name="adj2" fmla="val 351041"/>
-            </a:avLst>
-          </a:prstGeom>
-          <a:ln>
-            <a:tailEnd type="arrow"/>
-          </a:ln>
-        </p:spPr>
-        <p:style>
-          <a:lnRef idx="1">
-            <a:schemeClr val="accent1"/>
-          </a:lnRef>
-          <a:fillRef idx="0">
-            <a:schemeClr val="accent1"/>
-          </a:fillRef>
-          <a:effectRef idx="0">
-            <a:schemeClr val="accent1"/>
-          </a:effectRef>
-          <a:fontRef idx="minor">
-            <a:schemeClr val="tx1"/>
-          </a:fontRef>
-        </p:style>
-      </p:cxnSp>
-      <p:cxnSp>
-        <p:nvCxnSpPr>
-          <p:cNvPr id="66" name="Gerade Verbindung mit Pfeil 65"/>
-          <p:cNvCxnSpPr/>
-          <p:nvPr/>
-        </p:nvCxnSpPr>
-        <p:spPr>
-          <a:xfrm flipH="1">
-            <a:off x="3143374" y="3436172"/>
-            <a:ext cx="1727153" cy="1"/>
-          </a:xfrm>
-          <a:prstGeom prst="straightConnector1">
-            <a:avLst/>
-          </a:prstGeom>
-          <a:ln>
-            <a:prstDash val="dash"/>
-            <a:tailEnd type="arrow"/>
-          </a:ln>
-        </p:spPr>
-        <p:style>
-          <a:lnRef idx="1">
-            <a:schemeClr val="accent1"/>
-          </a:lnRef>
-          <a:fillRef idx="0">
-            <a:schemeClr val="accent1"/>
-          </a:fillRef>
-          <a:effectRef idx="0">
-            <a:schemeClr val="accent1"/>
-          </a:effectRef>
-          <a:fontRef idx="minor">
-            <a:schemeClr val="tx1"/>
-          </a:fontRef>
-        </p:style>
-      </p:cxnSp>
-      <p:sp>
-        <p:nvSpPr>
-          <p:cNvPr id="67" name="Textfeld 66"/>
-          <p:cNvSpPr txBox="1"/>
-          <p:nvPr/>
-        </p:nvSpPr>
-        <p:spPr>
-          <a:xfrm>
-            <a:off x="3363062" y="3139062"/>
-            <a:ext cx="1394922" cy="276999"/>
-          </a:xfrm>
-          <a:prstGeom prst="rect">
-            <a:avLst/>
-          </a:prstGeom>
-          <a:noFill/>
-        </p:spPr>
-        <p:txBody>
-          <a:bodyPr wrap="square" rtlCol="0">
-            <a:spAutoFit/>
-          </a:bodyPr>
-          <a:lstStyle/>
-          <a:p>
-            <a:r>
-              <a:rPr lang="de-CH" sz="1200" dirty="0" err="1" smtClean="0"/>
-              <a:t>verification</a:t>
-            </a:r>
-            <a:endParaRPr lang="de-CH" sz="1200" dirty="0"/>
-          </a:p>
-        </p:txBody>
-      </p:sp>
-      <p:cxnSp>
-        <p:nvCxnSpPr>
-          <p:cNvPr id="74" name="Gerade Verbindung mit Pfeil 73"/>
-          <p:cNvCxnSpPr/>
-          <p:nvPr/>
-        </p:nvCxnSpPr>
-        <p:spPr>
-          <a:xfrm flipH="1">
-            <a:off x="1578597" y="6028460"/>
-            <a:ext cx="1407478" cy="0"/>
-          </a:xfrm>
-          <a:prstGeom prst="straightConnector1">
-            <a:avLst/>
-          </a:prstGeom>
-          <a:ln>
-            <a:prstDash val="dash"/>
-            <a:tailEnd type="arrow"/>
-          </a:ln>
-        </p:spPr>
-        <p:style>
-          <a:lnRef idx="1">
-            <a:schemeClr val="accent1"/>
-          </a:lnRef>
-          <a:fillRef idx="0">
-            <a:schemeClr val="accent1"/>
-          </a:fillRef>
-          <a:effectRef idx="0">
-            <a:schemeClr val="accent1"/>
-          </a:effectRef>
-          <a:fontRef idx="minor">
-            <a:schemeClr val="tx1"/>
-          </a:fontRef>
-        </p:style>
-      </p:cxnSp>
-      <p:sp>
-        <p:nvSpPr>
-          <p:cNvPr id="75" name="Textfeld 74"/>
-          <p:cNvSpPr txBox="1"/>
-          <p:nvPr/>
-        </p:nvSpPr>
-        <p:spPr>
-          <a:xfrm>
-            <a:off x="1649117" y="5812436"/>
-            <a:ext cx="1505272" cy="276999"/>
-          </a:xfrm>
-          <a:prstGeom prst="rect">
-            <a:avLst/>
-          </a:prstGeom>
-          <a:noFill/>
-        </p:spPr>
-        <p:txBody>
-          <a:bodyPr wrap="square" rtlCol="0">
-            <a:spAutoFit/>
-          </a:bodyPr>
-          <a:lstStyle/>
-          <a:p>
-            <a:r>
-              <a:rPr lang="de-CH" sz="1200" dirty="0" smtClean="0"/>
-              <a:t>Error (Time Error) </a:t>
-            </a:r>
-            <a:endParaRPr lang="de-CH" sz="1200" dirty="0"/>
-          </a:p>
-        </p:txBody>
-      </p:sp>
-      <p:sp>
-        <p:nvSpPr>
-          <p:cNvPr id="17" name="Titel 16"/>
-          <p:cNvSpPr>
-            <a:spLocks noGrp="1"/>
-          </p:cNvSpPr>
-          <p:nvPr>
-            <p:ph type="ctrTitle"/>
-          </p:nvPr>
-        </p:nvSpPr>
-        <p:spPr>
-          <a:xfrm>
-            <a:off x="331662" y="49036"/>
-            <a:ext cx="8100000" cy="540000"/>
-          </a:xfrm>
-        </p:spPr>
-        <p:txBody>
-          <a:bodyPr/>
-          <a:lstStyle/>
-          <a:p>
-            <a:r>
-              <a:rPr lang="de-CH" dirty="0" smtClean="0"/>
-              <a:t>Eintragen eines neuen Termins</a:t>
-            </a:r>
-            <a:endParaRPr lang="de-CH" dirty="0"/>
-          </a:p>
-        </p:txBody>
-      </p:sp>
+      </p:pic>
     </p:spTree>
     <p:extLst>
       <p:ext uri="{BB962C8B-B14F-4D97-AF65-F5344CB8AC3E}">
-        <p14:creationId xmlns:p14="http://schemas.microsoft.com/office/powerpoint/2010/main" val="381265525"/>
+        <p14:creationId xmlns:p14="http://schemas.microsoft.com/office/powerpoint/2010/main" val="3828643132"/>
       </p:ext>
     </p:extLst>
   </p:cSld>
@@ -10075,1054 +7357,74 @@
           <a:chExt cx="0" cy="0"/>
         </a:xfrm>
       </p:grpSpPr>
-      <p:cxnSp>
-        <p:nvCxnSpPr>
-          <p:cNvPr id="54" name="Gerade Verbindung 50"/>
-          <p:cNvCxnSpPr/>
-          <p:nvPr/>
-        </p:nvCxnSpPr>
-        <p:spPr>
-          <a:xfrm>
-            <a:off x="1418175" y="1410788"/>
-            <a:ext cx="11585" cy="5664375"/>
-          </a:xfrm>
-          <a:prstGeom prst="line">
-            <a:avLst/>
-          </a:prstGeom>
-          <a:ln>
-            <a:prstDash val="dash"/>
-          </a:ln>
-        </p:spPr>
-        <p:style>
-          <a:lnRef idx="1">
-            <a:schemeClr val="accent1"/>
-          </a:lnRef>
-          <a:fillRef idx="0">
-            <a:schemeClr val="accent1"/>
-          </a:fillRef>
-          <a:effectRef idx="0">
-            <a:schemeClr val="accent1"/>
-          </a:effectRef>
-          <a:fontRef idx="minor">
-            <a:schemeClr val="tx1"/>
-          </a:fontRef>
-        </p:style>
-      </p:cxnSp>
-      <p:sp>
-        <p:nvSpPr>
-          <p:cNvPr id="14" name="Rechteck 13"/>
-          <p:cNvSpPr/>
-          <p:nvPr/>
-        </p:nvSpPr>
-        <p:spPr>
-          <a:xfrm>
-            <a:off x="1359124" y="1556791"/>
-            <a:ext cx="144107" cy="4844009"/>
-          </a:xfrm>
-          <a:prstGeom prst="rect">
-            <a:avLst/>
-          </a:prstGeom>
-        </p:spPr>
-        <p:style>
-          <a:lnRef idx="2">
-            <a:schemeClr val="accent1">
-              <a:shade val="50000"/>
-            </a:schemeClr>
-          </a:lnRef>
-          <a:fillRef idx="1">
-            <a:schemeClr val="accent1"/>
-          </a:fillRef>
-          <a:effectRef idx="0">
-            <a:schemeClr val="accent1"/>
-          </a:effectRef>
-          <a:fontRef idx="minor">
-            <a:schemeClr val="lt1"/>
-          </a:fontRef>
-        </p:style>
-        <p:txBody>
-          <a:bodyPr rtlCol="0" anchor="ctr"/>
+      <p:sp>
+        <p:nvSpPr>
+          <p:cNvPr id="2" name="Titel 1"/>
+          <p:cNvSpPr>
+            <a:spLocks noGrp="1"/>
+          </p:cNvSpPr>
+          <p:nvPr>
+            <p:ph type="ctrTitle"/>
+          </p:nvPr>
+        </p:nvSpPr>
+        <p:spPr/>
+        <p:txBody>
+          <a:bodyPr/>
           <a:lstStyle/>
           <a:p>
-            <a:pPr algn="ctr"/>
-            <a:endParaRPr lang="de-CH"/>
-          </a:p>
-        </p:txBody>
-      </p:sp>
-      <p:sp>
-        <p:nvSpPr>
-          <p:cNvPr id="18" name="Rechteck 17"/>
-          <p:cNvSpPr/>
-          <p:nvPr/>
-        </p:nvSpPr>
-        <p:spPr>
-          <a:xfrm>
-            <a:off x="4087044" y="878454"/>
-            <a:ext cx="1944216" cy="616584"/>
-          </a:xfrm>
-          <a:prstGeom prst="rect">
-            <a:avLst/>
-          </a:prstGeom>
-        </p:spPr>
-        <p:style>
-          <a:lnRef idx="2">
-            <a:schemeClr val="accent1">
-              <a:shade val="50000"/>
-            </a:schemeClr>
-          </a:lnRef>
-          <a:fillRef idx="1">
-            <a:schemeClr val="accent1"/>
-          </a:fillRef>
-          <a:effectRef idx="0">
-            <a:schemeClr val="accent1"/>
-          </a:effectRef>
-          <a:fontRef idx="minor">
-            <a:schemeClr val="lt1"/>
-          </a:fontRef>
-        </p:style>
-        <p:txBody>
-          <a:bodyPr rtlCol="0" anchor="ctr"/>
-          <a:lstStyle/>
-          <a:p>
-            <a:pPr algn="ctr"/>
-            <a:r>
-              <a:rPr lang="de-CH" dirty="0"/>
-              <a:t>T</a:t>
-            </a:r>
             <a:r>
               <a:rPr lang="de-CH" dirty="0" smtClean="0"/>
-              <a:t>: Termine</a:t>
+              <a:t>Terminalert</a:t>
             </a:r>
             <a:endParaRPr lang="de-CH" dirty="0"/>
           </a:p>
         </p:txBody>
       </p:sp>
-      <p:cxnSp>
-        <p:nvCxnSpPr>
-          <p:cNvPr id="19" name="Gerade Verbindung 18"/>
-          <p:cNvCxnSpPr/>
-          <p:nvPr/>
-        </p:nvCxnSpPr>
-        <p:spPr>
-          <a:xfrm flipH="1">
-            <a:off x="4893950" y="1402557"/>
-            <a:ext cx="13804" cy="5626843"/>
-          </a:xfrm>
-          <a:prstGeom prst="line">
-            <a:avLst/>
-          </a:prstGeom>
-          <a:ln>
-            <a:prstDash val="dash"/>
-          </a:ln>
-        </p:spPr>
-        <p:style>
-          <a:lnRef idx="1">
-            <a:schemeClr val="accent1"/>
-          </a:lnRef>
-          <a:fillRef idx="0">
-            <a:schemeClr val="accent1"/>
-          </a:fillRef>
-          <a:effectRef idx="0">
-            <a:schemeClr val="accent1"/>
-          </a:effectRef>
-          <a:fontRef idx="minor">
-            <a:schemeClr val="tx1"/>
-          </a:fontRef>
-        </p:style>
-      </p:cxnSp>
-      <p:sp>
-        <p:nvSpPr>
-          <p:cNvPr id="20" name="Rechteck 19"/>
-          <p:cNvSpPr/>
-          <p:nvPr/>
-        </p:nvSpPr>
-        <p:spPr>
-          <a:xfrm>
-            <a:off x="2954005" y="1844824"/>
-            <a:ext cx="210659" cy="4391384"/>
-          </a:xfrm>
-          <a:prstGeom prst="rect">
-            <a:avLst/>
-          </a:prstGeom>
-        </p:spPr>
-        <p:style>
-          <a:lnRef idx="2">
-            <a:schemeClr val="accent1">
-              <a:shade val="50000"/>
-            </a:schemeClr>
-          </a:lnRef>
-          <a:fillRef idx="1">
-            <a:schemeClr val="accent1"/>
-          </a:fillRef>
-          <a:effectRef idx="0">
-            <a:schemeClr val="accent1"/>
-          </a:effectRef>
-          <a:fontRef idx="minor">
-            <a:schemeClr val="lt1"/>
-          </a:fontRef>
-        </p:style>
-        <p:txBody>
-          <a:bodyPr rtlCol="0" anchor="ctr"/>
-          <a:lstStyle/>
-          <a:p>
-            <a:pPr algn="ctr"/>
-            <a:endParaRPr lang="de-CH"/>
-          </a:p>
-        </p:txBody>
-      </p:sp>
-      <p:sp>
-        <p:nvSpPr>
-          <p:cNvPr id="45" name="Textfeld 44"/>
-          <p:cNvSpPr txBox="1"/>
-          <p:nvPr/>
-        </p:nvSpPr>
-        <p:spPr>
-          <a:xfrm>
-            <a:off x="6175276" y="3208743"/>
-            <a:ext cx="1394922" cy="276999"/>
-          </a:xfrm>
-          <a:prstGeom prst="rect">
-            <a:avLst/>
-          </a:prstGeom>
-          <a:noFill/>
-        </p:spPr>
-        <p:txBody>
-          <a:bodyPr wrap="square" rtlCol="0">
-            <a:spAutoFit/>
-          </a:bodyPr>
-          <a:lstStyle/>
-          <a:p>
-            <a:r>
-              <a:rPr lang="de-CH" sz="1200" dirty="0" smtClean="0"/>
-              <a:t>[Meeting </a:t>
-            </a:r>
-            <a:r>
-              <a:rPr lang="de-CH" sz="1200" dirty="0" err="1" smtClean="0"/>
-              <a:t>soon</a:t>
-            </a:r>
-            <a:r>
-              <a:rPr lang="de-CH" sz="1200" dirty="0" smtClean="0"/>
-              <a:t>] </a:t>
-            </a:r>
-            <a:endParaRPr lang="de-CH" sz="1200" dirty="0"/>
-          </a:p>
-        </p:txBody>
-      </p:sp>
-      <p:sp>
-        <p:nvSpPr>
-          <p:cNvPr id="73" name="Textfeld 72"/>
-          <p:cNvSpPr txBox="1"/>
-          <p:nvPr/>
-        </p:nvSpPr>
-        <p:spPr>
-          <a:xfrm>
-            <a:off x="7564117" y="7111844"/>
-            <a:ext cx="1584176" cy="276999"/>
-          </a:xfrm>
-          <a:prstGeom prst="rect">
-            <a:avLst/>
-          </a:prstGeom>
-          <a:noFill/>
-        </p:spPr>
-        <p:txBody>
-          <a:bodyPr wrap="square" rtlCol="0">
-            <a:spAutoFit/>
-          </a:bodyPr>
-          <a:lstStyle/>
-          <a:p>
-            <a:r>
-              <a:rPr lang="de-CH" sz="1200" dirty="0" smtClean="0"/>
-              <a:t>alert</a:t>
-            </a:r>
-          </a:p>
-        </p:txBody>
-      </p:sp>
-      <p:sp>
-        <p:nvSpPr>
-          <p:cNvPr id="47" name="Rechteck 46"/>
-          <p:cNvSpPr/>
-          <p:nvPr/>
-        </p:nvSpPr>
-        <p:spPr>
-          <a:xfrm>
-            <a:off x="1936268" y="898500"/>
-            <a:ext cx="1890218" cy="540903"/>
-          </a:xfrm>
-          <a:prstGeom prst="rect">
-            <a:avLst/>
-          </a:prstGeom>
-        </p:spPr>
-        <p:style>
-          <a:lnRef idx="2">
-            <a:schemeClr val="accent1">
-              <a:shade val="50000"/>
-            </a:schemeClr>
-          </a:lnRef>
-          <a:fillRef idx="1">
-            <a:schemeClr val="accent1"/>
-          </a:fillRef>
-          <a:effectRef idx="0">
-            <a:schemeClr val="accent1"/>
-          </a:effectRef>
-          <a:fontRef idx="minor">
-            <a:schemeClr val="lt1"/>
-          </a:fontRef>
-        </p:style>
-        <p:txBody>
-          <a:bodyPr rtlCol="0" anchor="ctr"/>
-          <a:lstStyle/>
-          <a:p>
-            <a:pPr algn="ctr"/>
-            <a:r>
-              <a:rPr lang="de-CH" dirty="0"/>
-              <a:t>K</a:t>
-            </a:r>
-            <a:r>
-              <a:rPr lang="de-CH" dirty="0" smtClean="0"/>
-              <a:t>: Kalender</a:t>
-            </a:r>
-            <a:endParaRPr lang="de-CH" dirty="0"/>
-          </a:p>
-        </p:txBody>
-      </p:sp>
-      <p:cxnSp>
-        <p:nvCxnSpPr>
-          <p:cNvPr id="48" name="Gerade Verbindung mit Pfeil 47"/>
-          <p:cNvCxnSpPr/>
-          <p:nvPr/>
-        </p:nvCxnSpPr>
-        <p:spPr>
-          <a:xfrm>
-            <a:off x="3034397" y="2132856"/>
-            <a:ext cx="1769548" cy="0"/>
-          </a:xfrm>
-          <a:prstGeom prst="straightConnector1">
-            <a:avLst/>
-          </a:prstGeom>
-          <a:ln>
-            <a:tailEnd type="arrow"/>
-          </a:ln>
-        </p:spPr>
-        <p:style>
-          <a:lnRef idx="1">
-            <a:schemeClr val="accent1"/>
-          </a:lnRef>
-          <a:fillRef idx="0">
-            <a:schemeClr val="accent1"/>
-          </a:fillRef>
-          <a:effectRef idx="0">
-            <a:schemeClr val="accent1"/>
-          </a:effectRef>
-          <a:fontRef idx="minor">
-            <a:schemeClr val="tx1"/>
-          </a:fontRef>
-        </p:style>
-      </p:cxnSp>
-      <p:cxnSp>
-        <p:nvCxnSpPr>
-          <p:cNvPr id="51" name="Gerade Verbindung 50"/>
-          <p:cNvCxnSpPr/>
-          <p:nvPr/>
-        </p:nvCxnSpPr>
-        <p:spPr>
-          <a:xfrm>
-            <a:off x="3029191" y="1365025"/>
-            <a:ext cx="42378" cy="5664375"/>
-          </a:xfrm>
-          <a:prstGeom prst="line">
-            <a:avLst/>
-          </a:prstGeom>
-          <a:ln>
-            <a:prstDash val="dash"/>
-          </a:ln>
-        </p:spPr>
-        <p:style>
-          <a:lnRef idx="1">
-            <a:schemeClr val="accent1"/>
-          </a:lnRef>
-          <a:fillRef idx="0">
-            <a:schemeClr val="accent1"/>
-          </a:fillRef>
-          <a:effectRef idx="0">
-            <a:schemeClr val="accent1"/>
-          </a:effectRef>
-          <a:fontRef idx="minor">
-            <a:schemeClr val="tx1"/>
-          </a:fontRef>
-        </p:style>
-      </p:cxnSp>
-      <p:sp>
-        <p:nvSpPr>
-          <p:cNvPr id="64" name="Rechteck 63"/>
-          <p:cNvSpPr/>
-          <p:nvPr/>
-        </p:nvSpPr>
-        <p:spPr>
-          <a:xfrm>
-            <a:off x="4803943" y="2121822"/>
-            <a:ext cx="147197" cy="3677663"/>
-          </a:xfrm>
-          <a:prstGeom prst="rect">
-            <a:avLst/>
-          </a:prstGeom>
-        </p:spPr>
-        <p:style>
-          <a:lnRef idx="2">
-            <a:schemeClr val="accent1">
-              <a:shade val="50000"/>
-            </a:schemeClr>
-          </a:lnRef>
-          <a:fillRef idx="1">
-            <a:schemeClr val="accent1"/>
-          </a:fillRef>
-          <a:effectRef idx="0">
-            <a:schemeClr val="accent1"/>
-          </a:effectRef>
-          <a:fontRef idx="minor">
-            <a:schemeClr val="lt1"/>
-          </a:fontRef>
-        </p:style>
-        <p:txBody>
-          <a:bodyPr rtlCol="0" anchor="ctr"/>
-          <a:lstStyle/>
-          <a:p>
-            <a:pPr algn="ctr"/>
-            <a:endParaRPr lang="de-CH"/>
-          </a:p>
-        </p:txBody>
-      </p:sp>
-      <p:sp>
-        <p:nvSpPr>
-          <p:cNvPr id="66" name="Rechteck 65"/>
-          <p:cNvSpPr/>
-          <p:nvPr/>
-        </p:nvSpPr>
-        <p:spPr>
-          <a:xfrm>
-            <a:off x="4879132" y="2708920"/>
-            <a:ext cx="142983" cy="418095"/>
-          </a:xfrm>
-          <a:prstGeom prst="rect">
-            <a:avLst/>
-          </a:prstGeom>
-        </p:spPr>
-        <p:style>
-          <a:lnRef idx="2">
-            <a:schemeClr val="accent1">
-              <a:shade val="50000"/>
-            </a:schemeClr>
-          </a:lnRef>
-          <a:fillRef idx="1">
-            <a:schemeClr val="accent1"/>
-          </a:fillRef>
-          <a:effectRef idx="0">
-            <a:schemeClr val="accent1"/>
-          </a:effectRef>
-          <a:fontRef idx="minor">
-            <a:schemeClr val="lt1"/>
-          </a:fontRef>
-        </p:style>
-        <p:txBody>
-          <a:bodyPr rtlCol="0" anchor="ctr"/>
-          <a:lstStyle/>
-          <a:p>
-            <a:pPr algn="ctr"/>
-            <a:endParaRPr lang="de-CH"/>
-          </a:p>
-        </p:txBody>
-      </p:sp>
-      <p:cxnSp>
-        <p:nvCxnSpPr>
-          <p:cNvPr id="69" name="Gerade Verbindung mit Pfeil 68"/>
-          <p:cNvCxnSpPr/>
-          <p:nvPr/>
-        </p:nvCxnSpPr>
-        <p:spPr>
-          <a:xfrm flipH="1">
-            <a:off x="3102214" y="3464774"/>
-            <a:ext cx="1751474" cy="1"/>
-          </a:xfrm>
-          <a:prstGeom prst="straightConnector1">
-            <a:avLst/>
-          </a:prstGeom>
-          <a:ln>
-            <a:prstDash val="dash"/>
-            <a:tailEnd type="arrow"/>
-          </a:ln>
-        </p:spPr>
-        <p:style>
-          <a:lnRef idx="1">
-            <a:schemeClr val="accent1"/>
-          </a:lnRef>
-          <a:fillRef idx="0">
-            <a:schemeClr val="accent1"/>
-          </a:fillRef>
-          <a:effectRef idx="0">
-            <a:schemeClr val="accent1"/>
-          </a:effectRef>
-          <a:fontRef idx="minor">
-            <a:schemeClr val="tx1"/>
-          </a:fontRef>
-        </p:style>
-      </p:cxnSp>
-      <p:cxnSp>
-        <p:nvCxnSpPr>
-          <p:cNvPr id="72" name="Gerade Verbindung mit Pfeil 71"/>
-          <p:cNvCxnSpPr/>
-          <p:nvPr/>
-        </p:nvCxnSpPr>
-        <p:spPr>
-          <a:xfrm flipH="1" flipV="1">
-            <a:off x="1458253" y="3969230"/>
-            <a:ext cx="1492632" cy="8052"/>
-          </a:xfrm>
-          <a:prstGeom prst="straightConnector1">
-            <a:avLst/>
-          </a:prstGeom>
-          <a:ln>
-            <a:tailEnd type="arrow"/>
-          </a:ln>
-        </p:spPr>
-        <p:style>
-          <a:lnRef idx="1">
-            <a:schemeClr val="accent1"/>
-          </a:lnRef>
-          <a:fillRef idx="0">
-            <a:schemeClr val="accent1"/>
-          </a:fillRef>
-          <a:effectRef idx="0">
-            <a:schemeClr val="accent1"/>
-          </a:effectRef>
-          <a:fontRef idx="minor">
-            <a:schemeClr val="tx1"/>
-          </a:fontRef>
-        </p:style>
-      </p:cxnSp>
       <p:pic>
         <p:nvPicPr>
-          <p:cNvPr id="5" name="Grafik 4"/>
+          <p:cNvPr id="4098" name="Picture 2" descr="C:\Users\Maurice\Desktop\Bild4.png"/>
           <p:cNvPicPr>
-            <a:picLocks noChangeAspect="1"/>
+            <a:picLocks noChangeAspect="1" noChangeArrowheads="1"/>
           </p:cNvPicPr>
           <p:nvPr/>
         </p:nvPicPr>
-        <p:blipFill rotWithShape="1">
-          <a:blip r:embed="rId2" cstate="print">
+        <p:blipFill>
+          <a:blip r:embed="rId2">
             <a:extLst>
               <a:ext uri="{28A0092B-C50C-407E-A947-70E740481C1C}">
                 <a14:useLocalDpi xmlns:a14="http://schemas.microsoft.com/office/drawing/2010/main" val="0"/>
               </a:ext>
             </a:extLst>
           </a:blip>
-          <a:srcRect l="20269" r="30512" b="16217"/>
-          <a:stretch/>
+          <a:srcRect/>
+          <a:stretch>
+            <a:fillRect/>
+          </a:stretch>
         </p:blipFill>
-        <p:spPr>
+        <p:spPr bwMode="auto">
           <a:xfrm>
-            <a:off x="1248244" y="882113"/>
-            <a:ext cx="336864" cy="557291"/>
-          </a:xfrm>
-          <a:prstGeom prst="rect">
-            <a:avLst/>
-          </a:prstGeom>
-        </p:spPr>
-      </p:pic>
-      <p:sp>
-        <p:nvSpPr>
-          <p:cNvPr id="6" name="Textfeld 5"/>
-          <p:cNvSpPr txBox="1"/>
-          <p:nvPr/>
-        </p:nvSpPr>
-        <p:spPr>
-          <a:xfrm>
-            <a:off x="741759" y="573153"/>
-            <a:ext cx="1286464" cy="461665"/>
+            <a:off x="1451704" y="858434"/>
+            <a:ext cx="6833345" cy="5638771"/>
           </a:xfrm>
           <a:prstGeom prst="rect">
             <a:avLst/>
           </a:prstGeom>
           <a:noFill/>
+          <a:extLst>
+            <a:ext uri="{909E8E84-426E-40DD-AFC4-6F175D3DCCD1}">
+              <a14:hiddenFill xmlns:a14="http://schemas.microsoft.com/office/drawing/2010/main">
+                <a:solidFill>
+                  <a:srgbClr val="FFFFFF"/>
+                </a:solidFill>
+              </a14:hiddenFill>
+            </a:ext>
+          </a:extLst>
         </p:spPr>
-        <p:txBody>
-          <a:bodyPr wrap="square" rtlCol="0">
-            <a:spAutoFit/>
-          </a:bodyPr>
-          <a:lstStyle/>
-          <a:p>
-            <a:r>
-              <a:rPr lang="de-CH" dirty="0" smtClean="0"/>
-              <a:t>Patient</a:t>
-            </a:r>
-            <a:endParaRPr lang="de-CH" dirty="0"/>
-          </a:p>
-        </p:txBody>
-      </p:sp>
-      <p:cxnSp>
-        <p:nvCxnSpPr>
-          <p:cNvPr id="46" name="Gerade Verbindung mit Pfeil 45"/>
-          <p:cNvCxnSpPr/>
-          <p:nvPr/>
-        </p:nvCxnSpPr>
-        <p:spPr>
-          <a:xfrm flipH="1">
-            <a:off x="3058970" y="5799485"/>
-            <a:ext cx="1727154" cy="1"/>
-          </a:xfrm>
-          <a:prstGeom prst="straightConnector1">
-            <a:avLst/>
-          </a:prstGeom>
-          <a:ln>
-            <a:prstDash val="dash"/>
-            <a:tailEnd type="arrow"/>
-          </a:ln>
-        </p:spPr>
-        <p:style>
-          <a:lnRef idx="1">
-            <a:schemeClr val="accent1"/>
-          </a:lnRef>
-          <a:fillRef idx="0">
-            <a:schemeClr val="accent1"/>
-          </a:fillRef>
-          <a:effectRef idx="0">
-            <a:schemeClr val="accent1"/>
-          </a:effectRef>
-          <a:fontRef idx="minor">
-            <a:schemeClr val="tx1"/>
-          </a:fontRef>
-        </p:style>
-      </p:cxnSp>
-      <p:sp>
-        <p:nvSpPr>
-          <p:cNvPr id="49" name="Textfeld 48"/>
-          <p:cNvSpPr txBox="1"/>
-          <p:nvPr/>
-        </p:nvSpPr>
-        <p:spPr>
-          <a:xfrm>
-            <a:off x="6031260" y="5013176"/>
-            <a:ext cx="1394922" cy="276999"/>
-          </a:xfrm>
-          <a:prstGeom prst="rect">
-            <a:avLst/>
-          </a:prstGeom>
-          <a:noFill/>
-        </p:spPr>
-        <p:txBody>
-          <a:bodyPr wrap="square" rtlCol="0">
-            <a:spAutoFit/>
-          </a:bodyPr>
-          <a:lstStyle/>
-          <a:p>
-            <a:r>
-              <a:rPr lang="de-CH" sz="1200" dirty="0" smtClean="0"/>
-              <a:t>[</a:t>
-            </a:r>
-            <a:r>
-              <a:rPr lang="de-CH" sz="1200" dirty="0" err="1" smtClean="0"/>
-              <a:t>no</a:t>
-            </a:r>
-            <a:r>
-              <a:rPr lang="de-CH" sz="1200" dirty="0" smtClean="0"/>
-              <a:t> Meeting </a:t>
-            </a:r>
-            <a:r>
-              <a:rPr lang="de-CH" sz="1200" dirty="0" err="1" smtClean="0"/>
-              <a:t>soon</a:t>
-            </a:r>
-            <a:r>
-              <a:rPr lang="de-CH" sz="1200" dirty="0" smtClean="0"/>
-              <a:t>] </a:t>
-            </a:r>
-            <a:endParaRPr lang="de-CH" sz="1200" dirty="0"/>
-          </a:p>
-        </p:txBody>
-      </p:sp>
-      <p:sp>
-        <p:nvSpPr>
-          <p:cNvPr id="22" name="Rechteck 21"/>
-          <p:cNvSpPr/>
-          <p:nvPr/>
-        </p:nvSpPr>
-        <p:spPr>
-          <a:xfrm>
-            <a:off x="1204972" y="3197710"/>
-            <a:ext cx="6122432" cy="2881641"/>
-          </a:xfrm>
-          <a:prstGeom prst="rect">
-            <a:avLst/>
-          </a:prstGeom>
-          <a:noFill/>
-          <a:ln>
-            <a:solidFill>
-              <a:schemeClr val="tx1"/>
-            </a:solidFill>
-          </a:ln>
-        </p:spPr>
-        <p:style>
-          <a:lnRef idx="2">
-            <a:schemeClr val="accent1">
-              <a:shade val="50000"/>
-            </a:schemeClr>
-          </a:lnRef>
-          <a:fillRef idx="1">
-            <a:schemeClr val="accent1"/>
-          </a:fillRef>
-          <a:effectRef idx="0">
-            <a:schemeClr val="accent1"/>
-          </a:effectRef>
-          <a:fontRef idx="minor">
-            <a:schemeClr val="lt1"/>
-          </a:fontRef>
-        </p:style>
-        <p:txBody>
-          <a:bodyPr rtlCol="0" anchor="ctr"/>
-          <a:lstStyle/>
-          <a:p>
-            <a:pPr algn="ctr"/>
-            <a:endParaRPr lang="de-CH"/>
-          </a:p>
-        </p:txBody>
-      </p:sp>
-      <p:sp>
-        <p:nvSpPr>
-          <p:cNvPr id="25" name="Rechteck 24"/>
-          <p:cNvSpPr/>
-          <p:nvPr/>
-        </p:nvSpPr>
-        <p:spPr>
-          <a:xfrm>
-            <a:off x="1204972" y="3197710"/>
-            <a:ext cx="360039" cy="288032"/>
-          </a:xfrm>
-          <a:prstGeom prst="rect">
-            <a:avLst/>
-          </a:prstGeom>
-        </p:spPr>
-        <p:style>
-          <a:lnRef idx="2">
-            <a:schemeClr val="dk1">
-              <a:shade val="50000"/>
-            </a:schemeClr>
-          </a:lnRef>
-          <a:fillRef idx="1">
-            <a:schemeClr val="dk1"/>
-          </a:fillRef>
-          <a:effectRef idx="0">
-            <a:schemeClr val="dk1"/>
-          </a:effectRef>
-          <a:fontRef idx="minor">
-            <a:schemeClr val="lt1"/>
-          </a:fontRef>
-        </p:style>
-        <p:txBody>
-          <a:bodyPr rtlCol="0" anchor="ctr"/>
-          <a:lstStyle/>
-          <a:p>
-            <a:pPr algn="ctr"/>
-            <a:r>
-              <a:rPr lang="de-CH" sz="800" dirty="0" smtClean="0"/>
-              <a:t>alt</a:t>
-            </a:r>
-            <a:endParaRPr lang="de-CH" sz="800" dirty="0"/>
-          </a:p>
-        </p:txBody>
-      </p:sp>
-      <p:sp>
-        <p:nvSpPr>
-          <p:cNvPr id="56" name="Textfeld 55"/>
-          <p:cNvSpPr txBox="1"/>
-          <p:nvPr/>
-        </p:nvSpPr>
-        <p:spPr>
-          <a:xfrm>
-            <a:off x="3091655" y="1844824"/>
-            <a:ext cx="1654657" cy="276999"/>
-          </a:xfrm>
-          <a:prstGeom prst="rect">
-            <a:avLst/>
-          </a:prstGeom>
-          <a:noFill/>
-        </p:spPr>
-        <p:txBody>
-          <a:bodyPr wrap="square" rtlCol="0">
-            <a:spAutoFit/>
-          </a:bodyPr>
-          <a:lstStyle/>
-          <a:p>
-            <a:r>
-              <a:rPr lang="de-CH" sz="1200" dirty="0" smtClean="0"/>
-              <a:t>Meeting </a:t>
-            </a:r>
-            <a:r>
-              <a:rPr lang="de-CH" sz="1200" dirty="0" err="1" smtClean="0"/>
-              <a:t>soon</a:t>
-            </a:r>
-            <a:r>
-              <a:rPr lang="de-CH" sz="1200" dirty="0" smtClean="0"/>
-              <a:t>?(Pull)</a:t>
-            </a:r>
-            <a:endParaRPr lang="de-CH" sz="1200" dirty="0"/>
-          </a:p>
-        </p:txBody>
-      </p:sp>
-      <p:sp>
-        <p:nvSpPr>
-          <p:cNvPr id="57" name="Textfeld 56"/>
-          <p:cNvSpPr txBox="1"/>
-          <p:nvPr/>
-        </p:nvSpPr>
-        <p:spPr>
-          <a:xfrm>
-            <a:off x="5383188" y="2201593"/>
-            <a:ext cx="1505272" cy="646331"/>
-          </a:xfrm>
-          <a:prstGeom prst="rect">
-            <a:avLst/>
-          </a:prstGeom>
-          <a:noFill/>
-        </p:spPr>
-        <p:txBody>
-          <a:bodyPr wrap="square" rtlCol="0">
-            <a:spAutoFit/>
-          </a:bodyPr>
-          <a:lstStyle/>
-          <a:p>
-            <a:r>
-              <a:rPr lang="de-CH" sz="1200" dirty="0" smtClean="0"/>
-              <a:t>Meeting </a:t>
-            </a:r>
-            <a:r>
-              <a:rPr lang="de-CH" sz="1200" dirty="0" err="1" smtClean="0"/>
-              <a:t>soon</a:t>
-            </a:r>
-            <a:r>
-              <a:rPr lang="de-CH" sz="1200" dirty="0" smtClean="0"/>
-              <a:t>? (</a:t>
-            </a:r>
-            <a:r>
-              <a:rPr lang="de-CH" sz="1200" dirty="0"/>
-              <a:t>Date, </a:t>
-            </a:r>
-            <a:r>
-              <a:rPr lang="de-CH" sz="1200" dirty="0" smtClean="0"/>
-              <a:t>Starttime, </a:t>
-            </a:r>
-            <a:r>
-              <a:rPr lang="de-CH" sz="1200" dirty="0" err="1" smtClean="0"/>
-              <a:t>actual</a:t>
-            </a:r>
-            <a:r>
-              <a:rPr lang="de-CH" sz="1200" dirty="0" smtClean="0"/>
-              <a:t> Time)</a:t>
-            </a:r>
-            <a:endParaRPr lang="de-CH" sz="1200" dirty="0"/>
-          </a:p>
-        </p:txBody>
-      </p:sp>
-      <p:sp>
-        <p:nvSpPr>
-          <p:cNvPr id="59" name="Textfeld 58"/>
-          <p:cNvSpPr txBox="1"/>
-          <p:nvPr/>
-        </p:nvSpPr>
-        <p:spPr>
-          <a:xfrm>
-            <a:off x="3166535" y="3174684"/>
-            <a:ext cx="1505272" cy="276999"/>
-          </a:xfrm>
-          <a:prstGeom prst="rect">
-            <a:avLst/>
-          </a:prstGeom>
-          <a:noFill/>
-        </p:spPr>
-        <p:txBody>
-          <a:bodyPr wrap="square" rtlCol="0">
-            <a:spAutoFit/>
-          </a:bodyPr>
-          <a:lstStyle/>
-          <a:p>
-            <a:r>
-              <a:rPr lang="de-CH" sz="1200" dirty="0" smtClean="0"/>
-              <a:t>Meeting </a:t>
-            </a:r>
-            <a:r>
-              <a:rPr lang="de-CH" sz="1200" dirty="0" err="1" smtClean="0"/>
-              <a:t>soon</a:t>
-            </a:r>
-            <a:endParaRPr lang="de-CH" sz="1200" dirty="0"/>
-          </a:p>
-        </p:txBody>
-      </p:sp>
-      <p:sp>
-        <p:nvSpPr>
-          <p:cNvPr id="60" name="Textfeld 59"/>
-          <p:cNvSpPr txBox="1"/>
-          <p:nvPr/>
-        </p:nvSpPr>
-        <p:spPr>
-          <a:xfrm>
-            <a:off x="3263442" y="5506224"/>
-            <a:ext cx="1505272" cy="276999"/>
-          </a:xfrm>
-          <a:prstGeom prst="rect">
-            <a:avLst/>
-          </a:prstGeom>
-          <a:noFill/>
-        </p:spPr>
-        <p:txBody>
-          <a:bodyPr wrap="square" rtlCol="0">
-            <a:spAutoFit/>
-          </a:bodyPr>
-          <a:lstStyle/>
-          <a:p>
-            <a:r>
-              <a:rPr lang="de-CH" sz="1200" dirty="0" err="1" smtClean="0"/>
-              <a:t>No</a:t>
-            </a:r>
-            <a:r>
-              <a:rPr lang="de-CH" sz="1200" dirty="0" smtClean="0"/>
-              <a:t> Meeting () </a:t>
-            </a:r>
-            <a:endParaRPr lang="de-CH" sz="1200" dirty="0"/>
-          </a:p>
-        </p:txBody>
-      </p:sp>
-      <p:cxnSp>
-        <p:nvCxnSpPr>
-          <p:cNvPr id="32" name="Gerade Verbindung 31"/>
-          <p:cNvCxnSpPr/>
-          <p:nvPr/>
-        </p:nvCxnSpPr>
-        <p:spPr>
-          <a:xfrm flipV="1">
-            <a:off x="1204972" y="5013176"/>
-            <a:ext cx="6122432" cy="15986"/>
-          </a:xfrm>
-          <a:prstGeom prst="line">
-            <a:avLst/>
-          </a:prstGeom>
-          <a:ln/>
-          <a:effectLst/>
-        </p:spPr>
-        <p:style>
-          <a:lnRef idx="2">
-            <a:schemeClr val="dk1"/>
-          </a:lnRef>
-          <a:fillRef idx="0">
-            <a:schemeClr val="dk1"/>
-          </a:fillRef>
-          <a:effectRef idx="1">
-            <a:schemeClr val="dk1"/>
-          </a:effectRef>
-          <a:fontRef idx="minor">
-            <a:schemeClr val="tx1"/>
-          </a:fontRef>
-        </p:style>
-      </p:cxnSp>
-      <p:sp>
-        <p:nvSpPr>
-          <p:cNvPr id="50" name="Textfeld 49"/>
-          <p:cNvSpPr txBox="1"/>
-          <p:nvPr/>
-        </p:nvSpPr>
-        <p:spPr>
-          <a:xfrm>
-            <a:off x="1602010" y="3969230"/>
-            <a:ext cx="1314402" cy="461665"/>
-          </a:xfrm>
-          <a:prstGeom prst="rect">
-            <a:avLst/>
-          </a:prstGeom>
-          <a:noFill/>
-        </p:spPr>
-        <p:txBody>
-          <a:bodyPr wrap="square" rtlCol="0">
-            <a:spAutoFit/>
-          </a:bodyPr>
-          <a:lstStyle/>
-          <a:p>
-            <a:r>
-              <a:rPr lang="de-CH" sz="1200" dirty="0" smtClean="0"/>
-              <a:t>Alert(</a:t>
-            </a:r>
-            <a:r>
-              <a:rPr lang="de-CH" sz="1200" dirty="0" err="1" smtClean="0"/>
-              <a:t>content</a:t>
-            </a:r>
-            <a:r>
-              <a:rPr lang="de-CH" sz="1200" dirty="0" smtClean="0"/>
-              <a:t>, time)</a:t>
-            </a:r>
-            <a:endParaRPr lang="de-CH" sz="1200" dirty="0"/>
-          </a:p>
-        </p:txBody>
-      </p:sp>
-      <p:cxnSp>
-        <p:nvCxnSpPr>
-          <p:cNvPr id="29" name="Gewinkelte Verbindung 28"/>
-          <p:cNvCxnSpPr/>
-          <p:nvPr/>
-        </p:nvCxnSpPr>
-        <p:spPr>
-          <a:xfrm rot="16200000" flipH="1">
-            <a:off x="4712287" y="2379005"/>
-            <a:ext cx="568767" cy="91061"/>
-          </a:xfrm>
-          <a:prstGeom prst="bentConnector3">
-            <a:avLst>
-              <a:gd name="adj1" fmla="val 50000"/>
-            </a:avLst>
-          </a:prstGeom>
-          <a:ln>
-            <a:tailEnd type="arrow"/>
-          </a:ln>
-        </p:spPr>
-        <p:style>
-          <a:lnRef idx="1">
-            <a:schemeClr val="accent1"/>
-          </a:lnRef>
-          <a:fillRef idx="0">
-            <a:schemeClr val="accent1"/>
-          </a:fillRef>
-          <a:effectRef idx="0">
-            <a:schemeClr val="accent1"/>
-          </a:effectRef>
-          <a:fontRef idx="minor">
-            <a:schemeClr val="tx1"/>
-          </a:fontRef>
-        </p:style>
-      </p:cxnSp>
-      <p:sp>
-        <p:nvSpPr>
-          <p:cNvPr id="16" name="Titel 15"/>
-          <p:cNvSpPr>
-            <a:spLocks noGrp="1"/>
-          </p:cNvSpPr>
-          <p:nvPr>
-            <p:ph type="ctrTitle"/>
-          </p:nvPr>
-        </p:nvSpPr>
-        <p:spPr>
-          <a:xfrm>
-            <a:off x="468000" y="104894"/>
-            <a:ext cx="8100000" cy="540000"/>
-          </a:xfrm>
-        </p:spPr>
-        <p:txBody>
-          <a:bodyPr/>
-          <a:lstStyle/>
-          <a:p>
-            <a:r>
-              <a:rPr lang="de-CH" dirty="0" smtClean="0"/>
-              <a:t>Terminerinnerung</a:t>
-            </a:r>
-            <a:endParaRPr lang="de-CH" dirty="0"/>
-          </a:p>
-        </p:txBody>
-      </p:sp>
+      </p:pic>
     </p:spTree>
     <p:extLst>
       <p:ext uri="{BB962C8B-B14F-4D97-AF65-F5344CB8AC3E}">
-        <p14:creationId xmlns:p14="http://schemas.microsoft.com/office/powerpoint/2010/main" val="2393781292"/>
+        <p14:creationId xmlns:p14="http://schemas.microsoft.com/office/powerpoint/2010/main" val="1584678822"/>
       </p:ext>
     </p:extLst>
   </p:cSld>
@@ -11158,1641 +7460,6 @@
       </p:grpSpPr>
       <p:sp>
         <p:nvSpPr>
-          <p:cNvPr id="5" name="Rechteck 4"/>
-          <p:cNvSpPr/>
-          <p:nvPr/>
-        </p:nvSpPr>
-        <p:spPr>
-          <a:xfrm>
-            <a:off x="3210450" y="2118740"/>
-            <a:ext cx="1368743" cy="476579"/>
-          </a:xfrm>
-          <a:prstGeom prst="rect">
-            <a:avLst/>
-          </a:prstGeom>
-        </p:spPr>
-        <p:style>
-          <a:lnRef idx="2">
-            <a:schemeClr val="accent1">
-              <a:shade val="50000"/>
-            </a:schemeClr>
-          </a:lnRef>
-          <a:fillRef idx="1">
-            <a:schemeClr val="accent1"/>
-          </a:fillRef>
-          <a:effectRef idx="0">
-            <a:schemeClr val="accent1"/>
-          </a:effectRef>
-          <a:fontRef idx="minor">
-            <a:schemeClr val="lt1"/>
-          </a:fontRef>
-        </p:style>
-        <p:txBody>
-          <a:bodyPr rtlCol="0" anchor="ctr"/>
-          <a:lstStyle/>
-          <a:p>
-            <a:pPr algn="ctr"/>
-            <a:r>
-              <a:rPr lang="de-CH" sz="1800" dirty="0"/>
-              <a:t>+Patient</a:t>
-            </a:r>
-          </a:p>
-        </p:txBody>
-      </p:sp>
-      <p:sp>
-        <p:nvSpPr>
-          <p:cNvPr id="10" name="Rechteck 9"/>
-          <p:cNvSpPr/>
-          <p:nvPr/>
-        </p:nvSpPr>
-        <p:spPr>
-          <a:xfrm>
-            <a:off x="5582663" y="2057902"/>
-            <a:ext cx="1495008" cy="582848"/>
-          </a:xfrm>
-          <a:prstGeom prst="rect">
-            <a:avLst/>
-          </a:prstGeom>
-        </p:spPr>
-        <p:style>
-          <a:lnRef idx="2">
-            <a:schemeClr val="accent1">
-              <a:shade val="50000"/>
-            </a:schemeClr>
-          </a:lnRef>
-          <a:fillRef idx="1">
-            <a:schemeClr val="accent1"/>
-          </a:fillRef>
-          <a:effectRef idx="0">
-            <a:schemeClr val="accent1"/>
-          </a:effectRef>
-          <a:fontRef idx="minor">
-            <a:schemeClr val="lt1"/>
-          </a:fontRef>
-        </p:style>
-        <p:txBody>
-          <a:bodyPr rtlCol="0" anchor="ctr"/>
-          <a:lstStyle/>
-          <a:p>
-            <a:pPr algn="ctr"/>
-            <a:r>
-              <a:rPr lang="de-CH" sz="1800" dirty="0"/>
-              <a:t>Kalender</a:t>
-            </a:r>
-          </a:p>
-        </p:txBody>
-      </p:sp>
-      <p:cxnSp>
-        <p:nvCxnSpPr>
-          <p:cNvPr id="19" name="Gerade Verbindung mit Pfeil 18"/>
-          <p:cNvCxnSpPr>
-            <a:stCxn id="5" idx="3"/>
-            <a:endCxn id="10" idx="1"/>
-          </p:cNvCxnSpPr>
-          <p:nvPr/>
-        </p:nvCxnSpPr>
-        <p:spPr>
-          <a:xfrm flipV="1">
-            <a:off x="4579193" y="2349327"/>
-            <a:ext cx="1003471" cy="7703"/>
-          </a:xfrm>
-          <a:prstGeom prst="straightConnector1">
-            <a:avLst/>
-          </a:prstGeom>
-          <a:ln>
-            <a:tailEnd type="triangle"/>
-          </a:ln>
-        </p:spPr>
-        <p:style>
-          <a:lnRef idx="1">
-            <a:schemeClr val="accent1"/>
-          </a:lnRef>
-          <a:fillRef idx="0">
-            <a:schemeClr val="accent1"/>
-          </a:fillRef>
-          <a:effectRef idx="0">
-            <a:schemeClr val="accent1"/>
-          </a:effectRef>
-          <a:fontRef idx="minor">
-            <a:schemeClr val="tx1"/>
-          </a:fontRef>
-        </p:style>
-      </p:cxnSp>
-      <p:cxnSp>
-        <p:nvCxnSpPr>
-          <p:cNvPr id="26" name="Gerade Verbindung mit Pfeil 25"/>
-          <p:cNvCxnSpPr>
-            <a:stCxn id="5" idx="2"/>
-            <a:endCxn id="78" idx="0"/>
-          </p:cNvCxnSpPr>
-          <p:nvPr/>
-        </p:nvCxnSpPr>
-        <p:spPr>
-          <a:xfrm>
-            <a:off x="3894821" y="2595319"/>
-            <a:ext cx="6023" cy="2074874"/>
-          </a:xfrm>
-          <a:prstGeom prst="straightConnector1">
-            <a:avLst/>
-          </a:prstGeom>
-          <a:ln>
-            <a:tailEnd type="triangle"/>
-          </a:ln>
-        </p:spPr>
-        <p:style>
-          <a:lnRef idx="1">
-            <a:schemeClr val="accent1"/>
-          </a:lnRef>
-          <a:fillRef idx="0">
-            <a:schemeClr val="accent1"/>
-          </a:fillRef>
-          <a:effectRef idx="0">
-            <a:schemeClr val="accent1"/>
-          </a:effectRef>
-          <a:fontRef idx="minor">
-            <a:schemeClr val="tx1"/>
-          </a:fontRef>
-        </p:style>
-      </p:cxnSp>
-      <p:sp>
-        <p:nvSpPr>
-          <p:cNvPr id="33" name="Rechteck 32"/>
-          <p:cNvSpPr/>
-          <p:nvPr/>
-        </p:nvSpPr>
-        <p:spPr>
-          <a:xfrm>
-            <a:off x="48133" y="2057902"/>
-            <a:ext cx="1368743" cy="582848"/>
-          </a:xfrm>
-          <a:prstGeom prst="rect">
-            <a:avLst/>
-          </a:prstGeom>
-        </p:spPr>
-        <p:style>
-          <a:lnRef idx="2">
-            <a:schemeClr val="accent1">
-              <a:shade val="50000"/>
-            </a:schemeClr>
-          </a:lnRef>
-          <a:fillRef idx="1">
-            <a:schemeClr val="accent1"/>
-          </a:fillRef>
-          <a:effectRef idx="0">
-            <a:schemeClr val="accent1"/>
-          </a:effectRef>
-          <a:fontRef idx="minor">
-            <a:schemeClr val="lt1"/>
-          </a:fontRef>
-        </p:style>
-        <p:txBody>
-          <a:bodyPr rtlCol="0" anchor="ctr"/>
-          <a:lstStyle/>
-          <a:p>
-            <a:pPr algn="ctr"/>
-            <a:r>
-              <a:rPr lang="de-CH" sz="1800" dirty="0"/>
-              <a:t>Krankheit</a:t>
-            </a:r>
-          </a:p>
-        </p:txBody>
-      </p:sp>
-      <p:cxnSp>
-        <p:nvCxnSpPr>
-          <p:cNvPr id="34" name="Gerade Verbindung mit Pfeil 33"/>
-          <p:cNvCxnSpPr>
-            <a:stCxn id="5" idx="1"/>
-            <a:endCxn id="33" idx="3"/>
-          </p:cNvCxnSpPr>
-          <p:nvPr/>
-        </p:nvCxnSpPr>
-        <p:spPr>
-          <a:xfrm flipH="1" flipV="1">
-            <a:off x="1416876" y="2349327"/>
-            <a:ext cx="1793574" cy="7703"/>
-          </a:xfrm>
-          <a:prstGeom prst="straightConnector1">
-            <a:avLst/>
-          </a:prstGeom>
-          <a:ln>
-            <a:tailEnd type="triangle"/>
-          </a:ln>
-        </p:spPr>
-        <p:style>
-          <a:lnRef idx="1">
-            <a:schemeClr val="accent1"/>
-          </a:lnRef>
-          <a:fillRef idx="0">
-            <a:schemeClr val="accent1"/>
-          </a:fillRef>
-          <a:effectRef idx="0">
-            <a:schemeClr val="accent1"/>
-          </a:effectRef>
-          <a:fontRef idx="minor">
-            <a:schemeClr val="tx1"/>
-          </a:fontRef>
-        </p:style>
-      </p:cxnSp>
-      <p:pic>
-        <p:nvPicPr>
-          <p:cNvPr id="56" name="Grafik 55"/>
-          <p:cNvPicPr>
-            <a:picLocks noChangeAspect="1"/>
-          </p:cNvPicPr>
-          <p:nvPr/>
-        </p:nvPicPr>
-        <p:blipFill>
-          <a:blip r:embed="rId2"/>
-          <a:stretch>
-            <a:fillRect/>
-          </a:stretch>
-        </p:blipFill>
-        <p:spPr>
-          <a:xfrm>
-            <a:off x="3507577" y="3580590"/>
-            <a:ext cx="157163" cy="200025"/>
-          </a:xfrm>
-          <a:prstGeom prst="rect">
-            <a:avLst/>
-          </a:prstGeom>
-        </p:spPr>
-      </p:pic>
-      <p:pic>
-        <p:nvPicPr>
-          <p:cNvPr id="57" name="Grafik 56"/>
-          <p:cNvPicPr>
-            <a:picLocks noChangeAspect="1"/>
-          </p:cNvPicPr>
-          <p:nvPr/>
-        </p:nvPicPr>
-        <p:blipFill>
-          <a:blip r:embed="rId3"/>
-          <a:stretch>
-            <a:fillRect/>
-          </a:stretch>
-        </p:blipFill>
-        <p:spPr>
-          <a:xfrm>
-            <a:off x="1508321" y="2114318"/>
-            <a:ext cx="264319" cy="178594"/>
-          </a:xfrm>
-          <a:prstGeom prst="rect">
-            <a:avLst/>
-          </a:prstGeom>
-        </p:spPr>
-      </p:pic>
-      <p:pic>
-        <p:nvPicPr>
-          <p:cNvPr id="59" name="Grafik 58"/>
-          <p:cNvPicPr>
-            <a:picLocks noChangeAspect="1"/>
-          </p:cNvPicPr>
-          <p:nvPr/>
-        </p:nvPicPr>
-        <p:blipFill>
-          <a:blip r:embed="rId3"/>
-          <a:stretch>
-            <a:fillRect/>
-          </a:stretch>
-        </p:blipFill>
-        <p:spPr>
-          <a:xfrm>
-            <a:off x="2735345" y="2079736"/>
-            <a:ext cx="264319" cy="178594"/>
-          </a:xfrm>
-          <a:prstGeom prst="rect">
-            <a:avLst/>
-          </a:prstGeom>
-        </p:spPr>
-      </p:pic>
-      <p:pic>
-        <p:nvPicPr>
-          <p:cNvPr id="63" name="Grafik 62"/>
-          <p:cNvPicPr>
-            <a:picLocks noChangeAspect="1"/>
-          </p:cNvPicPr>
-          <p:nvPr/>
-        </p:nvPicPr>
-        <p:blipFill>
-          <a:blip r:embed="rId2"/>
-          <a:stretch>
-            <a:fillRect/>
-          </a:stretch>
-        </p:blipFill>
-        <p:spPr>
-          <a:xfrm>
-            <a:off x="5364517" y="2126390"/>
-            <a:ext cx="157163" cy="200025"/>
-          </a:xfrm>
-          <a:prstGeom prst="rect">
-            <a:avLst/>
-          </a:prstGeom>
-        </p:spPr>
-      </p:pic>
-      <p:sp>
-        <p:nvSpPr>
-          <p:cNvPr id="77" name="Textfeld 76"/>
-          <p:cNvSpPr txBox="1"/>
-          <p:nvPr/>
-        </p:nvSpPr>
-        <p:spPr>
-          <a:xfrm>
-            <a:off x="3901206" y="1474437"/>
-            <a:ext cx="1417138" cy="646331"/>
-          </a:xfrm>
-          <a:prstGeom prst="rect">
-            <a:avLst/>
-          </a:prstGeom>
-          <a:noFill/>
-        </p:spPr>
-        <p:txBody>
-          <a:bodyPr wrap="square" rtlCol="0">
-            <a:spAutoFit/>
-          </a:bodyPr>
-          <a:lstStyle/>
-          <a:p>
-            <a:r>
-              <a:rPr lang="de-CH" sz="1800" dirty="0"/>
-              <a:t>Überwiesen zu</a:t>
-            </a:r>
-          </a:p>
-        </p:txBody>
-      </p:sp>
-      <p:sp>
-        <p:nvSpPr>
-          <p:cNvPr id="78" name="Rechteck 77"/>
-          <p:cNvSpPr/>
-          <p:nvPr/>
-        </p:nvSpPr>
-        <p:spPr>
-          <a:xfrm>
-            <a:off x="3216472" y="4670194"/>
-            <a:ext cx="1368743" cy="582848"/>
-          </a:xfrm>
-          <a:prstGeom prst="rect">
-            <a:avLst/>
-          </a:prstGeom>
-        </p:spPr>
-        <p:style>
-          <a:lnRef idx="2">
-            <a:schemeClr val="accent1">
-              <a:shade val="50000"/>
-            </a:schemeClr>
-          </a:lnRef>
-          <a:fillRef idx="1">
-            <a:schemeClr val="accent1"/>
-          </a:fillRef>
-          <a:effectRef idx="0">
-            <a:schemeClr val="accent1"/>
-          </a:effectRef>
-          <a:fontRef idx="minor">
-            <a:schemeClr val="lt1"/>
-          </a:fontRef>
-        </p:style>
-        <p:txBody>
-          <a:bodyPr rtlCol="0" anchor="ctr"/>
-          <a:lstStyle/>
-          <a:p>
-            <a:pPr algn="ctr"/>
-            <a:r>
-              <a:rPr lang="de-CH" sz="1800" dirty="0"/>
-              <a:t>Medikationsplan</a:t>
-            </a:r>
-          </a:p>
-        </p:txBody>
-      </p:sp>
-      <p:sp>
-        <p:nvSpPr>
-          <p:cNvPr id="79" name="Rechteck 78"/>
-          <p:cNvSpPr/>
-          <p:nvPr/>
-        </p:nvSpPr>
-        <p:spPr>
-          <a:xfrm>
-            <a:off x="5605164" y="4670193"/>
-            <a:ext cx="1170146" cy="582848"/>
-          </a:xfrm>
-          <a:prstGeom prst="rect">
-            <a:avLst/>
-          </a:prstGeom>
-        </p:spPr>
-        <p:style>
-          <a:lnRef idx="2">
-            <a:schemeClr val="accent1">
-              <a:shade val="50000"/>
-            </a:schemeClr>
-          </a:lnRef>
-          <a:fillRef idx="1">
-            <a:schemeClr val="accent1"/>
-          </a:fillRef>
-          <a:effectRef idx="0">
-            <a:schemeClr val="accent1"/>
-          </a:effectRef>
-          <a:fontRef idx="minor">
-            <a:schemeClr val="lt1"/>
-          </a:fontRef>
-        </p:style>
-        <p:txBody>
-          <a:bodyPr rtlCol="0" anchor="ctr"/>
-          <a:lstStyle/>
-          <a:p>
-            <a:pPr algn="ctr"/>
-            <a:r>
-              <a:rPr lang="de-CH" sz="1800" dirty="0"/>
-              <a:t>Medikamente</a:t>
-            </a:r>
-          </a:p>
-        </p:txBody>
-      </p:sp>
-      <p:sp>
-        <p:nvSpPr>
-          <p:cNvPr id="80" name="Rechteck 79"/>
-          <p:cNvSpPr/>
-          <p:nvPr/>
-        </p:nvSpPr>
-        <p:spPr>
-          <a:xfrm>
-            <a:off x="8131494" y="4657735"/>
-            <a:ext cx="1093408" cy="582848"/>
-          </a:xfrm>
-          <a:prstGeom prst="rect">
-            <a:avLst/>
-          </a:prstGeom>
-        </p:spPr>
-        <p:style>
-          <a:lnRef idx="2">
-            <a:schemeClr val="accent1">
-              <a:shade val="50000"/>
-            </a:schemeClr>
-          </a:lnRef>
-          <a:fillRef idx="1">
-            <a:schemeClr val="accent1"/>
-          </a:fillRef>
-          <a:effectRef idx="0">
-            <a:schemeClr val="accent1"/>
-          </a:effectRef>
-          <a:fontRef idx="minor">
-            <a:schemeClr val="lt1"/>
-          </a:fontRef>
-        </p:style>
-        <p:txBody>
-          <a:bodyPr rtlCol="0" anchor="ctr"/>
-          <a:lstStyle/>
-          <a:p>
-            <a:pPr algn="ctr"/>
-            <a:r>
-              <a:rPr lang="de-CH" sz="1800" dirty="0"/>
-              <a:t>Rezepte</a:t>
-            </a:r>
-          </a:p>
-        </p:txBody>
-      </p:sp>
-      <p:cxnSp>
-        <p:nvCxnSpPr>
-          <p:cNvPr id="81" name="Gerade Verbindung mit Pfeil 80"/>
-          <p:cNvCxnSpPr>
-            <a:stCxn id="78" idx="3"/>
-            <a:endCxn id="79" idx="1"/>
-          </p:cNvCxnSpPr>
-          <p:nvPr/>
-        </p:nvCxnSpPr>
-        <p:spPr>
-          <a:xfrm flipV="1">
-            <a:off x="4585216" y="4961617"/>
-            <a:ext cx="1019948" cy="1"/>
-          </a:xfrm>
-          <a:prstGeom prst="straightConnector1">
-            <a:avLst/>
-          </a:prstGeom>
-          <a:ln>
-            <a:tailEnd type="triangle"/>
-          </a:ln>
-        </p:spPr>
-        <p:style>
-          <a:lnRef idx="1">
-            <a:schemeClr val="accent1"/>
-          </a:lnRef>
-          <a:fillRef idx="0">
-            <a:schemeClr val="accent1"/>
-          </a:fillRef>
-          <a:effectRef idx="0">
-            <a:schemeClr val="accent1"/>
-          </a:effectRef>
-          <a:fontRef idx="minor">
-            <a:schemeClr val="tx1"/>
-          </a:fontRef>
-        </p:style>
-      </p:cxnSp>
-      <p:cxnSp>
-        <p:nvCxnSpPr>
-          <p:cNvPr id="82" name="Gerade Verbindung mit Pfeil 81"/>
-          <p:cNvCxnSpPr>
-            <a:stCxn id="79" idx="3"/>
-            <a:endCxn id="80" idx="1"/>
-          </p:cNvCxnSpPr>
-          <p:nvPr/>
-        </p:nvCxnSpPr>
-        <p:spPr>
-          <a:xfrm flipV="1">
-            <a:off x="6775310" y="4949159"/>
-            <a:ext cx="1356184" cy="12458"/>
-          </a:xfrm>
-          <a:prstGeom prst="straightConnector1">
-            <a:avLst/>
-          </a:prstGeom>
-          <a:ln>
-            <a:tailEnd type="triangle"/>
-          </a:ln>
-        </p:spPr>
-        <p:style>
-          <a:lnRef idx="1">
-            <a:schemeClr val="accent1"/>
-          </a:lnRef>
-          <a:fillRef idx="0">
-            <a:schemeClr val="accent1"/>
-          </a:fillRef>
-          <a:effectRef idx="0">
-            <a:schemeClr val="accent1"/>
-          </a:effectRef>
-          <a:fontRef idx="minor">
-            <a:schemeClr val="tx1"/>
-          </a:fontRef>
-        </p:style>
-      </p:cxnSp>
-      <p:pic>
-        <p:nvPicPr>
-          <p:cNvPr id="83" name="Grafik 82"/>
-          <p:cNvPicPr>
-            <a:picLocks noChangeAspect="1"/>
-          </p:cNvPicPr>
-          <p:nvPr/>
-        </p:nvPicPr>
-        <p:blipFill>
-          <a:blip r:embed="rId3"/>
-          <a:stretch>
-            <a:fillRect/>
-          </a:stretch>
-        </p:blipFill>
-        <p:spPr>
-          <a:xfrm>
-            <a:off x="4619860" y="5028689"/>
-            <a:ext cx="264319" cy="178594"/>
-          </a:xfrm>
-          <a:prstGeom prst="rect">
-            <a:avLst/>
-          </a:prstGeom>
-        </p:spPr>
-      </p:pic>
-      <p:pic>
-        <p:nvPicPr>
-          <p:cNvPr id="84" name="Grafik 83"/>
-          <p:cNvPicPr>
-            <a:picLocks noChangeAspect="1"/>
-          </p:cNvPicPr>
-          <p:nvPr/>
-        </p:nvPicPr>
-        <p:blipFill>
-          <a:blip r:embed="rId3"/>
-          <a:stretch>
-            <a:fillRect/>
-          </a:stretch>
-        </p:blipFill>
-        <p:spPr>
-          <a:xfrm>
-            <a:off x="5301555" y="5040558"/>
-            <a:ext cx="264319" cy="178594"/>
-          </a:xfrm>
-          <a:prstGeom prst="rect">
-            <a:avLst/>
-          </a:prstGeom>
-        </p:spPr>
-      </p:pic>
-      <p:pic>
-        <p:nvPicPr>
-          <p:cNvPr id="85" name="Grafik 84"/>
-          <p:cNvPicPr>
-            <a:picLocks noChangeAspect="1"/>
-          </p:cNvPicPr>
-          <p:nvPr/>
-        </p:nvPicPr>
-        <p:blipFill>
-          <a:blip r:embed="rId2"/>
-          <a:stretch>
-            <a:fillRect/>
-          </a:stretch>
-        </p:blipFill>
-        <p:spPr>
-          <a:xfrm>
-            <a:off x="8047791" y="5065502"/>
-            <a:ext cx="157163" cy="200025"/>
-          </a:xfrm>
-          <a:prstGeom prst="rect">
-            <a:avLst/>
-          </a:prstGeom>
-        </p:spPr>
-      </p:pic>
-      <p:sp>
-        <p:nvSpPr>
-          <p:cNvPr id="86" name="Textfeld 85"/>
-          <p:cNvSpPr txBox="1"/>
-          <p:nvPr/>
-        </p:nvSpPr>
-        <p:spPr>
-          <a:xfrm>
-            <a:off x="7837766" y="4968432"/>
-            <a:ext cx="420049" cy="369332"/>
-          </a:xfrm>
-          <a:prstGeom prst="rect">
-            <a:avLst/>
-          </a:prstGeom>
-          <a:noFill/>
-        </p:spPr>
-        <p:txBody>
-          <a:bodyPr wrap="square" rtlCol="0">
-            <a:spAutoFit/>
-          </a:bodyPr>
-          <a:lstStyle/>
-          <a:p>
-            <a:r>
-              <a:rPr lang="de-CH" sz="1600" dirty="0"/>
-              <a:t>0</a:t>
-            </a:r>
-            <a:r>
-              <a:rPr lang="de-CH" sz="1800" dirty="0"/>
-              <a:t>-</a:t>
-            </a:r>
-          </a:p>
-        </p:txBody>
-      </p:sp>
-      <p:sp>
-        <p:nvSpPr>
-          <p:cNvPr id="102" name="Rechteck 101"/>
-          <p:cNvSpPr/>
-          <p:nvPr/>
-        </p:nvSpPr>
-        <p:spPr>
-          <a:xfrm>
-            <a:off x="7724538" y="2057902"/>
-            <a:ext cx="1368743" cy="582848"/>
-          </a:xfrm>
-          <a:prstGeom prst="rect">
-            <a:avLst/>
-          </a:prstGeom>
-        </p:spPr>
-        <p:style>
-          <a:lnRef idx="2">
-            <a:schemeClr val="accent1">
-              <a:shade val="50000"/>
-            </a:schemeClr>
-          </a:lnRef>
-          <a:fillRef idx="1">
-            <a:schemeClr val="accent1"/>
-          </a:fillRef>
-          <a:effectRef idx="0">
-            <a:schemeClr val="accent1"/>
-          </a:effectRef>
-          <a:fontRef idx="minor">
-            <a:schemeClr val="lt1"/>
-          </a:fontRef>
-        </p:style>
-        <p:txBody>
-          <a:bodyPr rtlCol="0" anchor="ctr"/>
-          <a:lstStyle/>
-          <a:p>
-            <a:pPr algn="ctr"/>
-            <a:r>
-              <a:rPr lang="de-CH" sz="1800" dirty="0"/>
-              <a:t>Termin</a:t>
-            </a:r>
-          </a:p>
-        </p:txBody>
-      </p:sp>
-      <p:cxnSp>
-        <p:nvCxnSpPr>
-          <p:cNvPr id="112" name="Gerade Verbindung mit Pfeil 111"/>
-          <p:cNvCxnSpPr>
-            <a:stCxn id="10" idx="3"/>
-            <a:endCxn id="102" idx="1"/>
-          </p:cNvCxnSpPr>
-          <p:nvPr/>
-        </p:nvCxnSpPr>
-        <p:spPr>
-          <a:xfrm>
-            <a:off x="7077672" y="2349326"/>
-            <a:ext cx="646867" cy="0"/>
-          </a:xfrm>
-          <a:prstGeom prst="straightConnector1">
-            <a:avLst/>
-          </a:prstGeom>
-          <a:ln>
-            <a:tailEnd type="triangle"/>
-          </a:ln>
-        </p:spPr>
-        <p:style>
-          <a:lnRef idx="1">
-            <a:schemeClr val="accent1"/>
-          </a:lnRef>
-          <a:fillRef idx="0">
-            <a:schemeClr val="accent1"/>
-          </a:fillRef>
-          <a:effectRef idx="0">
-            <a:schemeClr val="accent1"/>
-          </a:effectRef>
-          <a:fontRef idx="minor">
-            <a:schemeClr val="tx1"/>
-          </a:fontRef>
-        </p:style>
-      </p:cxnSp>
-      <p:sp>
-        <p:nvSpPr>
-          <p:cNvPr id="118" name="Rechteck 117"/>
-          <p:cNvSpPr/>
-          <p:nvPr/>
-        </p:nvSpPr>
-        <p:spPr>
-          <a:xfrm>
-            <a:off x="3228975" y="898161"/>
-            <a:ext cx="1318736" cy="582848"/>
-          </a:xfrm>
-          <a:prstGeom prst="rect">
-            <a:avLst/>
-          </a:prstGeom>
-        </p:spPr>
-        <p:style>
-          <a:lnRef idx="2">
-            <a:schemeClr val="accent1">
-              <a:shade val="50000"/>
-            </a:schemeClr>
-          </a:lnRef>
-          <a:fillRef idx="1">
-            <a:schemeClr val="accent1"/>
-          </a:fillRef>
-          <a:effectRef idx="0">
-            <a:schemeClr val="accent1"/>
-          </a:effectRef>
-          <a:fontRef idx="minor">
-            <a:schemeClr val="lt1"/>
-          </a:fontRef>
-        </p:style>
-        <p:txBody>
-          <a:bodyPr rtlCol="0" anchor="ctr"/>
-          <a:lstStyle/>
-          <a:p>
-            <a:pPr algn="ctr"/>
-            <a:r>
-              <a:rPr lang="de-CH" sz="1800" dirty="0"/>
-              <a:t>Arzt</a:t>
-            </a:r>
-          </a:p>
-        </p:txBody>
-      </p:sp>
-      <p:cxnSp>
-        <p:nvCxnSpPr>
-          <p:cNvPr id="119" name="Gerade Verbindung mit Pfeil 118"/>
-          <p:cNvCxnSpPr>
-            <a:stCxn id="5" idx="0"/>
-            <a:endCxn id="118" idx="2"/>
-          </p:cNvCxnSpPr>
-          <p:nvPr/>
-        </p:nvCxnSpPr>
-        <p:spPr>
-          <a:xfrm flipH="1" flipV="1">
-            <a:off x="3888343" y="1481009"/>
-            <a:ext cx="6479" cy="637732"/>
-          </a:xfrm>
-          <a:prstGeom prst="straightConnector1">
-            <a:avLst/>
-          </a:prstGeom>
-          <a:ln>
-            <a:tailEnd type="triangle"/>
-          </a:ln>
-        </p:spPr>
-        <p:style>
-          <a:lnRef idx="1">
-            <a:schemeClr val="accent1"/>
-          </a:lnRef>
-          <a:fillRef idx="0">
-            <a:schemeClr val="accent1"/>
-          </a:fillRef>
-          <a:effectRef idx="0">
-            <a:schemeClr val="accent1"/>
-          </a:effectRef>
-          <a:fontRef idx="minor">
-            <a:schemeClr val="tx1"/>
-          </a:fontRef>
-        </p:style>
-      </p:cxnSp>
-      <p:pic>
-        <p:nvPicPr>
-          <p:cNvPr id="137" name="Grafik 136"/>
-          <p:cNvPicPr>
-            <a:picLocks noChangeAspect="1"/>
-          </p:cNvPicPr>
-          <p:nvPr/>
-        </p:nvPicPr>
-        <p:blipFill>
-          <a:blip r:embed="rId3"/>
-          <a:stretch>
-            <a:fillRect/>
-          </a:stretch>
-        </p:blipFill>
-        <p:spPr>
-          <a:xfrm>
-            <a:off x="3586159" y="1859051"/>
-            <a:ext cx="264319" cy="178594"/>
-          </a:xfrm>
-          <a:prstGeom prst="rect">
-            <a:avLst/>
-          </a:prstGeom>
-        </p:spPr>
-      </p:pic>
-      <p:pic>
-        <p:nvPicPr>
-          <p:cNvPr id="139" name="Grafik 138"/>
-          <p:cNvPicPr>
-            <a:picLocks noChangeAspect="1"/>
-          </p:cNvPicPr>
-          <p:nvPr/>
-        </p:nvPicPr>
-        <p:blipFill>
-          <a:blip r:embed="rId3"/>
-          <a:stretch>
-            <a:fillRect/>
-          </a:stretch>
-        </p:blipFill>
-        <p:spPr>
-          <a:xfrm>
-            <a:off x="3586158" y="1531015"/>
-            <a:ext cx="264319" cy="178594"/>
-          </a:xfrm>
-          <a:prstGeom prst="rect">
-            <a:avLst/>
-          </a:prstGeom>
-        </p:spPr>
-      </p:pic>
-      <p:pic>
-        <p:nvPicPr>
-          <p:cNvPr id="140" name="Grafik 139"/>
-          <p:cNvPicPr>
-            <a:picLocks noChangeAspect="1"/>
-          </p:cNvPicPr>
-          <p:nvPr/>
-        </p:nvPicPr>
-        <p:blipFill>
-          <a:blip r:embed="rId3"/>
-          <a:stretch>
-            <a:fillRect/>
-          </a:stretch>
-        </p:blipFill>
-        <p:spPr>
-          <a:xfrm>
-            <a:off x="7084867" y="2145527"/>
-            <a:ext cx="264319" cy="178594"/>
-          </a:xfrm>
-          <a:prstGeom prst="rect">
-            <a:avLst/>
-          </a:prstGeom>
-        </p:spPr>
-      </p:pic>
-      <p:pic>
-        <p:nvPicPr>
-          <p:cNvPr id="141" name="Grafik 140"/>
-          <p:cNvPicPr>
-            <a:picLocks noChangeAspect="1"/>
-          </p:cNvPicPr>
-          <p:nvPr/>
-        </p:nvPicPr>
-        <p:blipFill>
-          <a:blip r:embed="rId3"/>
-          <a:stretch>
-            <a:fillRect/>
-          </a:stretch>
-        </p:blipFill>
-        <p:spPr>
-          <a:xfrm>
-            <a:off x="7460220" y="2140116"/>
-            <a:ext cx="264319" cy="178594"/>
-          </a:xfrm>
-          <a:prstGeom prst="rect">
-            <a:avLst/>
-          </a:prstGeom>
-        </p:spPr>
-      </p:pic>
-      <p:pic>
-        <p:nvPicPr>
-          <p:cNvPr id="142" name="Grafik 141"/>
-          <p:cNvPicPr>
-            <a:picLocks noChangeAspect="1"/>
-          </p:cNvPicPr>
-          <p:nvPr/>
-        </p:nvPicPr>
-        <p:blipFill>
-          <a:blip r:embed="rId2"/>
-          <a:stretch>
-            <a:fillRect/>
-          </a:stretch>
-        </p:blipFill>
-        <p:spPr>
-          <a:xfrm>
-            <a:off x="6814599" y="5040558"/>
-            <a:ext cx="157163" cy="200025"/>
-          </a:xfrm>
-          <a:prstGeom prst="rect">
-            <a:avLst/>
-          </a:prstGeom>
-        </p:spPr>
-      </p:pic>
-      <p:sp>
-        <p:nvSpPr>
-          <p:cNvPr id="146" name="Textfeld 145"/>
-          <p:cNvSpPr txBox="1"/>
-          <p:nvPr/>
-        </p:nvSpPr>
-        <p:spPr>
-          <a:xfrm>
-            <a:off x="3850477" y="3680603"/>
-            <a:ext cx="1293011" cy="369332"/>
-          </a:xfrm>
-          <a:prstGeom prst="rect">
-            <a:avLst/>
-          </a:prstGeom>
-          <a:noFill/>
-        </p:spPr>
-        <p:txBody>
-          <a:bodyPr wrap="square" rtlCol="0">
-            <a:spAutoFit/>
-          </a:bodyPr>
-          <a:lstStyle/>
-          <a:p>
-            <a:r>
-              <a:rPr lang="de-CH" sz="1800" dirty="0"/>
-              <a:t>hat</a:t>
-            </a:r>
-          </a:p>
-        </p:txBody>
-      </p:sp>
-      <p:sp>
-        <p:nvSpPr>
-          <p:cNvPr id="147" name="Textfeld 146"/>
-          <p:cNvSpPr txBox="1"/>
-          <p:nvPr/>
-        </p:nvSpPr>
-        <p:spPr>
-          <a:xfrm>
-            <a:off x="4519266" y="4650477"/>
-            <a:ext cx="1293011" cy="369332"/>
-          </a:xfrm>
-          <a:prstGeom prst="rect">
-            <a:avLst/>
-          </a:prstGeom>
-          <a:noFill/>
-        </p:spPr>
-        <p:txBody>
-          <a:bodyPr wrap="square" rtlCol="0">
-            <a:spAutoFit/>
-          </a:bodyPr>
-          <a:lstStyle/>
-          <a:p>
-            <a:r>
-              <a:rPr lang="de-CH" sz="1800" dirty="0"/>
-              <a:t>beinhaltet</a:t>
-            </a:r>
-          </a:p>
-        </p:txBody>
-      </p:sp>
-      <p:sp>
-        <p:nvSpPr>
-          <p:cNvPr id="149" name="Textfeld 148"/>
-          <p:cNvSpPr txBox="1"/>
-          <p:nvPr/>
-        </p:nvSpPr>
-        <p:spPr>
-          <a:xfrm>
-            <a:off x="6971761" y="4677405"/>
-            <a:ext cx="1233193" cy="369332"/>
-          </a:xfrm>
-          <a:prstGeom prst="rect">
-            <a:avLst/>
-          </a:prstGeom>
-          <a:noFill/>
-        </p:spPr>
-        <p:txBody>
-          <a:bodyPr wrap="square" rtlCol="0">
-            <a:spAutoFit/>
-          </a:bodyPr>
-          <a:lstStyle/>
-          <a:p>
-            <a:r>
-              <a:rPr lang="de-CH" sz="1800" dirty="0"/>
-              <a:t>benötigen</a:t>
-            </a:r>
-          </a:p>
-        </p:txBody>
-      </p:sp>
-      <p:sp>
-        <p:nvSpPr>
-          <p:cNvPr id="150" name="Textfeld 149"/>
-          <p:cNvSpPr txBox="1"/>
-          <p:nvPr/>
-        </p:nvSpPr>
-        <p:spPr>
-          <a:xfrm>
-            <a:off x="4680145" y="2378807"/>
-            <a:ext cx="1293011" cy="369332"/>
-          </a:xfrm>
-          <a:prstGeom prst="rect">
-            <a:avLst/>
-          </a:prstGeom>
-          <a:noFill/>
-        </p:spPr>
-        <p:txBody>
-          <a:bodyPr wrap="square" rtlCol="0">
-            <a:spAutoFit/>
-          </a:bodyPr>
-          <a:lstStyle/>
-          <a:p>
-            <a:r>
-              <a:rPr lang="de-CH" sz="1800" dirty="0"/>
-              <a:t>hat</a:t>
-            </a:r>
-          </a:p>
-        </p:txBody>
-      </p:sp>
-      <p:sp>
-        <p:nvSpPr>
-          <p:cNvPr id="151" name="Textfeld 150"/>
-          <p:cNvSpPr txBox="1"/>
-          <p:nvPr/>
-        </p:nvSpPr>
-        <p:spPr>
-          <a:xfrm>
-            <a:off x="1508320" y="2397269"/>
-            <a:ext cx="1601177" cy="646331"/>
-          </a:xfrm>
-          <a:prstGeom prst="rect">
-            <a:avLst/>
-          </a:prstGeom>
-          <a:noFill/>
-        </p:spPr>
-        <p:txBody>
-          <a:bodyPr wrap="square" rtlCol="0">
-            <a:spAutoFit/>
-          </a:bodyPr>
-          <a:lstStyle/>
-          <a:p>
-            <a:r>
-              <a:rPr lang="de-CH" sz="1800" dirty="0"/>
-              <a:t>Diagnostiziert mit</a:t>
-            </a:r>
-          </a:p>
-        </p:txBody>
-      </p:sp>
-      <p:sp>
-        <p:nvSpPr>
-          <p:cNvPr id="157" name="Textfeld 156"/>
-          <p:cNvSpPr txBox="1"/>
-          <p:nvPr/>
-        </p:nvSpPr>
-        <p:spPr>
-          <a:xfrm>
-            <a:off x="7078033" y="2389519"/>
-            <a:ext cx="1293011" cy="369332"/>
-          </a:xfrm>
-          <a:prstGeom prst="rect">
-            <a:avLst/>
-          </a:prstGeom>
-          <a:noFill/>
-        </p:spPr>
-        <p:txBody>
-          <a:bodyPr wrap="square" rtlCol="0">
-            <a:spAutoFit/>
-          </a:bodyPr>
-          <a:lstStyle/>
-          <a:p>
-            <a:r>
-              <a:rPr lang="de-CH" sz="1800" dirty="0"/>
-              <a:t>hat</a:t>
-            </a:r>
-          </a:p>
-        </p:txBody>
-      </p:sp>
-      <p:pic>
-        <p:nvPicPr>
-          <p:cNvPr id="161" name="Grafik 160"/>
-          <p:cNvPicPr>
-            <a:picLocks noChangeAspect="1"/>
-          </p:cNvPicPr>
-          <p:nvPr/>
-        </p:nvPicPr>
-        <p:blipFill>
-          <a:blip r:embed="rId3"/>
-          <a:stretch>
-            <a:fillRect/>
-          </a:stretch>
-        </p:blipFill>
-        <p:spPr>
-          <a:xfrm>
-            <a:off x="3578302" y="4439078"/>
-            <a:ext cx="264319" cy="178594"/>
-          </a:xfrm>
-          <a:prstGeom prst="rect">
-            <a:avLst/>
-          </a:prstGeom>
-        </p:spPr>
-      </p:pic>
-      <p:pic>
-        <p:nvPicPr>
-          <p:cNvPr id="162" name="Grafik 161"/>
-          <p:cNvPicPr>
-            <a:picLocks noChangeAspect="1"/>
-          </p:cNvPicPr>
-          <p:nvPr/>
-        </p:nvPicPr>
-        <p:blipFill>
-          <a:blip r:embed="rId2"/>
-          <a:stretch>
-            <a:fillRect/>
-          </a:stretch>
-        </p:blipFill>
-        <p:spPr>
-          <a:xfrm>
-            <a:off x="4601564" y="2140115"/>
-            <a:ext cx="157163" cy="200025"/>
-          </a:xfrm>
-          <a:prstGeom prst="rect">
-            <a:avLst/>
-          </a:prstGeom>
-        </p:spPr>
-      </p:pic>
-      <p:cxnSp>
-        <p:nvCxnSpPr>
-          <p:cNvPr id="164" name="Gekrümmte Verbindung 163"/>
-          <p:cNvCxnSpPr>
-            <a:stCxn id="102" idx="0"/>
-            <a:endCxn id="118" idx="3"/>
-          </p:cNvCxnSpPr>
-          <p:nvPr/>
-        </p:nvCxnSpPr>
-        <p:spPr>
-          <a:xfrm rot="16200000" flipV="1">
-            <a:off x="6044152" y="-306856"/>
-            <a:ext cx="868317" cy="3861199"/>
-          </a:xfrm>
-          <a:prstGeom prst="curvedConnector2">
-            <a:avLst/>
-          </a:prstGeom>
-          <a:ln>
-            <a:tailEnd type="triangle"/>
-          </a:ln>
-        </p:spPr>
-        <p:style>
-          <a:lnRef idx="1">
-            <a:schemeClr val="accent1"/>
-          </a:lnRef>
-          <a:fillRef idx="0">
-            <a:schemeClr val="accent1"/>
-          </a:fillRef>
-          <a:effectRef idx="0">
-            <a:schemeClr val="accent1"/>
-          </a:effectRef>
-          <a:fontRef idx="minor">
-            <a:schemeClr val="tx1"/>
-          </a:fontRef>
-        </p:style>
-      </p:cxnSp>
-      <p:sp>
-        <p:nvSpPr>
-          <p:cNvPr id="165" name="Textfeld 164"/>
-          <p:cNvSpPr txBox="1"/>
-          <p:nvPr/>
-        </p:nvSpPr>
-        <p:spPr>
-          <a:xfrm>
-            <a:off x="6044962" y="1324133"/>
-            <a:ext cx="1566800" cy="646331"/>
-          </a:xfrm>
-          <a:prstGeom prst="rect">
-            <a:avLst/>
-          </a:prstGeom>
-          <a:noFill/>
-        </p:spPr>
-        <p:txBody>
-          <a:bodyPr wrap="square" rtlCol="0">
-            <a:spAutoFit/>
-          </a:bodyPr>
-          <a:lstStyle/>
-          <a:p>
-            <a:r>
-              <a:rPr lang="de-CH" sz="1800" dirty="0"/>
-              <a:t>Durchgeführt von</a:t>
-            </a:r>
-          </a:p>
-        </p:txBody>
-      </p:sp>
-      <p:pic>
-        <p:nvPicPr>
-          <p:cNvPr id="166" name="Grafik 165"/>
-          <p:cNvPicPr>
-            <a:picLocks noChangeAspect="1"/>
-          </p:cNvPicPr>
-          <p:nvPr/>
-        </p:nvPicPr>
-        <p:blipFill>
-          <a:blip r:embed="rId3"/>
-          <a:stretch>
-            <a:fillRect/>
-          </a:stretch>
-        </p:blipFill>
-        <p:spPr>
-          <a:xfrm>
-            <a:off x="8408910" y="1853541"/>
-            <a:ext cx="264319" cy="178594"/>
-          </a:xfrm>
-          <a:prstGeom prst="rect">
-            <a:avLst/>
-          </a:prstGeom>
-        </p:spPr>
-      </p:pic>
-      <p:pic>
-        <p:nvPicPr>
-          <p:cNvPr id="167" name="Grafik 166"/>
-          <p:cNvPicPr>
-            <a:picLocks noChangeAspect="1"/>
-          </p:cNvPicPr>
-          <p:nvPr/>
-        </p:nvPicPr>
-        <p:blipFill>
-          <a:blip r:embed="rId2"/>
-          <a:stretch>
-            <a:fillRect/>
-          </a:stretch>
-        </p:blipFill>
-        <p:spPr>
-          <a:xfrm>
-            <a:off x="4601564" y="961727"/>
-            <a:ext cx="157163" cy="200025"/>
-          </a:xfrm>
-          <a:prstGeom prst="rect">
-            <a:avLst/>
-          </a:prstGeom>
-        </p:spPr>
-      </p:pic>
-      <p:sp>
-        <p:nvSpPr>
-          <p:cNvPr id="12" name="Rechteck 11"/>
-          <p:cNvSpPr/>
-          <p:nvPr/>
-        </p:nvSpPr>
-        <p:spPr>
-          <a:xfrm>
-            <a:off x="3216472" y="2535220"/>
-            <a:ext cx="1385091" cy="1076727"/>
-          </a:xfrm>
-          <a:prstGeom prst="rect">
-            <a:avLst/>
-          </a:prstGeom>
-        </p:spPr>
-        <p:style>
-          <a:lnRef idx="2">
-            <a:schemeClr val="accent1"/>
-          </a:lnRef>
-          <a:fillRef idx="1">
-            <a:schemeClr val="lt1"/>
-          </a:fillRef>
-          <a:effectRef idx="0">
-            <a:schemeClr val="accent1"/>
-          </a:effectRef>
-          <a:fontRef idx="minor">
-            <a:schemeClr val="dk1"/>
-          </a:fontRef>
-        </p:style>
-        <p:txBody>
-          <a:bodyPr rtlCol="0" anchor="t"/>
-          <a:lstStyle/>
-          <a:p>
-            <a:r>
-              <a:rPr lang="de-CH" sz="900" dirty="0"/>
-              <a:t>-PID: Integer</a:t>
-            </a:r>
-          </a:p>
-          <a:p>
-            <a:r>
-              <a:rPr lang="de-CH" sz="900" dirty="0"/>
-              <a:t>-name: String</a:t>
-            </a:r>
-          </a:p>
-          <a:p>
-            <a:r>
-              <a:rPr lang="de-CH" sz="900" dirty="0"/>
-              <a:t>-</a:t>
-            </a:r>
-            <a:r>
-              <a:rPr lang="de-CH" sz="900" dirty="0" err="1"/>
-              <a:t>firstname</a:t>
-            </a:r>
-            <a:r>
-              <a:rPr lang="de-CH" sz="900" dirty="0"/>
-              <a:t>: String</a:t>
-            </a:r>
-          </a:p>
-          <a:p>
-            <a:r>
-              <a:rPr lang="de-CH" sz="900" dirty="0"/>
-              <a:t>_____________________</a:t>
-            </a:r>
-          </a:p>
-          <a:p>
-            <a:r>
-              <a:rPr lang="de-CH" sz="900" dirty="0"/>
-              <a:t>+</a:t>
-            </a:r>
-            <a:r>
-              <a:rPr lang="de-CH" sz="900" dirty="0" err="1"/>
-              <a:t>get</a:t>
-            </a:r>
-            <a:r>
-              <a:rPr lang="de-CH" sz="900" dirty="0"/>
-              <a:t>()</a:t>
-            </a:r>
-          </a:p>
-          <a:p>
-            <a:r>
-              <a:rPr lang="de-CH" sz="900" dirty="0"/>
-              <a:t>+</a:t>
-            </a:r>
-            <a:r>
-              <a:rPr lang="de-CH" sz="900" dirty="0" err="1"/>
-              <a:t>set</a:t>
-            </a:r>
-            <a:r>
-              <a:rPr lang="de-CH" sz="900" dirty="0"/>
-              <a:t>()</a:t>
-            </a:r>
-          </a:p>
-        </p:txBody>
-      </p:sp>
-      <p:sp>
-        <p:nvSpPr>
-          <p:cNvPr id="58" name="Rechteck 57"/>
-          <p:cNvSpPr/>
-          <p:nvPr/>
-        </p:nvSpPr>
-        <p:spPr>
-          <a:xfrm>
-            <a:off x="5582663" y="2485537"/>
-            <a:ext cx="1495370" cy="1601808"/>
-          </a:xfrm>
-          <a:prstGeom prst="rect">
-            <a:avLst/>
-          </a:prstGeom>
-        </p:spPr>
-        <p:style>
-          <a:lnRef idx="2">
-            <a:schemeClr val="accent1"/>
-          </a:lnRef>
-          <a:fillRef idx="1">
-            <a:schemeClr val="lt1"/>
-          </a:fillRef>
-          <a:effectRef idx="0">
-            <a:schemeClr val="accent1"/>
-          </a:effectRef>
-          <a:fontRef idx="minor">
-            <a:schemeClr val="dk1"/>
-          </a:fontRef>
-        </p:style>
-        <p:txBody>
-          <a:bodyPr rtlCol="0" anchor="t"/>
-          <a:lstStyle/>
-          <a:p>
-            <a:r>
-              <a:rPr lang="de-CH" sz="900" dirty="0"/>
-              <a:t>-PID: Integer</a:t>
-            </a:r>
-          </a:p>
-          <a:p>
-            <a:r>
-              <a:rPr lang="de-CH" sz="900" dirty="0"/>
-              <a:t>-KID: Integer</a:t>
-            </a:r>
-          </a:p>
-          <a:p>
-            <a:r>
-              <a:rPr lang="de-CH" sz="900" dirty="0"/>
-              <a:t>-</a:t>
-            </a:r>
-            <a:r>
-              <a:rPr lang="de-CH" sz="900" dirty="0" err="1"/>
-              <a:t>terminList</a:t>
-            </a:r>
-            <a:r>
-              <a:rPr lang="de-CH" sz="900" dirty="0"/>
-              <a:t>: </a:t>
-            </a:r>
-            <a:r>
-              <a:rPr lang="de-CH" sz="900" dirty="0" err="1"/>
-              <a:t>ArrayList</a:t>
-            </a:r>
-            <a:r>
-              <a:rPr lang="de-CH" sz="900" dirty="0"/>
-              <a:t>&lt;String&gt;</a:t>
-            </a:r>
-          </a:p>
-          <a:p>
-            <a:r>
-              <a:rPr lang="de-CH" sz="900" dirty="0"/>
-              <a:t>_______________________</a:t>
-            </a:r>
-          </a:p>
-          <a:p>
-            <a:r>
-              <a:rPr lang="de-CH" sz="900" dirty="0"/>
-              <a:t>+</a:t>
-            </a:r>
-            <a:r>
-              <a:rPr lang="de-CH" sz="900" dirty="0" err="1"/>
-              <a:t>get</a:t>
-            </a:r>
-            <a:r>
-              <a:rPr lang="de-CH" sz="900" dirty="0"/>
-              <a:t>()</a:t>
-            </a:r>
-          </a:p>
-          <a:p>
-            <a:r>
-              <a:rPr lang="de-CH" sz="900" dirty="0"/>
-              <a:t>+</a:t>
-            </a:r>
-            <a:r>
-              <a:rPr lang="de-CH" sz="900" dirty="0" err="1"/>
-              <a:t>set</a:t>
-            </a:r>
-            <a:r>
-              <a:rPr lang="de-CH" sz="900" dirty="0"/>
-              <a:t>()</a:t>
-            </a:r>
-          </a:p>
-          <a:p>
-            <a:r>
-              <a:rPr lang="de-CH" sz="900" dirty="0"/>
-              <a:t>+</a:t>
-            </a:r>
-            <a:r>
-              <a:rPr lang="de-CH" sz="900" dirty="0" err="1"/>
-              <a:t>newMeeting</a:t>
-            </a:r>
-            <a:r>
-              <a:rPr lang="de-CH" sz="900" dirty="0"/>
-              <a:t>()</a:t>
-            </a:r>
-          </a:p>
-          <a:p>
-            <a:r>
-              <a:rPr lang="de-CH" sz="900" dirty="0"/>
-              <a:t>+</a:t>
-            </a:r>
-            <a:r>
-              <a:rPr lang="de-CH" sz="900" dirty="0" err="1"/>
-              <a:t>meetingSoon</a:t>
-            </a:r>
-            <a:r>
-              <a:rPr lang="de-CH" sz="900" dirty="0"/>
-              <a:t>()</a:t>
-            </a:r>
-          </a:p>
-          <a:p>
-            <a:r>
-              <a:rPr lang="de-CH" sz="900" dirty="0"/>
-              <a:t>+alert()</a:t>
-            </a:r>
-          </a:p>
-        </p:txBody>
-      </p:sp>
-      <p:sp>
-        <p:nvSpPr>
-          <p:cNvPr id="60" name="Rechteck 59"/>
-          <p:cNvSpPr/>
-          <p:nvPr/>
-        </p:nvSpPr>
-        <p:spPr>
-          <a:xfrm>
-            <a:off x="7724538" y="2462765"/>
-            <a:ext cx="1368743" cy="1384754"/>
-          </a:xfrm>
-          <a:prstGeom prst="rect">
-            <a:avLst/>
-          </a:prstGeom>
-        </p:spPr>
-        <p:style>
-          <a:lnRef idx="2">
-            <a:schemeClr val="accent1"/>
-          </a:lnRef>
-          <a:fillRef idx="1">
-            <a:schemeClr val="lt1"/>
-          </a:fillRef>
-          <a:effectRef idx="0">
-            <a:schemeClr val="accent1"/>
-          </a:effectRef>
-          <a:fontRef idx="minor">
-            <a:schemeClr val="dk1"/>
-          </a:fontRef>
-        </p:style>
-        <p:txBody>
-          <a:bodyPr rtlCol="0" anchor="t"/>
-          <a:lstStyle/>
-          <a:p>
-            <a:r>
-              <a:rPr lang="de-CH" sz="900" dirty="0"/>
-              <a:t>-KID: Integer</a:t>
-            </a:r>
-          </a:p>
-          <a:p>
-            <a:r>
-              <a:rPr lang="de-CH" sz="900" dirty="0"/>
-              <a:t>-TID: Integer</a:t>
-            </a:r>
-          </a:p>
-          <a:p>
-            <a:r>
-              <a:rPr lang="de-CH" sz="900" dirty="0"/>
-              <a:t>-</a:t>
-            </a:r>
-            <a:r>
-              <a:rPr lang="de-CH" sz="900" dirty="0" err="1"/>
-              <a:t>startDate</a:t>
-            </a:r>
-            <a:r>
-              <a:rPr lang="de-CH" sz="900" dirty="0"/>
-              <a:t>: Date </a:t>
-            </a:r>
-          </a:p>
-          <a:p>
-            <a:r>
-              <a:rPr lang="de-CH" sz="900" dirty="0"/>
-              <a:t>-</a:t>
-            </a:r>
-            <a:r>
-              <a:rPr lang="de-CH" sz="900" dirty="0" err="1"/>
-              <a:t>endDate</a:t>
-            </a:r>
-            <a:r>
-              <a:rPr lang="de-CH" sz="900" dirty="0"/>
-              <a:t>: Date</a:t>
-            </a:r>
-          </a:p>
-          <a:p>
-            <a:r>
-              <a:rPr lang="de-CH" sz="900" dirty="0"/>
-              <a:t>-content: String</a:t>
-            </a:r>
-          </a:p>
-          <a:p>
-            <a:r>
-              <a:rPr lang="de-CH" sz="900" dirty="0" smtClean="0"/>
-              <a:t>____________________</a:t>
-            </a:r>
-          </a:p>
-          <a:p>
-            <a:r>
-              <a:rPr lang="de-CH" sz="900" dirty="0" smtClean="0"/>
-              <a:t>-</a:t>
-            </a:r>
-            <a:r>
-              <a:rPr lang="de-CH" sz="900" dirty="0" err="1" smtClean="0"/>
-              <a:t>get</a:t>
-            </a:r>
-            <a:r>
-              <a:rPr lang="de-CH" sz="900" dirty="0" smtClean="0"/>
-              <a:t>()</a:t>
-            </a:r>
-          </a:p>
-          <a:p>
-            <a:r>
-              <a:rPr lang="de-CH" sz="900" dirty="0" smtClean="0"/>
-              <a:t>-set()</a:t>
-            </a:r>
-          </a:p>
-          <a:p>
-            <a:r>
-              <a:rPr lang="de-CH" sz="900" dirty="0" smtClean="0"/>
-              <a:t>- </a:t>
-            </a:r>
-            <a:r>
-              <a:rPr lang="de-CH" sz="900" dirty="0" err="1" smtClean="0"/>
-              <a:t>verificate</a:t>
-            </a:r>
-            <a:r>
-              <a:rPr lang="de-CH" sz="900" dirty="0" smtClean="0"/>
-              <a:t>()</a:t>
-            </a:r>
-            <a:endParaRPr lang="de-CH" sz="900" dirty="0"/>
-          </a:p>
-          <a:p>
-            <a:endParaRPr lang="de-CH" sz="900" dirty="0"/>
-          </a:p>
-        </p:txBody>
-      </p:sp>
-      <p:sp>
-        <p:nvSpPr>
           <p:cNvPr id="2" name="Titel 1"/>
           <p:cNvSpPr>
             <a:spLocks noGrp="1"/>
@@ -12801,34 +7468,81 @@
             <p:ph type="ctrTitle"/>
           </p:nvPr>
         </p:nvSpPr>
-        <p:spPr>
-          <a:xfrm>
-            <a:off x="192746" y="250119"/>
-            <a:ext cx="8100000" cy="540000"/>
-          </a:xfrm>
-        </p:spPr>
+        <p:spPr/>
         <p:txBody>
           <a:bodyPr/>
           <a:lstStyle/>
           <a:p>
             <a:r>
               <a:rPr lang="de-CH" dirty="0" smtClean="0"/>
-              <a:t>Domain Model Extended</a:t>
+              <a:t>Domain Model </a:t>
+            </a:r>
+            <a:r>
+              <a:rPr lang="de-CH" dirty="0" err="1" smtClean="0"/>
+              <a:t>extendet</a:t>
             </a:r>
             <a:endParaRPr lang="de-CH" dirty="0"/>
           </a:p>
         </p:txBody>
       </p:sp>
+      <p:pic>
+        <p:nvPicPr>
+          <p:cNvPr id="5122" name="Picture 2" descr="C:\Users\Maurice\Desktop\Bild5.png"/>
+          <p:cNvPicPr>
+            <a:picLocks noChangeAspect="1" noChangeArrowheads="1"/>
+          </p:cNvPicPr>
+          <p:nvPr/>
+        </p:nvPicPr>
+        <p:blipFill>
+          <a:blip r:embed="rId2">
+            <a:extLst>
+              <a:ext uri="{28A0092B-C50C-407E-A947-70E740481C1C}">
+                <a14:useLocalDpi xmlns:a14="http://schemas.microsoft.com/office/drawing/2010/main" val="0"/>
+              </a:ext>
+            </a:extLst>
+          </a:blip>
+          <a:srcRect/>
+          <a:stretch>
+            <a:fillRect/>
+          </a:stretch>
+        </p:blipFill>
+        <p:spPr bwMode="auto">
+          <a:xfrm>
+            <a:off x="125982" y="1039090"/>
+            <a:ext cx="8885543" cy="5143254"/>
+          </a:xfrm>
+          <a:prstGeom prst="rect">
+            <a:avLst/>
+          </a:prstGeom>
+          <a:noFill/>
+          <a:extLst>
+            <a:ext uri="{909E8E84-426E-40DD-AFC4-6F175D3DCCD1}">
+              <a14:hiddenFill xmlns:a14="http://schemas.microsoft.com/office/drawing/2010/main">
+                <a:solidFill>
+                  <a:srgbClr val="FFFFFF"/>
+                </a:solidFill>
+              </a14:hiddenFill>
+            </a:ext>
+          </a:extLst>
+        </p:spPr>
+      </p:pic>
     </p:spTree>
     <p:extLst>
       <p:ext uri="{BB962C8B-B14F-4D97-AF65-F5344CB8AC3E}">
-        <p14:creationId xmlns:p14="http://schemas.microsoft.com/office/powerpoint/2010/main" val="2469382298"/>
+        <p14:creationId xmlns:p14="http://schemas.microsoft.com/office/powerpoint/2010/main" val="3515265614"/>
       </p:ext>
     </p:extLst>
   </p:cSld>
   <p:clrMapOvr>
     <a:masterClrMapping/>
   </p:clrMapOvr>
+  <p:timing>
+    <p:tnLst>
+      <p:par>
+        <p:cTn id="1" dur="indefinite" restart="never" nodeType="tmRoot"/>
+      </p:par>
+    </p:tnLst>
+  </p:timing>
 </p:sld>
 </file>
 
@@ -13733,6 +8447,23 @@
 </file>
 
 <file path=customXml/item1.xml><?xml version="1.0" encoding="utf-8"?>
+<p:properties xmlns:p="http://schemas.microsoft.com/office/2006/metadata/properties" xmlns:xsi="http://www.w3.org/2001/XMLSchema-instance">
+  <documentManagement>
+    <AVMTitle xmlns="5091c847-84be-4f4f-b16c-c018ad2ca66b">Präsentation BFH_2013</AVMTitle>
+  </documentManagement>
+</p:properties>
+</file>
+
+<file path=customXml/item2.xml><?xml version="1.0" encoding="utf-8"?>
+<?mso-contentType ?>
+<FormTemplates xmlns="http://schemas.microsoft.com/sharepoint/v3/contenttype/forms">
+  <Display>DocumentLibraryForm</Display>
+  <Edit>DocumentLibraryForm</Edit>
+  <New>DocumentLibraryForm</New>
+</FormTemplates>
+</file>
+
+<file path=customXml/item3.xml><?xml version="1.0" encoding="utf-8"?>
 <ct:contentTypeSchema xmlns:ct="http://schemas.microsoft.com/office/2006/metadata/contentType" xmlns:ma="http://schemas.microsoft.com/office/2006/metadata/properties/metaAttributes" ct:_="" ma:_="" ma:contentTypeName="Dokument" ma:contentTypeID="0x010100EBE3A9EFF36793468C03E2811ACE2A2B" ma:contentTypeVersion="1" ma:contentTypeDescription="Ein neues Dokument erstellen." ma:contentTypeScope="" ma:versionID="e65be32cb1bfff77fc8c9c09bf542651">
   <xsd:schema xmlns:xsd="http://www.w3.org/2001/XMLSchema" xmlns:p="http://schemas.microsoft.com/office/2006/metadata/properties" xmlns:ns2="5091c847-84be-4f4f-b16c-c018ad2ca66b" targetNamespace="http://schemas.microsoft.com/office/2006/metadata/properties" ma:root="true" ma:fieldsID="7636c84aed5b7d09a166fcef888725d4" ns2:_="">
     <xsd:import namespace="5091c847-84be-4f4f-b16c-c018ad2ca66b"/>
@@ -13792,24 +8523,30 @@
 </ct:contentTypeSchema>
 </file>
 
-<file path=customXml/item2.xml><?xml version="1.0" encoding="utf-8"?>
-<?mso-contentType ?>
-<FormTemplates xmlns="http://schemas.microsoft.com/sharepoint/v3/contenttype/forms">
-  <Display>DocumentLibraryForm</Display>
-  <Edit>DocumentLibraryForm</Edit>
-  <New>DocumentLibraryForm</New>
-</FormTemplates>
+<file path=customXml/itemProps1.xml><?xml version="1.0" encoding="utf-8"?>
+<ds:datastoreItem xmlns:ds="http://schemas.openxmlformats.org/officeDocument/2006/customXml" ds:itemID="{32991507-CB83-4F49-BAFB-D322B1D04098}">
+  <ds:schemaRefs>
+    <ds:schemaRef ds:uri="http://schemas.microsoft.com/office/2006/documentManagement/types"/>
+    <ds:schemaRef ds:uri="http://purl.org/dc/dcmitype/"/>
+    <ds:schemaRef ds:uri="5091c847-84be-4f4f-b16c-c018ad2ca66b"/>
+    <ds:schemaRef ds:uri="http://schemas.microsoft.com/office/2006/metadata/properties"/>
+    <ds:schemaRef ds:uri="http://www.w3.org/XML/1998/namespace"/>
+    <ds:schemaRef ds:uri="http://purl.org/dc/elements/1.1/"/>
+    <ds:schemaRef ds:uri="http://schemas.openxmlformats.org/package/2006/metadata/core-properties"/>
+    <ds:schemaRef ds:uri="http://purl.org/dc/terms/"/>
+  </ds:schemaRefs>
+</ds:datastoreItem>
 </file>
 
-<file path=customXml/item3.xml><?xml version="1.0" encoding="utf-8"?>
-<p:properties xmlns:p="http://schemas.microsoft.com/office/2006/metadata/properties" xmlns:xsi="http://www.w3.org/2001/XMLSchema-instance">
-  <documentManagement>
-    <AVMTitle xmlns="5091c847-84be-4f4f-b16c-c018ad2ca66b">Präsentation BFH_2013</AVMTitle>
-  </documentManagement>
-</p:properties>
+<file path=customXml/itemProps2.xml><?xml version="1.0" encoding="utf-8"?>
+<ds:datastoreItem xmlns:ds="http://schemas.openxmlformats.org/officeDocument/2006/customXml" ds:itemID="{1851D33F-E468-417B-A30C-509B68D2BD09}">
+  <ds:schemaRefs>
+    <ds:schemaRef ds:uri="http://schemas.microsoft.com/sharepoint/v3/contenttype/forms"/>
+  </ds:schemaRefs>
+</ds:datastoreItem>
 </file>
 
-<file path=customXml/itemProps1.xml><?xml version="1.0" encoding="utf-8"?>
+<file path=customXml/itemProps3.xml><?xml version="1.0" encoding="utf-8"?>
 <ds:datastoreItem xmlns:ds="http://schemas.openxmlformats.org/officeDocument/2006/customXml" ds:itemID="{15287BEA-F3FF-4B87-929B-5D0092183197}">
   <ds:schemaRefs>
     <ds:schemaRef ds:uri="http://schemas.microsoft.com/office/2006/metadata/contentType"/>
@@ -13824,27 +8561,4 @@
     <ds:schemaRef ds:uri="http://schemas.microsoft.com/office/internal/2005/internalDocumentation"/>
   </ds:schemaRefs>
 </ds:datastoreItem>
-</file>
-
-<file path=customXml/itemProps2.xml><?xml version="1.0" encoding="utf-8"?>
-<ds:datastoreItem xmlns:ds="http://schemas.openxmlformats.org/officeDocument/2006/customXml" ds:itemID="{1851D33F-E468-417B-A30C-509B68D2BD09}">
-  <ds:schemaRefs>
-    <ds:schemaRef ds:uri="http://schemas.microsoft.com/sharepoint/v3/contenttype/forms"/>
-  </ds:schemaRefs>
-</ds:datastoreItem>
-</file>
-
-<file path=customXml/itemProps3.xml><?xml version="1.0" encoding="utf-8"?>
-<ds:datastoreItem xmlns:ds="http://schemas.openxmlformats.org/officeDocument/2006/customXml" ds:itemID="{32991507-CB83-4F49-BAFB-D322B1D04098}">
-  <ds:schemaRefs>
-    <ds:schemaRef ds:uri="http://schemas.microsoft.com/office/2006/documentManagement/types"/>
-    <ds:schemaRef ds:uri="http://purl.org/dc/dcmitype/"/>
-    <ds:schemaRef ds:uri="5091c847-84be-4f4f-b16c-c018ad2ca66b"/>
-    <ds:schemaRef ds:uri="http://schemas.microsoft.com/office/2006/metadata/properties"/>
-    <ds:schemaRef ds:uri="http://www.w3.org/XML/1998/namespace"/>
-    <ds:schemaRef ds:uri="http://purl.org/dc/elements/1.1/"/>
-    <ds:schemaRef ds:uri="http://schemas.openxmlformats.org/package/2006/metadata/core-properties"/>
-    <ds:schemaRef ds:uri="http://purl.org/dc/terms/"/>
-  </ds:schemaRefs>
-</ds:datastoreItem>
 </file>
--- a/doc/Task07/Task07.pptx
+++ b/doc/Task07/Task07.pptx
@@ -1,6 +1,6 @@
 
 <file path=ppt/presentation.xml><?xml version="1.0" encoding="utf-8"?>
-<p:presentation xmlns:a="http://schemas.openxmlformats.org/drawingml/2006/main" xmlns:r="http://schemas.openxmlformats.org/officeDocument/2006/relationships" xmlns:p="http://schemas.openxmlformats.org/presentationml/2006/main" serverZoom="17105" saveSubsetFonts="1" autoCompressPictures="0">
+<p:presentation xmlns:a="http://schemas.openxmlformats.org/drawingml/2006/main" xmlns:r="http://schemas.openxmlformats.org/officeDocument/2006/relationships" xmlns:p="http://schemas.openxmlformats.org/presentationml/2006/main" serverZoom="10092" saveSubsetFonts="1" autoCompressPictures="0">
   <p:sldMasterIdLst>
     <p:sldMasterId id="2147483669" r:id="rId4"/>
   </p:sldMasterIdLst>
@@ -148,7 +148,7 @@
   </p:defaultTextStyle>
   <p:extLst>
     <p:ext uri="{EFAFB233-063F-42B5-8137-9DF3F51BA10A}">
-      <p15:sldGuideLst xmlns:p15="http://schemas.microsoft.com/office/powerpoint/2012/main" xmlns="">
+      <p15:sldGuideLst xmlns:p15="http://schemas.microsoft.com/office/powerpoint/2012/main">
         <p15:guide id="1" orient="horz" pos="2160">
           <p15:clr>
             <a:srgbClr val="A4A3A4"/>
@@ -162,7 +162,7 @@
       </p15:sldGuideLst>
     </p:ext>
     <p:ext uri="{2D200454-40CA-4A62-9FC3-DE9A4176ACB9}">
-      <p15:notesGuideLst xmlns:p15="http://schemas.microsoft.com/office/powerpoint/2012/main" xmlns="">
+      <p15:notesGuideLst xmlns:p15="http://schemas.microsoft.com/office/powerpoint/2012/main">
         <p15:guide id="1" orient="horz" pos="3127">
           <p15:clr>
             <a:srgbClr val="A4A3A4"/>
@@ -692,6 +692,90 @@
     </a:lvl9pPr>
   </p:notesStyle>
 </p:notesMaster>
+</file>
+
+<file path=ppt/notesSlides/notesSlide1.xml><?xml version="1.0" encoding="utf-8"?>
+<p:notes xmlns:a="http://schemas.openxmlformats.org/drawingml/2006/main" xmlns:r="http://schemas.openxmlformats.org/officeDocument/2006/relationships" xmlns:p="http://schemas.openxmlformats.org/presentationml/2006/main">
+  <p:cSld>
+    <p:spTree>
+      <p:nvGrpSpPr>
+        <p:cNvPr id="1" name=""/>
+        <p:cNvGrpSpPr/>
+        <p:nvPr/>
+      </p:nvGrpSpPr>
+      <p:grpSpPr>
+        <a:xfrm>
+          <a:off x="0" y="0"/>
+          <a:ext cx="0" cy="0"/>
+          <a:chOff x="0" y="0"/>
+          <a:chExt cx="0" cy="0"/>
+        </a:xfrm>
+      </p:grpSpPr>
+      <p:sp>
+        <p:nvSpPr>
+          <p:cNvPr id="2" name="Folienbildplatzhalter 1"/>
+          <p:cNvSpPr>
+            <a:spLocks noGrp="1" noRot="1" noChangeAspect="1"/>
+          </p:cNvSpPr>
+          <p:nvPr>
+            <p:ph type="sldImg"/>
+          </p:nvPr>
+        </p:nvSpPr>
+        <p:spPr/>
+      </p:sp>
+      <p:sp>
+        <p:nvSpPr>
+          <p:cNvPr id="3" name="Notizenplatzhalter 2"/>
+          <p:cNvSpPr>
+            <a:spLocks noGrp="1"/>
+          </p:cNvSpPr>
+          <p:nvPr>
+            <p:ph type="body" idx="1"/>
+          </p:nvPr>
+        </p:nvSpPr>
+        <p:spPr/>
+        <p:txBody>
+          <a:bodyPr/>
+          <a:lstStyle/>
+          <a:p>
+            <a:endParaRPr lang="de-CH"/>
+          </a:p>
+        </p:txBody>
+      </p:sp>
+      <p:sp>
+        <p:nvSpPr>
+          <p:cNvPr id="4" name="Foliennummernplatzhalter 3"/>
+          <p:cNvSpPr>
+            <a:spLocks noGrp="1"/>
+          </p:cNvSpPr>
+          <p:nvPr>
+            <p:ph type="sldNum" sz="quarter" idx="10"/>
+          </p:nvPr>
+        </p:nvSpPr>
+        <p:spPr/>
+        <p:txBody>
+          <a:bodyPr/>
+          <a:lstStyle/>
+          <a:p>
+            <a:fld id="{37E44704-8E6D-4CF2-8CFA-A0F7BC751896}" type="slidenum">
+              <a:rPr lang="de-CH" smtClean="0"/>
+              <a:t>6</a:t>
+            </a:fld>
+            <a:endParaRPr lang="de-CH" dirty="0"/>
+          </a:p>
+        </p:txBody>
+      </p:sp>
+    </p:spTree>
+    <p:extLst>
+      <p:ext uri="{BB962C8B-B14F-4D97-AF65-F5344CB8AC3E}">
+        <p14:creationId xmlns:p14="http://schemas.microsoft.com/office/powerpoint/2010/main" val="2423211586"/>
+      </p:ext>
+    </p:extLst>
+  </p:cSld>
+  <p:clrMapOvr>
+    <a:masterClrMapping/>
+  </p:clrMapOvr>
+</p:notes>
 </file>
 
 <file path=ppt/slideLayouts/slideLayout1.xml><?xml version="1.0" encoding="utf-8"?>
@@ -7062,43 +7146,26 @@
       </p:sp>
       <p:pic>
         <p:nvPicPr>
-          <p:cNvPr id="1027" name="Picture 3" descr="C:\Users\Maurice\Desktop\Bild2.png"/>
+          <p:cNvPr id="2" name="Grafik 1"/>
           <p:cNvPicPr>
-            <a:picLocks noChangeAspect="1" noChangeArrowheads="1"/>
+            <a:picLocks noChangeAspect="1"/>
           </p:cNvPicPr>
           <p:nvPr/>
         </p:nvPicPr>
         <p:blipFill>
-          <a:blip r:embed="rId2">
-            <a:extLst>
-              <a:ext uri="{28A0092B-C50C-407E-A947-70E740481C1C}">
-                <a14:useLocalDpi xmlns:a14="http://schemas.microsoft.com/office/drawing/2010/main" val="0"/>
-              </a:ext>
-            </a:extLst>
-          </a:blip>
-          <a:srcRect/>
+          <a:blip r:embed="rId2"/>
           <a:stretch>
             <a:fillRect/>
           </a:stretch>
         </p:blipFill>
-        <p:spPr bwMode="auto">
+        <p:spPr>
           <a:xfrm>
-            <a:off x="372831" y="1094509"/>
-            <a:ext cx="8538654" cy="4942464"/>
+            <a:off x="19050" y="871537"/>
+            <a:ext cx="9105900" cy="5114925"/>
           </a:xfrm>
           <a:prstGeom prst="rect">
             <a:avLst/>
           </a:prstGeom>
-          <a:noFill/>
-          <a:extLst>
-            <a:ext uri="{909E8E84-426E-40DD-AFC4-6F175D3DCCD1}">
-              <a14:hiddenFill xmlns:a14="http://schemas.microsoft.com/office/drawing/2010/main">
-                <a:solidFill>
-                  <a:srgbClr val="FFFFFF"/>
-                </a:solidFill>
-              </a14:hiddenFill>
-            </a:ext>
-          </a:extLst>
         </p:spPr>
       </p:pic>
     </p:spTree>
@@ -7487,43 +7554,26 @@
       </p:sp>
       <p:pic>
         <p:nvPicPr>
-          <p:cNvPr id="5122" name="Picture 2" descr="C:\Users\Maurice\Desktop\Bild5.png"/>
+          <p:cNvPr id="3" name="Grafik 2"/>
           <p:cNvPicPr>
-            <a:picLocks noChangeAspect="1" noChangeArrowheads="1"/>
+            <a:picLocks noChangeAspect="1"/>
           </p:cNvPicPr>
           <p:nvPr/>
         </p:nvPicPr>
         <p:blipFill>
-          <a:blip r:embed="rId2">
-            <a:extLst>
-              <a:ext uri="{28A0092B-C50C-407E-A947-70E740481C1C}">
-                <a14:useLocalDpi xmlns:a14="http://schemas.microsoft.com/office/drawing/2010/main" val="0"/>
-              </a:ext>
-            </a:extLst>
-          </a:blip>
-          <a:srcRect/>
+          <a:blip r:embed="rId3"/>
           <a:stretch>
             <a:fillRect/>
           </a:stretch>
         </p:blipFill>
-        <p:spPr bwMode="auto">
+        <p:spPr>
           <a:xfrm>
-            <a:off x="125982" y="1039090"/>
-            <a:ext cx="8885543" cy="5143254"/>
+            <a:off x="14287" y="1214437"/>
+            <a:ext cx="9115425" cy="4429125"/>
           </a:xfrm>
           <a:prstGeom prst="rect">
             <a:avLst/>
           </a:prstGeom>
-          <a:noFill/>
-          <a:extLst>
-            <a:ext uri="{909E8E84-426E-40DD-AFC4-6F175D3DCCD1}">
-              <a14:hiddenFill xmlns:a14="http://schemas.microsoft.com/office/drawing/2010/main">
-                <a:solidFill>
-                  <a:srgbClr val="FFFFFF"/>
-                </a:solidFill>
-              </a14:hiddenFill>
-            </a:ext>
-          </a:extLst>
         </p:spPr>
       </p:pic>
     </p:spTree>
@@ -8447,23 +8497,6 @@
 </file>
 
 <file path=customXml/item1.xml><?xml version="1.0" encoding="utf-8"?>
-<p:properties xmlns:p="http://schemas.microsoft.com/office/2006/metadata/properties" xmlns:xsi="http://www.w3.org/2001/XMLSchema-instance">
-  <documentManagement>
-    <AVMTitle xmlns="5091c847-84be-4f4f-b16c-c018ad2ca66b">Präsentation BFH_2013</AVMTitle>
-  </documentManagement>
-</p:properties>
-</file>
-
-<file path=customXml/item2.xml><?xml version="1.0" encoding="utf-8"?>
-<?mso-contentType ?>
-<FormTemplates xmlns="http://schemas.microsoft.com/sharepoint/v3/contenttype/forms">
-  <Display>DocumentLibraryForm</Display>
-  <Edit>DocumentLibraryForm</Edit>
-  <New>DocumentLibraryForm</New>
-</FormTemplates>
-</file>
-
-<file path=customXml/item3.xml><?xml version="1.0" encoding="utf-8"?>
 <ct:contentTypeSchema xmlns:ct="http://schemas.microsoft.com/office/2006/metadata/contentType" xmlns:ma="http://schemas.microsoft.com/office/2006/metadata/properties/metaAttributes" ct:_="" ma:_="" ma:contentTypeName="Dokument" ma:contentTypeID="0x010100EBE3A9EFF36793468C03E2811ACE2A2B" ma:contentTypeVersion="1" ma:contentTypeDescription="Ein neues Dokument erstellen." ma:contentTypeScope="" ma:versionID="e65be32cb1bfff77fc8c9c09bf542651">
   <xsd:schema xmlns:xsd="http://www.w3.org/2001/XMLSchema" xmlns:p="http://schemas.microsoft.com/office/2006/metadata/properties" xmlns:ns2="5091c847-84be-4f4f-b16c-c018ad2ca66b" targetNamespace="http://schemas.microsoft.com/office/2006/metadata/properties" ma:root="true" ma:fieldsID="7636c84aed5b7d09a166fcef888725d4" ns2:_="">
     <xsd:import namespace="5091c847-84be-4f4f-b16c-c018ad2ca66b"/>
@@ -8523,7 +8556,41 @@
 </ct:contentTypeSchema>
 </file>
 
+<file path=customXml/item2.xml><?xml version="1.0" encoding="utf-8"?>
+<p:properties xmlns:p="http://schemas.microsoft.com/office/2006/metadata/properties" xmlns:xsi="http://www.w3.org/2001/XMLSchema-instance">
+  <documentManagement>
+    <AVMTitle xmlns="5091c847-84be-4f4f-b16c-c018ad2ca66b">Präsentation BFH_2013</AVMTitle>
+  </documentManagement>
+</p:properties>
+</file>
+
+<file path=customXml/item3.xml><?xml version="1.0" encoding="utf-8"?>
+<?mso-contentType ?>
+<FormTemplates xmlns="http://schemas.microsoft.com/sharepoint/v3/contenttype/forms">
+  <Display>DocumentLibraryForm</Display>
+  <Edit>DocumentLibraryForm</Edit>
+  <New>DocumentLibraryForm</New>
+</FormTemplates>
+</file>
+
 <file path=customXml/itemProps1.xml><?xml version="1.0" encoding="utf-8"?>
+<ds:datastoreItem xmlns:ds="http://schemas.openxmlformats.org/officeDocument/2006/customXml" ds:itemID="{15287BEA-F3FF-4B87-929B-5D0092183197}">
+  <ds:schemaRefs>
+    <ds:schemaRef ds:uri="http://schemas.microsoft.com/office/2006/metadata/contentType"/>
+    <ds:schemaRef ds:uri="http://schemas.microsoft.com/office/2006/metadata/properties/metaAttributes"/>
+    <ds:schemaRef ds:uri="http://www.w3.org/2001/XMLSchema"/>
+    <ds:schemaRef ds:uri="http://schemas.microsoft.com/office/2006/metadata/properties"/>
+    <ds:schemaRef ds:uri="5091c847-84be-4f4f-b16c-c018ad2ca66b"/>
+    <ds:schemaRef ds:uri="http://schemas.microsoft.com/office/2006/documentManagement/types"/>
+    <ds:schemaRef ds:uri="http://schemas.openxmlformats.org/package/2006/metadata/core-properties"/>
+    <ds:schemaRef ds:uri="http://purl.org/dc/elements/1.1/"/>
+    <ds:schemaRef ds:uri="http://purl.org/dc/terms/"/>
+    <ds:schemaRef ds:uri="http://schemas.microsoft.com/office/internal/2005/internalDocumentation"/>
+  </ds:schemaRefs>
+</ds:datastoreItem>
+</file>
+
+<file path=customXml/itemProps2.xml><?xml version="1.0" encoding="utf-8"?>
 <ds:datastoreItem xmlns:ds="http://schemas.openxmlformats.org/officeDocument/2006/customXml" ds:itemID="{32991507-CB83-4F49-BAFB-D322B1D04098}">
   <ds:schemaRefs>
     <ds:schemaRef ds:uri="http://schemas.microsoft.com/office/2006/documentManagement/types"/>
@@ -8538,27 +8605,10 @@
 </ds:datastoreItem>
 </file>
 
-<file path=customXml/itemProps2.xml><?xml version="1.0" encoding="utf-8"?>
+<file path=customXml/itemProps3.xml><?xml version="1.0" encoding="utf-8"?>
 <ds:datastoreItem xmlns:ds="http://schemas.openxmlformats.org/officeDocument/2006/customXml" ds:itemID="{1851D33F-E468-417B-A30C-509B68D2BD09}">
   <ds:schemaRefs>
     <ds:schemaRef ds:uri="http://schemas.microsoft.com/sharepoint/v3/contenttype/forms"/>
   </ds:schemaRefs>
 </ds:datastoreItem>
-</file>
-
-<file path=customXml/itemProps3.xml><?xml version="1.0" encoding="utf-8"?>
-<ds:datastoreItem xmlns:ds="http://schemas.openxmlformats.org/officeDocument/2006/customXml" ds:itemID="{15287BEA-F3FF-4B87-929B-5D0092183197}">
-  <ds:schemaRefs>
-    <ds:schemaRef ds:uri="http://schemas.microsoft.com/office/2006/metadata/contentType"/>
-    <ds:schemaRef ds:uri="http://schemas.microsoft.com/office/2006/metadata/properties/metaAttributes"/>
-    <ds:schemaRef ds:uri="http://www.w3.org/2001/XMLSchema"/>
-    <ds:schemaRef ds:uri="http://schemas.microsoft.com/office/2006/metadata/properties"/>
-    <ds:schemaRef ds:uri="5091c847-84be-4f4f-b16c-c018ad2ca66b"/>
-    <ds:schemaRef ds:uri="http://schemas.microsoft.com/office/2006/documentManagement/types"/>
-    <ds:schemaRef ds:uri="http://schemas.openxmlformats.org/package/2006/metadata/core-properties"/>
-    <ds:schemaRef ds:uri="http://purl.org/dc/elements/1.1/"/>
-    <ds:schemaRef ds:uri="http://purl.org/dc/terms/"/>
-    <ds:schemaRef ds:uri="http://schemas.microsoft.com/office/internal/2005/internalDocumentation"/>
-  </ds:schemaRefs>
-</ds:datastoreItem>
 </file>
--- a/doc/Task07/Task07.pptx
+++ b/doc/Task07/Task07.pptx
@@ -1,6 +1,6 @@
 
 <file path=ppt/presentation.xml><?xml version="1.0" encoding="utf-8"?>
-<p:presentation xmlns:a="http://schemas.openxmlformats.org/drawingml/2006/main" xmlns:r="http://schemas.openxmlformats.org/officeDocument/2006/relationships" xmlns:p="http://schemas.openxmlformats.org/presentationml/2006/main" serverZoom="10092" saveSubsetFonts="1" autoCompressPictures="0">
+<p:presentation xmlns:a="http://schemas.openxmlformats.org/drawingml/2006/main" xmlns:r="http://schemas.openxmlformats.org/officeDocument/2006/relationships" xmlns:p="http://schemas.openxmlformats.org/presentationml/2006/main" serverZoom="17105" saveSubsetFonts="1" autoCompressPictures="0">
   <p:sldMasterIdLst>
     <p:sldMasterId id="2147483669" r:id="rId4"/>
   </p:sldMasterIdLst>
@@ -148,7 +148,7 @@
   </p:defaultTextStyle>
   <p:extLst>
     <p:ext uri="{EFAFB233-063F-42B5-8137-9DF3F51BA10A}">
-      <p15:sldGuideLst xmlns:p15="http://schemas.microsoft.com/office/powerpoint/2012/main">
+      <p15:sldGuideLst xmlns="" xmlns:p15="http://schemas.microsoft.com/office/powerpoint/2012/main">
         <p15:guide id="1" orient="horz" pos="2160">
           <p15:clr>
             <a:srgbClr val="A4A3A4"/>
@@ -162,7 +162,7 @@
       </p15:sldGuideLst>
     </p:ext>
     <p:ext uri="{2D200454-40CA-4A62-9FC3-DE9A4176ACB9}">
-      <p15:notesGuideLst xmlns:p15="http://schemas.microsoft.com/office/powerpoint/2012/main">
+      <p15:notesGuideLst xmlns="" xmlns:p15="http://schemas.microsoft.com/office/powerpoint/2012/main">
         <p15:guide id="1" orient="horz" pos="3127">
           <p15:clr>
             <a:srgbClr val="A4A3A4"/>
@@ -692,90 +692,6 @@
     </a:lvl9pPr>
   </p:notesStyle>
 </p:notesMaster>
-</file>
-
-<file path=ppt/notesSlides/notesSlide1.xml><?xml version="1.0" encoding="utf-8"?>
-<p:notes xmlns:a="http://schemas.openxmlformats.org/drawingml/2006/main" xmlns:r="http://schemas.openxmlformats.org/officeDocument/2006/relationships" xmlns:p="http://schemas.openxmlformats.org/presentationml/2006/main">
-  <p:cSld>
-    <p:spTree>
-      <p:nvGrpSpPr>
-        <p:cNvPr id="1" name=""/>
-        <p:cNvGrpSpPr/>
-        <p:nvPr/>
-      </p:nvGrpSpPr>
-      <p:grpSpPr>
-        <a:xfrm>
-          <a:off x="0" y="0"/>
-          <a:ext cx="0" cy="0"/>
-          <a:chOff x="0" y="0"/>
-          <a:chExt cx="0" cy="0"/>
-        </a:xfrm>
-      </p:grpSpPr>
-      <p:sp>
-        <p:nvSpPr>
-          <p:cNvPr id="2" name="Folienbildplatzhalter 1"/>
-          <p:cNvSpPr>
-            <a:spLocks noGrp="1" noRot="1" noChangeAspect="1"/>
-          </p:cNvSpPr>
-          <p:nvPr>
-            <p:ph type="sldImg"/>
-          </p:nvPr>
-        </p:nvSpPr>
-        <p:spPr/>
-      </p:sp>
-      <p:sp>
-        <p:nvSpPr>
-          <p:cNvPr id="3" name="Notizenplatzhalter 2"/>
-          <p:cNvSpPr>
-            <a:spLocks noGrp="1"/>
-          </p:cNvSpPr>
-          <p:nvPr>
-            <p:ph type="body" idx="1"/>
-          </p:nvPr>
-        </p:nvSpPr>
-        <p:spPr/>
-        <p:txBody>
-          <a:bodyPr/>
-          <a:lstStyle/>
-          <a:p>
-            <a:endParaRPr lang="de-CH"/>
-          </a:p>
-        </p:txBody>
-      </p:sp>
-      <p:sp>
-        <p:nvSpPr>
-          <p:cNvPr id="4" name="Foliennummernplatzhalter 3"/>
-          <p:cNvSpPr>
-            <a:spLocks noGrp="1"/>
-          </p:cNvSpPr>
-          <p:nvPr>
-            <p:ph type="sldNum" sz="quarter" idx="10"/>
-          </p:nvPr>
-        </p:nvSpPr>
-        <p:spPr/>
-        <p:txBody>
-          <a:bodyPr/>
-          <a:lstStyle/>
-          <a:p>
-            <a:fld id="{37E44704-8E6D-4CF2-8CFA-A0F7BC751896}" type="slidenum">
-              <a:rPr lang="de-CH" smtClean="0"/>
-              <a:t>6</a:t>
-            </a:fld>
-            <a:endParaRPr lang="de-CH" dirty="0"/>
-          </a:p>
-        </p:txBody>
-      </p:sp>
-    </p:spTree>
-    <p:extLst>
-      <p:ext uri="{BB962C8B-B14F-4D97-AF65-F5344CB8AC3E}">
-        <p14:creationId xmlns:p14="http://schemas.microsoft.com/office/powerpoint/2010/main" val="2423211586"/>
-      </p:ext>
-    </p:extLst>
-  </p:cSld>
-  <p:clrMapOvr>
-    <a:masterClrMapping/>
-  </p:clrMapOvr>
-</p:notes>
 </file>
 
 <file path=ppt/slideLayouts/slideLayout1.xml><?xml version="1.0" encoding="utf-8"?>
@@ -7146,26 +7062,43 @@
       </p:sp>
       <p:pic>
         <p:nvPicPr>
-          <p:cNvPr id="2" name="Grafik 1"/>
+          <p:cNvPr id="1026" name="Picture 2" descr="C:\Users\Maurice\Desktop\Bild2122.png"/>
           <p:cNvPicPr>
-            <a:picLocks noChangeAspect="1"/>
+            <a:picLocks noChangeAspect="1" noChangeArrowheads="1"/>
           </p:cNvPicPr>
           <p:nvPr/>
         </p:nvPicPr>
         <p:blipFill>
-          <a:blip r:embed="rId2"/>
+          <a:blip r:embed="rId2">
+            <a:extLst>
+              <a:ext uri="{28A0092B-C50C-407E-A947-70E740481C1C}">
+                <a14:useLocalDpi xmlns:a14="http://schemas.microsoft.com/office/drawing/2010/main" val="0"/>
+              </a:ext>
+            </a:extLst>
+          </a:blip>
+          <a:srcRect/>
           <a:stretch>
             <a:fillRect/>
           </a:stretch>
         </p:blipFill>
-        <p:spPr>
+        <p:spPr bwMode="auto">
           <a:xfrm>
-            <a:off x="19050" y="871537"/>
-            <a:ext cx="9105900" cy="5114925"/>
+            <a:off x="98293" y="1194731"/>
+            <a:ext cx="8951101" cy="4430224"/>
           </a:xfrm>
           <a:prstGeom prst="rect">
             <a:avLst/>
           </a:prstGeom>
+          <a:noFill/>
+          <a:extLst>
+            <a:ext uri="{909E8E84-426E-40DD-AFC4-6F175D3DCCD1}">
+              <a14:hiddenFill xmlns:a14="http://schemas.microsoft.com/office/drawing/2010/main">
+                <a:solidFill>
+                  <a:srgbClr val="FFFFFF"/>
+                </a:solidFill>
+              </a14:hiddenFill>
+            </a:ext>
+          </a:extLst>
         </p:spPr>
       </p:pic>
     </p:spTree>
@@ -7554,26 +7487,43 @@
       </p:sp>
       <p:pic>
         <p:nvPicPr>
-          <p:cNvPr id="3" name="Grafik 2"/>
+          <p:cNvPr id="2051" name="Picture 3" descr="C:\Users\Maurice\Desktop\Bild22343234243.png"/>
           <p:cNvPicPr>
-            <a:picLocks noChangeAspect="1"/>
+            <a:picLocks noChangeAspect="1" noChangeArrowheads="1"/>
           </p:cNvPicPr>
           <p:nvPr/>
         </p:nvPicPr>
         <p:blipFill>
-          <a:blip r:embed="rId3"/>
+          <a:blip r:embed="rId2">
+            <a:extLst>
+              <a:ext uri="{28A0092B-C50C-407E-A947-70E740481C1C}">
+                <a14:useLocalDpi xmlns:a14="http://schemas.microsoft.com/office/drawing/2010/main" val="0"/>
+              </a:ext>
+            </a:extLst>
+          </a:blip>
+          <a:srcRect/>
           <a:stretch>
             <a:fillRect/>
           </a:stretch>
         </p:blipFill>
-        <p:spPr>
+        <p:spPr bwMode="auto">
           <a:xfrm>
-            <a:off x="14287" y="1214437"/>
-            <a:ext cx="9115425" cy="4429125"/>
+            <a:off x="194425" y="1208629"/>
+            <a:ext cx="8811030" cy="4360898"/>
           </a:xfrm>
           <a:prstGeom prst="rect">
             <a:avLst/>
           </a:prstGeom>
+          <a:noFill/>
+          <a:extLst>
+            <a:ext uri="{909E8E84-426E-40DD-AFC4-6F175D3DCCD1}">
+              <a14:hiddenFill xmlns:a14="http://schemas.microsoft.com/office/drawing/2010/main">
+                <a:solidFill>
+                  <a:srgbClr val="FFFFFF"/>
+                </a:solidFill>
+              </a14:hiddenFill>
+            </a:ext>
+          </a:extLst>
         </p:spPr>
       </p:pic>
     </p:spTree>
@@ -8557,20 +8507,20 @@
 </file>
 
 <file path=customXml/item2.xml><?xml version="1.0" encoding="utf-8"?>
-<p:properties xmlns:p="http://schemas.microsoft.com/office/2006/metadata/properties" xmlns:xsi="http://www.w3.org/2001/XMLSchema-instance">
-  <documentManagement>
-    <AVMTitle xmlns="5091c847-84be-4f4f-b16c-c018ad2ca66b">Präsentation BFH_2013</AVMTitle>
-  </documentManagement>
-</p:properties>
-</file>
-
-<file path=customXml/item3.xml><?xml version="1.0" encoding="utf-8"?>
 <?mso-contentType ?>
 <FormTemplates xmlns="http://schemas.microsoft.com/sharepoint/v3/contenttype/forms">
   <Display>DocumentLibraryForm</Display>
   <Edit>DocumentLibraryForm</Edit>
   <New>DocumentLibraryForm</New>
 </FormTemplates>
+</file>
+
+<file path=customXml/item3.xml><?xml version="1.0" encoding="utf-8"?>
+<p:properties xmlns:p="http://schemas.microsoft.com/office/2006/metadata/properties" xmlns:xsi="http://www.w3.org/2001/XMLSchema-instance">
+  <documentManagement>
+    <AVMTitle xmlns="5091c847-84be-4f4f-b16c-c018ad2ca66b">Präsentation BFH_2013</AVMTitle>
+  </documentManagement>
+</p:properties>
 </file>
 
 <file path=customXml/itemProps1.xml><?xml version="1.0" encoding="utf-8"?>
@@ -8591,6 +8541,14 @@
 </file>
 
 <file path=customXml/itemProps2.xml><?xml version="1.0" encoding="utf-8"?>
+<ds:datastoreItem xmlns:ds="http://schemas.openxmlformats.org/officeDocument/2006/customXml" ds:itemID="{1851D33F-E468-417B-A30C-509B68D2BD09}">
+  <ds:schemaRefs>
+    <ds:schemaRef ds:uri="http://schemas.microsoft.com/sharepoint/v3/contenttype/forms"/>
+  </ds:schemaRefs>
+</ds:datastoreItem>
+</file>
+
+<file path=customXml/itemProps3.xml><?xml version="1.0" encoding="utf-8"?>
 <ds:datastoreItem xmlns:ds="http://schemas.openxmlformats.org/officeDocument/2006/customXml" ds:itemID="{32991507-CB83-4F49-BAFB-D322B1D04098}">
   <ds:schemaRefs>
     <ds:schemaRef ds:uri="http://schemas.microsoft.com/office/2006/documentManagement/types"/>
@@ -8603,12 +8561,4 @@
     <ds:schemaRef ds:uri="http://purl.org/dc/terms/"/>
   </ds:schemaRefs>
 </ds:datastoreItem>
-</file>
-
-<file path=customXml/itemProps3.xml><?xml version="1.0" encoding="utf-8"?>
-<ds:datastoreItem xmlns:ds="http://schemas.openxmlformats.org/officeDocument/2006/customXml" ds:itemID="{1851D33F-E468-417B-A30C-509B68D2BD09}">
-  <ds:schemaRefs>
-    <ds:schemaRef ds:uri="http://schemas.microsoft.com/sharepoint/v3/contenttype/forms"/>
-  </ds:schemaRefs>
-</ds:datastoreItem>
 </file>
--- a/doc/Task07/Task07.pptx
+++ b/doc/Task07/Task07.pptx
@@ -1,6 +1,6 @@
 
 <file path=ppt/presentation.xml><?xml version="1.0" encoding="utf-8"?>
-<p:presentation xmlns:a="http://schemas.openxmlformats.org/drawingml/2006/main" xmlns:r="http://schemas.openxmlformats.org/officeDocument/2006/relationships" xmlns:p="http://schemas.openxmlformats.org/presentationml/2006/main" serverZoom="17105" saveSubsetFonts="1" autoCompressPictures="0">
+<p:presentation xmlns:a="http://schemas.openxmlformats.org/drawingml/2006/main" xmlns:r="http://schemas.openxmlformats.org/officeDocument/2006/relationships" xmlns:p="http://schemas.openxmlformats.org/presentationml/2006/main" serverZoom="10743" saveSubsetFonts="1" autoCompressPictures="0">
   <p:sldMasterIdLst>
     <p:sldMasterId id="2147483669" r:id="rId4"/>
   </p:sldMasterIdLst>
@@ -148,7 +148,7 @@
   </p:defaultTextStyle>
   <p:extLst>
     <p:ext uri="{EFAFB233-063F-42B5-8137-9DF3F51BA10A}">
-      <p15:sldGuideLst xmlns="" xmlns:p15="http://schemas.microsoft.com/office/powerpoint/2012/main">
+      <p15:sldGuideLst xmlns:p15="http://schemas.microsoft.com/office/powerpoint/2012/main">
         <p15:guide id="1" orient="horz" pos="2160">
           <p15:clr>
             <a:srgbClr val="A4A3A4"/>
@@ -162,7 +162,7 @@
       </p15:sldGuideLst>
     </p:ext>
     <p:ext uri="{2D200454-40CA-4A62-9FC3-DE9A4176ACB9}">
-      <p15:notesGuideLst xmlns="" xmlns:p15="http://schemas.microsoft.com/office/powerpoint/2012/main">
+      <p15:notesGuideLst xmlns:p15="http://schemas.microsoft.com/office/powerpoint/2012/main">
         <p15:guide id="1" orient="horz" pos="3127">
           <p15:clr>
             <a:srgbClr val="A4A3A4"/>
@@ -261,7 +261,7 @@
           <a:p>
             <a:fld id="{EFA0D184-D464-48E9-9CA0-A94E873F6C2C}" type="datetimeFigureOut">
               <a:rPr lang="de-CH" smtClean="0"/>
-              <a:t>05.11.2015</a:t>
+              <a:t>06.11.2015</a:t>
             </a:fld>
             <a:endParaRPr lang="de-CH" dirty="0"/>
           </a:p>
@@ -426,7 +426,7 @@
           <a:p>
             <a:fld id="{5AF2B663-2BA9-4D7E-8201-5DE4109E1EDD}" type="datetimeFigureOut">
               <a:rPr lang="de-CH" smtClean="0"/>
-              <a:t>05.11.2015</a:t>
+              <a:t>06.11.2015</a:t>
             </a:fld>
             <a:endParaRPr lang="de-CH" dirty="0"/>
           </a:p>
@@ -2299,7 +2299,7 @@
           <a:p>
             <a:fld id="{BA759448-4020-4154-96C5-32359420A77A}" type="datetimeFigureOut">
               <a:rPr lang="de-CH" smtClean="0"/>
-              <a:t>05.11.2015</a:t>
+              <a:t>06.11.2015</a:t>
             </a:fld>
             <a:endParaRPr lang="de-CH"/>
           </a:p>
@@ -2410,7 +2410,7 @@
           <a:p>
             <a:fld id="{C768754E-A360-45E9-84D1-79DBC472E63F}" type="datetimeFigureOut">
               <a:rPr lang="de-CH" smtClean="0"/>
-              <a:t>05.11.2015</a:t>
+              <a:t>06.11.2015</a:t>
             </a:fld>
             <a:endParaRPr lang="de-CH"/>
           </a:p>
@@ -6991,6 +6991,10 @@
           <a:bodyPr/>
           <a:lstStyle/>
           <a:p>
+            <a:r>
+              <a:rPr lang="de-CH" dirty="0" smtClean="0"/>
+              <a:t>Technik und Informatik / Medizininformatik</a:t>
+            </a:r>
             <a:endParaRPr lang="de-CH" dirty="0"/>
           </a:p>
         </p:txBody>
@@ -7272,8 +7276,8 @@
               <a:t>Erstellen eines neuen </a:t>
             </a:r>
             <a:r>
-              <a:rPr lang="de-CH" dirty="0" err="1" smtClean="0"/>
-              <a:t>Termines</a:t>
+              <a:rPr lang="de-CH" dirty="0" smtClean="0"/>
+              <a:t>Termins</a:t>
             </a:r>
             <a:endParaRPr lang="de-CH" dirty="0"/>
           </a:p>
@@ -7479,7 +7483,7 @@
             </a:r>
             <a:r>
               <a:rPr lang="de-CH" dirty="0" err="1" smtClean="0"/>
-              <a:t>extendet</a:t>
+              <a:t>extended</a:t>
             </a:r>
             <a:endParaRPr lang="de-CH" dirty="0"/>
           </a:p>
@@ -8447,6 +8451,23 @@
 </file>
 
 <file path=customXml/item1.xml><?xml version="1.0" encoding="utf-8"?>
+<p:properties xmlns:p="http://schemas.microsoft.com/office/2006/metadata/properties" xmlns:xsi="http://www.w3.org/2001/XMLSchema-instance">
+  <documentManagement>
+    <AVMTitle xmlns="5091c847-84be-4f4f-b16c-c018ad2ca66b">Präsentation BFH_2013</AVMTitle>
+  </documentManagement>
+</p:properties>
+</file>
+
+<file path=customXml/item2.xml><?xml version="1.0" encoding="utf-8"?>
+<?mso-contentType ?>
+<FormTemplates xmlns="http://schemas.microsoft.com/sharepoint/v3/contenttype/forms">
+  <Display>DocumentLibraryForm</Display>
+  <Edit>DocumentLibraryForm</Edit>
+  <New>DocumentLibraryForm</New>
+</FormTemplates>
+</file>
+
+<file path=customXml/item3.xml><?xml version="1.0" encoding="utf-8"?>
 <ct:contentTypeSchema xmlns:ct="http://schemas.microsoft.com/office/2006/metadata/contentType" xmlns:ma="http://schemas.microsoft.com/office/2006/metadata/properties/metaAttributes" ct:_="" ma:_="" ma:contentTypeName="Dokument" ma:contentTypeID="0x010100EBE3A9EFF36793468C03E2811ACE2A2B" ma:contentTypeVersion="1" ma:contentTypeDescription="Ein neues Dokument erstellen." ma:contentTypeScope="" ma:versionID="e65be32cb1bfff77fc8c9c09bf542651">
   <xsd:schema xmlns:xsd="http://www.w3.org/2001/XMLSchema" xmlns:p="http://schemas.microsoft.com/office/2006/metadata/properties" xmlns:ns2="5091c847-84be-4f4f-b16c-c018ad2ca66b" targetNamespace="http://schemas.microsoft.com/office/2006/metadata/properties" ma:root="true" ma:fieldsID="7636c84aed5b7d09a166fcef888725d4" ns2:_="">
     <xsd:import namespace="5091c847-84be-4f4f-b16c-c018ad2ca66b"/>
@@ -8506,24 +8527,30 @@
 </ct:contentTypeSchema>
 </file>
 
-<file path=customXml/item2.xml><?xml version="1.0" encoding="utf-8"?>
-<?mso-contentType ?>
-<FormTemplates xmlns="http://schemas.microsoft.com/sharepoint/v3/contenttype/forms">
-  <Display>DocumentLibraryForm</Display>
-  <Edit>DocumentLibraryForm</Edit>
-  <New>DocumentLibraryForm</New>
-</FormTemplates>
+<file path=customXml/itemProps1.xml><?xml version="1.0" encoding="utf-8"?>
+<ds:datastoreItem xmlns:ds="http://schemas.openxmlformats.org/officeDocument/2006/customXml" ds:itemID="{32991507-CB83-4F49-BAFB-D322B1D04098}">
+  <ds:schemaRefs>
+    <ds:schemaRef ds:uri="http://schemas.microsoft.com/office/2006/documentManagement/types"/>
+    <ds:schemaRef ds:uri="http://purl.org/dc/dcmitype/"/>
+    <ds:schemaRef ds:uri="5091c847-84be-4f4f-b16c-c018ad2ca66b"/>
+    <ds:schemaRef ds:uri="http://schemas.microsoft.com/office/2006/metadata/properties"/>
+    <ds:schemaRef ds:uri="http://www.w3.org/XML/1998/namespace"/>
+    <ds:schemaRef ds:uri="http://purl.org/dc/elements/1.1/"/>
+    <ds:schemaRef ds:uri="http://schemas.openxmlformats.org/package/2006/metadata/core-properties"/>
+    <ds:schemaRef ds:uri="http://purl.org/dc/terms/"/>
+  </ds:schemaRefs>
+</ds:datastoreItem>
 </file>
 
-<file path=customXml/item3.xml><?xml version="1.0" encoding="utf-8"?>
-<p:properties xmlns:p="http://schemas.microsoft.com/office/2006/metadata/properties" xmlns:xsi="http://www.w3.org/2001/XMLSchema-instance">
-  <documentManagement>
-    <AVMTitle xmlns="5091c847-84be-4f4f-b16c-c018ad2ca66b">Präsentation BFH_2013</AVMTitle>
-  </documentManagement>
-</p:properties>
+<file path=customXml/itemProps2.xml><?xml version="1.0" encoding="utf-8"?>
+<ds:datastoreItem xmlns:ds="http://schemas.openxmlformats.org/officeDocument/2006/customXml" ds:itemID="{1851D33F-E468-417B-A30C-509B68D2BD09}">
+  <ds:schemaRefs>
+    <ds:schemaRef ds:uri="http://schemas.microsoft.com/sharepoint/v3/contenttype/forms"/>
+  </ds:schemaRefs>
+</ds:datastoreItem>
 </file>
 
-<file path=customXml/itemProps1.xml><?xml version="1.0" encoding="utf-8"?>
+<file path=customXml/itemProps3.xml><?xml version="1.0" encoding="utf-8"?>
 <ds:datastoreItem xmlns:ds="http://schemas.openxmlformats.org/officeDocument/2006/customXml" ds:itemID="{15287BEA-F3FF-4B87-929B-5D0092183197}">
   <ds:schemaRefs>
     <ds:schemaRef ds:uri="http://schemas.microsoft.com/office/2006/metadata/contentType"/>
@@ -8538,27 +8565,4 @@
     <ds:schemaRef ds:uri="http://schemas.microsoft.com/office/internal/2005/internalDocumentation"/>
   </ds:schemaRefs>
 </ds:datastoreItem>
-</file>
-
-<file path=customXml/itemProps2.xml><?xml version="1.0" encoding="utf-8"?>
-<ds:datastoreItem xmlns:ds="http://schemas.openxmlformats.org/officeDocument/2006/customXml" ds:itemID="{1851D33F-E468-417B-A30C-509B68D2BD09}">
-  <ds:schemaRefs>
-    <ds:schemaRef ds:uri="http://schemas.microsoft.com/sharepoint/v3/contenttype/forms"/>
-  </ds:schemaRefs>
-</ds:datastoreItem>
-</file>
-
-<file path=customXml/itemProps3.xml><?xml version="1.0" encoding="utf-8"?>
-<ds:datastoreItem xmlns:ds="http://schemas.openxmlformats.org/officeDocument/2006/customXml" ds:itemID="{32991507-CB83-4F49-BAFB-D322B1D04098}">
-  <ds:schemaRefs>
-    <ds:schemaRef ds:uri="http://schemas.microsoft.com/office/2006/documentManagement/types"/>
-    <ds:schemaRef ds:uri="http://purl.org/dc/dcmitype/"/>
-    <ds:schemaRef ds:uri="5091c847-84be-4f4f-b16c-c018ad2ca66b"/>
-    <ds:schemaRef ds:uri="http://schemas.microsoft.com/office/2006/metadata/properties"/>
-    <ds:schemaRef ds:uri="http://www.w3.org/XML/1998/namespace"/>
-    <ds:schemaRef ds:uri="http://purl.org/dc/elements/1.1/"/>
-    <ds:schemaRef ds:uri="http://schemas.openxmlformats.org/package/2006/metadata/core-properties"/>
-    <ds:schemaRef ds:uri="http://purl.org/dc/terms/"/>
-  </ds:schemaRefs>
-</ds:datastoreItem>
 </file>
--- a/doc/Task07/Task07.pptx
+++ b/doc/Task07/Task07.pptx
@@ -1,6 +1,6 @@
 
 <file path=ppt/presentation.xml><?xml version="1.0" encoding="utf-8"?>
-<p:presentation xmlns:a="http://schemas.openxmlformats.org/drawingml/2006/main" xmlns:r="http://schemas.openxmlformats.org/officeDocument/2006/relationships" xmlns:p="http://schemas.openxmlformats.org/presentationml/2006/main" serverZoom="10743" saveSubsetFonts="1" autoCompressPictures="0">
+<p:presentation xmlns:a="http://schemas.openxmlformats.org/drawingml/2006/main" xmlns:r="http://schemas.openxmlformats.org/officeDocument/2006/relationships" xmlns:p="http://schemas.openxmlformats.org/presentationml/2006/main" serverZoom="17105" saveSubsetFonts="1" autoCompressPictures="0">
   <p:sldMasterIdLst>
     <p:sldMasterId id="2147483669" r:id="rId4"/>
   </p:sldMasterIdLst>
@@ -148,7 +148,7 @@
   </p:defaultTextStyle>
   <p:extLst>
     <p:ext uri="{EFAFB233-063F-42B5-8137-9DF3F51BA10A}">
-      <p15:sldGuideLst xmlns:p15="http://schemas.microsoft.com/office/powerpoint/2012/main">
+      <p15:sldGuideLst xmlns="" xmlns:p15="http://schemas.microsoft.com/office/powerpoint/2012/main">
         <p15:guide id="1" orient="horz" pos="2160">
           <p15:clr>
             <a:srgbClr val="A4A3A4"/>
@@ -162,7 +162,7 @@
       </p15:sldGuideLst>
     </p:ext>
     <p:ext uri="{2D200454-40CA-4A62-9FC3-DE9A4176ACB9}">
-      <p15:notesGuideLst xmlns:p15="http://schemas.microsoft.com/office/powerpoint/2012/main">
+      <p15:notesGuideLst xmlns="" xmlns:p15="http://schemas.microsoft.com/office/powerpoint/2012/main">
         <p15:guide id="1" orient="horz" pos="3127">
           <p15:clr>
             <a:srgbClr val="A4A3A4"/>
@@ -261,7 +261,7 @@
           <a:p>
             <a:fld id="{EFA0D184-D464-48E9-9CA0-A94E873F6C2C}" type="datetimeFigureOut">
               <a:rPr lang="de-CH" smtClean="0"/>
-              <a:t>06.11.2015</a:t>
+              <a:t>09.11.2015</a:t>
             </a:fld>
             <a:endParaRPr lang="de-CH" dirty="0"/>
           </a:p>
@@ -426,7 +426,7 @@
           <a:p>
             <a:fld id="{5AF2B663-2BA9-4D7E-8201-5DE4109E1EDD}" type="datetimeFigureOut">
               <a:rPr lang="de-CH" smtClean="0"/>
-              <a:t>06.11.2015</a:t>
+              <a:t>09.11.2015</a:t>
             </a:fld>
             <a:endParaRPr lang="de-CH" dirty="0"/>
           </a:p>
@@ -2299,7 +2299,7 @@
           <a:p>
             <a:fld id="{BA759448-4020-4154-96C5-32359420A77A}" type="datetimeFigureOut">
               <a:rPr lang="de-CH" smtClean="0"/>
-              <a:t>06.11.2015</a:t>
+              <a:t>09.11.2015</a:t>
             </a:fld>
             <a:endParaRPr lang="de-CH"/>
           </a:p>
@@ -2410,7 +2410,7 @@
           <a:p>
             <a:fld id="{C768754E-A360-45E9-84D1-79DBC472E63F}" type="datetimeFigureOut">
               <a:rPr lang="de-CH" smtClean="0"/>
-              <a:t>06.11.2015</a:t>
+              <a:t>09.11.2015</a:t>
             </a:fld>
             <a:endParaRPr lang="de-CH"/>
           </a:p>
@@ -6967,7 +6967,11 @@
           <a:p>
             <a:r>
               <a:rPr lang="de-CH" b="1" dirty="0" smtClean="0"/>
-              <a:t>09.11.2015, Schmocker, Noser, Tschanz, Zysset, Iseli, Schmied</a:t>
+              <a:t>09.11.2015, Schmocker, Noser, Tschanz, Zysset, </a:t>
+            </a:r>
+            <a:r>
+              <a:rPr lang="de-CH" b="1" smtClean="0"/>
+              <a:t>Iseli</a:t>
             </a:r>
             <a:endParaRPr lang="de-DE" b="1" dirty="0"/>
           </a:p>
@@ -6991,10 +6995,6 @@
           <a:bodyPr/>
           <a:lstStyle/>
           <a:p>
-            <a:r>
-              <a:rPr lang="de-CH" dirty="0" smtClean="0"/>
-              <a:t>Technik und Informatik / Medizininformatik</a:t>
-            </a:r>
             <a:endParaRPr lang="de-CH" dirty="0"/>
           </a:p>
         </p:txBody>
@@ -7276,8 +7276,8 @@
               <a:t>Erstellen eines neuen </a:t>
             </a:r>
             <a:r>
-              <a:rPr lang="de-CH" dirty="0" smtClean="0"/>
-              <a:t>Termins</a:t>
+              <a:rPr lang="de-CH" dirty="0" err="1" smtClean="0"/>
+              <a:t>Termines</a:t>
             </a:r>
             <a:endParaRPr lang="de-CH" dirty="0"/>
           </a:p>
@@ -7285,7 +7285,7 @@
       </p:sp>
       <p:pic>
         <p:nvPicPr>
-          <p:cNvPr id="3074" name="Picture 2" descr="C:\Users\Maurice\Desktop\Bild3.png"/>
+          <p:cNvPr id="2050" name="Picture 2"/>
           <p:cNvPicPr>
             <a:picLocks noChangeAspect="1" noChangeArrowheads="1"/>
           </p:cNvPicPr>
@@ -7306,20 +7306,33 @@
         </p:blipFill>
         <p:spPr bwMode="auto">
           <a:xfrm>
-            <a:off x="1634836" y="737028"/>
-            <a:ext cx="5749638" cy="5385999"/>
+            <a:off x="1302434" y="900000"/>
+            <a:ext cx="6280052" cy="5297026"/>
           </a:xfrm>
           <a:prstGeom prst="rect">
             <a:avLst/>
           </a:prstGeom>
           <a:noFill/>
+          <a:ln>
+            <a:noFill/>
+          </a:ln>
           <a:extLst>
             <a:ext uri="{909E8E84-426E-40DD-AFC4-6F175D3DCCD1}">
               <a14:hiddenFill xmlns:a14="http://schemas.microsoft.com/office/drawing/2010/main">
                 <a:solidFill>
-                  <a:srgbClr val="FFFFFF"/>
+                  <a:schemeClr val="accent1"/>
                 </a:solidFill>
               </a14:hiddenFill>
+            </a:ext>
+            <a:ext uri="{91240B29-F687-4F45-9708-019B960494DF}">
+              <a14:hiddenLine xmlns:a14="http://schemas.microsoft.com/office/drawing/2010/main" w="9525">
+                <a:solidFill>
+                  <a:schemeClr val="tx1"/>
+                </a:solidFill>
+                <a:miter lim="800000"/>
+                <a:headEnd/>
+                <a:tailEnd/>
+              </a14:hiddenLine>
             </a:ext>
           </a:extLst>
         </p:spPr>
@@ -7386,7 +7399,7 @@
       </p:sp>
       <p:pic>
         <p:nvPicPr>
-          <p:cNvPr id="4098" name="Picture 2" descr="C:\Users\Maurice\Desktop\Bild4.png"/>
+          <p:cNvPr id="1027" name="Picture 3"/>
           <p:cNvPicPr>
             <a:picLocks noChangeAspect="1" noChangeArrowheads="1"/>
           </p:cNvPicPr>
@@ -7407,20 +7420,33 @@
         </p:blipFill>
         <p:spPr bwMode="auto">
           <a:xfrm>
-            <a:off x="1451704" y="858434"/>
-            <a:ext cx="6833345" cy="5638771"/>
+            <a:off x="1310448" y="864943"/>
+            <a:ext cx="5723397" cy="5432869"/>
           </a:xfrm>
           <a:prstGeom prst="rect">
             <a:avLst/>
           </a:prstGeom>
           <a:noFill/>
+          <a:ln>
+            <a:noFill/>
+          </a:ln>
           <a:extLst>
             <a:ext uri="{909E8E84-426E-40DD-AFC4-6F175D3DCCD1}">
               <a14:hiddenFill xmlns:a14="http://schemas.microsoft.com/office/drawing/2010/main">
                 <a:solidFill>
-                  <a:srgbClr val="FFFFFF"/>
+                  <a:schemeClr val="accent1"/>
                 </a:solidFill>
               </a14:hiddenFill>
+            </a:ext>
+            <a:ext uri="{91240B29-F687-4F45-9708-019B960494DF}">
+              <a14:hiddenLine xmlns:a14="http://schemas.microsoft.com/office/drawing/2010/main" w="9525">
+                <a:solidFill>
+                  <a:schemeClr val="tx1"/>
+                </a:solidFill>
+                <a:miter lim="800000"/>
+                <a:headEnd/>
+                <a:tailEnd/>
+              </a14:hiddenLine>
             </a:ext>
           </a:extLst>
         </p:spPr>
@@ -7483,7 +7509,7 @@
             </a:r>
             <a:r>
               <a:rPr lang="de-CH" dirty="0" err="1" smtClean="0"/>
-              <a:t>extended</a:t>
+              <a:t>extendet</a:t>
             </a:r>
             <a:endParaRPr lang="de-CH" dirty="0"/>
           </a:p>
@@ -8451,23 +8477,6 @@
 </file>
 
 <file path=customXml/item1.xml><?xml version="1.0" encoding="utf-8"?>
-<p:properties xmlns:p="http://schemas.microsoft.com/office/2006/metadata/properties" xmlns:xsi="http://www.w3.org/2001/XMLSchema-instance">
-  <documentManagement>
-    <AVMTitle xmlns="5091c847-84be-4f4f-b16c-c018ad2ca66b">Präsentation BFH_2013</AVMTitle>
-  </documentManagement>
-</p:properties>
-</file>
-
-<file path=customXml/item2.xml><?xml version="1.0" encoding="utf-8"?>
-<?mso-contentType ?>
-<FormTemplates xmlns="http://schemas.microsoft.com/sharepoint/v3/contenttype/forms">
-  <Display>DocumentLibraryForm</Display>
-  <Edit>DocumentLibraryForm</Edit>
-  <New>DocumentLibraryForm</New>
-</FormTemplates>
-</file>
-
-<file path=customXml/item3.xml><?xml version="1.0" encoding="utf-8"?>
 <ct:contentTypeSchema xmlns:ct="http://schemas.microsoft.com/office/2006/metadata/contentType" xmlns:ma="http://schemas.microsoft.com/office/2006/metadata/properties/metaAttributes" ct:_="" ma:_="" ma:contentTypeName="Dokument" ma:contentTypeID="0x010100EBE3A9EFF36793468C03E2811ACE2A2B" ma:contentTypeVersion="1" ma:contentTypeDescription="Ein neues Dokument erstellen." ma:contentTypeScope="" ma:versionID="e65be32cb1bfff77fc8c9c09bf542651">
   <xsd:schema xmlns:xsd="http://www.w3.org/2001/XMLSchema" xmlns:p="http://schemas.microsoft.com/office/2006/metadata/properties" xmlns:ns2="5091c847-84be-4f4f-b16c-c018ad2ca66b" targetNamespace="http://schemas.microsoft.com/office/2006/metadata/properties" ma:root="true" ma:fieldsID="7636c84aed5b7d09a166fcef888725d4" ns2:_="">
     <xsd:import namespace="5091c847-84be-4f4f-b16c-c018ad2ca66b"/>
@@ -8527,30 +8536,24 @@
 </ct:contentTypeSchema>
 </file>
 
-<file path=customXml/itemProps1.xml><?xml version="1.0" encoding="utf-8"?>
-<ds:datastoreItem xmlns:ds="http://schemas.openxmlformats.org/officeDocument/2006/customXml" ds:itemID="{32991507-CB83-4F49-BAFB-D322B1D04098}">
-  <ds:schemaRefs>
-    <ds:schemaRef ds:uri="http://schemas.microsoft.com/office/2006/documentManagement/types"/>
-    <ds:schemaRef ds:uri="http://purl.org/dc/dcmitype/"/>
-    <ds:schemaRef ds:uri="5091c847-84be-4f4f-b16c-c018ad2ca66b"/>
-    <ds:schemaRef ds:uri="http://schemas.microsoft.com/office/2006/metadata/properties"/>
-    <ds:schemaRef ds:uri="http://www.w3.org/XML/1998/namespace"/>
-    <ds:schemaRef ds:uri="http://purl.org/dc/elements/1.1/"/>
-    <ds:schemaRef ds:uri="http://schemas.openxmlformats.org/package/2006/metadata/core-properties"/>
-    <ds:schemaRef ds:uri="http://purl.org/dc/terms/"/>
-  </ds:schemaRefs>
-</ds:datastoreItem>
+<file path=customXml/item2.xml><?xml version="1.0" encoding="utf-8"?>
+<?mso-contentType ?>
+<FormTemplates xmlns="http://schemas.microsoft.com/sharepoint/v3/contenttype/forms">
+  <Display>DocumentLibraryForm</Display>
+  <Edit>DocumentLibraryForm</Edit>
+  <New>DocumentLibraryForm</New>
+</FormTemplates>
 </file>
 
-<file path=customXml/itemProps2.xml><?xml version="1.0" encoding="utf-8"?>
-<ds:datastoreItem xmlns:ds="http://schemas.openxmlformats.org/officeDocument/2006/customXml" ds:itemID="{1851D33F-E468-417B-A30C-509B68D2BD09}">
-  <ds:schemaRefs>
-    <ds:schemaRef ds:uri="http://schemas.microsoft.com/sharepoint/v3/contenttype/forms"/>
-  </ds:schemaRefs>
-</ds:datastoreItem>
+<file path=customXml/item3.xml><?xml version="1.0" encoding="utf-8"?>
+<p:properties xmlns:p="http://schemas.microsoft.com/office/2006/metadata/properties" xmlns:xsi="http://www.w3.org/2001/XMLSchema-instance">
+  <documentManagement>
+    <AVMTitle xmlns="5091c847-84be-4f4f-b16c-c018ad2ca66b">Präsentation BFH_2013</AVMTitle>
+  </documentManagement>
+</p:properties>
 </file>
 
-<file path=customXml/itemProps3.xml><?xml version="1.0" encoding="utf-8"?>
+<file path=customXml/itemProps1.xml><?xml version="1.0" encoding="utf-8"?>
 <ds:datastoreItem xmlns:ds="http://schemas.openxmlformats.org/officeDocument/2006/customXml" ds:itemID="{15287BEA-F3FF-4B87-929B-5D0092183197}">
   <ds:schemaRefs>
     <ds:schemaRef ds:uri="http://schemas.microsoft.com/office/2006/metadata/contentType"/>
@@ -8565,4 +8568,27 @@
     <ds:schemaRef ds:uri="http://schemas.microsoft.com/office/internal/2005/internalDocumentation"/>
   </ds:schemaRefs>
 </ds:datastoreItem>
+</file>
+
+<file path=customXml/itemProps2.xml><?xml version="1.0" encoding="utf-8"?>
+<ds:datastoreItem xmlns:ds="http://schemas.openxmlformats.org/officeDocument/2006/customXml" ds:itemID="{1851D33F-E468-417B-A30C-509B68D2BD09}">
+  <ds:schemaRefs>
+    <ds:schemaRef ds:uri="http://schemas.microsoft.com/sharepoint/v3/contenttype/forms"/>
+  </ds:schemaRefs>
+</ds:datastoreItem>
+</file>
+
+<file path=customXml/itemProps3.xml><?xml version="1.0" encoding="utf-8"?>
+<ds:datastoreItem xmlns:ds="http://schemas.openxmlformats.org/officeDocument/2006/customXml" ds:itemID="{32991507-CB83-4F49-BAFB-D322B1D04098}">
+  <ds:schemaRefs>
+    <ds:schemaRef ds:uri="http://schemas.microsoft.com/office/2006/documentManagement/types"/>
+    <ds:schemaRef ds:uri="http://purl.org/dc/dcmitype/"/>
+    <ds:schemaRef ds:uri="5091c847-84be-4f4f-b16c-c018ad2ca66b"/>
+    <ds:schemaRef ds:uri="http://schemas.microsoft.com/office/2006/metadata/properties"/>
+    <ds:schemaRef ds:uri="http://www.w3.org/XML/1998/namespace"/>
+    <ds:schemaRef ds:uri="http://purl.org/dc/elements/1.1/"/>
+    <ds:schemaRef ds:uri="http://schemas.openxmlformats.org/package/2006/metadata/core-properties"/>
+    <ds:schemaRef ds:uri="http://purl.org/dc/terms/"/>
+  </ds:schemaRefs>
+</ds:datastoreItem>
 </file>